--- a/PPTs/Operations_on_variables.pptx
+++ b/PPTs/Operations_on_variables.pptx
@@ -303,7 +303,7 @@
             <a:fld id="{C8A432C8-69A7-458B-9684-2BFA64B31948}" type="datetime2">
               <a:rPr lang="en-US" smtClean="0"/>
               <a:pPr/>
-              <a:t>Thursday, May 25, 2017</a:t>
+              <a:t>Friday, May 26, 2017</a:t>
             </a:fld>
             <a:endParaRPr lang="en-US"/>
           </a:p>
@@ -506,7 +506,7 @@
             <a:fld id="{8CC057FC-95B6-4D89-AFDA-ABA33EE921E5}" type="datetime2">
               <a:rPr lang="en-US" smtClean="0"/>
               <a:pPr/>
-              <a:t>Thursday, May 25, 2017</a:t>
+              <a:t>Friday, May 26, 2017</a:t>
             </a:fld>
             <a:endParaRPr lang="en-US"/>
           </a:p>
@@ -684,7 +684,7 @@
             <a:fld id="{EC4549AC-EB31-477F-92A9-B1988E232878}" type="datetime2">
               <a:rPr lang="en-US" smtClean="0"/>
               <a:pPr/>
-              <a:t>Thursday, May 25, 2017</a:t>
+              <a:t>Friday, May 26, 2017</a:t>
             </a:fld>
             <a:endParaRPr lang="en-US"/>
           </a:p>
@@ -852,7 +852,7 @@
             <a:fld id="{6396A3A3-94A6-4E5B-AF39-173ACA3E61CC}" type="datetime2">
               <a:rPr lang="en-US" smtClean="0"/>
               <a:pPr/>
-              <a:t>Thursday, May 25, 2017</a:t>
+              <a:t>Friday, May 26, 2017</a:t>
             </a:fld>
             <a:endParaRPr lang="en-US"/>
           </a:p>
@@ -1103,7 +1103,7 @@
             <a:fld id="{9933D019-A32C-4EAD-B8E6-DBDA699692FD}" type="datetime2">
               <a:rPr lang="en-US" smtClean="0"/>
               <a:pPr/>
-              <a:t>Thursday, May 25, 2017</a:t>
+              <a:t>Friday, May 26, 2017</a:t>
             </a:fld>
             <a:endParaRPr lang="en-US"/>
           </a:p>
@@ -1424,7 +1424,7 @@
             <a:fld id="{CCEBA98F-560C-4997-81C4-81D4D9187EAB}" type="datetime2">
               <a:rPr lang="en-US" smtClean="0"/>
               <a:pPr/>
-              <a:t>Thursday, May 25, 2017</a:t>
+              <a:t>Friday, May 26, 2017</a:t>
             </a:fld>
             <a:endParaRPr lang="en-US"/>
           </a:p>
@@ -1893,7 +1893,7 @@
             <a:fld id="{150972B2-CA5C-437D-87D0-8081271A9E4B}" type="datetime2">
               <a:rPr lang="en-US" smtClean="0"/>
               <a:pPr/>
-              <a:t>Thursday, May 25, 2017</a:t>
+              <a:t>Friday, May 26, 2017</a:t>
             </a:fld>
             <a:endParaRPr lang="en-US"/>
           </a:p>
@@ -2044,7 +2044,7 @@
             <a:fld id="{79CD4847-11EF-4466-A8AD-85CDB7B49118}" type="datetime2">
               <a:rPr lang="en-US" smtClean="0"/>
               <a:pPr/>
-              <a:t>Thursday, May 25, 2017</a:t>
+              <a:t>Friday, May 26, 2017</a:t>
             </a:fld>
             <a:endParaRPr lang="en-US"/>
           </a:p>
@@ -2137,7 +2137,7 @@
             <a:fld id="{F168457A-3AB9-4880-8A0C-9F8524491207}" type="datetime2">
               <a:rPr lang="en-US" smtClean="0"/>
               <a:pPr/>
-              <a:t>Thursday, May 25, 2017</a:t>
+              <a:t>Friday, May 26, 2017</a:t>
             </a:fld>
             <a:endParaRPr lang="en-US"/>
           </a:p>
@@ -2414,7 +2414,7 @@
             <a:fld id="{3FE976D3-5B7F-4300-ABED-C91F1B2AE209}" type="datetime2">
               <a:rPr lang="en-US" smtClean="0"/>
               <a:pPr/>
-              <a:t>Thursday, May 25, 2017</a:t>
+              <a:t>Friday, May 26, 2017</a:t>
             </a:fld>
             <a:endParaRPr lang="en-US"/>
           </a:p>
@@ -2722,7 +2722,7 @@
             <a:fld id="{EBDC1E59-17DD-41CE-97CA-624A472382D4}" type="datetime2">
               <a:rPr lang="en-US" smtClean="0"/>
               <a:pPr/>
-              <a:t>Thursday, May 25, 2017</a:t>
+              <a:t>Friday, May 26, 2017</a:t>
             </a:fld>
             <a:endParaRPr lang="en-US"/>
           </a:p>
@@ -3023,7 +3023,7 @@
             <a:fld id="{A80CB818-7379-467D-8E76-EF9D9074A26C}" type="datetime2">
               <a:rPr lang="en-US" smtClean="0"/>
               <a:pPr/>
-              <a:t>Thursday, May 25, 2017</a:t>
+              <a:t>Friday, May 26, 2017</a:t>
             </a:fld>
             <a:endParaRPr lang="en-US" dirty="0"/>
           </a:p>
@@ -3440,15 +3440,7 @@
           <a:p>
             <a:r>
               <a:rPr lang="en-US" dirty="0" smtClean="0"/>
-              <a:t>Operations </a:t>
-            </a:r>
-            <a:r>
-              <a:rPr lang="en-US" dirty="0" smtClean="0"/>
-              <a:t>on </a:t>
-            </a:r>
-            <a:r>
-              <a:rPr lang="en-US" dirty="0" smtClean="0"/>
-              <a:t>variables</a:t>
+              <a:t>Operations on variables</a:t>
             </a:r>
             <a:endParaRPr lang="en-US" dirty="0"/>
           </a:p>
@@ -3476,7 +3468,7 @@
     </p:spTree>
     <p:extLst>
       <p:ext uri="{BB962C8B-B14F-4D97-AF65-F5344CB8AC3E}">
-        <p14:creationId xmlns="" xmlns:p14="http://schemas.microsoft.com/office/powerpoint/2010/main" val="182139768"/>
+        <p14:creationId xmlns:p14="http://schemas.microsoft.com/office/powerpoint/2010/main" xmlns="" val="182139768"/>
       </p:ext>
     </p:extLst>
   </p:cSld>
@@ -3656,11 +3648,7 @@
             </a:r>
             <a:r>
               <a:rPr lang="en-US" dirty="0" smtClean="0"/>
-              <a:t>(&lt;&gt;) </a:t>
-            </a:r>
-            <a:r>
-              <a:rPr lang="en-US" dirty="0" smtClean="0"/>
-              <a:t>or </a:t>
+              <a:t>(&lt;&gt;) or </a:t>
             </a:r>
             <a:r>
               <a:rPr lang="en-US" i="1" dirty="0" err="1" smtClean="0"/>
@@ -3668,11 +3656,7 @@
             </a:r>
             <a:r>
               <a:rPr lang="en-US" dirty="0" smtClean="0"/>
-              <a:t> tells </a:t>
-            </a:r>
-            <a:r>
-              <a:rPr lang="en-US" dirty="0" smtClean="0"/>
-              <a:t>Perl to expect input, by default from the </a:t>
+              <a:t> tells Perl to expect input, by default from the </a:t>
             </a:r>
             <a:r>
               <a:rPr lang="en-US" b="1" dirty="0" smtClean="0"/>
@@ -3682,7 +3666,6 @@
               <a:rPr lang="en-US" dirty="0" smtClean="0"/>
               <a:t>. ( STDIN )</a:t>
             </a:r>
-            <a:endParaRPr lang="en-US" dirty="0" smtClean="0"/>
           </a:p>
           <a:p>
             <a:pPr lvl="1"/>
@@ -3969,11 +3952,7 @@
           <a:p>
             <a:r>
               <a:rPr lang="en-US" dirty="0" smtClean="0"/>
-              <a:t>abs 				#</a:t>
-            </a:r>
-            <a:r>
-              <a:rPr lang="en-US" dirty="0" smtClean="0"/>
-              <a:t>absolute value</a:t>
+              <a:t>abs 				#absolute value</a:t>
             </a:r>
           </a:p>
           <a:p>
@@ -3987,15 +3966,7 @@
             </a:r>
             <a:r>
               <a:rPr lang="en-US" dirty="0" smtClean="0"/>
-              <a:t> tan </a:t>
-            </a:r>
-            <a:r>
-              <a:rPr lang="en-US" dirty="0" smtClean="0"/>
-              <a:t>			#</a:t>
-            </a:r>
-            <a:r>
-              <a:rPr lang="en-US" dirty="0" smtClean="0"/>
-              <a:t>trigonometry</a:t>
+              <a:t> tan 			#trigonometry</a:t>
             </a:r>
           </a:p>
           <a:p>
@@ -4009,15 +3980,7 @@
             </a:r>
             <a:r>
               <a:rPr lang="en-US" dirty="0" smtClean="0"/>
-              <a:t> </a:t>
-            </a:r>
-            <a:r>
-              <a:rPr lang="en-US" dirty="0" smtClean="0"/>
-              <a:t>		#</a:t>
-            </a:r>
-            <a:r>
-              <a:rPr lang="en-US" dirty="0" smtClean="0"/>
-              <a:t>exponent, log, square root</a:t>
+              <a:t> 		#exponent, log, square root</a:t>
             </a:r>
           </a:p>
           <a:p>
@@ -4027,15 +3990,7 @@
             </a:r>
             <a:r>
               <a:rPr lang="en-US" dirty="0" smtClean="0"/>
-              <a:t> </a:t>
-            </a:r>
-            <a:r>
-              <a:rPr lang="en-US" dirty="0" smtClean="0"/>
-              <a:t>				#</a:t>
-            </a:r>
-            <a:r>
-              <a:rPr lang="en-US" dirty="0" smtClean="0"/>
-              <a:t>convert to </a:t>
+              <a:t> 				#convert to </a:t>
             </a:r>
             <a:r>
               <a:rPr lang="en-US" dirty="0" err="1" smtClean="0"/>
@@ -4054,15 +4009,7 @@
             </a:r>
             <a:r>
               <a:rPr lang="en-US" dirty="0" smtClean="0"/>
-              <a:t> </a:t>
-            </a:r>
-            <a:r>
-              <a:rPr lang="en-US" dirty="0" smtClean="0"/>
-              <a:t>			#</a:t>
-            </a:r>
-            <a:r>
-              <a:rPr lang="en-US" dirty="0" smtClean="0"/>
-              <a:t>convert to hex </a:t>
+              <a:t> 			#convert to hex </a:t>
             </a:r>
             <a:r>
               <a:rPr lang="en-US" dirty="0" err="1" smtClean="0"/>
@@ -4073,11 +4020,7 @@
           <a:p>
             <a:r>
               <a:rPr lang="en-US" dirty="0" smtClean="0"/>
-              <a:t>rand 				#</a:t>
-            </a:r>
-            <a:r>
-              <a:rPr lang="en-US" dirty="0" smtClean="0"/>
-              <a:t>random numbers</a:t>
+              <a:t>rand 				#random numbers</a:t>
             </a:r>
             <a:endParaRPr lang="en-US" dirty="0"/>
           </a:p>
@@ -4203,15 +4146,7 @@
             </a:r>
             <a:r>
               <a:rPr lang="en-US" dirty="0" smtClean="0"/>
-              <a:t>, $start, $length) </a:t>
-            </a:r>
-            <a:r>
-              <a:rPr lang="en-US" dirty="0" smtClean="0"/>
-              <a:t>	#</a:t>
-            </a:r>
-            <a:r>
-              <a:rPr lang="en-US" dirty="0" smtClean="0"/>
-              <a:t>substring, 0-based</a:t>
+              <a:t>, $start, $length) 	#substring, 0-based</a:t>
             </a:r>
           </a:p>
           <a:p>
@@ -4225,15 +4160,7 @@
             </a:r>
             <a:r>
               <a:rPr lang="en-US" dirty="0" smtClean="0"/>
-              <a:t>) </a:t>
-            </a:r>
-            <a:r>
-              <a:rPr lang="en-US" dirty="0" smtClean="0"/>
-              <a:t>			#</a:t>
-            </a:r>
-            <a:r>
-              <a:rPr lang="en-US" dirty="0" smtClean="0"/>
-              <a:t>removes trailing \n</a:t>
+              <a:t>) 			#removes trailing \n</a:t>
             </a:r>
           </a:p>
           <a:p>
@@ -4255,15 +4182,7 @@
             </a:r>
             <a:r>
               <a:rPr lang="en-US" dirty="0" smtClean="0"/>
-              <a:t>) </a:t>
-            </a:r>
-            <a:r>
-              <a:rPr lang="en-US" dirty="0" smtClean="0"/>
-              <a:t>			#</a:t>
-            </a:r>
-            <a:r>
-              <a:rPr lang="en-US" dirty="0" smtClean="0"/>
-              <a:t>position of $</a:t>
+              <a:t>) 			#position of $</a:t>
             </a:r>
             <a:r>
               <a:rPr lang="en-US" dirty="0" err="1" smtClean="0"/>
@@ -4290,15 +4209,7 @@
             </a:r>
             <a:r>
               <a:rPr lang="en-US" dirty="0" smtClean="0"/>
-              <a:t>) </a:t>
-            </a:r>
-            <a:r>
-              <a:rPr lang="en-US" dirty="0" smtClean="0"/>
-              <a:t>			#</a:t>
-            </a:r>
-            <a:r>
-              <a:rPr lang="en-US" dirty="0" smtClean="0"/>
-              <a:t>reverse string</a:t>
+              <a:t>) 			#reverse string</a:t>
             </a:r>
           </a:p>
           <a:p>
@@ -4324,15 +4235,7 @@
             </a:r>
             <a:r>
               <a:rPr lang="en-US" dirty="0" smtClean="0"/>
-              <a:t>) </a:t>
-            </a:r>
-            <a:r>
-              <a:rPr lang="en-US" dirty="0" smtClean="0"/>
-              <a:t>			#</a:t>
-            </a:r>
-            <a:r>
-              <a:rPr lang="en-US" dirty="0" smtClean="0"/>
-              <a:t>reverse index</a:t>
+              <a:t>) 			#reverse index</a:t>
             </a:r>
           </a:p>
           <a:p>
@@ -4350,11 +4253,7 @@
             </a:r>
             <a:r>
               <a:rPr lang="en-US" dirty="0" smtClean="0"/>
-              <a:t>) </a:t>
-            </a:r>
-            <a:r>
-              <a:rPr lang="en-US" dirty="0" smtClean="0"/>
-              <a:t> </a:t>
+              <a:t>)  </a:t>
             </a:r>
             <a:r>
               <a:rPr lang="en-US" dirty="0" err="1" smtClean="0"/>
@@ -4370,11 +4269,7 @@
             </a:r>
             <a:r>
               <a:rPr lang="en-US" dirty="0" smtClean="0"/>
-              <a:t>)			#</a:t>
-            </a:r>
-            <a:r>
-              <a:rPr lang="en-US" dirty="0" smtClean="0"/>
-              <a:t>uppercase, lowercase</a:t>
+              <a:t>)			#uppercase, lowercase</a:t>
             </a:r>
             <a:endParaRPr lang="en-US" dirty="0"/>
           </a:p>
@@ -4459,19 +4354,7 @@
             </a:r>
             <a:r>
               <a:rPr lang="en-US" dirty="0" smtClean="0"/>
-              <a:t>)		#</a:t>
-            </a:r>
-            <a:r>
-              <a:rPr lang="en-US" dirty="0" smtClean="0"/>
-              <a:t>converts character to </a:t>
-            </a:r>
-            <a:r>
-              <a:rPr lang="en-US" dirty="0" smtClean="0"/>
-              <a:t>its ASCII </a:t>
-            </a:r>
-            <a:r>
-              <a:rPr lang="en-US" dirty="0" smtClean="0"/>
-              <a:t>value</a:t>
+              <a:t>)		#converts character to its ASCII value</a:t>
             </a:r>
           </a:p>
           <a:p>
@@ -4486,15 +4369,7 @@
             </a:r>
             <a:r>
               <a:rPr lang="en-US" dirty="0" smtClean="0"/>
-              <a:t>("a") </a:t>
-            </a:r>
-            <a:r>
-              <a:rPr lang="en-US" dirty="0" smtClean="0"/>
-              <a:t>	#$</a:t>
-            </a:r>
-            <a:r>
-              <a:rPr lang="en-US" dirty="0" smtClean="0"/>
-              <a:t>num is now 97</a:t>
+              <a:t>("a") 	#$num is now 97</a:t>
             </a:r>
           </a:p>
           <a:p>
@@ -4512,11 +4387,7 @@
             </a:r>
             <a:r>
               <a:rPr lang="en-US" dirty="0" smtClean="0"/>
-              <a:t>)		#</a:t>
-            </a:r>
-            <a:r>
-              <a:rPr lang="en-US" dirty="0" smtClean="0"/>
-              <a:t>converts </a:t>
+              <a:t>)		#converts </a:t>
             </a:r>
             <a:r>
               <a:rPr lang="en-US" dirty="0" err="1" smtClean="0"/>
@@ -4524,15 +4395,7 @@
             </a:r>
             <a:r>
               <a:rPr lang="en-US" dirty="0" smtClean="0"/>
-              <a:t> into </a:t>
-            </a:r>
-            <a:r>
-              <a:rPr lang="en-US" dirty="0" smtClean="0"/>
-              <a:t>ASCII </a:t>
-            </a:r>
-            <a:r>
-              <a:rPr lang="en-US" dirty="0" smtClean="0"/>
-              <a:t>character</a:t>
+              <a:t> into ASCII character</a:t>
             </a:r>
           </a:p>
           <a:p>
@@ -4547,21 +4410,8 @@
             </a:r>
             <a:r>
               <a:rPr lang="en-US" dirty="0" smtClean="0"/>
-              <a:t>(99) </a:t>
-            </a:r>
-            <a:r>
-              <a:rPr lang="en-US" dirty="0" smtClean="0"/>
-              <a:t>	#$</a:t>
-            </a:r>
-            <a:r>
-              <a:rPr lang="en-US" dirty="0" smtClean="0"/>
-              <a:t>char is </a:t>
-            </a:r>
-            <a:r>
-              <a:rPr lang="en-US" dirty="0" smtClean="0"/>
-              <a:t>now</a:t>
-            </a:r>
-            <a:endParaRPr lang="en-US" dirty="0" smtClean="0"/>
+              <a:t>(99) 	#$char is now</a:t>
+            </a:r>
           </a:p>
         </p:txBody>
       </p:sp>

--- a/PPTs/Operations_on_variables.pptx
+++ b/PPTs/Operations_on_variables.pptx
@@ -10,9 +10,17 @@
     <p:sldId id="258" r:id="rId4"/>
     <p:sldId id="259" r:id="rId5"/>
     <p:sldId id="262" r:id="rId6"/>
-    <p:sldId id="260" r:id="rId7"/>
-    <p:sldId id="263" r:id="rId8"/>
-    <p:sldId id="261" r:id="rId9"/>
+    <p:sldId id="264" r:id="rId7"/>
+    <p:sldId id="260" r:id="rId8"/>
+    <p:sldId id="265" r:id="rId9"/>
+    <p:sldId id="266" r:id="rId10"/>
+    <p:sldId id="272" r:id="rId11"/>
+    <p:sldId id="261" r:id="rId12"/>
+    <p:sldId id="267" r:id="rId13"/>
+    <p:sldId id="268" r:id="rId14"/>
+    <p:sldId id="271" r:id="rId15"/>
+    <p:sldId id="269" r:id="rId16"/>
+    <p:sldId id="270" r:id="rId17"/>
   </p:sldIdLst>
   <p:sldSz cx="9144000" cy="5143500" type="screen16x9"/>
   <p:notesSz cx="6858000" cy="9144000"/>
@@ -3468,9 +3476,657 @@
     </p:spTree>
     <p:extLst>
       <p:ext uri="{BB962C8B-B14F-4D97-AF65-F5344CB8AC3E}">
-        <p14:creationId xmlns:p14="http://schemas.microsoft.com/office/powerpoint/2010/main" xmlns="" val="182139768"/>
+        <p14:creationId xmlns="" xmlns:p14="http://schemas.microsoft.com/office/powerpoint/2010/main" val="182139768"/>
       </p:ext>
     </p:extLst>
+  </p:cSld>
+  <p:clrMapOvr>
+    <a:masterClrMapping/>
+  </p:clrMapOvr>
+</p:sld>
+</file>
+
+<file path=ppt/slides/slide10.xml><?xml version="1.0" encoding="utf-8"?>
+<p:sld xmlns:a="http://schemas.openxmlformats.org/drawingml/2006/main" xmlns:r="http://schemas.openxmlformats.org/officeDocument/2006/relationships" xmlns:p="http://schemas.openxmlformats.org/presentationml/2006/main">
+  <p:cSld>
+    <p:spTree>
+      <p:nvGrpSpPr>
+        <p:cNvPr id="1" name=""/>
+        <p:cNvGrpSpPr/>
+        <p:nvPr/>
+      </p:nvGrpSpPr>
+      <p:grpSpPr>
+        <a:xfrm>
+          <a:off x="0" y="0"/>
+          <a:ext cx="0" cy="0"/>
+          <a:chOff x="0" y="0"/>
+          <a:chExt cx="0" cy="0"/>
+        </a:xfrm>
+      </p:grpSpPr>
+      <p:sp>
+        <p:nvSpPr>
+          <p:cNvPr id="2" name="Title 1"/>
+          <p:cNvSpPr>
+            <a:spLocks noGrp="1"/>
+          </p:cNvSpPr>
+          <p:nvPr>
+            <p:ph type="title"/>
+          </p:nvPr>
+        </p:nvSpPr>
+        <p:spPr/>
+        <p:txBody>
+          <a:bodyPr/>
+          <a:lstStyle/>
+          <a:p>
+            <a:r>
+              <a:rPr lang="pt-BR" dirty="0" smtClean="0"/>
+              <a:t>length()</a:t>
+            </a:r>
+            <a:endParaRPr lang="en-US" dirty="0"/>
+          </a:p>
+        </p:txBody>
+      </p:sp>
+      <p:sp>
+        <p:nvSpPr>
+          <p:cNvPr id="3" name="Content Placeholder 2"/>
+          <p:cNvSpPr>
+            <a:spLocks noGrp="1"/>
+          </p:cNvSpPr>
+          <p:nvPr>
+            <p:ph idx="1"/>
+          </p:nvPr>
+        </p:nvSpPr>
+        <p:spPr/>
+        <p:txBody>
+          <a:bodyPr/>
+          <a:lstStyle/>
+          <a:p>
+            <a:r>
+              <a:rPr lang="pt-BR" dirty="0" smtClean="0"/>
+              <a:t>Syntax: </a:t>
+            </a:r>
+            <a:r>
+              <a:rPr lang="pt-BR" dirty="0" smtClean="0"/>
+              <a:t>length EXPR</a:t>
+            </a:r>
+          </a:p>
+          <a:p>
+            <a:pPr lvl="1"/>
+            <a:r>
+              <a:rPr lang="en-US" dirty="0" smtClean="0"/>
+              <a:t>Returns the length in characters of the value of EXPR</a:t>
+            </a:r>
+            <a:r>
+              <a:rPr lang="en-US" dirty="0" smtClean="0"/>
+              <a:t>.</a:t>
+            </a:r>
+          </a:p>
+        </p:txBody>
+      </p:sp>
+      <p:pic>
+        <p:nvPicPr>
+          <p:cNvPr id="6146" name="Picture 2"/>
+          <p:cNvPicPr>
+            <a:picLocks noChangeAspect="1" noChangeArrowheads="1"/>
+          </p:cNvPicPr>
+          <p:nvPr/>
+        </p:nvPicPr>
+        <p:blipFill>
+          <a:blip r:embed="rId2" cstate="print"/>
+          <a:srcRect/>
+          <a:stretch>
+            <a:fillRect/>
+          </a:stretch>
+        </p:blipFill>
+        <p:spPr bwMode="auto">
+          <a:xfrm>
+            <a:off x="107576" y="2656941"/>
+            <a:ext cx="9009529" cy="1240749"/>
+          </a:xfrm>
+          <a:prstGeom prst="rect">
+            <a:avLst/>
+          </a:prstGeom>
+          <a:noFill/>
+          <a:ln w="9525">
+            <a:noFill/>
+            <a:miter lim="800000"/>
+            <a:headEnd/>
+            <a:tailEnd/>
+          </a:ln>
+        </p:spPr>
+      </p:pic>
+    </p:spTree>
+  </p:cSld>
+  <p:clrMapOvr>
+    <a:masterClrMapping/>
+  </p:clrMapOvr>
+</p:sld>
+</file>
+
+<file path=ppt/slides/slide11.xml><?xml version="1.0" encoding="utf-8"?>
+<p:sld xmlns:a="http://schemas.openxmlformats.org/drawingml/2006/main" xmlns:r="http://schemas.openxmlformats.org/officeDocument/2006/relationships" xmlns:p="http://schemas.openxmlformats.org/presentationml/2006/main">
+  <p:cSld>
+    <p:spTree>
+      <p:nvGrpSpPr>
+        <p:cNvPr id="1" name=""/>
+        <p:cNvGrpSpPr/>
+        <p:nvPr/>
+      </p:nvGrpSpPr>
+      <p:grpSpPr>
+        <a:xfrm>
+          <a:off x="0" y="0"/>
+          <a:ext cx="0" cy="0"/>
+          <a:chOff x="0" y="0"/>
+          <a:chExt cx="0" cy="0"/>
+        </a:xfrm>
+      </p:grpSpPr>
+      <p:sp>
+        <p:nvSpPr>
+          <p:cNvPr id="3" name="Title 2"/>
+          <p:cNvSpPr>
+            <a:spLocks noGrp="1"/>
+          </p:cNvSpPr>
+          <p:nvPr>
+            <p:ph type="title"/>
+          </p:nvPr>
+        </p:nvSpPr>
+        <p:spPr/>
+        <p:txBody>
+          <a:bodyPr/>
+          <a:lstStyle/>
+          <a:p>
+            <a:r>
+              <a:rPr lang="pt-BR" dirty="0" smtClean="0"/>
+              <a:t>index()</a:t>
+            </a:r>
+            <a:endParaRPr lang="en-US" dirty="0"/>
+          </a:p>
+        </p:txBody>
+      </p:sp>
+      <p:sp>
+        <p:nvSpPr>
+          <p:cNvPr id="4" name="Content Placeholder 3"/>
+          <p:cNvSpPr>
+            <a:spLocks noGrp="1"/>
+          </p:cNvSpPr>
+          <p:nvPr>
+            <p:ph idx="1"/>
+          </p:nvPr>
+        </p:nvSpPr>
+        <p:spPr/>
+        <p:txBody>
+          <a:bodyPr/>
+          <a:lstStyle/>
+          <a:p>
+            <a:r>
+              <a:rPr lang="en-US" dirty="0" smtClean="0"/>
+              <a:t>Syntax: index STR,SUBSTR</a:t>
+            </a:r>
+          </a:p>
+          <a:p>
+            <a:r>
+              <a:rPr lang="en-US" dirty="0" smtClean="0"/>
+              <a:t>returns the position of the first occurrence of SUBSTR in </a:t>
+            </a:r>
+            <a:r>
+              <a:rPr lang="en-US" dirty="0" smtClean="0"/>
+              <a:t>STR</a:t>
+            </a:r>
+          </a:p>
+          <a:p>
+            <a:r>
+              <a:rPr lang="en-US" dirty="0" smtClean="0"/>
+              <a:t>If the substring is not found, index returns -1</a:t>
+            </a:r>
+            <a:endParaRPr lang="en-US" dirty="0"/>
+          </a:p>
+        </p:txBody>
+      </p:sp>
+      <p:pic>
+        <p:nvPicPr>
+          <p:cNvPr id="4098" name="Picture 2"/>
+          <p:cNvPicPr>
+            <a:picLocks noChangeAspect="1" noChangeArrowheads="1"/>
+          </p:cNvPicPr>
+          <p:nvPr/>
+        </p:nvPicPr>
+        <p:blipFill>
+          <a:blip r:embed="rId2" cstate="print"/>
+          <a:srcRect/>
+          <a:stretch>
+            <a:fillRect/>
+          </a:stretch>
+        </p:blipFill>
+        <p:spPr bwMode="auto">
+          <a:xfrm>
+            <a:off x="654984" y="3182191"/>
+            <a:ext cx="7600950" cy="1343025"/>
+          </a:xfrm>
+          <a:prstGeom prst="rect">
+            <a:avLst/>
+          </a:prstGeom>
+          <a:noFill/>
+          <a:ln w="9525">
+            <a:noFill/>
+            <a:miter lim="800000"/>
+            <a:headEnd/>
+            <a:tailEnd/>
+          </a:ln>
+        </p:spPr>
+      </p:pic>
+    </p:spTree>
+  </p:cSld>
+  <p:clrMapOvr>
+    <a:masterClrMapping/>
+  </p:clrMapOvr>
+  <p:timing>
+    <p:tnLst>
+      <p:par>
+        <p:cTn id="1" dur="indefinite" restart="never" nodeType="tmRoot"/>
+      </p:par>
+    </p:tnLst>
+  </p:timing>
+</p:sld>
+</file>
+
+<file path=ppt/slides/slide12.xml><?xml version="1.0" encoding="utf-8"?>
+<p:sld xmlns:a="http://schemas.openxmlformats.org/drawingml/2006/main" xmlns:r="http://schemas.openxmlformats.org/officeDocument/2006/relationships" xmlns:p="http://schemas.openxmlformats.org/presentationml/2006/main">
+  <p:cSld>
+    <p:spTree>
+      <p:nvGrpSpPr>
+        <p:cNvPr id="1" name=""/>
+        <p:cNvGrpSpPr/>
+        <p:nvPr/>
+      </p:nvGrpSpPr>
+      <p:grpSpPr>
+        <a:xfrm>
+          <a:off x="0" y="0"/>
+          <a:ext cx="0" cy="0"/>
+          <a:chOff x="0" y="0"/>
+          <a:chExt cx="0" cy="0"/>
+        </a:xfrm>
+      </p:grpSpPr>
+      <p:sp>
+        <p:nvSpPr>
+          <p:cNvPr id="2" name="Title 1"/>
+          <p:cNvSpPr>
+            <a:spLocks noGrp="1"/>
+          </p:cNvSpPr>
+          <p:nvPr>
+            <p:ph type="title"/>
+          </p:nvPr>
+        </p:nvSpPr>
+        <p:spPr/>
+        <p:txBody>
+          <a:bodyPr/>
+          <a:lstStyle/>
+          <a:p>
+            <a:r>
+              <a:rPr lang="en-US" dirty="0" smtClean="0"/>
+              <a:t>reverse</a:t>
+            </a:r>
+            <a:r>
+              <a:rPr lang="en-US" dirty="0" smtClean="0"/>
+              <a:t>()</a:t>
+            </a:r>
+            <a:endParaRPr lang="en-US" dirty="0"/>
+          </a:p>
+        </p:txBody>
+      </p:sp>
+      <p:sp>
+        <p:nvSpPr>
+          <p:cNvPr id="3" name="Content Placeholder 2"/>
+          <p:cNvSpPr>
+            <a:spLocks noGrp="1"/>
+          </p:cNvSpPr>
+          <p:nvPr>
+            <p:ph idx="1"/>
+          </p:nvPr>
+        </p:nvSpPr>
+        <p:spPr/>
+        <p:txBody>
+          <a:bodyPr/>
+          <a:lstStyle/>
+          <a:p>
+            <a:r>
+              <a:rPr lang="en-US" dirty="0" smtClean="0"/>
+              <a:t>Syntax : reverse EXPR</a:t>
+            </a:r>
+          </a:p>
+          <a:p>
+            <a:r>
+              <a:rPr lang="en-US" dirty="0" smtClean="0"/>
+              <a:t>returns a list value consisting of the elements of LIST in the opposite order.</a:t>
+            </a:r>
+            <a:endParaRPr lang="en-US" dirty="0"/>
+          </a:p>
+        </p:txBody>
+      </p:sp>
+      <p:pic>
+        <p:nvPicPr>
+          <p:cNvPr id="5122" name="Picture 2"/>
+          <p:cNvPicPr>
+            <a:picLocks noChangeAspect="1" noChangeArrowheads="1"/>
+          </p:cNvPicPr>
+          <p:nvPr/>
+        </p:nvPicPr>
+        <p:blipFill>
+          <a:blip r:embed="rId2" cstate="print"/>
+          <a:srcRect/>
+          <a:stretch>
+            <a:fillRect/>
+          </a:stretch>
+        </p:blipFill>
+        <p:spPr bwMode="auto">
+          <a:xfrm>
+            <a:off x="170329" y="2859742"/>
+            <a:ext cx="8973671" cy="1647510"/>
+          </a:xfrm>
+          <a:prstGeom prst="rect">
+            <a:avLst/>
+          </a:prstGeom>
+          <a:noFill/>
+          <a:ln w="9525">
+            <a:noFill/>
+            <a:miter lim="800000"/>
+            <a:headEnd/>
+            <a:tailEnd/>
+          </a:ln>
+        </p:spPr>
+      </p:pic>
+    </p:spTree>
+  </p:cSld>
+  <p:clrMapOvr>
+    <a:masterClrMapping/>
+  </p:clrMapOvr>
+</p:sld>
+</file>
+
+<file path=ppt/slides/slide13.xml><?xml version="1.0" encoding="utf-8"?>
+<p:sld xmlns:a="http://schemas.openxmlformats.org/drawingml/2006/main" xmlns:r="http://schemas.openxmlformats.org/officeDocument/2006/relationships" xmlns:p="http://schemas.openxmlformats.org/presentationml/2006/main">
+  <p:cSld>
+    <p:spTree>
+      <p:nvGrpSpPr>
+        <p:cNvPr id="1" name=""/>
+        <p:cNvGrpSpPr/>
+        <p:nvPr/>
+      </p:nvGrpSpPr>
+      <p:grpSpPr>
+        <a:xfrm>
+          <a:off x="0" y="0"/>
+          <a:ext cx="0" cy="0"/>
+          <a:chOff x="0" y="0"/>
+          <a:chExt cx="0" cy="0"/>
+        </a:xfrm>
+      </p:grpSpPr>
+      <p:sp>
+        <p:nvSpPr>
+          <p:cNvPr id="2" name="Title 1"/>
+          <p:cNvSpPr>
+            <a:spLocks noGrp="1"/>
+          </p:cNvSpPr>
+          <p:nvPr>
+            <p:ph type="title"/>
+          </p:nvPr>
+        </p:nvSpPr>
+        <p:spPr/>
+        <p:txBody>
+          <a:bodyPr/>
+          <a:lstStyle/>
+          <a:p>
+            <a:r>
+              <a:rPr lang="pt-BR" dirty="0" smtClean="0"/>
+              <a:t>uc() AND lc()</a:t>
+            </a:r>
+            <a:endParaRPr lang="en-US" dirty="0"/>
+          </a:p>
+        </p:txBody>
+      </p:sp>
+      <p:sp>
+        <p:nvSpPr>
+          <p:cNvPr id="3" name="Content Placeholder 2"/>
+          <p:cNvSpPr>
+            <a:spLocks noGrp="1"/>
+          </p:cNvSpPr>
+          <p:nvPr>
+            <p:ph idx="1"/>
+          </p:nvPr>
+        </p:nvSpPr>
+        <p:spPr/>
+        <p:txBody>
+          <a:bodyPr/>
+          <a:lstStyle/>
+          <a:p>
+            <a:r>
+              <a:rPr lang="pt-BR" dirty="0" smtClean="0"/>
+              <a:t>Syntax: uc EXPRS</a:t>
+            </a:r>
+          </a:p>
+          <a:p>
+            <a:pPr lvl="1"/>
+            <a:r>
+              <a:rPr lang="pt-BR" dirty="0" smtClean="0"/>
+              <a:t>Returns the string as UPPER CASE string</a:t>
+            </a:r>
+          </a:p>
+          <a:p>
+            <a:r>
+              <a:rPr lang="pt-BR" dirty="0" smtClean="0"/>
+              <a:t>Syntax: </a:t>
+            </a:r>
+            <a:r>
+              <a:rPr lang="pt-BR" dirty="0" smtClean="0"/>
+              <a:t>lc </a:t>
+            </a:r>
+            <a:r>
+              <a:rPr lang="pt-BR" dirty="0" smtClean="0"/>
+              <a:t>EXPRS</a:t>
+            </a:r>
+          </a:p>
+          <a:p>
+            <a:pPr lvl="1"/>
+            <a:r>
+              <a:rPr lang="pt-BR" dirty="0" smtClean="0"/>
+              <a:t>Returns the string as </a:t>
+            </a:r>
+            <a:r>
+              <a:rPr lang="pt-BR" i="1" dirty="0" smtClean="0"/>
+              <a:t>LOWER CASE </a:t>
+            </a:r>
+            <a:r>
+              <a:rPr lang="pt-BR" dirty="0" smtClean="0"/>
+              <a:t>string</a:t>
+            </a:r>
+          </a:p>
+          <a:p>
+            <a:pPr lvl="1"/>
+            <a:endParaRPr lang="en-US" dirty="0"/>
+          </a:p>
+        </p:txBody>
+      </p:sp>
+    </p:spTree>
+  </p:cSld>
+  <p:clrMapOvr>
+    <a:masterClrMapping/>
+  </p:clrMapOvr>
+</p:sld>
+</file>
+
+<file path=ppt/slides/slide14.xml><?xml version="1.0" encoding="utf-8"?>
+<p:sld xmlns:a="http://schemas.openxmlformats.org/drawingml/2006/main" xmlns:r="http://schemas.openxmlformats.org/officeDocument/2006/relationships" xmlns:p="http://schemas.openxmlformats.org/presentationml/2006/main">
+  <p:cSld>
+    <p:spTree>
+      <p:nvGrpSpPr>
+        <p:cNvPr id="1" name=""/>
+        <p:cNvGrpSpPr/>
+        <p:nvPr/>
+      </p:nvGrpSpPr>
+      <p:grpSpPr>
+        <a:xfrm>
+          <a:off x="0" y="0"/>
+          <a:ext cx="0" cy="0"/>
+          <a:chOff x="0" y="0"/>
+          <a:chExt cx="0" cy="0"/>
+        </a:xfrm>
+      </p:grpSpPr>
+      <p:sp>
+        <p:nvSpPr>
+          <p:cNvPr id="4" name="Title 3"/>
+          <p:cNvSpPr>
+            <a:spLocks noGrp="1"/>
+          </p:cNvSpPr>
+          <p:nvPr>
+            <p:ph type="title"/>
+          </p:nvPr>
+        </p:nvSpPr>
+        <p:spPr/>
+        <p:txBody>
+          <a:bodyPr/>
+          <a:lstStyle/>
+          <a:p>
+            <a:r>
+              <a:rPr lang="pt-BR" dirty="0" smtClean="0"/>
+              <a:t>Write a program to mutate a DNA</a:t>
+            </a:r>
+            <a:endParaRPr lang="en-US" dirty="0"/>
+          </a:p>
+        </p:txBody>
+      </p:sp>
+    </p:spTree>
+  </p:cSld>
+  <p:clrMapOvr>
+    <a:masterClrMapping/>
+  </p:clrMapOvr>
+</p:sld>
+</file>
+
+<file path=ppt/slides/slide15.xml><?xml version="1.0" encoding="utf-8"?>
+<p:sld xmlns:a="http://schemas.openxmlformats.org/drawingml/2006/main" xmlns:r="http://schemas.openxmlformats.org/officeDocument/2006/relationships" xmlns:p="http://schemas.openxmlformats.org/presentationml/2006/main">
+  <p:cSld>
+    <p:spTree>
+      <p:nvGrpSpPr>
+        <p:cNvPr id="1" name=""/>
+        <p:cNvGrpSpPr/>
+        <p:nvPr/>
+      </p:nvGrpSpPr>
+      <p:grpSpPr>
+        <a:xfrm>
+          <a:off x="0" y="0"/>
+          <a:ext cx="0" cy="0"/>
+          <a:chOff x="0" y="0"/>
+          <a:chExt cx="0" cy="0"/>
+        </a:xfrm>
+      </p:grpSpPr>
+      <p:sp>
+        <p:nvSpPr>
+          <p:cNvPr id="2" name="Title 1"/>
+          <p:cNvSpPr>
+            <a:spLocks noGrp="1"/>
+          </p:cNvSpPr>
+          <p:nvPr>
+            <p:ph type="title"/>
+          </p:nvPr>
+        </p:nvSpPr>
+        <p:spPr/>
+        <p:txBody>
+          <a:bodyPr/>
+          <a:lstStyle/>
+          <a:p>
+            <a:r>
+              <a:rPr lang="pt-BR" dirty="0" smtClean="0"/>
+              <a:t>Substituting letter ~s///;</a:t>
+            </a:r>
+            <a:endParaRPr lang="en-US" dirty="0"/>
+          </a:p>
+        </p:txBody>
+      </p:sp>
+      <p:sp>
+        <p:nvSpPr>
+          <p:cNvPr id="3" name="Content Placeholder 2"/>
+          <p:cNvSpPr>
+            <a:spLocks noGrp="1"/>
+          </p:cNvSpPr>
+          <p:nvPr>
+            <p:ph idx="1"/>
+          </p:nvPr>
+        </p:nvSpPr>
+        <p:spPr/>
+        <p:txBody>
+          <a:bodyPr/>
+          <a:lstStyle/>
+          <a:p>
+            <a:endParaRPr lang="en-US"/>
+          </a:p>
+        </p:txBody>
+      </p:sp>
+    </p:spTree>
+  </p:cSld>
+  <p:clrMapOvr>
+    <a:masterClrMapping/>
+  </p:clrMapOvr>
+</p:sld>
+</file>
+
+<file path=ppt/slides/slide16.xml><?xml version="1.0" encoding="utf-8"?>
+<p:sld xmlns:a="http://schemas.openxmlformats.org/drawingml/2006/main" xmlns:r="http://schemas.openxmlformats.org/officeDocument/2006/relationships" xmlns:p="http://schemas.openxmlformats.org/presentationml/2006/main">
+  <p:cSld>
+    <p:spTree>
+      <p:nvGrpSpPr>
+        <p:cNvPr id="1" name=""/>
+        <p:cNvGrpSpPr/>
+        <p:nvPr/>
+      </p:nvGrpSpPr>
+      <p:grpSpPr>
+        <a:xfrm>
+          <a:off x="0" y="0"/>
+          <a:ext cx="0" cy="0"/>
+          <a:chOff x="0" y="0"/>
+          <a:chExt cx="0" cy="0"/>
+        </a:xfrm>
+      </p:grpSpPr>
+      <p:sp>
+        <p:nvSpPr>
+          <p:cNvPr id="2" name="Title 1"/>
+          <p:cNvSpPr>
+            <a:spLocks noGrp="1"/>
+          </p:cNvSpPr>
+          <p:nvPr>
+            <p:ph type="title"/>
+          </p:nvPr>
+        </p:nvSpPr>
+        <p:spPr/>
+        <p:txBody>
+          <a:bodyPr/>
+          <a:lstStyle/>
+          <a:p>
+            <a:r>
+              <a:rPr lang="pt-BR" dirty="0" smtClean="0"/>
+              <a:t>Transliterating multiple letters ~tr///g;</a:t>
+            </a:r>
+            <a:endParaRPr lang="en-US" dirty="0"/>
+          </a:p>
+        </p:txBody>
+      </p:sp>
+      <p:sp>
+        <p:nvSpPr>
+          <p:cNvPr id="3" name="Content Placeholder 2"/>
+          <p:cNvSpPr>
+            <a:spLocks noGrp="1"/>
+          </p:cNvSpPr>
+          <p:nvPr>
+            <p:ph idx="1"/>
+          </p:nvPr>
+        </p:nvSpPr>
+        <p:spPr/>
+        <p:txBody>
+          <a:bodyPr/>
+          <a:lstStyle/>
+          <a:p>
+            <a:endParaRPr lang="en-US"/>
+          </a:p>
+        </p:txBody>
+      </p:sp>
+    </p:spTree>
   </p:cSld>
   <p:clrMapOvr>
     <a:masterClrMapping/>
@@ -4001,26 +4657,11 @@
           <a:p>
             <a:r>
               <a:rPr lang="en-US" dirty="0" smtClean="0"/>
-              <a:t>hex </a:t>
-            </a:r>
-            <a:r>
-              <a:rPr lang="en-US" dirty="0" err="1" smtClean="0"/>
-              <a:t>oct</a:t>
-            </a:r>
-            <a:r>
-              <a:rPr lang="en-US" dirty="0" smtClean="0"/>
-              <a:t> 			#convert to hex </a:t>
-            </a:r>
-            <a:r>
-              <a:rPr lang="en-US" dirty="0" err="1" smtClean="0"/>
-              <a:t>oct</a:t>
-            </a:r>
-            <a:endParaRPr lang="en-US" dirty="0" smtClean="0"/>
-          </a:p>
-          <a:p>
-            <a:r>
-              <a:rPr lang="en-US" dirty="0" smtClean="0"/>
-              <a:t>rand 				#random numbers</a:t>
+              <a:t>rand </a:t>
+            </a:r>
+            <a:r>
+              <a:rPr lang="en-US" dirty="0" smtClean="0"/>
+              <a:t>				#random numbers</a:t>
             </a:r>
             <a:endParaRPr lang="en-US" dirty="0"/>
           </a:p>
@@ -4034,7 +4675,7 @@
         </p:nvSpPr>
         <p:spPr>
           <a:xfrm>
-            <a:off x="1030942" y="4301503"/>
+            <a:off x="582707" y="3602256"/>
             <a:ext cx="4912658" cy="646331"/>
           </a:xfrm>
           <a:prstGeom prst="rect">
@@ -4094,187 +4735,134 @@
           <a:chExt cx="0" cy="0"/>
         </a:xfrm>
       </p:grpSpPr>
-      <p:sp>
-        <p:nvSpPr>
-          <p:cNvPr id="2" name="Title 1"/>
-          <p:cNvSpPr>
-            <a:spLocks noGrp="1"/>
-          </p:cNvSpPr>
-          <p:nvPr>
-            <p:ph type="title"/>
-          </p:nvPr>
-        </p:nvSpPr>
-        <p:spPr/>
-        <p:txBody>
-          <a:bodyPr/>
-          <a:lstStyle/>
-          <a:p>
-            <a:r>
-              <a:rPr lang="en-US" dirty="0" smtClean="0"/>
-              <a:t>String Built-In Functions</a:t>
-            </a:r>
-            <a:endParaRPr lang="en-US" dirty="0"/>
-          </a:p>
-        </p:txBody>
-      </p:sp>
-      <p:sp>
-        <p:nvSpPr>
-          <p:cNvPr id="3" name="Content Placeholder 2"/>
-          <p:cNvSpPr>
-            <a:spLocks noGrp="1"/>
-          </p:cNvSpPr>
-          <p:nvPr>
-            <p:ph idx="1"/>
-          </p:nvPr>
-        </p:nvSpPr>
-        <p:spPr/>
-        <p:txBody>
-          <a:bodyPr/>
-          <a:lstStyle/>
-          <a:p>
-            <a:r>
-              <a:rPr lang="en-US" dirty="0" err="1" smtClean="0"/>
-              <a:t>substr</a:t>
-            </a:r>
-            <a:r>
-              <a:rPr lang="en-US" dirty="0" smtClean="0"/>
-              <a:t>($</a:t>
-            </a:r>
-            <a:r>
-              <a:rPr lang="en-US" dirty="0" err="1" smtClean="0"/>
-              <a:t>var</a:t>
-            </a:r>
-            <a:r>
-              <a:rPr lang="en-US" dirty="0" smtClean="0"/>
-              <a:t>, $start, $length) 	#substring, 0-based</a:t>
-            </a:r>
-          </a:p>
-          <a:p>
-            <a:r>
-              <a:rPr lang="en-US" dirty="0" smtClean="0"/>
-              <a:t>chomp($</a:t>
-            </a:r>
-            <a:r>
-              <a:rPr lang="en-US" dirty="0" err="1" smtClean="0"/>
-              <a:t>var</a:t>
-            </a:r>
-            <a:r>
-              <a:rPr lang="en-US" dirty="0" smtClean="0"/>
-              <a:t>) 			#removes trailing \n</a:t>
-            </a:r>
-          </a:p>
-          <a:p>
-            <a:r>
-              <a:rPr lang="en-US" dirty="0" smtClean="0"/>
-              <a:t>index($</a:t>
-            </a:r>
-            <a:r>
-              <a:rPr lang="en-US" dirty="0" err="1" smtClean="0"/>
-              <a:t>var</a:t>
-            </a:r>
-            <a:r>
-              <a:rPr lang="en-US" dirty="0" smtClean="0"/>
-              <a:t>, $</a:t>
-            </a:r>
-            <a:r>
-              <a:rPr lang="en-US" dirty="0" err="1" smtClean="0"/>
-              <a:t>str</a:t>
-            </a:r>
-            <a:r>
-              <a:rPr lang="en-US" dirty="0" smtClean="0"/>
-              <a:t>) 			#position of $</a:t>
-            </a:r>
-            <a:r>
-              <a:rPr lang="en-US" dirty="0" err="1" smtClean="0"/>
-              <a:t>str</a:t>
-            </a:r>
-            <a:r>
-              <a:rPr lang="en-US" dirty="0" smtClean="0"/>
-              <a:t> in $</a:t>
-            </a:r>
-            <a:r>
-              <a:rPr lang="en-US" dirty="0" err="1" smtClean="0"/>
-              <a:t>var</a:t>
-            </a:r>
-            <a:endParaRPr lang="en-US" dirty="0" smtClean="0"/>
-          </a:p>
-          <a:p>
-            <a:r>
-              <a:rPr lang="en-US" dirty="0" smtClean="0"/>
-              <a:t>reverse($</a:t>
-            </a:r>
-            <a:r>
-              <a:rPr lang="en-US" dirty="0" err="1" smtClean="0"/>
-              <a:t>var</a:t>
-            </a:r>
-            <a:r>
-              <a:rPr lang="en-US" dirty="0" smtClean="0"/>
-              <a:t>) 			#reverse string</a:t>
-            </a:r>
-          </a:p>
-          <a:p>
-            <a:r>
-              <a:rPr lang="en-US" dirty="0" err="1" smtClean="0"/>
-              <a:t>rindex</a:t>
-            </a:r>
-            <a:r>
-              <a:rPr lang="en-US" dirty="0" smtClean="0"/>
-              <a:t>($</a:t>
-            </a:r>
-            <a:r>
-              <a:rPr lang="en-US" dirty="0" err="1" smtClean="0"/>
-              <a:t>var</a:t>
-            </a:r>
-            <a:r>
-              <a:rPr lang="en-US" dirty="0" smtClean="0"/>
-              <a:t>, $</a:t>
-            </a:r>
-            <a:r>
-              <a:rPr lang="en-US" dirty="0" err="1" smtClean="0"/>
-              <a:t>str</a:t>
-            </a:r>
-            <a:r>
-              <a:rPr lang="en-US" dirty="0" smtClean="0"/>
-              <a:t>) 			#reverse index</a:t>
-            </a:r>
-          </a:p>
-          <a:p>
-            <a:r>
-              <a:rPr lang="en-US" dirty="0" err="1" smtClean="0"/>
-              <a:t>uc</a:t>
-            </a:r>
-            <a:r>
-              <a:rPr lang="en-US" dirty="0" smtClean="0"/>
-              <a:t>($</a:t>
-            </a:r>
-            <a:r>
-              <a:rPr lang="en-US" dirty="0" err="1" smtClean="0"/>
-              <a:t>var</a:t>
-            </a:r>
-            <a:r>
-              <a:rPr lang="en-US" dirty="0" smtClean="0"/>
-              <a:t>)  </a:t>
-            </a:r>
-            <a:r>
-              <a:rPr lang="en-US" dirty="0" err="1" smtClean="0"/>
-              <a:t>lc</a:t>
-            </a:r>
-            <a:r>
-              <a:rPr lang="en-US" dirty="0" smtClean="0"/>
-              <a:t>($</a:t>
-            </a:r>
-            <a:r>
-              <a:rPr lang="en-US" dirty="0" err="1" smtClean="0"/>
-              <a:t>var</a:t>
-            </a:r>
-            <a:r>
-              <a:rPr lang="en-US" dirty="0" smtClean="0"/>
-              <a:t>)			#uppercase, lowercase</a:t>
-            </a:r>
-            <a:endParaRPr lang="en-US" dirty="0"/>
-          </a:p>
-        </p:txBody>
-      </p:sp>
+      <p:pic>
+        <p:nvPicPr>
+          <p:cNvPr id="1026" name="Picture 2"/>
+          <p:cNvPicPr>
+            <a:picLocks noChangeAspect="1" noChangeArrowheads="1"/>
+          </p:cNvPicPr>
+          <p:nvPr/>
+        </p:nvPicPr>
+        <p:blipFill>
+          <a:blip r:embed="rId2" cstate="print"/>
+          <a:srcRect/>
+          <a:stretch>
+            <a:fillRect/>
+          </a:stretch>
+        </p:blipFill>
+        <p:spPr bwMode="auto">
+          <a:xfrm>
+            <a:off x="176213" y="442072"/>
+            <a:ext cx="4829175" cy="1390650"/>
+          </a:xfrm>
+          <a:prstGeom prst="rect">
+            <a:avLst/>
+          </a:prstGeom>
+          <a:noFill/>
+          <a:ln w="9525">
+            <a:noFill/>
+            <a:miter lim="800000"/>
+            <a:headEnd/>
+            <a:tailEnd/>
+          </a:ln>
+        </p:spPr>
+      </p:pic>
+      <p:pic>
+        <p:nvPicPr>
+          <p:cNvPr id="1027" name="Picture 3"/>
+          <p:cNvPicPr>
+            <a:picLocks noChangeAspect="1" noChangeArrowheads="1"/>
+          </p:cNvPicPr>
+          <p:nvPr/>
+        </p:nvPicPr>
+        <p:blipFill>
+          <a:blip r:embed="rId3" cstate="print"/>
+          <a:srcRect/>
+          <a:stretch>
+            <a:fillRect/>
+          </a:stretch>
+        </p:blipFill>
+        <p:spPr bwMode="auto">
+          <a:xfrm>
+            <a:off x="217674" y="1832442"/>
+            <a:ext cx="4333875" cy="1819275"/>
+          </a:xfrm>
+          <a:prstGeom prst="rect">
+            <a:avLst/>
+          </a:prstGeom>
+          <a:noFill/>
+          <a:ln w="9525">
+            <a:noFill/>
+            <a:miter lim="800000"/>
+            <a:headEnd/>
+            <a:tailEnd/>
+          </a:ln>
+        </p:spPr>
+      </p:pic>
+      <p:pic>
+        <p:nvPicPr>
+          <p:cNvPr id="1028" name="Picture 4"/>
+          <p:cNvPicPr>
+            <a:picLocks noChangeAspect="1" noChangeArrowheads="1"/>
+          </p:cNvPicPr>
+          <p:nvPr/>
+        </p:nvPicPr>
+        <p:blipFill>
+          <a:blip r:embed="rId4" cstate="print"/>
+          <a:srcRect/>
+          <a:stretch>
+            <a:fillRect/>
+          </a:stretch>
+        </p:blipFill>
+        <p:spPr bwMode="auto">
+          <a:xfrm>
+            <a:off x="0" y="3761814"/>
+            <a:ext cx="9144000" cy="958077"/>
+          </a:xfrm>
+          <a:prstGeom prst="rect">
+            <a:avLst/>
+          </a:prstGeom>
+          <a:noFill/>
+          <a:ln w="9525">
+            <a:noFill/>
+            <a:miter lim="800000"/>
+            <a:headEnd/>
+            <a:tailEnd/>
+          </a:ln>
+        </p:spPr>
+      </p:pic>
+      <p:pic>
+        <p:nvPicPr>
+          <p:cNvPr id="1030" name="Picture 6"/>
+          <p:cNvPicPr>
+            <a:picLocks noChangeAspect="1" noChangeArrowheads="1"/>
+          </p:cNvPicPr>
+          <p:nvPr/>
+        </p:nvPicPr>
+        <p:blipFill>
+          <a:blip r:embed="rId5" cstate="print"/>
+          <a:srcRect/>
+          <a:stretch>
+            <a:fillRect/>
+          </a:stretch>
+        </p:blipFill>
+        <p:spPr bwMode="auto">
+          <a:xfrm>
+            <a:off x="6064624" y="765362"/>
+            <a:ext cx="2590800" cy="1371600"/>
+          </a:xfrm>
+          <a:prstGeom prst="rect">
+            <a:avLst/>
+          </a:prstGeom>
+          <a:noFill/>
+          <a:ln w="9525">
+            <a:noFill/>
+            <a:miter lim="800000"/>
+            <a:headEnd/>
+            <a:tailEnd/>
+          </a:ln>
+        </p:spPr>
+      </p:pic>
     </p:spTree>
   </p:cSld>
   <p:clrMapOvr>
@@ -4336,9 +4924,137 @@
         <p:spPr/>
         <p:txBody>
           <a:bodyPr>
-            <a:normAutofit/>
+            <a:normAutofit lnSpcReduction="10000"/>
           </a:bodyPr>
           <a:lstStyle/>
+          <a:p>
+            <a:r>
+              <a:rPr lang="en-US" dirty="0" err="1" smtClean="0"/>
+              <a:t>substr</a:t>
+            </a:r>
+            <a:r>
+              <a:rPr lang="en-US" dirty="0" smtClean="0"/>
+              <a:t>($</a:t>
+            </a:r>
+            <a:r>
+              <a:rPr lang="en-US" dirty="0" err="1" smtClean="0"/>
+              <a:t>var</a:t>
+            </a:r>
+            <a:r>
+              <a:rPr lang="en-US" dirty="0" smtClean="0"/>
+              <a:t>, $start, $length) 	#substring, 0-based</a:t>
+            </a:r>
+          </a:p>
+          <a:p>
+            <a:r>
+              <a:rPr lang="en-US" dirty="0" smtClean="0"/>
+              <a:t>length($</a:t>
+            </a:r>
+            <a:r>
+              <a:rPr lang="en-US" dirty="0" err="1" smtClean="0"/>
+              <a:t>var</a:t>
+            </a:r>
+            <a:r>
+              <a:rPr lang="en-US" dirty="0" smtClean="0"/>
+              <a:t>) 			</a:t>
+            </a:r>
+            <a:r>
+              <a:rPr lang="en-US" dirty="0" smtClean="0"/>
+              <a:t>#length if a string $</a:t>
+            </a:r>
+            <a:r>
+              <a:rPr lang="en-US" dirty="0" err="1" smtClean="0"/>
+              <a:t>var</a:t>
+            </a:r>
+            <a:endParaRPr lang="en-US" dirty="0" smtClean="0"/>
+          </a:p>
+          <a:p>
+            <a:r>
+              <a:rPr lang="en-US" dirty="0" smtClean="0"/>
+              <a:t>index($</a:t>
+            </a:r>
+            <a:r>
+              <a:rPr lang="en-US" dirty="0" err="1" smtClean="0"/>
+              <a:t>var</a:t>
+            </a:r>
+            <a:r>
+              <a:rPr lang="en-US" dirty="0" smtClean="0"/>
+              <a:t>, $</a:t>
+            </a:r>
+            <a:r>
+              <a:rPr lang="en-US" dirty="0" err="1" smtClean="0"/>
+              <a:t>str</a:t>
+            </a:r>
+            <a:r>
+              <a:rPr lang="en-US" dirty="0" smtClean="0"/>
+              <a:t>) 			#position of $</a:t>
+            </a:r>
+            <a:r>
+              <a:rPr lang="en-US" dirty="0" err="1" smtClean="0"/>
+              <a:t>str</a:t>
+            </a:r>
+            <a:r>
+              <a:rPr lang="en-US" dirty="0" smtClean="0"/>
+              <a:t> in $</a:t>
+            </a:r>
+            <a:r>
+              <a:rPr lang="en-US" dirty="0" err="1" smtClean="0"/>
+              <a:t>var</a:t>
+            </a:r>
+            <a:endParaRPr lang="en-US" dirty="0" smtClean="0"/>
+          </a:p>
+          <a:p>
+            <a:r>
+              <a:rPr lang="en-US" dirty="0" smtClean="0"/>
+              <a:t>reverse($</a:t>
+            </a:r>
+            <a:r>
+              <a:rPr lang="en-US" dirty="0" err="1" smtClean="0"/>
+              <a:t>var</a:t>
+            </a:r>
+            <a:r>
+              <a:rPr lang="en-US" dirty="0" smtClean="0"/>
+              <a:t>) 			#reverse string</a:t>
+            </a:r>
+          </a:p>
+          <a:p>
+            <a:r>
+              <a:rPr lang="en-US" dirty="0" err="1" smtClean="0"/>
+              <a:t>uc</a:t>
+            </a:r>
+            <a:r>
+              <a:rPr lang="en-US" dirty="0" smtClean="0"/>
+              <a:t>($</a:t>
+            </a:r>
+            <a:r>
+              <a:rPr lang="en-US" dirty="0" err="1" smtClean="0"/>
+              <a:t>var</a:t>
+            </a:r>
+            <a:r>
+              <a:rPr lang="en-US" dirty="0" smtClean="0"/>
+              <a:t>)  </a:t>
+            </a:r>
+            <a:r>
+              <a:rPr lang="en-US" dirty="0" err="1" smtClean="0"/>
+              <a:t>lc</a:t>
+            </a:r>
+            <a:r>
+              <a:rPr lang="en-US" dirty="0" smtClean="0"/>
+              <a:t>($</a:t>
+            </a:r>
+            <a:r>
+              <a:rPr lang="en-US" dirty="0" err="1" smtClean="0"/>
+              <a:t>var</a:t>
+            </a:r>
+            <a:r>
+              <a:rPr lang="en-US" dirty="0" smtClean="0"/>
+              <a:t>)			#uppercase, </a:t>
+            </a:r>
+            <a:r>
+              <a:rPr lang="en-US" dirty="0" smtClean="0"/>
+              <a:t>lowercase</a:t>
+            </a:r>
+          </a:p>
           <a:p>
             <a:r>
               <a:rPr lang="en-US" dirty="0" err="1" smtClean="0"/>
@@ -4412,6 +5128,9 @@
               <a:rPr lang="en-US" dirty="0" smtClean="0"/>
               <a:t>(99) 	#$char is now</a:t>
             </a:r>
+          </a:p>
+          <a:p>
+            <a:endParaRPr lang="en-US" dirty="0"/>
           </a:p>
         </p:txBody>
       </p:sp>
@@ -4455,7 +5174,202 @@
           <a:bodyPr/>
           <a:lstStyle/>
           <a:p>
-            <a:endParaRPr lang="en-US"/>
+            <a:r>
+              <a:rPr lang="en-US" dirty="0" err="1" smtClean="0"/>
+              <a:t>substr</a:t>
+            </a:r>
+            <a:r>
+              <a:rPr lang="en-US" dirty="0" smtClean="0"/>
+              <a:t>()</a:t>
+            </a:r>
+            <a:endParaRPr lang="en-US" dirty="0"/>
+          </a:p>
+        </p:txBody>
+      </p:sp>
+      <p:sp>
+        <p:nvSpPr>
+          <p:cNvPr id="3" name="Content Placeholder 2"/>
+          <p:cNvSpPr>
+            <a:spLocks noGrp="1"/>
+          </p:cNvSpPr>
+          <p:nvPr>
+            <p:ph idx="1"/>
+          </p:nvPr>
+        </p:nvSpPr>
+        <p:spPr/>
+        <p:txBody>
+          <a:bodyPr>
+            <a:normAutofit lnSpcReduction="10000"/>
+          </a:bodyPr>
+          <a:lstStyle/>
+          <a:p>
+            <a:r>
+              <a:rPr lang="pt-BR" dirty="0" smtClean="0"/>
+              <a:t>Syntax: </a:t>
+            </a:r>
+            <a:r>
+              <a:rPr lang="pt-BR" dirty="0" smtClean="0"/>
+              <a:t>substr </a:t>
+            </a:r>
+            <a:r>
+              <a:rPr lang="pt-BR" u="sng" dirty="0" smtClean="0">
+                <a:solidFill>
+                  <a:schemeClr val="tx2">
+                    <a:lumMod val="75000"/>
+                  </a:schemeClr>
+                </a:solidFill>
+              </a:rPr>
+              <a:t>EXPR</a:t>
+            </a:r>
+            <a:r>
+              <a:rPr lang="pt-BR" u="sng" dirty="0" smtClean="0"/>
+              <a:t>,</a:t>
+            </a:r>
+            <a:r>
+              <a:rPr lang="pt-BR" u="sng" dirty="0" smtClean="0">
+                <a:solidFill>
+                  <a:schemeClr val="bg2">
+                    <a:lumMod val="25000"/>
+                  </a:schemeClr>
+                </a:solidFill>
+              </a:rPr>
+              <a:t>OFFSET</a:t>
+            </a:r>
+            <a:r>
+              <a:rPr lang="pt-BR" u="sng" dirty="0" smtClean="0"/>
+              <a:t>,LENGTH</a:t>
+            </a:r>
+            <a:r>
+              <a:rPr lang="pt-BR" dirty="0" smtClean="0"/>
+              <a:t>,</a:t>
+            </a:r>
+            <a:r>
+              <a:rPr lang="pt-BR" dirty="0" smtClean="0">
+                <a:solidFill>
+                  <a:srgbClr val="7030A0"/>
+                </a:solidFill>
+              </a:rPr>
+              <a:t>REPLACEMENT</a:t>
+            </a:r>
+          </a:p>
+          <a:p>
+            <a:r>
+              <a:rPr lang="en-US" dirty="0" smtClean="0"/>
+              <a:t>Extracts a substring out of </a:t>
+            </a:r>
+            <a:r>
+              <a:rPr lang="en-US" dirty="0" smtClean="0"/>
+              <a:t>EXPR</a:t>
+            </a:r>
+          </a:p>
+          <a:p>
+            <a:r>
+              <a:rPr lang="pt-BR" u="sng" dirty="0" smtClean="0">
+                <a:solidFill>
+                  <a:schemeClr val="bg2">
+                    <a:lumMod val="25000"/>
+                  </a:schemeClr>
+                </a:solidFill>
+              </a:rPr>
+              <a:t>OFFSET </a:t>
+            </a:r>
+            <a:r>
+              <a:rPr lang="pt-BR" dirty="0" smtClean="0">
+                <a:solidFill>
+                  <a:schemeClr val="bg2">
+                    <a:lumMod val="25000"/>
+                  </a:schemeClr>
+                </a:solidFill>
+              </a:rPr>
+              <a:t>: </a:t>
+            </a:r>
+            <a:r>
+              <a:rPr lang="pt-BR" dirty="0" smtClean="0"/>
+              <a:t>0-index based start poition</a:t>
+            </a:r>
+            <a:r>
+              <a:rPr lang="pt-BR" u="sng" dirty="0" smtClean="0">
+                <a:solidFill>
+                  <a:schemeClr val="bg2">
+                    <a:lumMod val="25000"/>
+                  </a:schemeClr>
+                </a:solidFill>
+              </a:rPr>
+              <a:t> </a:t>
+            </a:r>
+          </a:p>
+          <a:p>
+            <a:pPr lvl="1"/>
+            <a:r>
+              <a:rPr lang="en-US" dirty="0" smtClean="0"/>
+              <a:t>If negative, starts </a:t>
+            </a:r>
+            <a:r>
+              <a:rPr lang="en-US" dirty="0" smtClean="0"/>
+              <a:t>that far back from the </a:t>
+            </a:r>
+            <a:r>
+              <a:rPr lang="en-US" dirty="0" smtClean="0"/>
+              <a:t>end</a:t>
+            </a:r>
+          </a:p>
+          <a:p>
+            <a:r>
+              <a:rPr lang="pt-BR" u="sng" dirty="0" smtClean="0"/>
+              <a:t>LENGTH</a:t>
+            </a:r>
+            <a:r>
+              <a:rPr lang="pt-BR" dirty="0" smtClean="0"/>
+              <a:t> : from OFFSET how much length to return</a:t>
+            </a:r>
+          </a:p>
+          <a:p>
+            <a:pPr lvl="1"/>
+            <a:r>
+              <a:rPr lang="en-US" dirty="0" smtClean="0"/>
+              <a:t>If omitted, </a:t>
+            </a:r>
+            <a:r>
+              <a:rPr lang="en-US" dirty="0" smtClean="0"/>
+              <a:t>returns everything through the </a:t>
+            </a:r>
+            <a:r>
+              <a:rPr lang="en-US" dirty="0" smtClean="0"/>
+              <a:t>end</a:t>
+            </a:r>
+          </a:p>
+          <a:p>
+            <a:pPr lvl="1"/>
+            <a:r>
+              <a:rPr lang="pt-BR" dirty="0" smtClean="0"/>
+              <a:t>If negative, </a:t>
+            </a:r>
+            <a:r>
+              <a:rPr lang="en-US" dirty="0" smtClean="0"/>
+              <a:t>leaves that many characters off the </a:t>
+            </a:r>
+            <a:r>
+              <a:rPr lang="en-US" dirty="0" smtClean="0"/>
+              <a:t>end.</a:t>
+            </a:r>
+          </a:p>
+          <a:p>
+            <a:r>
+              <a:rPr lang="pt-BR" dirty="0" smtClean="0">
+                <a:solidFill>
+                  <a:srgbClr val="7030A0"/>
+                </a:solidFill>
+              </a:rPr>
+              <a:t>REPLACEMENT : </a:t>
+            </a:r>
+            <a:r>
+              <a:rPr lang="pt-BR" dirty="0" smtClean="0"/>
+              <a:t>optionally replace with PROVIDED string</a:t>
+            </a:r>
+            <a:endParaRPr lang="en-US" dirty="0" smtClean="0"/>
+          </a:p>
+          <a:p>
+            <a:endParaRPr lang="en-US" dirty="0"/>
           </a:p>
         </p:txBody>
       </p:sp>
@@ -4464,6 +5378,102 @@
   <p:clrMapOvr>
     <a:masterClrMapping/>
   </p:clrMapOvr>
+</p:sld>
+</file>
+
+<file path=ppt/slides/slide9.xml><?xml version="1.0" encoding="utf-8"?>
+<p:sld xmlns:a="http://schemas.openxmlformats.org/drawingml/2006/main" xmlns:r="http://schemas.openxmlformats.org/officeDocument/2006/relationships" xmlns:p="http://schemas.openxmlformats.org/presentationml/2006/main">
+  <p:cSld>
+    <p:spTree>
+      <p:nvGrpSpPr>
+        <p:cNvPr id="1" name=""/>
+        <p:cNvGrpSpPr/>
+        <p:nvPr/>
+      </p:nvGrpSpPr>
+      <p:grpSpPr>
+        <a:xfrm>
+          <a:off x="0" y="0"/>
+          <a:ext cx="0" cy="0"/>
+          <a:chOff x="0" y="0"/>
+          <a:chExt cx="0" cy="0"/>
+        </a:xfrm>
+      </p:grpSpPr>
+      <p:pic>
+        <p:nvPicPr>
+          <p:cNvPr id="3074" name="Picture 2"/>
+          <p:cNvPicPr>
+            <a:picLocks noChangeAspect="1" noChangeArrowheads="1"/>
+          </p:cNvPicPr>
+          <p:nvPr/>
+        </p:nvPicPr>
+        <p:blipFill>
+          <a:blip r:embed="rId2" cstate="print"/>
+          <a:srcRect/>
+          <a:stretch>
+            <a:fillRect/>
+          </a:stretch>
+        </p:blipFill>
+        <p:spPr bwMode="auto">
+          <a:xfrm>
+            <a:off x="1" y="957265"/>
+            <a:ext cx="9144000" cy="2402958"/>
+          </a:xfrm>
+          <a:prstGeom prst="rect">
+            <a:avLst/>
+          </a:prstGeom>
+          <a:noFill/>
+          <a:ln w="9525">
+            <a:noFill/>
+            <a:miter lim="800000"/>
+            <a:headEnd/>
+            <a:tailEnd/>
+          </a:ln>
+        </p:spPr>
+      </p:pic>
+      <p:pic>
+        <p:nvPicPr>
+          <p:cNvPr id="3076" name="Picture 4"/>
+          <p:cNvPicPr>
+            <a:picLocks noChangeAspect="1" noChangeArrowheads="1"/>
+          </p:cNvPicPr>
+          <p:nvPr/>
+        </p:nvPicPr>
+        <p:blipFill>
+          <a:blip r:embed="rId3" cstate="print"/>
+          <a:srcRect/>
+          <a:stretch>
+            <a:fillRect/>
+          </a:stretch>
+        </p:blipFill>
+        <p:spPr bwMode="auto">
+          <a:xfrm>
+            <a:off x="1" y="3728748"/>
+            <a:ext cx="9144000" cy="629697"/>
+          </a:xfrm>
+          <a:prstGeom prst="rect">
+            <a:avLst/>
+          </a:prstGeom>
+          <a:noFill/>
+          <a:ln w="9525">
+            <a:noFill/>
+            <a:miter lim="800000"/>
+            <a:headEnd/>
+            <a:tailEnd/>
+          </a:ln>
+        </p:spPr>
+      </p:pic>
+    </p:spTree>
+  </p:cSld>
+  <p:clrMapOvr>
+    <a:masterClrMapping/>
+  </p:clrMapOvr>
+  <p:timing>
+    <p:tnLst>
+      <p:par>
+        <p:cTn id="1" dur="indefinite" restart="never" nodeType="tmRoot"/>
+      </p:par>
+    </p:tnLst>
+  </p:timing>
 </p:sld>
 </file>
 

--- a/PPTs/Operations_on_variables.pptx
+++ b/PPTs/Operations_on_variables.pptx
@@ -19,8 +19,9 @@
     <p:sldId id="267" r:id="rId13"/>
     <p:sldId id="268" r:id="rId14"/>
     <p:sldId id="271" r:id="rId15"/>
-    <p:sldId id="269" r:id="rId16"/>
-    <p:sldId id="270" r:id="rId17"/>
+    <p:sldId id="273" r:id="rId16"/>
+    <p:sldId id="274" r:id="rId17"/>
+    <p:sldId id="275" r:id="rId18"/>
   </p:sldIdLst>
   <p:sldSz cx="9144000" cy="5143500" type="screen16x9"/>
   <p:notesSz cx="6858000" cy="9144000"/>
@@ -311,7 +312,7 @@
             <a:fld id="{C8A432C8-69A7-458B-9684-2BFA64B31948}" type="datetime2">
               <a:rPr lang="en-US" smtClean="0"/>
               <a:pPr/>
-              <a:t>Friday, May 26, 2017</a:t>
+              <a:t>Saturday, May 27, 2017</a:t>
             </a:fld>
             <a:endParaRPr lang="en-US"/>
           </a:p>
@@ -514,7 +515,7 @@
             <a:fld id="{8CC057FC-95B6-4D89-AFDA-ABA33EE921E5}" type="datetime2">
               <a:rPr lang="en-US" smtClean="0"/>
               <a:pPr/>
-              <a:t>Friday, May 26, 2017</a:t>
+              <a:t>Saturday, May 27, 2017</a:t>
             </a:fld>
             <a:endParaRPr lang="en-US"/>
           </a:p>
@@ -692,7 +693,7 @@
             <a:fld id="{EC4549AC-EB31-477F-92A9-B1988E232878}" type="datetime2">
               <a:rPr lang="en-US" smtClean="0"/>
               <a:pPr/>
-              <a:t>Friday, May 26, 2017</a:t>
+              <a:t>Saturday, May 27, 2017</a:t>
             </a:fld>
             <a:endParaRPr lang="en-US"/>
           </a:p>
@@ -860,7 +861,7 @@
             <a:fld id="{6396A3A3-94A6-4E5B-AF39-173ACA3E61CC}" type="datetime2">
               <a:rPr lang="en-US" smtClean="0"/>
               <a:pPr/>
-              <a:t>Friday, May 26, 2017</a:t>
+              <a:t>Saturday, May 27, 2017</a:t>
             </a:fld>
             <a:endParaRPr lang="en-US"/>
           </a:p>
@@ -1111,7 +1112,7 @@
             <a:fld id="{9933D019-A32C-4EAD-B8E6-DBDA699692FD}" type="datetime2">
               <a:rPr lang="en-US" smtClean="0"/>
               <a:pPr/>
-              <a:t>Friday, May 26, 2017</a:t>
+              <a:t>Saturday, May 27, 2017</a:t>
             </a:fld>
             <a:endParaRPr lang="en-US"/>
           </a:p>
@@ -1432,7 +1433,7 @@
             <a:fld id="{CCEBA98F-560C-4997-81C4-81D4D9187EAB}" type="datetime2">
               <a:rPr lang="en-US" smtClean="0"/>
               <a:pPr/>
-              <a:t>Friday, May 26, 2017</a:t>
+              <a:t>Saturday, May 27, 2017</a:t>
             </a:fld>
             <a:endParaRPr lang="en-US"/>
           </a:p>
@@ -1901,7 +1902,7 @@
             <a:fld id="{150972B2-CA5C-437D-87D0-8081271A9E4B}" type="datetime2">
               <a:rPr lang="en-US" smtClean="0"/>
               <a:pPr/>
-              <a:t>Friday, May 26, 2017</a:t>
+              <a:t>Saturday, May 27, 2017</a:t>
             </a:fld>
             <a:endParaRPr lang="en-US"/>
           </a:p>
@@ -2052,7 +2053,7 @@
             <a:fld id="{79CD4847-11EF-4466-A8AD-85CDB7B49118}" type="datetime2">
               <a:rPr lang="en-US" smtClean="0"/>
               <a:pPr/>
-              <a:t>Friday, May 26, 2017</a:t>
+              <a:t>Saturday, May 27, 2017</a:t>
             </a:fld>
             <a:endParaRPr lang="en-US"/>
           </a:p>
@@ -2145,7 +2146,7 @@
             <a:fld id="{F168457A-3AB9-4880-8A0C-9F8524491207}" type="datetime2">
               <a:rPr lang="en-US" smtClean="0"/>
               <a:pPr/>
-              <a:t>Friday, May 26, 2017</a:t>
+              <a:t>Saturday, May 27, 2017</a:t>
             </a:fld>
             <a:endParaRPr lang="en-US"/>
           </a:p>
@@ -2422,7 +2423,7 @@
             <a:fld id="{3FE976D3-5B7F-4300-ABED-C91F1B2AE209}" type="datetime2">
               <a:rPr lang="en-US" smtClean="0"/>
               <a:pPr/>
-              <a:t>Friday, May 26, 2017</a:t>
+              <a:t>Saturday, May 27, 2017</a:t>
             </a:fld>
             <a:endParaRPr lang="en-US"/>
           </a:p>
@@ -2730,7 +2731,7 @@
             <a:fld id="{EBDC1E59-17DD-41CE-97CA-624A472382D4}" type="datetime2">
               <a:rPr lang="en-US" smtClean="0"/>
               <a:pPr/>
-              <a:t>Friday, May 26, 2017</a:t>
+              <a:t>Saturday, May 27, 2017</a:t>
             </a:fld>
             <a:endParaRPr lang="en-US"/>
           </a:p>
@@ -3031,7 +3032,7 @@
             <a:fld id="{A80CB818-7379-467D-8E76-EF9D9074A26C}" type="datetime2">
               <a:rPr lang="en-US" smtClean="0"/>
               <a:pPr/>
-              <a:t>Friday, May 26, 2017</a:t>
+              <a:t>Saturday, May 27, 2017</a:t>
             </a:fld>
             <a:endParaRPr lang="en-US" dirty="0"/>
           </a:p>
@@ -3476,7 +3477,7 @@
     </p:spTree>
     <p:extLst>
       <p:ext uri="{BB962C8B-B14F-4D97-AF65-F5344CB8AC3E}">
-        <p14:creationId xmlns="" xmlns:p14="http://schemas.microsoft.com/office/powerpoint/2010/main" val="182139768"/>
+        <p14:creationId xmlns:p14="http://schemas.microsoft.com/office/powerpoint/2010/main" xmlns="" val="182139768"/>
       </p:ext>
     </p:extLst>
   </p:cSld>
@@ -3546,7 +3547,7 @@
               <a:t>Syntax: </a:t>
             </a:r>
             <a:r>
-              <a:rPr lang="pt-BR" dirty="0" smtClean="0"/>
+              <a:rPr lang="pt-BR" i="1" dirty="0" smtClean="0"/>
               <a:t>length EXPR</a:t>
             </a:r>
           </a:p>
@@ -3554,11 +3555,7 @@
             <a:pPr lvl="1"/>
             <a:r>
               <a:rPr lang="en-US" dirty="0" smtClean="0"/>
-              <a:t>Returns the length in characters of the value of EXPR</a:t>
-            </a:r>
-            <a:r>
-              <a:rPr lang="en-US" dirty="0" smtClean="0"/>
-              <a:t>.</a:t>
+              <a:t>Returns the length in characters of the value of EXPR.</a:t>
             </a:r>
           </a:p>
         </p:txBody>
@@ -3660,17 +3657,17 @@
           <a:p>
             <a:r>
               <a:rPr lang="en-US" dirty="0" smtClean="0"/>
-              <a:t>Syntax: index STR,SUBSTR</a:t>
+              <a:t>Syntax: </a:t>
+            </a:r>
+            <a:r>
+              <a:rPr lang="en-US" i="1" dirty="0" smtClean="0"/>
+              <a:t>index STR,SUBSTR</a:t>
             </a:r>
           </a:p>
           <a:p>
             <a:r>
               <a:rPr lang="en-US" dirty="0" smtClean="0"/>
-              <a:t>returns the position of the first occurrence of SUBSTR in </a:t>
-            </a:r>
-            <a:r>
-              <a:rPr lang="en-US" dirty="0" smtClean="0"/>
-              <a:t>STR</a:t>
+              <a:t>returns the position of the first occurrence of SUBSTR in STR</a:t>
             </a:r>
           </a:p>
           <a:p>
@@ -3763,34 +3760,34 @@
           <a:p>
             <a:r>
               <a:rPr lang="en-US" dirty="0" smtClean="0"/>
-              <a:t>reverse</a:t>
-            </a:r>
+              <a:t>reverse()</a:t>
+            </a:r>
+            <a:endParaRPr lang="en-US" dirty="0"/>
+          </a:p>
+        </p:txBody>
+      </p:sp>
+      <p:sp>
+        <p:nvSpPr>
+          <p:cNvPr id="3" name="Content Placeholder 2"/>
+          <p:cNvSpPr>
+            <a:spLocks noGrp="1"/>
+          </p:cNvSpPr>
+          <p:nvPr>
+            <p:ph idx="1"/>
+          </p:nvPr>
+        </p:nvSpPr>
+        <p:spPr/>
+        <p:txBody>
+          <a:bodyPr/>
+          <a:lstStyle/>
+          <a:p>
             <a:r>
               <a:rPr lang="en-US" dirty="0" smtClean="0"/>
-              <a:t>()</a:t>
-            </a:r>
-            <a:endParaRPr lang="en-US" dirty="0"/>
-          </a:p>
-        </p:txBody>
-      </p:sp>
-      <p:sp>
-        <p:nvSpPr>
-          <p:cNvPr id="3" name="Content Placeholder 2"/>
-          <p:cNvSpPr>
-            <a:spLocks noGrp="1"/>
-          </p:cNvSpPr>
-          <p:nvPr>
-            <p:ph idx="1"/>
-          </p:nvPr>
-        </p:nvSpPr>
-        <p:spPr/>
-        <p:txBody>
-          <a:bodyPr/>
-          <a:lstStyle/>
-          <a:p>
-            <a:r>
-              <a:rPr lang="en-US" dirty="0" smtClean="0"/>
-              <a:t>Syntax : reverse EXPR</a:t>
+              <a:t>Syntax : </a:t>
+            </a:r>
+            <a:r>
+              <a:rPr lang="en-US" i="1" dirty="0" smtClean="0"/>
+              <a:t>reverse EXPR</a:t>
             </a:r>
           </a:p>
           <a:p>
@@ -3899,7 +3896,11 @@
           <a:p>
             <a:r>
               <a:rPr lang="pt-BR" dirty="0" smtClean="0"/>
-              <a:t>Syntax: uc EXPRS</a:t>
+              <a:t>Syntax: </a:t>
+            </a:r>
+            <a:r>
+              <a:rPr lang="pt-BR" i="1" dirty="0" smtClean="0"/>
+              <a:t>uc EXPRS</a:t>
             </a:r>
           </a:p>
           <a:p>
@@ -3912,15 +3913,11 @@
           <a:p>
             <a:r>
               <a:rPr lang="pt-BR" dirty="0" smtClean="0"/>
-              <a:t>Syntax: </a:t>
-            </a:r>
-            <a:r>
-              <a:rPr lang="pt-BR" dirty="0" smtClean="0"/>
-              <a:t>lc </a:t>
-            </a:r>
-            <a:r>
-              <a:rPr lang="pt-BR" dirty="0" smtClean="0"/>
-              <a:t>EXPRS</a:t>
+              <a:t>Syntax</a:t>
+            </a:r>
+            <a:r>
+              <a:rPr lang="pt-BR" i="1" dirty="0" smtClean="0"/>
+              <a:t>: lc EXPRS</a:t>
             </a:r>
           </a:p>
           <a:p>
@@ -4033,8 +4030,8 @@
           <a:lstStyle/>
           <a:p>
             <a:r>
-              <a:rPr lang="pt-BR" dirty="0" smtClean="0"/>
-              <a:t>Substituting letter ~s///;</a:t>
+              <a:rPr lang="en-IN" dirty="0" smtClean="0"/>
+              <a:t>split()</a:t>
             </a:r>
             <a:endParaRPr lang="en-US" dirty="0"/>
           </a:p>
@@ -4055,10 +4052,510 @@
           <a:bodyPr/>
           <a:lstStyle/>
           <a:p>
-            <a:endParaRPr lang="en-US"/>
-          </a:p>
-        </p:txBody>
-      </p:sp>
+            <a:r>
+              <a:rPr lang="en-IN" dirty="0" smtClean="0"/>
+              <a:t>Syntax: </a:t>
+            </a:r>
+            <a:r>
+              <a:rPr lang="en-IN" i="1" dirty="0" smtClean="0"/>
+              <a:t>split /PATTERN/,EXPR </a:t>
+            </a:r>
+            <a:endParaRPr lang="en-IN" i="1" dirty="0" smtClean="0"/>
+          </a:p>
+          <a:p>
+            <a:pPr lvl="1"/>
+            <a:r>
+              <a:rPr lang="en-GB" dirty="0" smtClean="0"/>
+              <a:t>Splits the string EXPR into a list of strings and returns the list in list </a:t>
+            </a:r>
+            <a:r>
+              <a:rPr lang="en-GB" dirty="0" smtClean="0"/>
+              <a:t>context</a:t>
+            </a:r>
+          </a:p>
+          <a:p>
+            <a:pPr lvl="1"/>
+            <a:r>
+              <a:rPr lang="en-GB" dirty="0" smtClean="0"/>
+              <a:t>Convert a string (scalar) into an array using a separator.</a:t>
+            </a:r>
+            <a:endParaRPr lang="en-IN" dirty="0" smtClean="0"/>
+          </a:p>
+          <a:p>
+            <a:r>
+              <a:rPr lang="en-IN" dirty="0" smtClean="0"/>
+              <a:t>TG</a:t>
+            </a:r>
+            <a:r>
+              <a:rPr lang="en-IN" b="1" dirty="0" smtClean="0"/>
+              <a:t>ATG</a:t>
+            </a:r>
+            <a:r>
+              <a:rPr lang="en-IN" dirty="0" smtClean="0"/>
+              <a:t>CCA</a:t>
+            </a:r>
+            <a:r>
+              <a:rPr lang="en-IN" b="1" dirty="0" smtClean="0"/>
+              <a:t>ATG</a:t>
+            </a:r>
+            <a:r>
+              <a:rPr lang="en-IN" dirty="0" smtClean="0"/>
+              <a:t>CCAG</a:t>
+            </a:r>
+            <a:r>
+              <a:rPr lang="en-IN" b="1" dirty="0" smtClean="0"/>
+              <a:t>ATG</a:t>
+            </a:r>
+            <a:r>
+              <a:rPr lang="en-IN" dirty="0" smtClean="0"/>
+              <a:t>CAG</a:t>
+            </a:r>
+          </a:p>
+          <a:p>
+            <a:r>
+              <a:rPr lang="en-IN" dirty="0" smtClean="0"/>
+              <a:t>@</a:t>
+            </a:r>
+            <a:r>
+              <a:rPr lang="en-IN" dirty="0" err="1" smtClean="0"/>
+              <a:t>arr</a:t>
+            </a:r>
+            <a:r>
+              <a:rPr lang="en-IN" dirty="0" smtClean="0"/>
+              <a:t> = </a:t>
+            </a:r>
+            <a:r>
+              <a:rPr lang="en-IN" b="1" dirty="0" smtClean="0"/>
+              <a:t>split /</a:t>
+            </a:r>
+            <a:r>
+              <a:rPr lang="en-IN" dirty="0" smtClean="0"/>
+              <a:t>ATG</a:t>
+            </a:r>
+            <a:r>
+              <a:rPr lang="en-IN" b="1" dirty="0" smtClean="0"/>
+              <a:t>/,</a:t>
+            </a:r>
+            <a:r>
+              <a:rPr lang="en-IN" dirty="0" smtClean="0"/>
+              <a:t>’TGATGCCAATGCCAGATGCAG’</a:t>
+            </a:r>
+            <a:endParaRPr lang="en-US" dirty="0"/>
+          </a:p>
+        </p:txBody>
+      </p:sp>
+      <p:graphicFrame>
+        <p:nvGraphicFramePr>
+          <p:cNvPr id="4" name="Table 3"/>
+          <p:cNvGraphicFramePr>
+            <a:graphicFrameLocks noGrp="1"/>
+          </p:cNvGraphicFramePr>
+          <p:nvPr/>
+        </p:nvGraphicFramePr>
+        <p:xfrm>
+          <a:off x="1694329" y="3686362"/>
+          <a:ext cx="6096000" cy="741680"/>
+        </p:xfrm>
+        <a:graphic>
+          <a:graphicData uri="http://schemas.openxmlformats.org/drawingml/2006/table">
+            <a:tbl>
+              <a:tblPr firstRow="1" bandRow="1">
+                <a:tableStyleId>{5C22544A-7EE6-4342-B048-85BDC9FD1C3A}</a:tableStyleId>
+              </a:tblPr>
+              <a:tblGrid>
+                <a:gridCol w="1524000"/>
+                <a:gridCol w="1524000"/>
+                <a:gridCol w="1524000"/>
+                <a:gridCol w="1524000"/>
+              </a:tblGrid>
+              <a:tr h="370840">
+                <a:tc>
+                  <a:txBody>
+                    <a:bodyPr/>
+                    <a:lstStyle/>
+                    <a:p>
+                      <a:pPr algn="ctr"/>
+                      <a:r>
+                        <a:rPr lang="en-IN" b="0" dirty="0" smtClean="0">
+                          <a:solidFill>
+                            <a:schemeClr val="tx1"/>
+                          </a:solidFill>
+                        </a:rPr>
+                        <a:t>TG</a:t>
+                      </a:r>
+                      <a:endParaRPr lang="en-US" b="0" dirty="0">
+                        <a:solidFill>
+                          <a:schemeClr val="tx1"/>
+                        </a:solidFill>
+                      </a:endParaRPr>
+                    </a:p>
+                  </a:txBody>
+                  <a:tcPr>
+                    <a:lnL w="12700" cap="flat" cmpd="sng" algn="ctr">
+                      <a:solidFill>
+                        <a:schemeClr val="tx1"/>
+                      </a:solidFill>
+                      <a:prstDash val="solid"/>
+                      <a:round/>
+                      <a:headEnd type="none" w="med" len="med"/>
+                      <a:tailEnd type="none" w="med" len="med"/>
+                    </a:lnL>
+                    <a:lnR w="12700" cap="flat" cmpd="sng" algn="ctr">
+                      <a:solidFill>
+                        <a:schemeClr val="tx1"/>
+                      </a:solidFill>
+                      <a:prstDash val="solid"/>
+                      <a:round/>
+                      <a:headEnd type="none" w="med" len="med"/>
+                      <a:tailEnd type="none" w="med" len="med"/>
+                    </a:lnR>
+                    <a:lnT w="12700" cap="flat" cmpd="sng" algn="ctr">
+                      <a:solidFill>
+                        <a:schemeClr val="tx1"/>
+                      </a:solidFill>
+                      <a:prstDash val="solid"/>
+                      <a:round/>
+                      <a:headEnd type="none" w="med" len="med"/>
+                      <a:tailEnd type="none" w="med" len="med"/>
+                    </a:lnT>
+                    <a:lnB w="12700" cap="flat" cmpd="sng" algn="ctr">
+                      <a:solidFill>
+                        <a:schemeClr val="tx1"/>
+                      </a:solidFill>
+                      <a:prstDash val="solid"/>
+                      <a:round/>
+                      <a:headEnd type="none" w="med" len="med"/>
+                      <a:tailEnd type="none" w="med" len="med"/>
+                    </a:lnB>
+                    <a:noFill/>
+                  </a:tcPr>
+                </a:tc>
+                <a:tc>
+                  <a:txBody>
+                    <a:bodyPr/>
+                    <a:lstStyle/>
+                    <a:p>
+                      <a:pPr algn="ctr"/>
+                      <a:r>
+                        <a:rPr lang="en-IN" b="0" dirty="0" smtClean="0">
+                          <a:solidFill>
+                            <a:schemeClr val="tx1"/>
+                          </a:solidFill>
+                        </a:rPr>
+                        <a:t>CCA</a:t>
+                      </a:r>
+                      <a:endParaRPr lang="en-US" b="0" dirty="0">
+                        <a:solidFill>
+                          <a:schemeClr val="tx1"/>
+                        </a:solidFill>
+                      </a:endParaRPr>
+                    </a:p>
+                  </a:txBody>
+                  <a:tcPr>
+                    <a:lnL w="12700" cap="flat" cmpd="sng" algn="ctr">
+                      <a:solidFill>
+                        <a:schemeClr val="tx1"/>
+                      </a:solidFill>
+                      <a:prstDash val="solid"/>
+                      <a:round/>
+                      <a:headEnd type="none" w="med" len="med"/>
+                      <a:tailEnd type="none" w="med" len="med"/>
+                    </a:lnL>
+                    <a:lnR w="12700" cap="flat" cmpd="sng" algn="ctr">
+                      <a:solidFill>
+                        <a:schemeClr val="tx1"/>
+                      </a:solidFill>
+                      <a:prstDash val="solid"/>
+                      <a:round/>
+                      <a:headEnd type="none" w="med" len="med"/>
+                      <a:tailEnd type="none" w="med" len="med"/>
+                    </a:lnR>
+                    <a:lnT w="12700" cap="flat" cmpd="sng" algn="ctr">
+                      <a:solidFill>
+                        <a:schemeClr val="tx1"/>
+                      </a:solidFill>
+                      <a:prstDash val="solid"/>
+                      <a:round/>
+                      <a:headEnd type="none" w="med" len="med"/>
+                      <a:tailEnd type="none" w="med" len="med"/>
+                    </a:lnT>
+                    <a:lnB w="12700" cap="flat" cmpd="sng" algn="ctr">
+                      <a:solidFill>
+                        <a:schemeClr val="tx1"/>
+                      </a:solidFill>
+                      <a:prstDash val="solid"/>
+                      <a:round/>
+                      <a:headEnd type="none" w="med" len="med"/>
+                      <a:tailEnd type="none" w="med" len="med"/>
+                    </a:lnB>
+                    <a:noFill/>
+                  </a:tcPr>
+                </a:tc>
+                <a:tc>
+                  <a:txBody>
+                    <a:bodyPr/>
+                    <a:lstStyle/>
+                    <a:p>
+                      <a:pPr algn="ctr"/>
+                      <a:r>
+                        <a:rPr lang="en-IN" b="0" dirty="0" smtClean="0">
+                          <a:solidFill>
+                            <a:schemeClr val="tx1"/>
+                          </a:solidFill>
+                        </a:rPr>
+                        <a:t>CCAG</a:t>
+                      </a:r>
+                      <a:endParaRPr lang="en-US" b="0" dirty="0">
+                        <a:solidFill>
+                          <a:schemeClr val="tx1"/>
+                        </a:solidFill>
+                      </a:endParaRPr>
+                    </a:p>
+                  </a:txBody>
+                  <a:tcPr>
+                    <a:lnL w="12700" cap="flat" cmpd="sng" algn="ctr">
+                      <a:solidFill>
+                        <a:schemeClr val="tx1"/>
+                      </a:solidFill>
+                      <a:prstDash val="solid"/>
+                      <a:round/>
+                      <a:headEnd type="none" w="med" len="med"/>
+                      <a:tailEnd type="none" w="med" len="med"/>
+                    </a:lnL>
+                    <a:lnR w="12700" cap="flat" cmpd="sng" algn="ctr">
+                      <a:solidFill>
+                        <a:schemeClr val="tx1"/>
+                      </a:solidFill>
+                      <a:prstDash val="solid"/>
+                      <a:round/>
+                      <a:headEnd type="none" w="med" len="med"/>
+                      <a:tailEnd type="none" w="med" len="med"/>
+                    </a:lnR>
+                    <a:lnT w="12700" cap="flat" cmpd="sng" algn="ctr">
+                      <a:solidFill>
+                        <a:schemeClr val="tx1"/>
+                      </a:solidFill>
+                      <a:prstDash val="solid"/>
+                      <a:round/>
+                      <a:headEnd type="none" w="med" len="med"/>
+                      <a:tailEnd type="none" w="med" len="med"/>
+                    </a:lnT>
+                    <a:lnB w="12700" cap="flat" cmpd="sng" algn="ctr">
+                      <a:solidFill>
+                        <a:schemeClr val="tx1"/>
+                      </a:solidFill>
+                      <a:prstDash val="solid"/>
+                      <a:round/>
+                      <a:headEnd type="none" w="med" len="med"/>
+                      <a:tailEnd type="none" w="med" len="med"/>
+                    </a:lnB>
+                    <a:noFill/>
+                  </a:tcPr>
+                </a:tc>
+                <a:tc>
+                  <a:txBody>
+                    <a:bodyPr/>
+                    <a:lstStyle/>
+                    <a:p>
+                      <a:pPr algn="ctr"/>
+                      <a:r>
+                        <a:rPr lang="en-IN" b="0" dirty="0" smtClean="0">
+                          <a:solidFill>
+                            <a:schemeClr val="tx1"/>
+                          </a:solidFill>
+                        </a:rPr>
+                        <a:t>CAG</a:t>
+                      </a:r>
+                      <a:endParaRPr lang="en-US" b="0" dirty="0">
+                        <a:solidFill>
+                          <a:schemeClr val="tx1"/>
+                        </a:solidFill>
+                      </a:endParaRPr>
+                    </a:p>
+                  </a:txBody>
+                  <a:tcPr>
+                    <a:lnL w="12700" cap="flat" cmpd="sng" algn="ctr">
+                      <a:solidFill>
+                        <a:schemeClr val="tx1"/>
+                      </a:solidFill>
+                      <a:prstDash val="solid"/>
+                      <a:round/>
+                      <a:headEnd type="none" w="med" len="med"/>
+                      <a:tailEnd type="none" w="med" len="med"/>
+                    </a:lnL>
+                    <a:lnR w="12700" cap="flat" cmpd="sng" algn="ctr">
+                      <a:solidFill>
+                        <a:schemeClr val="tx1"/>
+                      </a:solidFill>
+                      <a:prstDash val="solid"/>
+                      <a:round/>
+                      <a:headEnd type="none" w="med" len="med"/>
+                      <a:tailEnd type="none" w="med" len="med"/>
+                    </a:lnR>
+                    <a:lnT w="12700" cap="flat" cmpd="sng" algn="ctr">
+                      <a:solidFill>
+                        <a:schemeClr val="tx1"/>
+                      </a:solidFill>
+                      <a:prstDash val="solid"/>
+                      <a:round/>
+                      <a:headEnd type="none" w="med" len="med"/>
+                      <a:tailEnd type="none" w="med" len="med"/>
+                    </a:lnT>
+                    <a:lnB w="12700" cap="flat" cmpd="sng" algn="ctr">
+                      <a:solidFill>
+                        <a:schemeClr val="tx1"/>
+                      </a:solidFill>
+                      <a:prstDash val="solid"/>
+                      <a:round/>
+                      <a:headEnd type="none" w="med" len="med"/>
+                      <a:tailEnd type="none" w="med" len="med"/>
+                    </a:lnB>
+                    <a:noFill/>
+                  </a:tcPr>
+                </a:tc>
+              </a:tr>
+              <a:tr h="370840">
+                <a:tc>
+                  <a:txBody>
+                    <a:bodyPr/>
+                    <a:lstStyle/>
+                    <a:p>
+                      <a:pPr algn="ctr"/>
+                      <a:r>
+                        <a:rPr lang="en-IN" dirty="0" smtClean="0">
+                          <a:solidFill>
+                            <a:schemeClr val="tx1"/>
+                          </a:solidFill>
+                        </a:rPr>
+                        <a:t>0</a:t>
+                      </a:r>
+                      <a:endParaRPr lang="en-US" dirty="0">
+                        <a:solidFill>
+                          <a:schemeClr val="tx1"/>
+                        </a:solidFill>
+                      </a:endParaRPr>
+                    </a:p>
+                  </a:txBody>
+                  <a:tcPr>
+                    <a:lnT w="12700" cap="flat" cmpd="sng" algn="ctr">
+                      <a:solidFill>
+                        <a:schemeClr val="tx1"/>
+                      </a:solidFill>
+                      <a:prstDash val="solid"/>
+                      <a:round/>
+                      <a:headEnd type="none" w="med" len="med"/>
+                      <a:tailEnd type="none" w="med" len="med"/>
+                    </a:lnT>
+                    <a:noFill/>
+                  </a:tcPr>
+                </a:tc>
+                <a:tc>
+                  <a:txBody>
+                    <a:bodyPr/>
+                    <a:lstStyle/>
+                    <a:p>
+                      <a:pPr algn="ctr"/>
+                      <a:r>
+                        <a:rPr lang="en-IN" dirty="0" smtClean="0">
+                          <a:solidFill>
+                            <a:schemeClr val="tx1"/>
+                          </a:solidFill>
+                        </a:rPr>
+                        <a:t>1</a:t>
+                      </a:r>
+                      <a:endParaRPr lang="en-US" dirty="0">
+                        <a:solidFill>
+                          <a:schemeClr val="tx1"/>
+                        </a:solidFill>
+                      </a:endParaRPr>
+                    </a:p>
+                  </a:txBody>
+                  <a:tcPr>
+                    <a:lnT w="12700" cap="flat" cmpd="sng" algn="ctr">
+                      <a:solidFill>
+                        <a:schemeClr val="tx1"/>
+                      </a:solidFill>
+                      <a:prstDash val="solid"/>
+                      <a:round/>
+                      <a:headEnd type="none" w="med" len="med"/>
+                      <a:tailEnd type="none" w="med" len="med"/>
+                    </a:lnT>
+                    <a:noFill/>
+                  </a:tcPr>
+                </a:tc>
+                <a:tc>
+                  <a:txBody>
+                    <a:bodyPr/>
+                    <a:lstStyle/>
+                    <a:p>
+                      <a:pPr algn="ctr"/>
+                      <a:r>
+                        <a:rPr lang="en-IN" dirty="0" smtClean="0">
+                          <a:solidFill>
+                            <a:schemeClr val="tx1"/>
+                          </a:solidFill>
+                        </a:rPr>
+                        <a:t>2</a:t>
+                      </a:r>
+                      <a:endParaRPr lang="en-US" dirty="0">
+                        <a:solidFill>
+                          <a:schemeClr val="tx1"/>
+                        </a:solidFill>
+                      </a:endParaRPr>
+                    </a:p>
+                  </a:txBody>
+                  <a:tcPr>
+                    <a:lnT w="12700" cap="flat" cmpd="sng" algn="ctr">
+                      <a:solidFill>
+                        <a:schemeClr val="tx1"/>
+                      </a:solidFill>
+                      <a:prstDash val="solid"/>
+                      <a:round/>
+                      <a:headEnd type="none" w="med" len="med"/>
+                      <a:tailEnd type="none" w="med" len="med"/>
+                    </a:lnT>
+                    <a:noFill/>
+                  </a:tcPr>
+                </a:tc>
+                <a:tc>
+                  <a:txBody>
+                    <a:bodyPr/>
+                    <a:lstStyle/>
+                    <a:p>
+                      <a:pPr algn="ctr"/>
+                      <a:r>
+                        <a:rPr lang="en-IN" dirty="0" smtClean="0">
+                          <a:solidFill>
+                            <a:schemeClr val="tx1"/>
+                          </a:solidFill>
+                        </a:rPr>
+                        <a:t>3</a:t>
+                      </a:r>
+                      <a:endParaRPr lang="en-US" dirty="0">
+                        <a:solidFill>
+                          <a:schemeClr val="tx1"/>
+                        </a:solidFill>
+                      </a:endParaRPr>
+                    </a:p>
+                  </a:txBody>
+                  <a:tcPr>
+                    <a:lnT w="12700" cap="flat" cmpd="sng" algn="ctr">
+                      <a:solidFill>
+                        <a:schemeClr val="tx1"/>
+                      </a:solidFill>
+                      <a:prstDash val="solid"/>
+                      <a:round/>
+                      <a:headEnd type="none" w="med" len="med"/>
+                      <a:tailEnd type="none" w="med" len="med"/>
+                    </a:lnT>
+                    <a:noFill/>
+                  </a:tcPr>
+                </a:tc>
+              </a:tr>
+            </a:tbl>
+          </a:graphicData>
+        </a:graphic>
+      </p:graphicFrame>
     </p:spTree>
   </p:cSld>
   <p:clrMapOvr>
@@ -4100,8 +4597,8 @@
           <a:lstStyle/>
           <a:p>
             <a:r>
-              <a:rPr lang="pt-BR" dirty="0" smtClean="0"/>
-              <a:t>Transliterating multiple letters ~tr///g;</a:t>
+              <a:rPr lang="en-IN" dirty="0" smtClean="0"/>
+              <a:t>scalar()</a:t>
             </a:r>
             <a:endParaRPr lang="en-US" dirty="0"/>
           </a:p>
@@ -4122,7 +4619,1085 @@
           <a:bodyPr/>
           <a:lstStyle/>
           <a:p>
+            <a:r>
+              <a:rPr lang="en-GB" dirty="0" smtClean="0"/>
+              <a:t>Syntax</a:t>
+            </a:r>
+            <a:r>
+              <a:rPr lang="en-GB" dirty="0" smtClean="0"/>
+              <a:t>: </a:t>
+            </a:r>
+            <a:r>
+              <a:rPr lang="en-GB" i="1" dirty="0" smtClean="0"/>
+              <a:t>scalar EXPR </a:t>
+            </a:r>
+          </a:p>
+          <a:p>
+            <a:pPr lvl="1"/>
+            <a:r>
+              <a:rPr lang="en-GB" dirty="0" smtClean="0"/>
+              <a:t>Forces </a:t>
+            </a:r>
+            <a:r>
+              <a:rPr lang="en-GB" dirty="0" smtClean="0"/>
+              <a:t>EXPR to be interpreted in scalar context and returns the value of </a:t>
+            </a:r>
+            <a:r>
+              <a:rPr lang="en-GB" dirty="0" smtClean="0"/>
+              <a:t>EXPR</a:t>
+            </a:r>
+          </a:p>
+          <a:p>
+            <a:pPr lvl="1"/>
+            <a:r>
+              <a:rPr lang="en-GB" dirty="0" smtClean="0"/>
+              <a:t>Commonly used to get length of an array</a:t>
+            </a:r>
+          </a:p>
+          <a:p>
+            <a:pPr lvl="2"/>
+            <a:r>
+              <a:rPr lang="en-GB" dirty="0" smtClean="0"/>
+              <a:t>$</a:t>
+            </a:r>
+            <a:r>
+              <a:rPr lang="en-GB" dirty="0" err="1" smtClean="0"/>
+              <a:t>len</a:t>
+            </a:r>
+            <a:r>
+              <a:rPr lang="en-GB" dirty="0" smtClean="0"/>
+              <a:t> = scalar @</a:t>
+            </a:r>
+            <a:r>
+              <a:rPr lang="en-GB" dirty="0" err="1" smtClean="0"/>
+              <a:t>arr</a:t>
+            </a:r>
+            <a:r>
+              <a:rPr lang="en-GB" dirty="0" smtClean="0"/>
+              <a:t>;  # 4</a:t>
+            </a:r>
+          </a:p>
+          <a:p>
+            <a:pPr lvl="2">
+              <a:buNone/>
+            </a:pPr>
+            <a:endParaRPr lang="en-US" dirty="0"/>
+          </a:p>
+        </p:txBody>
+      </p:sp>
+      <p:graphicFrame>
+        <p:nvGraphicFramePr>
+          <p:cNvPr id="4" name="Table 3"/>
+          <p:cNvGraphicFramePr>
+            <a:graphicFrameLocks noGrp="1"/>
+          </p:cNvGraphicFramePr>
+          <p:nvPr/>
+        </p:nvGraphicFramePr>
+        <p:xfrm>
+          <a:off x="4849903" y="2683174"/>
+          <a:ext cx="3128684" cy="759273"/>
+        </p:xfrm>
+        <a:graphic>
+          <a:graphicData uri="http://schemas.openxmlformats.org/drawingml/2006/table">
+            <a:tbl>
+              <a:tblPr firstRow="1" bandRow="1">
+                <a:tableStyleId>{5C22544A-7EE6-4342-B048-85BDC9FD1C3A}</a:tableStyleId>
+              </a:tblPr>
+              <a:tblGrid>
+                <a:gridCol w="782171"/>
+                <a:gridCol w="782171"/>
+                <a:gridCol w="782171"/>
+                <a:gridCol w="782171"/>
+              </a:tblGrid>
+              <a:tr h="449209">
+                <a:tc>
+                  <a:txBody>
+                    <a:bodyPr/>
+                    <a:lstStyle/>
+                    <a:p>
+                      <a:pPr algn="ctr"/>
+                      <a:r>
+                        <a:rPr lang="en-IN" sz="1400" b="0" dirty="0" smtClean="0">
+                          <a:solidFill>
+                            <a:schemeClr val="tx1"/>
+                          </a:solidFill>
+                        </a:rPr>
+                        <a:t>TG</a:t>
+                      </a:r>
+                      <a:endParaRPr lang="en-US" sz="1400" b="0" dirty="0">
+                        <a:solidFill>
+                          <a:schemeClr val="tx1"/>
+                        </a:solidFill>
+                      </a:endParaRPr>
+                    </a:p>
+                  </a:txBody>
+                  <a:tcPr>
+                    <a:lnL w="12700" cap="flat" cmpd="sng" algn="ctr">
+                      <a:solidFill>
+                        <a:schemeClr val="tx1"/>
+                      </a:solidFill>
+                      <a:prstDash val="solid"/>
+                      <a:round/>
+                      <a:headEnd type="none" w="med" len="med"/>
+                      <a:tailEnd type="none" w="med" len="med"/>
+                    </a:lnL>
+                    <a:lnR w="12700" cap="flat" cmpd="sng" algn="ctr">
+                      <a:solidFill>
+                        <a:schemeClr val="tx1"/>
+                      </a:solidFill>
+                      <a:prstDash val="solid"/>
+                      <a:round/>
+                      <a:headEnd type="none" w="med" len="med"/>
+                      <a:tailEnd type="none" w="med" len="med"/>
+                    </a:lnR>
+                    <a:lnT w="12700" cap="flat" cmpd="sng" algn="ctr">
+                      <a:solidFill>
+                        <a:schemeClr val="tx1"/>
+                      </a:solidFill>
+                      <a:prstDash val="solid"/>
+                      <a:round/>
+                      <a:headEnd type="none" w="med" len="med"/>
+                      <a:tailEnd type="none" w="med" len="med"/>
+                    </a:lnT>
+                    <a:lnB w="12700" cap="flat" cmpd="sng" algn="ctr">
+                      <a:solidFill>
+                        <a:schemeClr val="tx1"/>
+                      </a:solidFill>
+                      <a:prstDash val="solid"/>
+                      <a:round/>
+                      <a:headEnd type="none" w="med" len="med"/>
+                      <a:tailEnd type="none" w="med" len="med"/>
+                    </a:lnB>
+                    <a:noFill/>
+                  </a:tcPr>
+                </a:tc>
+                <a:tc>
+                  <a:txBody>
+                    <a:bodyPr/>
+                    <a:lstStyle/>
+                    <a:p>
+                      <a:pPr algn="ctr"/>
+                      <a:r>
+                        <a:rPr lang="en-IN" sz="1400" b="0" dirty="0" smtClean="0">
+                          <a:solidFill>
+                            <a:schemeClr val="tx1"/>
+                          </a:solidFill>
+                        </a:rPr>
+                        <a:t>CCA</a:t>
+                      </a:r>
+                      <a:endParaRPr lang="en-US" sz="1400" b="0" dirty="0">
+                        <a:solidFill>
+                          <a:schemeClr val="tx1"/>
+                        </a:solidFill>
+                      </a:endParaRPr>
+                    </a:p>
+                  </a:txBody>
+                  <a:tcPr>
+                    <a:lnL w="12700" cap="flat" cmpd="sng" algn="ctr">
+                      <a:solidFill>
+                        <a:schemeClr val="tx1"/>
+                      </a:solidFill>
+                      <a:prstDash val="solid"/>
+                      <a:round/>
+                      <a:headEnd type="none" w="med" len="med"/>
+                      <a:tailEnd type="none" w="med" len="med"/>
+                    </a:lnL>
+                    <a:lnR w="12700" cap="flat" cmpd="sng" algn="ctr">
+                      <a:solidFill>
+                        <a:schemeClr val="tx1"/>
+                      </a:solidFill>
+                      <a:prstDash val="solid"/>
+                      <a:round/>
+                      <a:headEnd type="none" w="med" len="med"/>
+                      <a:tailEnd type="none" w="med" len="med"/>
+                    </a:lnR>
+                    <a:lnT w="12700" cap="flat" cmpd="sng" algn="ctr">
+                      <a:solidFill>
+                        <a:schemeClr val="tx1"/>
+                      </a:solidFill>
+                      <a:prstDash val="solid"/>
+                      <a:round/>
+                      <a:headEnd type="none" w="med" len="med"/>
+                      <a:tailEnd type="none" w="med" len="med"/>
+                    </a:lnT>
+                    <a:lnB w="12700" cap="flat" cmpd="sng" algn="ctr">
+                      <a:solidFill>
+                        <a:schemeClr val="tx1"/>
+                      </a:solidFill>
+                      <a:prstDash val="solid"/>
+                      <a:round/>
+                      <a:headEnd type="none" w="med" len="med"/>
+                      <a:tailEnd type="none" w="med" len="med"/>
+                    </a:lnB>
+                    <a:noFill/>
+                  </a:tcPr>
+                </a:tc>
+                <a:tc>
+                  <a:txBody>
+                    <a:bodyPr/>
+                    <a:lstStyle/>
+                    <a:p>
+                      <a:pPr algn="ctr"/>
+                      <a:r>
+                        <a:rPr lang="en-IN" sz="1400" b="0" dirty="0" smtClean="0">
+                          <a:solidFill>
+                            <a:schemeClr val="tx1"/>
+                          </a:solidFill>
+                        </a:rPr>
+                        <a:t>CCAG</a:t>
+                      </a:r>
+                      <a:endParaRPr lang="en-US" sz="1400" b="0" dirty="0">
+                        <a:solidFill>
+                          <a:schemeClr val="tx1"/>
+                        </a:solidFill>
+                      </a:endParaRPr>
+                    </a:p>
+                  </a:txBody>
+                  <a:tcPr>
+                    <a:lnL w="12700" cap="flat" cmpd="sng" algn="ctr">
+                      <a:solidFill>
+                        <a:schemeClr val="tx1"/>
+                      </a:solidFill>
+                      <a:prstDash val="solid"/>
+                      <a:round/>
+                      <a:headEnd type="none" w="med" len="med"/>
+                      <a:tailEnd type="none" w="med" len="med"/>
+                    </a:lnL>
+                    <a:lnR w="12700" cap="flat" cmpd="sng" algn="ctr">
+                      <a:solidFill>
+                        <a:schemeClr val="tx1"/>
+                      </a:solidFill>
+                      <a:prstDash val="solid"/>
+                      <a:round/>
+                      <a:headEnd type="none" w="med" len="med"/>
+                      <a:tailEnd type="none" w="med" len="med"/>
+                    </a:lnR>
+                    <a:lnT w="12700" cap="flat" cmpd="sng" algn="ctr">
+                      <a:solidFill>
+                        <a:schemeClr val="tx1"/>
+                      </a:solidFill>
+                      <a:prstDash val="solid"/>
+                      <a:round/>
+                      <a:headEnd type="none" w="med" len="med"/>
+                      <a:tailEnd type="none" w="med" len="med"/>
+                    </a:lnT>
+                    <a:lnB w="12700" cap="flat" cmpd="sng" algn="ctr">
+                      <a:solidFill>
+                        <a:schemeClr val="tx1"/>
+                      </a:solidFill>
+                      <a:prstDash val="solid"/>
+                      <a:round/>
+                      <a:headEnd type="none" w="med" len="med"/>
+                      <a:tailEnd type="none" w="med" len="med"/>
+                    </a:lnB>
+                    <a:noFill/>
+                  </a:tcPr>
+                </a:tc>
+                <a:tc>
+                  <a:txBody>
+                    <a:bodyPr/>
+                    <a:lstStyle/>
+                    <a:p>
+                      <a:pPr algn="ctr"/>
+                      <a:r>
+                        <a:rPr lang="en-IN" sz="1400" b="0" dirty="0" smtClean="0">
+                          <a:solidFill>
+                            <a:schemeClr val="tx1"/>
+                          </a:solidFill>
+                        </a:rPr>
+                        <a:t>CAG</a:t>
+                      </a:r>
+                      <a:endParaRPr lang="en-US" sz="1400" b="0" dirty="0">
+                        <a:solidFill>
+                          <a:schemeClr val="tx1"/>
+                        </a:solidFill>
+                      </a:endParaRPr>
+                    </a:p>
+                  </a:txBody>
+                  <a:tcPr>
+                    <a:lnL w="12700" cap="flat" cmpd="sng" algn="ctr">
+                      <a:solidFill>
+                        <a:schemeClr val="tx1"/>
+                      </a:solidFill>
+                      <a:prstDash val="solid"/>
+                      <a:round/>
+                      <a:headEnd type="none" w="med" len="med"/>
+                      <a:tailEnd type="none" w="med" len="med"/>
+                    </a:lnL>
+                    <a:lnR w="12700" cap="flat" cmpd="sng" algn="ctr">
+                      <a:solidFill>
+                        <a:schemeClr val="tx1"/>
+                      </a:solidFill>
+                      <a:prstDash val="solid"/>
+                      <a:round/>
+                      <a:headEnd type="none" w="med" len="med"/>
+                      <a:tailEnd type="none" w="med" len="med"/>
+                    </a:lnR>
+                    <a:lnT w="12700" cap="flat" cmpd="sng" algn="ctr">
+                      <a:solidFill>
+                        <a:schemeClr val="tx1"/>
+                      </a:solidFill>
+                      <a:prstDash val="solid"/>
+                      <a:round/>
+                      <a:headEnd type="none" w="med" len="med"/>
+                      <a:tailEnd type="none" w="med" len="med"/>
+                    </a:lnT>
+                    <a:lnB w="12700" cap="flat" cmpd="sng" algn="ctr">
+                      <a:solidFill>
+                        <a:schemeClr val="tx1"/>
+                      </a:solidFill>
+                      <a:prstDash val="solid"/>
+                      <a:round/>
+                      <a:headEnd type="none" w="med" len="med"/>
+                      <a:tailEnd type="none" w="med" len="med"/>
+                    </a:lnB>
+                    <a:noFill/>
+                  </a:tcPr>
+                </a:tc>
+              </a:tr>
+              <a:tr h="310064">
+                <a:tc>
+                  <a:txBody>
+                    <a:bodyPr/>
+                    <a:lstStyle/>
+                    <a:p>
+                      <a:pPr algn="ctr"/>
+                      <a:r>
+                        <a:rPr lang="en-IN" sz="1400" dirty="0" smtClean="0">
+                          <a:solidFill>
+                            <a:schemeClr val="tx1"/>
+                          </a:solidFill>
+                        </a:rPr>
+                        <a:t>0</a:t>
+                      </a:r>
+                      <a:endParaRPr lang="en-US" sz="1400" dirty="0">
+                        <a:solidFill>
+                          <a:schemeClr val="tx1"/>
+                        </a:solidFill>
+                      </a:endParaRPr>
+                    </a:p>
+                  </a:txBody>
+                  <a:tcPr>
+                    <a:lnT w="12700" cap="flat" cmpd="sng" algn="ctr">
+                      <a:solidFill>
+                        <a:schemeClr val="tx1"/>
+                      </a:solidFill>
+                      <a:prstDash val="solid"/>
+                      <a:round/>
+                      <a:headEnd type="none" w="med" len="med"/>
+                      <a:tailEnd type="none" w="med" len="med"/>
+                    </a:lnT>
+                    <a:noFill/>
+                  </a:tcPr>
+                </a:tc>
+                <a:tc>
+                  <a:txBody>
+                    <a:bodyPr/>
+                    <a:lstStyle/>
+                    <a:p>
+                      <a:pPr algn="ctr"/>
+                      <a:r>
+                        <a:rPr lang="en-IN" sz="1400" dirty="0" smtClean="0">
+                          <a:solidFill>
+                            <a:schemeClr val="tx1"/>
+                          </a:solidFill>
+                        </a:rPr>
+                        <a:t>1</a:t>
+                      </a:r>
+                      <a:endParaRPr lang="en-US" sz="1400" dirty="0">
+                        <a:solidFill>
+                          <a:schemeClr val="tx1"/>
+                        </a:solidFill>
+                      </a:endParaRPr>
+                    </a:p>
+                  </a:txBody>
+                  <a:tcPr>
+                    <a:lnT w="12700" cap="flat" cmpd="sng" algn="ctr">
+                      <a:solidFill>
+                        <a:schemeClr val="tx1"/>
+                      </a:solidFill>
+                      <a:prstDash val="solid"/>
+                      <a:round/>
+                      <a:headEnd type="none" w="med" len="med"/>
+                      <a:tailEnd type="none" w="med" len="med"/>
+                    </a:lnT>
+                    <a:noFill/>
+                  </a:tcPr>
+                </a:tc>
+                <a:tc>
+                  <a:txBody>
+                    <a:bodyPr/>
+                    <a:lstStyle/>
+                    <a:p>
+                      <a:pPr algn="ctr"/>
+                      <a:r>
+                        <a:rPr lang="en-IN" sz="1400" dirty="0" smtClean="0">
+                          <a:solidFill>
+                            <a:schemeClr val="tx1"/>
+                          </a:solidFill>
+                        </a:rPr>
+                        <a:t>2</a:t>
+                      </a:r>
+                      <a:endParaRPr lang="en-US" sz="1400" dirty="0">
+                        <a:solidFill>
+                          <a:schemeClr val="tx1"/>
+                        </a:solidFill>
+                      </a:endParaRPr>
+                    </a:p>
+                  </a:txBody>
+                  <a:tcPr>
+                    <a:lnT w="12700" cap="flat" cmpd="sng" algn="ctr">
+                      <a:solidFill>
+                        <a:schemeClr val="tx1"/>
+                      </a:solidFill>
+                      <a:prstDash val="solid"/>
+                      <a:round/>
+                      <a:headEnd type="none" w="med" len="med"/>
+                      <a:tailEnd type="none" w="med" len="med"/>
+                    </a:lnT>
+                    <a:noFill/>
+                  </a:tcPr>
+                </a:tc>
+                <a:tc>
+                  <a:txBody>
+                    <a:bodyPr/>
+                    <a:lstStyle/>
+                    <a:p>
+                      <a:pPr algn="ctr"/>
+                      <a:r>
+                        <a:rPr lang="en-IN" sz="1400" dirty="0" smtClean="0">
+                          <a:solidFill>
+                            <a:schemeClr val="tx1"/>
+                          </a:solidFill>
+                        </a:rPr>
+                        <a:t>3</a:t>
+                      </a:r>
+                      <a:endParaRPr lang="en-US" sz="1400" dirty="0">
+                        <a:solidFill>
+                          <a:schemeClr val="tx1"/>
+                        </a:solidFill>
+                      </a:endParaRPr>
+                    </a:p>
+                  </a:txBody>
+                  <a:tcPr>
+                    <a:lnT w="12700" cap="flat" cmpd="sng" algn="ctr">
+                      <a:solidFill>
+                        <a:schemeClr val="tx1"/>
+                      </a:solidFill>
+                      <a:prstDash val="solid"/>
+                      <a:round/>
+                      <a:headEnd type="none" w="med" len="med"/>
+                      <a:tailEnd type="none" w="med" len="med"/>
+                    </a:lnT>
+                    <a:noFill/>
+                  </a:tcPr>
+                </a:tc>
+              </a:tr>
+            </a:tbl>
+          </a:graphicData>
+        </a:graphic>
+      </p:graphicFrame>
+    </p:spTree>
+  </p:cSld>
+  <p:clrMapOvr>
+    <a:masterClrMapping/>
+  </p:clrMapOvr>
+</p:sld>
+</file>
+
+<file path=ppt/slides/slide17.xml><?xml version="1.0" encoding="utf-8"?>
+<p:sld xmlns:a="http://schemas.openxmlformats.org/drawingml/2006/main" xmlns:r="http://schemas.openxmlformats.org/officeDocument/2006/relationships" xmlns:p="http://schemas.openxmlformats.org/presentationml/2006/main">
+  <p:cSld>
+    <p:spTree>
+      <p:nvGrpSpPr>
+        <p:cNvPr id="1" name=""/>
+        <p:cNvGrpSpPr/>
+        <p:nvPr/>
+      </p:nvGrpSpPr>
+      <p:grpSpPr>
+        <a:xfrm>
+          <a:off x="0" y="0"/>
+          <a:ext cx="0" cy="0"/>
+          <a:chOff x="0" y="0"/>
+          <a:chExt cx="0" cy="0"/>
+        </a:xfrm>
+      </p:grpSpPr>
+      <p:sp>
+        <p:nvSpPr>
+          <p:cNvPr id="2" name="Title 1"/>
+          <p:cNvSpPr>
+            <a:spLocks noGrp="1"/>
+          </p:cNvSpPr>
+          <p:nvPr>
+            <p:ph type="title"/>
+          </p:nvPr>
+        </p:nvSpPr>
+        <p:spPr/>
+        <p:txBody>
+          <a:bodyPr/>
+          <a:lstStyle/>
+          <a:p>
+            <a:r>
+              <a:rPr lang="en-IN" dirty="0" smtClean="0"/>
+              <a:t>join()</a:t>
+            </a:r>
+            <a:endParaRPr lang="en-US" dirty="0"/>
+          </a:p>
+        </p:txBody>
+      </p:sp>
+      <p:sp>
+        <p:nvSpPr>
+          <p:cNvPr id="3" name="Content Placeholder 2"/>
+          <p:cNvSpPr>
+            <a:spLocks noGrp="1"/>
+          </p:cNvSpPr>
+          <p:nvPr>
+            <p:ph idx="1"/>
+          </p:nvPr>
+        </p:nvSpPr>
+        <p:spPr/>
+        <p:txBody>
+          <a:bodyPr/>
+          <a:lstStyle/>
+          <a:p>
+            <a:r>
+              <a:rPr lang="en-IN" dirty="0" smtClean="0"/>
+              <a:t>Syntax</a:t>
+            </a:r>
+            <a:r>
+              <a:rPr lang="en-IN" dirty="0" smtClean="0"/>
+              <a:t>: </a:t>
+            </a:r>
+            <a:r>
+              <a:rPr lang="en-IN" i="1" dirty="0" smtClean="0"/>
+              <a:t>join EXPR,LIST </a:t>
+            </a:r>
+            <a:endParaRPr lang="en-IN" i="1" dirty="0" smtClean="0"/>
+          </a:p>
+          <a:p>
+            <a:pPr lvl="1"/>
+            <a:r>
+              <a:rPr lang="en-GB" dirty="0" smtClean="0"/>
+              <a:t>Joins the separate strings of LIST into a single string with fields separated by the value of EXPR, and returns that new </a:t>
+            </a:r>
+            <a:r>
+              <a:rPr lang="en-GB" dirty="0" smtClean="0"/>
+              <a:t>string</a:t>
+            </a:r>
+          </a:p>
+          <a:p>
+            <a:pPr lvl="1"/>
+            <a:endParaRPr lang="en-GB" dirty="0" smtClean="0"/>
+          </a:p>
+          <a:p>
+            <a:pPr lvl="1"/>
+            <a:endParaRPr lang="en-GB" dirty="0" smtClean="0"/>
+          </a:p>
+          <a:p>
+            <a:pPr lvl="1"/>
+            <a:r>
+              <a:rPr lang="en-GB" dirty="0" smtClean="0"/>
+              <a:t>$</a:t>
+            </a:r>
+            <a:r>
+              <a:rPr lang="en-GB" dirty="0" err="1" smtClean="0"/>
+              <a:t>dna</a:t>
+            </a:r>
+            <a:r>
+              <a:rPr lang="en-GB" dirty="0" smtClean="0"/>
+              <a:t> = join `|`,@</a:t>
+            </a:r>
+            <a:r>
+              <a:rPr lang="en-GB" dirty="0" err="1" smtClean="0"/>
+              <a:t>arr</a:t>
+            </a:r>
+            <a:r>
+              <a:rPr lang="en-GB" dirty="0" smtClean="0"/>
+              <a:t>;</a:t>
+            </a:r>
+            <a:endParaRPr lang="en-US" dirty="0"/>
+          </a:p>
+        </p:txBody>
+      </p:sp>
+      <p:graphicFrame>
+        <p:nvGraphicFramePr>
+          <p:cNvPr id="4" name="Table 3"/>
+          <p:cNvGraphicFramePr>
+            <a:graphicFrameLocks noGrp="1"/>
+          </p:cNvGraphicFramePr>
+          <p:nvPr/>
+        </p:nvGraphicFramePr>
+        <p:xfrm>
+          <a:off x="5181597" y="2584562"/>
+          <a:ext cx="3128684" cy="759273"/>
+        </p:xfrm>
+        <a:graphic>
+          <a:graphicData uri="http://schemas.openxmlformats.org/drawingml/2006/table">
+            <a:tbl>
+              <a:tblPr firstRow="1" bandRow="1">
+                <a:tableStyleId>{5C22544A-7EE6-4342-B048-85BDC9FD1C3A}</a:tableStyleId>
+              </a:tblPr>
+              <a:tblGrid>
+                <a:gridCol w="782171"/>
+                <a:gridCol w="782171"/>
+                <a:gridCol w="782171"/>
+                <a:gridCol w="782171"/>
+              </a:tblGrid>
+              <a:tr h="449209">
+                <a:tc>
+                  <a:txBody>
+                    <a:bodyPr/>
+                    <a:lstStyle/>
+                    <a:p>
+                      <a:pPr algn="ctr"/>
+                      <a:r>
+                        <a:rPr lang="en-IN" sz="1400" b="0" dirty="0" smtClean="0">
+                          <a:solidFill>
+                            <a:schemeClr val="tx1"/>
+                          </a:solidFill>
+                        </a:rPr>
+                        <a:t>TG</a:t>
+                      </a:r>
+                      <a:endParaRPr lang="en-US" sz="1400" b="0" dirty="0">
+                        <a:solidFill>
+                          <a:schemeClr val="tx1"/>
+                        </a:solidFill>
+                      </a:endParaRPr>
+                    </a:p>
+                  </a:txBody>
+                  <a:tcPr>
+                    <a:lnL w="12700" cap="flat" cmpd="sng" algn="ctr">
+                      <a:solidFill>
+                        <a:schemeClr val="tx1"/>
+                      </a:solidFill>
+                      <a:prstDash val="solid"/>
+                      <a:round/>
+                      <a:headEnd type="none" w="med" len="med"/>
+                      <a:tailEnd type="none" w="med" len="med"/>
+                    </a:lnL>
+                    <a:lnR w="12700" cap="flat" cmpd="sng" algn="ctr">
+                      <a:solidFill>
+                        <a:schemeClr val="tx1"/>
+                      </a:solidFill>
+                      <a:prstDash val="solid"/>
+                      <a:round/>
+                      <a:headEnd type="none" w="med" len="med"/>
+                      <a:tailEnd type="none" w="med" len="med"/>
+                    </a:lnR>
+                    <a:lnT w="12700" cap="flat" cmpd="sng" algn="ctr">
+                      <a:solidFill>
+                        <a:schemeClr val="tx1"/>
+                      </a:solidFill>
+                      <a:prstDash val="solid"/>
+                      <a:round/>
+                      <a:headEnd type="none" w="med" len="med"/>
+                      <a:tailEnd type="none" w="med" len="med"/>
+                    </a:lnT>
+                    <a:lnB w="12700" cap="flat" cmpd="sng" algn="ctr">
+                      <a:solidFill>
+                        <a:schemeClr val="tx1"/>
+                      </a:solidFill>
+                      <a:prstDash val="solid"/>
+                      <a:round/>
+                      <a:headEnd type="none" w="med" len="med"/>
+                      <a:tailEnd type="none" w="med" len="med"/>
+                    </a:lnB>
+                    <a:noFill/>
+                  </a:tcPr>
+                </a:tc>
+                <a:tc>
+                  <a:txBody>
+                    <a:bodyPr/>
+                    <a:lstStyle/>
+                    <a:p>
+                      <a:pPr algn="ctr"/>
+                      <a:r>
+                        <a:rPr lang="en-IN" sz="1400" b="0" dirty="0" smtClean="0">
+                          <a:solidFill>
+                            <a:schemeClr val="tx1"/>
+                          </a:solidFill>
+                        </a:rPr>
+                        <a:t>CCA</a:t>
+                      </a:r>
+                      <a:endParaRPr lang="en-US" sz="1400" b="0" dirty="0">
+                        <a:solidFill>
+                          <a:schemeClr val="tx1"/>
+                        </a:solidFill>
+                      </a:endParaRPr>
+                    </a:p>
+                  </a:txBody>
+                  <a:tcPr>
+                    <a:lnL w="12700" cap="flat" cmpd="sng" algn="ctr">
+                      <a:solidFill>
+                        <a:schemeClr val="tx1"/>
+                      </a:solidFill>
+                      <a:prstDash val="solid"/>
+                      <a:round/>
+                      <a:headEnd type="none" w="med" len="med"/>
+                      <a:tailEnd type="none" w="med" len="med"/>
+                    </a:lnL>
+                    <a:lnR w="12700" cap="flat" cmpd="sng" algn="ctr">
+                      <a:solidFill>
+                        <a:schemeClr val="tx1"/>
+                      </a:solidFill>
+                      <a:prstDash val="solid"/>
+                      <a:round/>
+                      <a:headEnd type="none" w="med" len="med"/>
+                      <a:tailEnd type="none" w="med" len="med"/>
+                    </a:lnR>
+                    <a:lnT w="12700" cap="flat" cmpd="sng" algn="ctr">
+                      <a:solidFill>
+                        <a:schemeClr val="tx1"/>
+                      </a:solidFill>
+                      <a:prstDash val="solid"/>
+                      <a:round/>
+                      <a:headEnd type="none" w="med" len="med"/>
+                      <a:tailEnd type="none" w="med" len="med"/>
+                    </a:lnT>
+                    <a:lnB w="12700" cap="flat" cmpd="sng" algn="ctr">
+                      <a:solidFill>
+                        <a:schemeClr val="tx1"/>
+                      </a:solidFill>
+                      <a:prstDash val="solid"/>
+                      <a:round/>
+                      <a:headEnd type="none" w="med" len="med"/>
+                      <a:tailEnd type="none" w="med" len="med"/>
+                    </a:lnB>
+                    <a:noFill/>
+                  </a:tcPr>
+                </a:tc>
+                <a:tc>
+                  <a:txBody>
+                    <a:bodyPr/>
+                    <a:lstStyle/>
+                    <a:p>
+                      <a:pPr algn="ctr"/>
+                      <a:r>
+                        <a:rPr lang="en-IN" sz="1400" b="0" dirty="0" smtClean="0">
+                          <a:solidFill>
+                            <a:schemeClr val="tx1"/>
+                          </a:solidFill>
+                        </a:rPr>
+                        <a:t>CCAG</a:t>
+                      </a:r>
+                      <a:endParaRPr lang="en-US" sz="1400" b="0" dirty="0">
+                        <a:solidFill>
+                          <a:schemeClr val="tx1"/>
+                        </a:solidFill>
+                      </a:endParaRPr>
+                    </a:p>
+                  </a:txBody>
+                  <a:tcPr>
+                    <a:lnL w="12700" cap="flat" cmpd="sng" algn="ctr">
+                      <a:solidFill>
+                        <a:schemeClr val="tx1"/>
+                      </a:solidFill>
+                      <a:prstDash val="solid"/>
+                      <a:round/>
+                      <a:headEnd type="none" w="med" len="med"/>
+                      <a:tailEnd type="none" w="med" len="med"/>
+                    </a:lnL>
+                    <a:lnR w="12700" cap="flat" cmpd="sng" algn="ctr">
+                      <a:solidFill>
+                        <a:schemeClr val="tx1"/>
+                      </a:solidFill>
+                      <a:prstDash val="solid"/>
+                      <a:round/>
+                      <a:headEnd type="none" w="med" len="med"/>
+                      <a:tailEnd type="none" w="med" len="med"/>
+                    </a:lnR>
+                    <a:lnT w="12700" cap="flat" cmpd="sng" algn="ctr">
+                      <a:solidFill>
+                        <a:schemeClr val="tx1"/>
+                      </a:solidFill>
+                      <a:prstDash val="solid"/>
+                      <a:round/>
+                      <a:headEnd type="none" w="med" len="med"/>
+                      <a:tailEnd type="none" w="med" len="med"/>
+                    </a:lnT>
+                    <a:lnB w="12700" cap="flat" cmpd="sng" algn="ctr">
+                      <a:solidFill>
+                        <a:schemeClr val="tx1"/>
+                      </a:solidFill>
+                      <a:prstDash val="solid"/>
+                      <a:round/>
+                      <a:headEnd type="none" w="med" len="med"/>
+                      <a:tailEnd type="none" w="med" len="med"/>
+                    </a:lnB>
+                    <a:noFill/>
+                  </a:tcPr>
+                </a:tc>
+                <a:tc>
+                  <a:txBody>
+                    <a:bodyPr/>
+                    <a:lstStyle/>
+                    <a:p>
+                      <a:pPr algn="ctr"/>
+                      <a:r>
+                        <a:rPr lang="en-IN" sz="1400" b="0" dirty="0" smtClean="0">
+                          <a:solidFill>
+                            <a:schemeClr val="tx1"/>
+                          </a:solidFill>
+                        </a:rPr>
+                        <a:t>CAG</a:t>
+                      </a:r>
+                      <a:endParaRPr lang="en-US" sz="1400" b="0" dirty="0">
+                        <a:solidFill>
+                          <a:schemeClr val="tx1"/>
+                        </a:solidFill>
+                      </a:endParaRPr>
+                    </a:p>
+                  </a:txBody>
+                  <a:tcPr>
+                    <a:lnL w="12700" cap="flat" cmpd="sng" algn="ctr">
+                      <a:solidFill>
+                        <a:schemeClr val="tx1"/>
+                      </a:solidFill>
+                      <a:prstDash val="solid"/>
+                      <a:round/>
+                      <a:headEnd type="none" w="med" len="med"/>
+                      <a:tailEnd type="none" w="med" len="med"/>
+                    </a:lnL>
+                    <a:lnR w="12700" cap="flat" cmpd="sng" algn="ctr">
+                      <a:solidFill>
+                        <a:schemeClr val="tx1"/>
+                      </a:solidFill>
+                      <a:prstDash val="solid"/>
+                      <a:round/>
+                      <a:headEnd type="none" w="med" len="med"/>
+                      <a:tailEnd type="none" w="med" len="med"/>
+                    </a:lnR>
+                    <a:lnT w="12700" cap="flat" cmpd="sng" algn="ctr">
+                      <a:solidFill>
+                        <a:schemeClr val="tx1"/>
+                      </a:solidFill>
+                      <a:prstDash val="solid"/>
+                      <a:round/>
+                      <a:headEnd type="none" w="med" len="med"/>
+                      <a:tailEnd type="none" w="med" len="med"/>
+                    </a:lnT>
+                    <a:lnB w="12700" cap="flat" cmpd="sng" algn="ctr">
+                      <a:solidFill>
+                        <a:schemeClr val="tx1"/>
+                      </a:solidFill>
+                      <a:prstDash val="solid"/>
+                      <a:round/>
+                      <a:headEnd type="none" w="med" len="med"/>
+                      <a:tailEnd type="none" w="med" len="med"/>
+                    </a:lnB>
+                    <a:noFill/>
+                  </a:tcPr>
+                </a:tc>
+              </a:tr>
+              <a:tr h="310064">
+                <a:tc>
+                  <a:txBody>
+                    <a:bodyPr/>
+                    <a:lstStyle/>
+                    <a:p>
+                      <a:pPr algn="ctr"/>
+                      <a:r>
+                        <a:rPr lang="en-IN" sz="1400" dirty="0" smtClean="0">
+                          <a:solidFill>
+                            <a:schemeClr val="tx1"/>
+                          </a:solidFill>
+                        </a:rPr>
+                        <a:t>0</a:t>
+                      </a:r>
+                      <a:endParaRPr lang="en-US" sz="1400" dirty="0">
+                        <a:solidFill>
+                          <a:schemeClr val="tx1"/>
+                        </a:solidFill>
+                      </a:endParaRPr>
+                    </a:p>
+                  </a:txBody>
+                  <a:tcPr>
+                    <a:lnT w="12700" cap="flat" cmpd="sng" algn="ctr">
+                      <a:solidFill>
+                        <a:schemeClr val="tx1"/>
+                      </a:solidFill>
+                      <a:prstDash val="solid"/>
+                      <a:round/>
+                      <a:headEnd type="none" w="med" len="med"/>
+                      <a:tailEnd type="none" w="med" len="med"/>
+                    </a:lnT>
+                    <a:noFill/>
+                  </a:tcPr>
+                </a:tc>
+                <a:tc>
+                  <a:txBody>
+                    <a:bodyPr/>
+                    <a:lstStyle/>
+                    <a:p>
+                      <a:pPr algn="ctr"/>
+                      <a:r>
+                        <a:rPr lang="en-IN" sz="1400" dirty="0" smtClean="0">
+                          <a:solidFill>
+                            <a:schemeClr val="tx1"/>
+                          </a:solidFill>
+                        </a:rPr>
+                        <a:t>1</a:t>
+                      </a:r>
+                      <a:endParaRPr lang="en-US" sz="1400" dirty="0">
+                        <a:solidFill>
+                          <a:schemeClr val="tx1"/>
+                        </a:solidFill>
+                      </a:endParaRPr>
+                    </a:p>
+                  </a:txBody>
+                  <a:tcPr>
+                    <a:lnT w="12700" cap="flat" cmpd="sng" algn="ctr">
+                      <a:solidFill>
+                        <a:schemeClr val="tx1"/>
+                      </a:solidFill>
+                      <a:prstDash val="solid"/>
+                      <a:round/>
+                      <a:headEnd type="none" w="med" len="med"/>
+                      <a:tailEnd type="none" w="med" len="med"/>
+                    </a:lnT>
+                    <a:noFill/>
+                  </a:tcPr>
+                </a:tc>
+                <a:tc>
+                  <a:txBody>
+                    <a:bodyPr/>
+                    <a:lstStyle/>
+                    <a:p>
+                      <a:pPr algn="ctr"/>
+                      <a:r>
+                        <a:rPr lang="en-IN" sz="1400" dirty="0" smtClean="0">
+                          <a:solidFill>
+                            <a:schemeClr val="tx1"/>
+                          </a:solidFill>
+                        </a:rPr>
+                        <a:t>2</a:t>
+                      </a:r>
+                      <a:endParaRPr lang="en-US" sz="1400" dirty="0">
+                        <a:solidFill>
+                          <a:schemeClr val="tx1"/>
+                        </a:solidFill>
+                      </a:endParaRPr>
+                    </a:p>
+                  </a:txBody>
+                  <a:tcPr>
+                    <a:lnT w="12700" cap="flat" cmpd="sng" algn="ctr">
+                      <a:solidFill>
+                        <a:schemeClr val="tx1"/>
+                      </a:solidFill>
+                      <a:prstDash val="solid"/>
+                      <a:round/>
+                      <a:headEnd type="none" w="med" len="med"/>
+                      <a:tailEnd type="none" w="med" len="med"/>
+                    </a:lnT>
+                    <a:noFill/>
+                  </a:tcPr>
+                </a:tc>
+                <a:tc>
+                  <a:txBody>
+                    <a:bodyPr/>
+                    <a:lstStyle/>
+                    <a:p>
+                      <a:pPr algn="ctr"/>
+                      <a:r>
+                        <a:rPr lang="en-IN" sz="1400" dirty="0" smtClean="0">
+                          <a:solidFill>
+                            <a:schemeClr val="tx1"/>
+                          </a:solidFill>
+                        </a:rPr>
+                        <a:t>3</a:t>
+                      </a:r>
+                      <a:endParaRPr lang="en-US" sz="1400" dirty="0">
+                        <a:solidFill>
+                          <a:schemeClr val="tx1"/>
+                        </a:solidFill>
+                      </a:endParaRPr>
+                    </a:p>
+                  </a:txBody>
+                  <a:tcPr>
+                    <a:lnT w="12700" cap="flat" cmpd="sng" algn="ctr">
+                      <a:solidFill>
+                        <a:schemeClr val="tx1"/>
+                      </a:solidFill>
+                      <a:prstDash val="solid"/>
+                      <a:round/>
+                      <a:headEnd type="none" w="med" len="med"/>
+                      <a:tailEnd type="none" w="med" len="med"/>
+                    </a:lnT>
+                    <a:noFill/>
+                  </a:tcPr>
+                </a:tc>
+              </a:tr>
+            </a:tbl>
+          </a:graphicData>
+        </a:graphic>
+      </p:graphicFrame>
+      <p:sp>
+        <p:nvSpPr>
+          <p:cNvPr id="5" name="Down Arrow 4"/>
+          <p:cNvSpPr/>
+          <p:nvPr/>
+        </p:nvSpPr>
+        <p:spPr>
+          <a:xfrm>
+            <a:off x="6589059" y="3424518"/>
+            <a:ext cx="224117" cy="224117"/>
+          </a:xfrm>
+          <a:prstGeom prst="downArrow">
+            <a:avLst/>
+          </a:prstGeom>
+        </p:spPr>
+        <p:style>
+          <a:lnRef idx="2">
+            <a:schemeClr val="accent1">
+              <a:shade val="50000"/>
+            </a:schemeClr>
+          </a:lnRef>
+          <a:fillRef idx="1">
+            <a:schemeClr val="accent1"/>
+          </a:fillRef>
+          <a:effectRef idx="0">
+            <a:schemeClr val="accent1"/>
+          </a:effectRef>
+          <a:fontRef idx="minor">
+            <a:schemeClr val="lt1"/>
+          </a:fontRef>
+        </p:style>
+        <p:txBody>
+          <a:bodyPr rtlCol="0" anchor="ctr"/>
+          <a:lstStyle/>
+          <a:p>
+            <a:pPr algn="ctr"/>
             <a:endParaRPr lang="en-US"/>
+          </a:p>
+        </p:txBody>
+      </p:sp>
+      <p:sp>
+        <p:nvSpPr>
+          <p:cNvPr id="6" name="TextBox 5"/>
+          <p:cNvSpPr txBox="1"/>
+          <p:nvPr/>
+        </p:nvSpPr>
+        <p:spPr>
+          <a:xfrm>
+            <a:off x="5217459" y="3908612"/>
+            <a:ext cx="2752165" cy="369332"/>
+          </a:xfrm>
+          <a:prstGeom prst="rect">
+            <a:avLst/>
+          </a:prstGeom>
+          <a:noFill/>
+        </p:spPr>
+        <p:txBody>
+          <a:bodyPr wrap="square" rtlCol="0">
+            <a:spAutoFit/>
+          </a:bodyPr>
+          <a:lstStyle/>
+          <a:p>
+            <a:r>
+              <a:rPr lang="en-IN" smtClean="0"/>
+              <a:t>``</a:t>
+            </a:r>
+            <a:endParaRPr lang="en-US" dirty="0"/>
           </a:p>
         </p:txBody>
       </p:sp>
@@ -4409,7 +5984,15 @@
           <a:p>
             <a:r>
               <a:rPr lang="pt-BR" dirty="0" smtClean="0"/>
-              <a:t>Chomp() : remove trailing spaces</a:t>
+              <a:t>c</a:t>
+            </a:r>
+            <a:r>
+              <a:rPr lang="pt-BR" dirty="0" smtClean="0"/>
+              <a:t>homp</a:t>
+            </a:r>
+            <a:r>
+              <a:rPr lang="pt-BR" dirty="0" smtClean="0"/>
+              <a:t>() : remove trailing spaces</a:t>
             </a:r>
             <a:endParaRPr lang="en-US" dirty="0"/>
           </a:p>
@@ -4585,7 +6168,19 @@
           <a:p>
             <a:r>
               <a:rPr lang="en-US" dirty="0" smtClean="0"/>
-              <a:t>Numerical Built-In Functions</a:t>
+              <a:t>Numerical </a:t>
+            </a:r>
+            <a:r>
+              <a:rPr lang="en-US" dirty="0" smtClean="0"/>
+              <a:t>built-in </a:t>
+            </a:r>
+            <a:r>
+              <a:rPr lang="en-US" dirty="0" smtClean="0"/>
+              <a:t>f</a:t>
+            </a:r>
+            <a:r>
+              <a:rPr lang="en-US" dirty="0" smtClean="0"/>
+              <a:t>unctions</a:t>
             </a:r>
             <a:endParaRPr lang="en-US" dirty="0"/>
           </a:p>
@@ -4657,11 +6252,7 @@
           <a:p>
             <a:r>
               <a:rPr lang="en-US" dirty="0" smtClean="0"/>
-              <a:t>rand </a:t>
-            </a:r>
-            <a:r>
-              <a:rPr lang="en-US" dirty="0" smtClean="0"/>
-              <a:t>				#random numbers</a:t>
+              <a:t>rand 				#random numbers</a:t>
             </a:r>
             <a:endParaRPr lang="en-US" dirty="0"/>
           </a:p>
@@ -4905,7 +6496,19 @@
           <a:p>
             <a:r>
               <a:rPr lang="en-US" dirty="0" smtClean="0"/>
-              <a:t>String Built-In Functions</a:t>
+              <a:t>String </a:t>
+            </a:r>
+            <a:r>
+              <a:rPr lang="en-US" dirty="0" smtClean="0"/>
+              <a:t>built-in </a:t>
+            </a:r>
+            <a:r>
+              <a:rPr lang="en-US" dirty="0" smtClean="0"/>
+              <a:t>f</a:t>
+            </a:r>
+            <a:r>
+              <a:rPr lang="en-US" dirty="0" smtClean="0"/>
+              <a:t>unctions</a:t>
             </a:r>
             <a:endParaRPr lang="en-US" dirty="0"/>
           </a:p>
@@ -4956,11 +6559,7 @@
             </a:r>
             <a:r>
               <a:rPr lang="en-US" dirty="0" smtClean="0"/>
-              <a:t>) 			</a:t>
-            </a:r>
-            <a:r>
-              <a:rPr lang="en-US" dirty="0" smtClean="0"/>
-              <a:t>#length if a string $</a:t>
+              <a:t>) 			#length if a string $</a:t>
             </a:r>
             <a:r>
               <a:rPr lang="en-US" dirty="0" err="1" smtClean="0"/>
@@ -5048,11 +6647,7 @@
             </a:r>
             <a:r>
               <a:rPr lang="en-US" dirty="0" smtClean="0"/>
-              <a:t>)			#uppercase, </a:t>
-            </a:r>
-            <a:r>
-              <a:rPr lang="en-US" dirty="0" smtClean="0"/>
-              <a:t>lowercase</a:t>
+              <a:t>)			#uppercase, lowercase</a:t>
             </a:r>
           </a:p>
           <a:p>
@@ -5208,11 +6803,11 @@
               <a:t>Syntax: </a:t>
             </a:r>
             <a:r>
-              <a:rPr lang="pt-BR" dirty="0" smtClean="0"/>
+              <a:rPr lang="pt-BR" i="1" dirty="0" smtClean="0"/>
               <a:t>substr </a:t>
             </a:r>
             <a:r>
-              <a:rPr lang="pt-BR" u="sng" dirty="0" smtClean="0">
+              <a:rPr lang="pt-BR" i="1" u="sng" dirty="0" smtClean="0">
                 <a:solidFill>
                   <a:schemeClr val="tx2">
                     <a:lumMod val="75000"/>
@@ -5222,11 +6817,11 @@
               <a:t>EXPR</a:t>
             </a:r>
             <a:r>
-              <a:rPr lang="pt-BR" u="sng" dirty="0" smtClean="0"/>
+              <a:rPr lang="pt-BR" i="1" u="sng" dirty="0" smtClean="0"/>
               <a:t>,</a:t>
             </a:r>
             <a:r>
-              <a:rPr lang="pt-BR" u="sng" dirty="0" smtClean="0">
+              <a:rPr lang="pt-BR" i="1" u="sng" dirty="0" smtClean="0">
                 <a:solidFill>
                   <a:schemeClr val="bg2">
                     <a:lumMod val="25000"/>
@@ -5236,15 +6831,15 @@
               <a:t>OFFSET</a:t>
             </a:r>
             <a:r>
-              <a:rPr lang="pt-BR" u="sng" dirty="0" smtClean="0"/>
+              <a:rPr lang="pt-BR" i="1" u="sng" dirty="0" smtClean="0"/>
               <a:t>,LENGTH</a:t>
             </a:r>
             <a:r>
-              <a:rPr lang="pt-BR" dirty="0" smtClean="0"/>
+              <a:rPr lang="pt-BR" i="1" dirty="0" smtClean="0"/>
               <a:t>,</a:t>
             </a:r>
             <a:r>
-              <a:rPr lang="pt-BR" dirty="0" smtClean="0">
+              <a:rPr lang="pt-BR" i="1" dirty="0" smtClean="0">
                 <a:solidFill>
                   <a:srgbClr val="7030A0"/>
                 </a:solidFill>
@@ -5255,11 +6850,7 @@
           <a:p>
             <a:r>
               <a:rPr lang="en-US" dirty="0" smtClean="0"/>
-              <a:t>Extracts a substring out of </a:t>
-            </a:r>
-            <a:r>
-              <a:rPr lang="en-US" dirty="0" smtClean="0"/>
-              <a:t>EXPR</a:t>
+              <a:t>Extracts a substring out of EXPR</a:t>
             </a:r>
           </a:p>
           <a:p>
@@ -5302,15 +6893,7 @@
             <a:pPr lvl="1"/>
             <a:r>
               <a:rPr lang="en-US" dirty="0" smtClean="0"/>
-              <a:t>If negative, starts </a:t>
-            </a:r>
-            <a:r>
-              <a:rPr lang="en-US" dirty="0" smtClean="0"/>
-              <a:t>that far back from the </a:t>
-            </a:r>
-            <a:r>
-              <a:rPr lang="en-US" dirty="0" smtClean="0"/>
-              <a:t>end</a:t>
+              <a:t>If negative, starts that far back from the end</a:t>
             </a:r>
           </a:p>
           <a:p>
@@ -5327,15 +6910,7 @@
             <a:pPr lvl="1"/>
             <a:r>
               <a:rPr lang="en-US" dirty="0" smtClean="0"/>
-              <a:t>If omitted, </a:t>
-            </a:r>
-            <a:r>
-              <a:rPr lang="en-US" dirty="0" smtClean="0"/>
-              <a:t>returns everything through the </a:t>
-            </a:r>
-            <a:r>
-              <a:rPr lang="en-US" dirty="0" smtClean="0"/>
-              <a:t>end</a:t>
+              <a:t>If omitted, returns everything through the end</a:t>
             </a:r>
           </a:p>
           <a:p>
@@ -5346,11 +6921,7 @@
             </a:r>
             <a:r>
               <a:rPr lang="en-US" dirty="0" smtClean="0"/>
-              <a:t>leaves that many characters off the </a:t>
-            </a:r>
-            <a:r>
-              <a:rPr lang="en-US" dirty="0" smtClean="0"/>
-              <a:t>end.</a:t>
+              <a:t>leaves that many characters off the end.</a:t>
             </a:r>
           </a:p>
           <a:p>

--- a/PPTs/Operations_on_variables.pptx
+++ b/PPTs/Operations_on_variables.pptx
@@ -4,6 +4,9 @@
   <p:sldMasterIdLst>
     <p:sldMasterId id="2147483960" r:id="rId1"/>
   </p:sldMasterIdLst>
+  <p:notesMasterIdLst>
+    <p:notesMasterId r:id="rId34"/>
+  </p:notesMasterIdLst>
   <p:sldIdLst>
     <p:sldId id="256" r:id="rId2"/>
     <p:sldId id="257" r:id="rId3"/>
@@ -22,6 +25,21 @@
     <p:sldId id="273" r:id="rId16"/>
     <p:sldId id="274" r:id="rId17"/>
     <p:sldId id="275" r:id="rId18"/>
+    <p:sldId id="281" r:id="rId19"/>
+    <p:sldId id="289" r:id="rId20"/>
+    <p:sldId id="290" r:id="rId21"/>
+    <p:sldId id="291" r:id="rId22"/>
+    <p:sldId id="292" r:id="rId23"/>
+    <p:sldId id="280" r:id="rId24"/>
+    <p:sldId id="283" r:id="rId25"/>
+    <p:sldId id="284" r:id="rId26"/>
+    <p:sldId id="285" r:id="rId27"/>
+    <p:sldId id="286" r:id="rId28"/>
+    <p:sldId id="295" r:id="rId29"/>
+    <p:sldId id="287" r:id="rId30"/>
+    <p:sldId id="294" r:id="rId31"/>
+    <p:sldId id="293" r:id="rId32"/>
+    <p:sldId id="288" r:id="rId33"/>
   </p:sldIdLst>
   <p:sldSz cx="9144000" cy="5143500" type="screen16x9"/>
   <p:notesSz cx="6858000" cy="9144000"/>
@@ -123,6 +141,542 @@
 </p:presentation>
 </file>
 
+<file path=ppt/notesMasters/notesMaster1.xml><?xml version="1.0" encoding="utf-8"?>
+<p:notesMaster xmlns:a="http://schemas.openxmlformats.org/drawingml/2006/main" xmlns:r="http://schemas.openxmlformats.org/officeDocument/2006/relationships" xmlns:p="http://schemas.openxmlformats.org/presentationml/2006/main">
+  <p:cSld>
+    <p:bg>
+      <p:bgRef idx="1001">
+        <a:schemeClr val="bg1"/>
+      </p:bgRef>
+    </p:bg>
+    <p:spTree>
+      <p:nvGrpSpPr>
+        <p:cNvPr id="1" name=""/>
+        <p:cNvGrpSpPr/>
+        <p:nvPr/>
+      </p:nvGrpSpPr>
+      <p:grpSpPr>
+        <a:xfrm>
+          <a:off x="0" y="0"/>
+          <a:ext cx="0" cy="0"/>
+          <a:chOff x="0" y="0"/>
+          <a:chExt cx="0" cy="0"/>
+        </a:xfrm>
+      </p:grpSpPr>
+      <p:sp>
+        <p:nvSpPr>
+          <p:cNvPr id="2" name="Header Placeholder 1"/>
+          <p:cNvSpPr>
+            <a:spLocks noGrp="1"/>
+          </p:cNvSpPr>
+          <p:nvPr>
+            <p:ph type="hdr" sz="quarter"/>
+          </p:nvPr>
+        </p:nvSpPr>
+        <p:spPr>
+          <a:xfrm>
+            <a:off x="0" y="0"/>
+            <a:ext cx="2971800" cy="457200"/>
+          </a:xfrm>
+          <a:prstGeom prst="rect">
+            <a:avLst/>
+          </a:prstGeom>
+        </p:spPr>
+        <p:txBody>
+          <a:bodyPr vert="horz" lIns="91440" tIns="45720" rIns="91440" bIns="45720" rtlCol="0"/>
+          <a:lstStyle>
+            <a:lvl1pPr algn="l">
+              <a:defRPr sz="1200"/>
+            </a:lvl1pPr>
+          </a:lstStyle>
+          <a:p>
+            <a:endParaRPr lang="en-US"/>
+          </a:p>
+        </p:txBody>
+      </p:sp>
+      <p:sp>
+        <p:nvSpPr>
+          <p:cNvPr id="3" name="Date Placeholder 2"/>
+          <p:cNvSpPr>
+            <a:spLocks noGrp="1"/>
+          </p:cNvSpPr>
+          <p:nvPr>
+            <p:ph type="dt" idx="1"/>
+          </p:nvPr>
+        </p:nvSpPr>
+        <p:spPr>
+          <a:xfrm>
+            <a:off x="3884613" y="0"/>
+            <a:ext cx="2971800" cy="457200"/>
+          </a:xfrm>
+          <a:prstGeom prst="rect">
+            <a:avLst/>
+          </a:prstGeom>
+        </p:spPr>
+        <p:txBody>
+          <a:bodyPr vert="horz" lIns="91440" tIns="45720" rIns="91440" bIns="45720" rtlCol="0"/>
+          <a:lstStyle>
+            <a:lvl1pPr algn="r">
+              <a:defRPr sz="1200"/>
+            </a:lvl1pPr>
+          </a:lstStyle>
+          <a:p>
+            <a:fld id="{90D64477-0C3E-4420-995B-36F007B91856}" type="datetimeFigureOut">
+              <a:rPr lang="en-US" smtClean="0"/>
+              <a:pPr/>
+              <a:t>5/29/2017</a:t>
+            </a:fld>
+            <a:endParaRPr lang="en-US"/>
+          </a:p>
+        </p:txBody>
+      </p:sp>
+      <p:sp>
+        <p:nvSpPr>
+          <p:cNvPr id="4" name="Slide Image Placeholder 3"/>
+          <p:cNvSpPr>
+            <a:spLocks noGrp="1" noRot="1" noChangeAspect="1"/>
+          </p:cNvSpPr>
+          <p:nvPr>
+            <p:ph type="sldImg" idx="2"/>
+          </p:nvPr>
+        </p:nvSpPr>
+        <p:spPr>
+          <a:xfrm>
+            <a:off x="381000" y="685800"/>
+            <a:ext cx="6096000" cy="3429000"/>
+          </a:xfrm>
+          <a:prstGeom prst="rect">
+            <a:avLst/>
+          </a:prstGeom>
+          <a:noFill/>
+          <a:ln w="12700">
+            <a:solidFill>
+              <a:prstClr val="black"/>
+            </a:solidFill>
+          </a:ln>
+        </p:spPr>
+        <p:txBody>
+          <a:bodyPr vert="horz" lIns="91440" tIns="45720" rIns="91440" bIns="45720" rtlCol="0" anchor="ctr"/>
+          <a:lstStyle/>
+          <a:p>
+            <a:endParaRPr lang="en-US"/>
+          </a:p>
+        </p:txBody>
+      </p:sp>
+      <p:sp>
+        <p:nvSpPr>
+          <p:cNvPr id="5" name="Notes Placeholder 4"/>
+          <p:cNvSpPr>
+            <a:spLocks noGrp="1"/>
+          </p:cNvSpPr>
+          <p:nvPr>
+            <p:ph type="body" sz="quarter" idx="3"/>
+          </p:nvPr>
+        </p:nvSpPr>
+        <p:spPr>
+          <a:xfrm>
+            <a:off x="685800" y="4343400"/>
+            <a:ext cx="5486400" cy="4114800"/>
+          </a:xfrm>
+          <a:prstGeom prst="rect">
+            <a:avLst/>
+          </a:prstGeom>
+        </p:spPr>
+        <p:txBody>
+          <a:bodyPr vert="horz" lIns="91440" tIns="45720" rIns="91440" bIns="45720" rtlCol="0">
+            <a:normAutofit/>
+          </a:bodyPr>
+          <a:lstStyle/>
+          <a:p>
+            <a:pPr lvl="0"/>
+            <a:r>
+              <a:rPr lang="en-US" smtClean="0"/>
+              <a:t>Click to edit Master text styles</a:t>
+            </a:r>
+          </a:p>
+          <a:p>
+            <a:pPr lvl="1"/>
+            <a:r>
+              <a:rPr lang="en-US" smtClean="0"/>
+              <a:t>Second level</a:t>
+            </a:r>
+          </a:p>
+          <a:p>
+            <a:pPr lvl="2"/>
+            <a:r>
+              <a:rPr lang="en-US" smtClean="0"/>
+              <a:t>Third level</a:t>
+            </a:r>
+          </a:p>
+          <a:p>
+            <a:pPr lvl="3"/>
+            <a:r>
+              <a:rPr lang="en-US" smtClean="0"/>
+              <a:t>Fourth level</a:t>
+            </a:r>
+          </a:p>
+          <a:p>
+            <a:pPr lvl="4"/>
+            <a:r>
+              <a:rPr lang="en-US" smtClean="0"/>
+              <a:t>Fifth level</a:t>
+            </a:r>
+            <a:endParaRPr lang="en-US"/>
+          </a:p>
+        </p:txBody>
+      </p:sp>
+      <p:sp>
+        <p:nvSpPr>
+          <p:cNvPr id="6" name="Footer Placeholder 5"/>
+          <p:cNvSpPr>
+            <a:spLocks noGrp="1"/>
+          </p:cNvSpPr>
+          <p:nvPr>
+            <p:ph type="ftr" sz="quarter" idx="4"/>
+          </p:nvPr>
+        </p:nvSpPr>
+        <p:spPr>
+          <a:xfrm>
+            <a:off x="0" y="8685213"/>
+            <a:ext cx="2971800" cy="457200"/>
+          </a:xfrm>
+          <a:prstGeom prst="rect">
+            <a:avLst/>
+          </a:prstGeom>
+        </p:spPr>
+        <p:txBody>
+          <a:bodyPr vert="horz" lIns="91440" tIns="45720" rIns="91440" bIns="45720" rtlCol="0" anchor="b"/>
+          <a:lstStyle>
+            <a:lvl1pPr algn="l">
+              <a:defRPr sz="1200"/>
+            </a:lvl1pPr>
+          </a:lstStyle>
+          <a:p>
+            <a:endParaRPr lang="en-US"/>
+          </a:p>
+        </p:txBody>
+      </p:sp>
+      <p:sp>
+        <p:nvSpPr>
+          <p:cNvPr id="7" name="Slide Number Placeholder 6"/>
+          <p:cNvSpPr>
+            <a:spLocks noGrp="1"/>
+          </p:cNvSpPr>
+          <p:nvPr>
+            <p:ph type="sldNum" sz="quarter" idx="5"/>
+          </p:nvPr>
+        </p:nvSpPr>
+        <p:spPr>
+          <a:xfrm>
+            <a:off x="3884613" y="8685213"/>
+            <a:ext cx="2971800" cy="457200"/>
+          </a:xfrm>
+          <a:prstGeom prst="rect">
+            <a:avLst/>
+          </a:prstGeom>
+        </p:spPr>
+        <p:txBody>
+          <a:bodyPr vert="horz" lIns="91440" tIns="45720" rIns="91440" bIns="45720" rtlCol="0" anchor="b"/>
+          <a:lstStyle>
+            <a:lvl1pPr algn="r">
+              <a:defRPr sz="1200"/>
+            </a:lvl1pPr>
+          </a:lstStyle>
+          <a:p>
+            <a:fld id="{D4D0234F-0CC8-4B8B-A79A-B8AABE316B3A}" type="slidenum">
+              <a:rPr lang="en-US" smtClean="0"/>
+              <a:pPr/>
+              <a:t>‹#›</a:t>
+            </a:fld>
+            <a:endParaRPr lang="en-US"/>
+          </a:p>
+        </p:txBody>
+      </p:sp>
+    </p:spTree>
+  </p:cSld>
+  <p:clrMap bg1="lt1" tx1="dk1" bg2="lt2" tx2="dk2" accent1="accent1" accent2="accent2" accent3="accent3" accent4="accent4" accent5="accent5" accent6="accent6" hlink="hlink" folHlink="folHlink"/>
+  <p:notesStyle>
+    <a:lvl1pPr marL="0" algn="l" defTabSz="914400" rtl="0" eaLnBrk="1" latinLnBrk="0" hangingPunct="1">
+      <a:defRPr sz="1200" kern="1200">
+        <a:solidFill>
+          <a:schemeClr val="tx1"/>
+        </a:solidFill>
+        <a:latin typeface="+mn-lt"/>
+        <a:ea typeface="+mn-ea"/>
+        <a:cs typeface="+mn-cs"/>
+      </a:defRPr>
+    </a:lvl1pPr>
+    <a:lvl2pPr marL="457200" algn="l" defTabSz="914400" rtl="0" eaLnBrk="1" latinLnBrk="0" hangingPunct="1">
+      <a:defRPr sz="1200" kern="1200">
+        <a:solidFill>
+          <a:schemeClr val="tx1"/>
+        </a:solidFill>
+        <a:latin typeface="+mn-lt"/>
+        <a:ea typeface="+mn-ea"/>
+        <a:cs typeface="+mn-cs"/>
+      </a:defRPr>
+    </a:lvl2pPr>
+    <a:lvl3pPr marL="914400" algn="l" defTabSz="914400" rtl="0" eaLnBrk="1" latinLnBrk="0" hangingPunct="1">
+      <a:defRPr sz="1200" kern="1200">
+        <a:solidFill>
+          <a:schemeClr val="tx1"/>
+        </a:solidFill>
+        <a:latin typeface="+mn-lt"/>
+        <a:ea typeface="+mn-ea"/>
+        <a:cs typeface="+mn-cs"/>
+      </a:defRPr>
+    </a:lvl3pPr>
+    <a:lvl4pPr marL="1371600" algn="l" defTabSz="914400" rtl="0" eaLnBrk="1" latinLnBrk="0" hangingPunct="1">
+      <a:defRPr sz="1200" kern="1200">
+        <a:solidFill>
+          <a:schemeClr val="tx1"/>
+        </a:solidFill>
+        <a:latin typeface="+mn-lt"/>
+        <a:ea typeface="+mn-ea"/>
+        <a:cs typeface="+mn-cs"/>
+      </a:defRPr>
+    </a:lvl4pPr>
+    <a:lvl5pPr marL="1828800" algn="l" defTabSz="914400" rtl="0" eaLnBrk="1" latinLnBrk="0" hangingPunct="1">
+      <a:defRPr sz="1200" kern="1200">
+        <a:solidFill>
+          <a:schemeClr val="tx1"/>
+        </a:solidFill>
+        <a:latin typeface="+mn-lt"/>
+        <a:ea typeface="+mn-ea"/>
+        <a:cs typeface="+mn-cs"/>
+      </a:defRPr>
+    </a:lvl5pPr>
+    <a:lvl6pPr marL="2286000" algn="l" defTabSz="914400" rtl="0" eaLnBrk="1" latinLnBrk="0" hangingPunct="1">
+      <a:defRPr sz="1200" kern="1200">
+        <a:solidFill>
+          <a:schemeClr val="tx1"/>
+        </a:solidFill>
+        <a:latin typeface="+mn-lt"/>
+        <a:ea typeface="+mn-ea"/>
+        <a:cs typeface="+mn-cs"/>
+      </a:defRPr>
+    </a:lvl6pPr>
+    <a:lvl7pPr marL="2743200" algn="l" defTabSz="914400" rtl="0" eaLnBrk="1" latinLnBrk="0" hangingPunct="1">
+      <a:defRPr sz="1200" kern="1200">
+        <a:solidFill>
+          <a:schemeClr val="tx1"/>
+        </a:solidFill>
+        <a:latin typeface="+mn-lt"/>
+        <a:ea typeface="+mn-ea"/>
+        <a:cs typeface="+mn-cs"/>
+      </a:defRPr>
+    </a:lvl7pPr>
+    <a:lvl8pPr marL="3200400" algn="l" defTabSz="914400" rtl="0" eaLnBrk="1" latinLnBrk="0" hangingPunct="1">
+      <a:defRPr sz="1200" kern="1200">
+        <a:solidFill>
+          <a:schemeClr val="tx1"/>
+        </a:solidFill>
+        <a:latin typeface="+mn-lt"/>
+        <a:ea typeface="+mn-ea"/>
+        <a:cs typeface="+mn-cs"/>
+      </a:defRPr>
+    </a:lvl8pPr>
+    <a:lvl9pPr marL="3657600" algn="l" defTabSz="914400" rtl="0" eaLnBrk="1" latinLnBrk="0" hangingPunct="1">
+      <a:defRPr sz="1200" kern="1200">
+        <a:solidFill>
+          <a:schemeClr val="tx1"/>
+        </a:solidFill>
+        <a:latin typeface="+mn-lt"/>
+        <a:ea typeface="+mn-ea"/>
+        <a:cs typeface="+mn-cs"/>
+      </a:defRPr>
+    </a:lvl9pPr>
+  </p:notesStyle>
+</p:notesMaster>
+</file>
+
+<file path=ppt/notesSlides/notesSlide1.xml><?xml version="1.0" encoding="utf-8"?>
+<p:notes xmlns:a="http://schemas.openxmlformats.org/drawingml/2006/main" xmlns:r="http://schemas.openxmlformats.org/officeDocument/2006/relationships" xmlns:p="http://schemas.openxmlformats.org/presentationml/2006/main">
+  <p:cSld>
+    <p:spTree>
+      <p:nvGrpSpPr>
+        <p:cNvPr id="1" name=""/>
+        <p:cNvGrpSpPr/>
+        <p:nvPr/>
+      </p:nvGrpSpPr>
+      <p:grpSpPr>
+        <a:xfrm>
+          <a:off x="0" y="0"/>
+          <a:ext cx="0" cy="0"/>
+          <a:chOff x="0" y="0"/>
+          <a:chExt cx="0" cy="0"/>
+        </a:xfrm>
+      </p:grpSpPr>
+      <p:sp>
+        <p:nvSpPr>
+          <p:cNvPr id="2" name="Slide Image Placeholder 1"/>
+          <p:cNvSpPr>
+            <a:spLocks noGrp="1" noRot="1" noChangeAspect="1"/>
+          </p:cNvSpPr>
+          <p:nvPr>
+            <p:ph type="sldImg"/>
+          </p:nvPr>
+        </p:nvSpPr>
+        <p:spPr/>
+      </p:sp>
+      <p:sp>
+        <p:nvSpPr>
+          <p:cNvPr id="3" name="Notes Placeholder 2"/>
+          <p:cNvSpPr>
+            <a:spLocks noGrp="1"/>
+          </p:cNvSpPr>
+          <p:nvPr>
+            <p:ph type="body" idx="1"/>
+          </p:nvPr>
+        </p:nvSpPr>
+        <p:spPr/>
+        <p:txBody>
+          <a:bodyPr>
+            <a:normAutofit/>
+          </a:bodyPr>
+          <a:lstStyle/>
+          <a:p>
+            <a:r>
+              <a:rPr lang="pt-BR" dirty="0" smtClean="0"/>
+              <a:t>Advaned: map():</a:t>
+            </a:r>
+            <a:r>
+              <a:rPr lang="pt-BR" baseline="0" dirty="0" smtClean="0"/>
+              <a:t> </a:t>
+            </a:r>
+            <a:r>
+              <a:rPr lang="en-US" baseline="0" dirty="0" smtClean="0"/>
+              <a:t>executes a given code block for each list element, and the results evaluated are combined</a:t>
+            </a:r>
+          </a:p>
+          <a:p>
+            <a:r>
+              <a:rPr lang="en-US" baseline="0" dirty="0" smtClean="0"/>
+              <a:t>to form an array.</a:t>
+            </a:r>
+          </a:p>
+          <a:p>
+            <a:endParaRPr lang="pt-BR" baseline="0" dirty="0" smtClean="0"/>
+          </a:p>
+          <a:p>
+            <a:endParaRPr lang="en-US" dirty="0"/>
+          </a:p>
+        </p:txBody>
+      </p:sp>
+      <p:sp>
+        <p:nvSpPr>
+          <p:cNvPr id="4" name="Slide Number Placeholder 3"/>
+          <p:cNvSpPr>
+            <a:spLocks noGrp="1"/>
+          </p:cNvSpPr>
+          <p:nvPr>
+            <p:ph type="sldNum" sz="quarter" idx="10"/>
+          </p:nvPr>
+        </p:nvSpPr>
+        <p:spPr/>
+        <p:txBody>
+          <a:bodyPr/>
+          <a:lstStyle/>
+          <a:p>
+            <a:fld id="{D4D0234F-0CC8-4B8B-A79A-B8AABE316B3A}" type="slidenum">
+              <a:rPr lang="en-US" smtClean="0"/>
+              <a:pPr/>
+              <a:t>18</a:t>
+            </a:fld>
+            <a:endParaRPr lang="en-US"/>
+          </a:p>
+        </p:txBody>
+      </p:sp>
+    </p:spTree>
+  </p:cSld>
+  <p:clrMapOvr>
+    <a:masterClrMapping/>
+  </p:clrMapOvr>
+</p:notes>
+</file>
+
+<file path=ppt/notesSlides/notesSlide2.xml><?xml version="1.0" encoding="utf-8"?>
+<p:notes xmlns:a="http://schemas.openxmlformats.org/drawingml/2006/main" xmlns:r="http://schemas.openxmlformats.org/officeDocument/2006/relationships" xmlns:p="http://schemas.openxmlformats.org/presentationml/2006/main">
+  <p:cSld>
+    <p:spTree>
+      <p:nvGrpSpPr>
+        <p:cNvPr id="1" name=""/>
+        <p:cNvGrpSpPr/>
+        <p:nvPr/>
+      </p:nvGrpSpPr>
+      <p:grpSpPr>
+        <a:xfrm>
+          <a:off x="0" y="0"/>
+          <a:ext cx="0" cy="0"/>
+          <a:chOff x="0" y="0"/>
+          <a:chExt cx="0" cy="0"/>
+        </a:xfrm>
+      </p:grpSpPr>
+      <p:sp>
+        <p:nvSpPr>
+          <p:cNvPr id="2" name="Slide Image Placeholder 1"/>
+          <p:cNvSpPr>
+            <a:spLocks noGrp="1" noRot="1" noChangeAspect="1"/>
+          </p:cNvSpPr>
+          <p:nvPr>
+            <p:ph type="sldImg"/>
+          </p:nvPr>
+        </p:nvSpPr>
+        <p:spPr/>
+      </p:sp>
+      <p:sp>
+        <p:nvSpPr>
+          <p:cNvPr id="3" name="Notes Placeholder 2"/>
+          <p:cNvSpPr>
+            <a:spLocks noGrp="1"/>
+          </p:cNvSpPr>
+          <p:nvPr>
+            <p:ph type="body" idx="1"/>
+          </p:nvPr>
+        </p:nvSpPr>
+        <p:spPr/>
+        <p:txBody>
+          <a:bodyPr>
+            <a:normAutofit/>
+          </a:bodyPr>
+          <a:lstStyle/>
+          <a:p>
+            <a:endParaRPr lang="en-US" dirty="0"/>
+          </a:p>
+        </p:txBody>
+      </p:sp>
+      <p:sp>
+        <p:nvSpPr>
+          <p:cNvPr id="4" name="Slide Number Placeholder 3"/>
+          <p:cNvSpPr>
+            <a:spLocks noGrp="1"/>
+          </p:cNvSpPr>
+          <p:nvPr>
+            <p:ph type="sldNum" sz="quarter" idx="10"/>
+          </p:nvPr>
+        </p:nvSpPr>
+        <p:spPr/>
+        <p:txBody>
+          <a:bodyPr/>
+          <a:lstStyle/>
+          <a:p>
+            <a:fld id="{D4D0234F-0CC8-4B8B-A79A-B8AABE316B3A}" type="slidenum">
+              <a:rPr lang="en-US" smtClean="0"/>
+              <a:pPr/>
+              <a:t>28</a:t>
+            </a:fld>
+            <a:endParaRPr lang="en-US"/>
+          </a:p>
+        </p:txBody>
+      </p:sp>
+    </p:spTree>
+  </p:cSld>
+  <p:clrMapOvr>
+    <a:masterClrMapping/>
+  </p:clrMapOvr>
+</p:notes>
+</file>
+
 <file path=ppt/slideLayouts/slideLayout1.xml><?xml version="1.0" encoding="utf-8"?>
 <p:sldLayout xmlns:a="http://schemas.openxmlformats.org/drawingml/2006/main" xmlns:r="http://schemas.openxmlformats.org/officeDocument/2006/relationships" xmlns:p="http://schemas.openxmlformats.org/presentationml/2006/main" type="title" preserve="1">
   <p:cSld name="Title Slide">
@@ -312,7 +866,7 @@
             <a:fld id="{C8A432C8-69A7-458B-9684-2BFA64B31948}" type="datetime2">
               <a:rPr lang="en-US" smtClean="0"/>
               <a:pPr/>
-              <a:t>Saturday, May 27, 2017</a:t>
+              <a:t>Monday, May 29, 2017</a:t>
             </a:fld>
             <a:endParaRPr lang="en-US"/>
           </a:p>
@@ -515,7 +1069,7 @@
             <a:fld id="{8CC057FC-95B6-4D89-AFDA-ABA33EE921E5}" type="datetime2">
               <a:rPr lang="en-US" smtClean="0"/>
               <a:pPr/>
-              <a:t>Saturday, May 27, 2017</a:t>
+              <a:t>Monday, May 29, 2017</a:t>
             </a:fld>
             <a:endParaRPr lang="en-US"/>
           </a:p>
@@ -693,7 +1247,7 @@
             <a:fld id="{EC4549AC-EB31-477F-92A9-B1988E232878}" type="datetime2">
               <a:rPr lang="en-US" smtClean="0"/>
               <a:pPr/>
-              <a:t>Saturday, May 27, 2017</a:t>
+              <a:t>Monday, May 29, 2017</a:t>
             </a:fld>
             <a:endParaRPr lang="en-US"/>
           </a:p>
@@ -861,7 +1415,7 @@
             <a:fld id="{6396A3A3-94A6-4E5B-AF39-173ACA3E61CC}" type="datetime2">
               <a:rPr lang="en-US" smtClean="0"/>
               <a:pPr/>
-              <a:t>Saturday, May 27, 2017</a:t>
+              <a:t>Monday, May 29, 2017</a:t>
             </a:fld>
             <a:endParaRPr lang="en-US"/>
           </a:p>
@@ -1112,7 +1666,7 @@
             <a:fld id="{9933D019-A32C-4EAD-B8E6-DBDA699692FD}" type="datetime2">
               <a:rPr lang="en-US" smtClean="0"/>
               <a:pPr/>
-              <a:t>Saturday, May 27, 2017</a:t>
+              <a:t>Monday, May 29, 2017</a:t>
             </a:fld>
             <a:endParaRPr lang="en-US"/>
           </a:p>
@@ -1433,7 +1987,7 @@
             <a:fld id="{CCEBA98F-560C-4997-81C4-81D4D9187EAB}" type="datetime2">
               <a:rPr lang="en-US" smtClean="0"/>
               <a:pPr/>
-              <a:t>Saturday, May 27, 2017</a:t>
+              <a:t>Monday, May 29, 2017</a:t>
             </a:fld>
             <a:endParaRPr lang="en-US"/>
           </a:p>
@@ -1902,7 +2456,7 @@
             <a:fld id="{150972B2-CA5C-437D-87D0-8081271A9E4B}" type="datetime2">
               <a:rPr lang="en-US" smtClean="0"/>
               <a:pPr/>
-              <a:t>Saturday, May 27, 2017</a:t>
+              <a:t>Monday, May 29, 2017</a:t>
             </a:fld>
             <a:endParaRPr lang="en-US"/>
           </a:p>
@@ -2053,7 +2607,7 @@
             <a:fld id="{79CD4847-11EF-4466-A8AD-85CDB7B49118}" type="datetime2">
               <a:rPr lang="en-US" smtClean="0"/>
               <a:pPr/>
-              <a:t>Saturday, May 27, 2017</a:t>
+              <a:t>Monday, May 29, 2017</a:t>
             </a:fld>
             <a:endParaRPr lang="en-US"/>
           </a:p>
@@ -2146,7 +2700,7 @@
             <a:fld id="{F168457A-3AB9-4880-8A0C-9F8524491207}" type="datetime2">
               <a:rPr lang="en-US" smtClean="0"/>
               <a:pPr/>
-              <a:t>Saturday, May 27, 2017</a:t>
+              <a:t>Monday, May 29, 2017</a:t>
             </a:fld>
             <a:endParaRPr lang="en-US"/>
           </a:p>
@@ -2423,7 +2977,7 @@
             <a:fld id="{3FE976D3-5B7F-4300-ABED-C91F1B2AE209}" type="datetime2">
               <a:rPr lang="en-US" smtClean="0"/>
               <a:pPr/>
-              <a:t>Saturday, May 27, 2017</a:t>
+              <a:t>Monday, May 29, 2017</a:t>
             </a:fld>
             <a:endParaRPr lang="en-US"/>
           </a:p>
@@ -2731,7 +3285,7 @@
             <a:fld id="{EBDC1E59-17DD-41CE-97CA-624A472382D4}" type="datetime2">
               <a:rPr lang="en-US" smtClean="0"/>
               <a:pPr/>
-              <a:t>Saturday, May 27, 2017</a:t>
+              <a:t>Monday, May 29, 2017</a:t>
             </a:fld>
             <a:endParaRPr lang="en-US"/>
           </a:p>
@@ -3032,7 +3586,7 @@
             <a:fld id="{A80CB818-7379-467D-8E76-EF9D9074A26C}" type="datetime2">
               <a:rPr lang="en-US" smtClean="0"/>
               <a:pPr/>
-              <a:t>Saturday, May 27, 2017</a:t>
+              <a:t>Monday, May 29, 2017</a:t>
             </a:fld>
             <a:endParaRPr lang="en-US" dirty="0"/>
           </a:p>
@@ -4060,17 +4614,12 @@
               <a:rPr lang="en-IN" i="1" dirty="0" smtClean="0"/>
               <a:t>split /PATTERN/,EXPR </a:t>
             </a:r>
-            <a:endParaRPr lang="en-IN" i="1" dirty="0" smtClean="0"/>
           </a:p>
           <a:p>
             <a:pPr lvl="1"/>
             <a:r>
               <a:rPr lang="en-GB" dirty="0" smtClean="0"/>
-              <a:t>Splits the string EXPR into a list of strings and returns the list in list </a:t>
-            </a:r>
-            <a:r>
-              <a:rPr lang="en-GB" dirty="0" smtClean="0"/>
-              <a:t>context</a:t>
+              <a:t>Splits the string EXPR into a list of strings and returns the list in list context</a:t>
             </a:r>
           </a:p>
           <a:p>
@@ -4621,11 +5170,7 @@
           <a:p>
             <a:r>
               <a:rPr lang="en-GB" dirty="0" smtClean="0"/>
-              <a:t>Syntax</a:t>
-            </a:r>
-            <a:r>
-              <a:rPr lang="en-GB" dirty="0" smtClean="0"/>
-              <a:t>: </a:t>
+              <a:t>Syntax: </a:t>
             </a:r>
             <a:r>
               <a:rPr lang="en-GB" i="1" dirty="0" smtClean="0"/>
@@ -4636,15 +5181,7 @@
             <a:pPr lvl="1"/>
             <a:r>
               <a:rPr lang="en-GB" dirty="0" smtClean="0"/>
-              <a:t>Forces </a:t>
-            </a:r>
-            <a:r>
-              <a:rPr lang="en-GB" dirty="0" smtClean="0"/>
-              <a:t>EXPR to be interpreted in scalar context and returns the value of </a:t>
-            </a:r>
-            <a:r>
-              <a:rPr lang="en-GB" dirty="0" smtClean="0"/>
-              <a:t>EXPR</a:t>
+              <a:t>Forces EXPR to be interpreted in scalar context and returns the value of EXPR</a:t>
             </a:r>
           </a:p>
           <a:p>
@@ -5162,27 +5699,18 @@
           <a:p>
             <a:r>
               <a:rPr lang="en-IN" dirty="0" smtClean="0"/>
-              <a:t>Syntax</a:t>
-            </a:r>
-            <a:r>
-              <a:rPr lang="en-IN" dirty="0" smtClean="0"/>
-              <a:t>: </a:t>
+              <a:t>Syntax: </a:t>
             </a:r>
             <a:r>
               <a:rPr lang="en-IN" i="1" dirty="0" smtClean="0"/>
-              <a:t>join EXPR,LIST </a:t>
-            </a:r>
-            <a:endParaRPr lang="en-IN" i="1" dirty="0" smtClean="0"/>
+              <a:t>join EXPR, LIST </a:t>
+            </a:r>
           </a:p>
           <a:p>
             <a:pPr lvl="1"/>
             <a:r>
               <a:rPr lang="en-GB" dirty="0" smtClean="0"/>
-              <a:t>Joins the separate strings of LIST into a single string with fields separated by the value of EXPR, and returns that new </a:t>
-            </a:r>
-            <a:r>
-              <a:rPr lang="en-GB" dirty="0" smtClean="0"/>
-              <a:t>string</a:t>
+              <a:t>Joins the separate strings of LIST into a single string with fields separated by the value of EXPR, and returns that new string</a:t>
             </a:r>
           </a:p>
           <a:p>
@@ -5639,7 +6167,7 @@
         </p:nvSpPr>
         <p:spPr>
           <a:xfrm>
-            <a:off x="6589059" y="3424518"/>
+            <a:off x="6589059" y="3316938"/>
             <a:ext cx="224117" cy="224117"/>
           </a:xfrm>
           <a:prstGeom prst="downArrow">
@@ -5679,8 +6207,8 @@
         </p:nvSpPr>
         <p:spPr>
           <a:xfrm>
-            <a:off x="5217459" y="3908612"/>
-            <a:ext cx="2752165" cy="369332"/>
+            <a:off x="5558120" y="3738279"/>
+            <a:ext cx="2294965" cy="369332"/>
           </a:xfrm>
           <a:prstGeom prst="rect">
             <a:avLst/>
@@ -5694,13 +6222,928 @@
           <a:lstStyle/>
           <a:p>
             <a:r>
-              <a:rPr lang="en-IN" smtClean="0"/>
-              <a:t>``</a:t>
+              <a:rPr lang="en-IN" dirty="0" smtClean="0"/>
+              <a:t>`TGCCACCAGCAG`</a:t>
             </a:r>
             <a:endParaRPr lang="en-US" dirty="0"/>
           </a:p>
         </p:txBody>
       </p:sp>
+    </p:spTree>
+  </p:cSld>
+  <p:clrMapOvr>
+    <a:masterClrMapping/>
+  </p:clrMapOvr>
+</p:sld>
+</file>
+
+<file path=ppt/slides/slide18.xml><?xml version="1.0" encoding="utf-8"?>
+<p:sld xmlns:a="http://schemas.openxmlformats.org/drawingml/2006/main" xmlns:r="http://schemas.openxmlformats.org/officeDocument/2006/relationships" xmlns:p="http://schemas.openxmlformats.org/presentationml/2006/main">
+  <p:cSld>
+    <p:spTree>
+      <p:nvGrpSpPr>
+        <p:cNvPr id="1" name=""/>
+        <p:cNvGrpSpPr/>
+        <p:nvPr/>
+      </p:nvGrpSpPr>
+      <p:grpSpPr>
+        <a:xfrm>
+          <a:off x="0" y="0"/>
+          <a:ext cx="0" cy="0"/>
+          <a:chOff x="0" y="0"/>
+          <a:chExt cx="0" cy="0"/>
+        </a:xfrm>
+      </p:grpSpPr>
+      <p:sp>
+        <p:nvSpPr>
+          <p:cNvPr id="2" name="Title 1"/>
+          <p:cNvSpPr>
+            <a:spLocks noGrp="1"/>
+          </p:cNvSpPr>
+          <p:nvPr>
+            <p:ph type="title"/>
+          </p:nvPr>
+        </p:nvSpPr>
+        <p:spPr/>
+        <p:txBody>
+          <a:bodyPr/>
+          <a:lstStyle/>
+          <a:p>
+            <a:r>
+              <a:rPr lang="pt-BR" dirty="0" smtClean="0"/>
+              <a:t>Array manipulative functions</a:t>
+            </a:r>
+            <a:endParaRPr lang="en-US" dirty="0"/>
+          </a:p>
+        </p:txBody>
+      </p:sp>
+      <p:sp>
+        <p:nvSpPr>
+          <p:cNvPr id="13" name="Content Placeholder 12"/>
+          <p:cNvSpPr>
+            <a:spLocks noGrp="1"/>
+          </p:cNvSpPr>
+          <p:nvPr>
+            <p:ph idx="1"/>
+          </p:nvPr>
+        </p:nvSpPr>
+        <p:spPr/>
+        <p:txBody>
+          <a:bodyPr/>
+          <a:lstStyle/>
+          <a:p>
+            <a:r>
+              <a:rPr lang="pt-BR" dirty="0" smtClean="0"/>
+              <a:t>Syntax:</a:t>
+            </a:r>
+          </a:p>
+          <a:p>
+            <a:pPr lvl="1"/>
+            <a:r>
+              <a:rPr lang="pt-BR" dirty="0" smtClean="0"/>
+              <a:t>shift ARRAY</a:t>
+            </a:r>
+          </a:p>
+          <a:p>
+            <a:pPr lvl="1"/>
+            <a:r>
+              <a:rPr lang="pt-BR" dirty="0" smtClean="0"/>
+              <a:t>unshift ARRAY, LIST</a:t>
+            </a:r>
+          </a:p>
+          <a:p>
+            <a:pPr lvl="1"/>
+            <a:r>
+              <a:rPr lang="pt-BR" dirty="0" smtClean="0"/>
+              <a:t>push ARRAY, LIST</a:t>
+            </a:r>
+          </a:p>
+          <a:p>
+            <a:pPr lvl="1"/>
+            <a:r>
+              <a:rPr lang="pt-BR" dirty="0" smtClean="0"/>
+              <a:t>pop ARRAY</a:t>
+            </a:r>
+          </a:p>
+          <a:p>
+            <a:pPr lvl="1"/>
+            <a:endParaRPr lang="en-US" dirty="0" smtClean="0"/>
+          </a:p>
+          <a:p>
+            <a:pPr lvl="1"/>
+            <a:endParaRPr lang="en-US" dirty="0" smtClean="0"/>
+          </a:p>
+          <a:p>
+            <a:pPr lvl="1"/>
+            <a:endParaRPr lang="en-US" dirty="0"/>
+          </a:p>
+        </p:txBody>
+      </p:sp>
+      <p:graphicFrame>
+        <p:nvGraphicFramePr>
+          <p:cNvPr id="4" name="Table 3"/>
+          <p:cNvGraphicFramePr>
+            <a:graphicFrameLocks noGrp="1"/>
+          </p:cNvGraphicFramePr>
+          <p:nvPr/>
+        </p:nvGraphicFramePr>
+        <p:xfrm>
+          <a:off x="2725267" y="3651417"/>
+          <a:ext cx="3128684" cy="759273"/>
+        </p:xfrm>
+        <a:graphic>
+          <a:graphicData uri="http://schemas.openxmlformats.org/drawingml/2006/table">
+            <a:tbl>
+              <a:tblPr firstRow="1" bandRow="1">
+                <a:tableStyleId>{5C22544A-7EE6-4342-B048-85BDC9FD1C3A}</a:tableStyleId>
+              </a:tblPr>
+              <a:tblGrid>
+                <a:gridCol w="782171"/>
+                <a:gridCol w="782171"/>
+                <a:gridCol w="782171"/>
+                <a:gridCol w="782171"/>
+              </a:tblGrid>
+              <a:tr h="449209">
+                <a:tc>
+                  <a:txBody>
+                    <a:bodyPr/>
+                    <a:lstStyle/>
+                    <a:p>
+                      <a:pPr algn="ctr"/>
+                      <a:r>
+                        <a:rPr lang="en-IN" sz="1400" b="0" dirty="0" smtClean="0">
+                          <a:solidFill>
+                            <a:schemeClr val="tx1"/>
+                          </a:solidFill>
+                        </a:rPr>
+                        <a:t>TG</a:t>
+                      </a:r>
+                      <a:endParaRPr lang="en-US" sz="1400" b="0" dirty="0">
+                        <a:solidFill>
+                          <a:schemeClr val="tx1"/>
+                        </a:solidFill>
+                      </a:endParaRPr>
+                    </a:p>
+                  </a:txBody>
+                  <a:tcPr>
+                    <a:lnL w="12700" cap="flat" cmpd="sng" algn="ctr">
+                      <a:solidFill>
+                        <a:schemeClr val="tx1"/>
+                      </a:solidFill>
+                      <a:prstDash val="solid"/>
+                      <a:round/>
+                      <a:headEnd type="none" w="med" len="med"/>
+                      <a:tailEnd type="none" w="med" len="med"/>
+                    </a:lnL>
+                    <a:lnR w="12700" cap="flat" cmpd="sng" algn="ctr">
+                      <a:solidFill>
+                        <a:schemeClr val="tx1"/>
+                      </a:solidFill>
+                      <a:prstDash val="solid"/>
+                      <a:round/>
+                      <a:headEnd type="none" w="med" len="med"/>
+                      <a:tailEnd type="none" w="med" len="med"/>
+                    </a:lnR>
+                    <a:lnT w="12700" cap="flat" cmpd="sng" algn="ctr">
+                      <a:solidFill>
+                        <a:schemeClr val="tx1"/>
+                      </a:solidFill>
+                      <a:prstDash val="solid"/>
+                      <a:round/>
+                      <a:headEnd type="none" w="med" len="med"/>
+                      <a:tailEnd type="none" w="med" len="med"/>
+                    </a:lnT>
+                    <a:lnB w="12700" cap="flat" cmpd="sng" algn="ctr">
+                      <a:solidFill>
+                        <a:schemeClr val="tx1"/>
+                      </a:solidFill>
+                      <a:prstDash val="solid"/>
+                      <a:round/>
+                      <a:headEnd type="none" w="med" len="med"/>
+                      <a:tailEnd type="none" w="med" len="med"/>
+                    </a:lnB>
+                    <a:noFill/>
+                  </a:tcPr>
+                </a:tc>
+                <a:tc>
+                  <a:txBody>
+                    <a:bodyPr/>
+                    <a:lstStyle/>
+                    <a:p>
+                      <a:pPr algn="ctr"/>
+                      <a:r>
+                        <a:rPr lang="en-IN" sz="1400" b="0" dirty="0" smtClean="0">
+                          <a:solidFill>
+                            <a:schemeClr val="tx1"/>
+                          </a:solidFill>
+                        </a:rPr>
+                        <a:t>CCA</a:t>
+                      </a:r>
+                      <a:endParaRPr lang="en-US" sz="1400" b="0" dirty="0">
+                        <a:solidFill>
+                          <a:schemeClr val="tx1"/>
+                        </a:solidFill>
+                      </a:endParaRPr>
+                    </a:p>
+                  </a:txBody>
+                  <a:tcPr>
+                    <a:lnL w="12700" cap="flat" cmpd="sng" algn="ctr">
+                      <a:solidFill>
+                        <a:schemeClr val="tx1"/>
+                      </a:solidFill>
+                      <a:prstDash val="solid"/>
+                      <a:round/>
+                      <a:headEnd type="none" w="med" len="med"/>
+                      <a:tailEnd type="none" w="med" len="med"/>
+                    </a:lnL>
+                    <a:lnR w="12700" cap="flat" cmpd="sng" algn="ctr">
+                      <a:solidFill>
+                        <a:schemeClr val="tx1"/>
+                      </a:solidFill>
+                      <a:prstDash val="solid"/>
+                      <a:round/>
+                      <a:headEnd type="none" w="med" len="med"/>
+                      <a:tailEnd type="none" w="med" len="med"/>
+                    </a:lnR>
+                    <a:lnT w="12700" cap="flat" cmpd="sng" algn="ctr">
+                      <a:solidFill>
+                        <a:schemeClr val="tx1"/>
+                      </a:solidFill>
+                      <a:prstDash val="solid"/>
+                      <a:round/>
+                      <a:headEnd type="none" w="med" len="med"/>
+                      <a:tailEnd type="none" w="med" len="med"/>
+                    </a:lnT>
+                    <a:lnB w="12700" cap="flat" cmpd="sng" algn="ctr">
+                      <a:solidFill>
+                        <a:schemeClr val="tx1"/>
+                      </a:solidFill>
+                      <a:prstDash val="solid"/>
+                      <a:round/>
+                      <a:headEnd type="none" w="med" len="med"/>
+                      <a:tailEnd type="none" w="med" len="med"/>
+                    </a:lnB>
+                    <a:noFill/>
+                  </a:tcPr>
+                </a:tc>
+                <a:tc>
+                  <a:txBody>
+                    <a:bodyPr/>
+                    <a:lstStyle/>
+                    <a:p>
+                      <a:pPr algn="ctr"/>
+                      <a:r>
+                        <a:rPr lang="en-IN" sz="1400" b="0" dirty="0" smtClean="0">
+                          <a:solidFill>
+                            <a:schemeClr val="tx1"/>
+                          </a:solidFill>
+                        </a:rPr>
+                        <a:t>CCAG</a:t>
+                      </a:r>
+                      <a:endParaRPr lang="en-US" sz="1400" b="0" dirty="0">
+                        <a:solidFill>
+                          <a:schemeClr val="tx1"/>
+                        </a:solidFill>
+                      </a:endParaRPr>
+                    </a:p>
+                  </a:txBody>
+                  <a:tcPr>
+                    <a:lnL w="12700" cap="flat" cmpd="sng" algn="ctr">
+                      <a:solidFill>
+                        <a:schemeClr val="tx1"/>
+                      </a:solidFill>
+                      <a:prstDash val="solid"/>
+                      <a:round/>
+                      <a:headEnd type="none" w="med" len="med"/>
+                      <a:tailEnd type="none" w="med" len="med"/>
+                    </a:lnL>
+                    <a:lnR w="12700" cap="flat" cmpd="sng" algn="ctr">
+                      <a:solidFill>
+                        <a:schemeClr val="tx1"/>
+                      </a:solidFill>
+                      <a:prstDash val="solid"/>
+                      <a:round/>
+                      <a:headEnd type="none" w="med" len="med"/>
+                      <a:tailEnd type="none" w="med" len="med"/>
+                    </a:lnR>
+                    <a:lnT w="12700" cap="flat" cmpd="sng" algn="ctr">
+                      <a:solidFill>
+                        <a:schemeClr val="tx1"/>
+                      </a:solidFill>
+                      <a:prstDash val="solid"/>
+                      <a:round/>
+                      <a:headEnd type="none" w="med" len="med"/>
+                      <a:tailEnd type="none" w="med" len="med"/>
+                    </a:lnT>
+                    <a:lnB w="12700" cap="flat" cmpd="sng" algn="ctr">
+                      <a:solidFill>
+                        <a:schemeClr val="tx1"/>
+                      </a:solidFill>
+                      <a:prstDash val="solid"/>
+                      <a:round/>
+                      <a:headEnd type="none" w="med" len="med"/>
+                      <a:tailEnd type="none" w="med" len="med"/>
+                    </a:lnB>
+                    <a:noFill/>
+                  </a:tcPr>
+                </a:tc>
+                <a:tc>
+                  <a:txBody>
+                    <a:bodyPr/>
+                    <a:lstStyle/>
+                    <a:p>
+                      <a:pPr algn="ctr"/>
+                      <a:r>
+                        <a:rPr lang="en-IN" sz="1400" b="0" dirty="0" smtClean="0">
+                          <a:solidFill>
+                            <a:schemeClr val="tx1"/>
+                          </a:solidFill>
+                        </a:rPr>
+                        <a:t>CAG</a:t>
+                      </a:r>
+                      <a:endParaRPr lang="en-US" sz="1400" b="0" dirty="0">
+                        <a:solidFill>
+                          <a:schemeClr val="tx1"/>
+                        </a:solidFill>
+                      </a:endParaRPr>
+                    </a:p>
+                  </a:txBody>
+                  <a:tcPr>
+                    <a:lnL w="12700" cap="flat" cmpd="sng" algn="ctr">
+                      <a:solidFill>
+                        <a:schemeClr val="tx1"/>
+                      </a:solidFill>
+                      <a:prstDash val="solid"/>
+                      <a:round/>
+                      <a:headEnd type="none" w="med" len="med"/>
+                      <a:tailEnd type="none" w="med" len="med"/>
+                    </a:lnL>
+                    <a:lnR w="12700" cap="flat" cmpd="sng" algn="ctr">
+                      <a:solidFill>
+                        <a:schemeClr val="tx1"/>
+                      </a:solidFill>
+                      <a:prstDash val="solid"/>
+                      <a:round/>
+                      <a:headEnd type="none" w="med" len="med"/>
+                      <a:tailEnd type="none" w="med" len="med"/>
+                    </a:lnR>
+                    <a:lnT w="12700" cap="flat" cmpd="sng" algn="ctr">
+                      <a:solidFill>
+                        <a:schemeClr val="tx1"/>
+                      </a:solidFill>
+                      <a:prstDash val="solid"/>
+                      <a:round/>
+                      <a:headEnd type="none" w="med" len="med"/>
+                      <a:tailEnd type="none" w="med" len="med"/>
+                    </a:lnT>
+                    <a:lnB w="12700" cap="flat" cmpd="sng" algn="ctr">
+                      <a:solidFill>
+                        <a:schemeClr val="tx1"/>
+                      </a:solidFill>
+                      <a:prstDash val="solid"/>
+                      <a:round/>
+                      <a:headEnd type="none" w="med" len="med"/>
+                      <a:tailEnd type="none" w="med" len="med"/>
+                    </a:lnB>
+                    <a:noFill/>
+                  </a:tcPr>
+                </a:tc>
+              </a:tr>
+              <a:tr h="310064">
+                <a:tc>
+                  <a:txBody>
+                    <a:bodyPr/>
+                    <a:lstStyle/>
+                    <a:p>
+                      <a:pPr algn="ctr"/>
+                      <a:r>
+                        <a:rPr lang="en-IN" sz="1400" dirty="0" smtClean="0">
+                          <a:solidFill>
+                            <a:schemeClr val="tx1"/>
+                          </a:solidFill>
+                        </a:rPr>
+                        <a:t>0</a:t>
+                      </a:r>
+                      <a:endParaRPr lang="en-US" sz="1400" dirty="0">
+                        <a:solidFill>
+                          <a:schemeClr val="tx1"/>
+                        </a:solidFill>
+                      </a:endParaRPr>
+                    </a:p>
+                  </a:txBody>
+                  <a:tcPr>
+                    <a:lnT w="12700" cap="flat" cmpd="sng" algn="ctr">
+                      <a:solidFill>
+                        <a:schemeClr val="tx1"/>
+                      </a:solidFill>
+                      <a:prstDash val="solid"/>
+                      <a:round/>
+                      <a:headEnd type="none" w="med" len="med"/>
+                      <a:tailEnd type="none" w="med" len="med"/>
+                    </a:lnT>
+                    <a:noFill/>
+                  </a:tcPr>
+                </a:tc>
+                <a:tc>
+                  <a:txBody>
+                    <a:bodyPr/>
+                    <a:lstStyle/>
+                    <a:p>
+                      <a:pPr algn="ctr"/>
+                      <a:r>
+                        <a:rPr lang="en-IN" sz="1400" dirty="0" smtClean="0">
+                          <a:solidFill>
+                            <a:schemeClr val="tx1"/>
+                          </a:solidFill>
+                        </a:rPr>
+                        <a:t>1</a:t>
+                      </a:r>
+                      <a:endParaRPr lang="en-US" sz="1400" dirty="0">
+                        <a:solidFill>
+                          <a:schemeClr val="tx1"/>
+                        </a:solidFill>
+                      </a:endParaRPr>
+                    </a:p>
+                  </a:txBody>
+                  <a:tcPr>
+                    <a:lnT w="12700" cap="flat" cmpd="sng" algn="ctr">
+                      <a:solidFill>
+                        <a:schemeClr val="tx1"/>
+                      </a:solidFill>
+                      <a:prstDash val="solid"/>
+                      <a:round/>
+                      <a:headEnd type="none" w="med" len="med"/>
+                      <a:tailEnd type="none" w="med" len="med"/>
+                    </a:lnT>
+                    <a:noFill/>
+                  </a:tcPr>
+                </a:tc>
+                <a:tc>
+                  <a:txBody>
+                    <a:bodyPr/>
+                    <a:lstStyle/>
+                    <a:p>
+                      <a:pPr algn="ctr"/>
+                      <a:r>
+                        <a:rPr lang="en-IN" sz="1400" dirty="0" smtClean="0">
+                          <a:solidFill>
+                            <a:schemeClr val="tx1"/>
+                          </a:solidFill>
+                        </a:rPr>
+                        <a:t>2</a:t>
+                      </a:r>
+                      <a:endParaRPr lang="en-US" sz="1400" dirty="0">
+                        <a:solidFill>
+                          <a:schemeClr val="tx1"/>
+                        </a:solidFill>
+                      </a:endParaRPr>
+                    </a:p>
+                  </a:txBody>
+                  <a:tcPr>
+                    <a:lnT w="12700" cap="flat" cmpd="sng" algn="ctr">
+                      <a:solidFill>
+                        <a:schemeClr val="tx1"/>
+                      </a:solidFill>
+                      <a:prstDash val="solid"/>
+                      <a:round/>
+                      <a:headEnd type="none" w="med" len="med"/>
+                      <a:tailEnd type="none" w="med" len="med"/>
+                    </a:lnT>
+                    <a:noFill/>
+                  </a:tcPr>
+                </a:tc>
+                <a:tc>
+                  <a:txBody>
+                    <a:bodyPr/>
+                    <a:lstStyle/>
+                    <a:p>
+                      <a:pPr algn="ctr"/>
+                      <a:r>
+                        <a:rPr lang="en-IN" sz="1400" dirty="0" smtClean="0">
+                          <a:solidFill>
+                            <a:schemeClr val="tx1"/>
+                          </a:solidFill>
+                        </a:rPr>
+                        <a:t>3</a:t>
+                      </a:r>
+                      <a:endParaRPr lang="en-US" sz="1400" dirty="0">
+                        <a:solidFill>
+                          <a:schemeClr val="tx1"/>
+                        </a:solidFill>
+                      </a:endParaRPr>
+                    </a:p>
+                  </a:txBody>
+                  <a:tcPr>
+                    <a:lnT w="12700" cap="flat" cmpd="sng" algn="ctr">
+                      <a:solidFill>
+                        <a:schemeClr val="tx1"/>
+                      </a:solidFill>
+                      <a:prstDash val="solid"/>
+                      <a:round/>
+                      <a:headEnd type="none" w="med" len="med"/>
+                      <a:tailEnd type="none" w="med" len="med"/>
+                    </a:lnT>
+                    <a:noFill/>
+                  </a:tcPr>
+                </a:tc>
+              </a:tr>
+            </a:tbl>
+          </a:graphicData>
+        </a:graphic>
+      </p:graphicFrame>
+      <p:sp>
+        <p:nvSpPr>
+          <p:cNvPr id="5" name="Left Arrow 4"/>
+          <p:cNvSpPr/>
+          <p:nvPr/>
+        </p:nvSpPr>
+        <p:spPr>
+          <a:xfrm>
+            <a:off x="1972235" y="3609241"/>
+            <a:ext cx="510989" cy="197224"/>
+          </a:xfrm>
+          <a:prstGeom prst="leftArrow">
+            <a:avLst/>
+          </a:prstGeom>
+        </p:spPr>
+        <p:style>
+          <a:lnRef idx="0">
+            <a:schemeClr val="accent6"/>
+          </a:lnRef>
+          <a:fillRef idx="3">
+            <a:schemeClr val="accent6"/>
+          </a:fillRef>
+          <a:effectRef idx="3">
+            <a:schemeClr val="accent6"/>
+          </a:effectRef>
+          <a:fontRef idx="minor">
+            <a:schemeClr val="lt1"/>
+          </a:fontRef>
+        </p:style>
+        <p:txBody>
+          <a:bodyPr rtlCol="0" anchor="ctr"/>
+          <a:lstStyle/>
+          <a:p>
+            <a:pPr algn="ctr"/>
+            <a:endParaRPr lang="en-US"/>
+          </a:p>
+        </p:txBody>
+      </p:sp>
+      <p:sp>
+        <p:nvSpPr>
+          <p:cNvPr id="6" name="Left Arrow 5"/>
+          <p:cNvSpPr/>
+          <p:nvPr/>
+        </p:nvSpPr>
+        <p:spPr>
+          <a:xfrm>
+            <a:off x="6203576" y="3609241"/>
+            <a:ext cx="510989" cy="197224"/>
+          </a:xfrm>
+          <a:prstGeom prst="leftArrow">
+            <a:avLst/>
+          </a:prstGeom>
+        </p:spPr>
+        <p:style>
+          <a:lnRef idx="0">
+            <a:schemeClr val="accent6"/>
+          </a:lnRef>
+          <a:fillRef idx="3">
+            <a:schemeClr val="accent6"/>
+          </a:fillRef>
+          <a:effectRef idx="3">
+            <a:schemeClr val="accent6"/>
+          </a:effectRef>
+          <a:fontRef idx="minor">
+            <a:schemeClr val="lt1"/>
+          </a:fontRef>
+        </p:style>
+        <p:txBody>
+          <a:bodyPr rtlCol="0" anchor="ctr"/>
+          <a:lstStyle/>
+          <a:p>
+            <a:pPr algn="ctr"/>
+            <a:endParaRPr lang="en-US"/>
+          </a:p>
+        </p:txBody>
+      </p:sp>
+      <p:sp>
+        <p:nvSpPr>
+          <p:cNvPr id="7" name="Left Arrow 6"/>
+          <p:cNvSpPr/>
+          <p:nvPr/>
+        </p:nvSpPr>
+        <p:spPr>
+          <a:xfrm flipH="1">
+            <a:off x="1972235" y="3958859"/>
+            <a:ext cx="510989" cy="197224"/>
+          </a:xfrm>
+          <a:prstGeom prst="leftArrow">
+            <a:avLst/>
+          </a:prstGeom>
+        </p:spPr>
+        <p:style>
+          <a:lnRef idx="0">
+            <a:schemeClr val="accent6"/>
+          </a:lnRef>
+          <a:fillRef idx="3">
+            <a:schemeClr val="accent6"/>
+          </a:fillRef>
+          <a:effectRef idx="3">
+            <a:schemeClr val="accent6"/>
+          </a:effectRef>
+          <a:fontRef idx="minor">
+            <a:schemeClr val="lt1"/>
+          </a:fontRef>
+        </p:style>
+        <p:txBody>
+          <a:bodyPr rtlCol="0" anchor="ctr"/>
+          <a:lstStyle/>
+          <a:p>
+            <a:pPr algn="ctr"/>
+            <a:endParaRPr lang="en-US"/>
+          </a:p>
+        </p:txBody>
+      </p:sp>
+      <p:sp>
+        <p:nvSpPr>
+          <p:cNvPr id="8" name="Left Arrow 7"/>
+          <p:cNvSpPr/>
+          <p:nvPr/>
+        </p:nvSpPr>
+        <p:spPr>
+          <a:xfrm flipH="1">
+            <a:off x="6203576" y="3958859"/>
+            <a:ext cx="510989" cy="197224"/>
+          </a:xfrm>
+          <a:prstGeom prst="leftArrow">
+            <a:avLst/>
+          </a:prstGeom>
+        </p:spPr>
+        <p:style>
+          <a:lnRef idx="0">
+            <a:schemeClr val="accent6"/>
+          </a:lnRef>
+          <a:fillRef idx="3">
+            <a:schemeClr val="accent6"/>
+          </a:fillRef>
+          <a:effectRef idx="3">
+            <a:schemeClr val="accent6"/>
+          </a:effectRef>
+          <a:fontRef idx="minor">
+            <a:schemeClr val="lt1"/>
+          </a:fontRef>
+        </p:style>
+        <p:txBody>
+          <a:bodyPr rtlCol="0" anchor="ctr"/>
+          <a:lstStyle/>
+          <a:p>
+            <a:pPr algn="ctr"/>
+            <a:endParaRPr lang="en-US"/>
+          </a:p>
+        </p:txBody>
+      </p:sp>
+      <p:sp>
+        <p:nvSpPr>
+          <p:cNvPr id="9" name="TextBox 8"/>
+          <p:cNvSpPr txBox="1"/>
+          <p:nvPr/>
+        </p:nvSpPr>
+        <p:spPr>
+          <a:xfrm>
+            <a:off x="1147482" y="3523187"/>
+            <a:ext cx="797859" cy="369332"/>
+          </a:xfrm>
+          <a:prstGeom prst="rect">
+            <a:avLst/>
+          </a:prstGeom>
+          <a:noFill/>
+        </p:spPr>
+        <p:txBody>
+          <a:bodyPr wrap="square" rtlCol="0">
+            <a:spAutoFit/>
+          </a:bodyPr>
+          <a:lstStyle/>
+          <a:p>
+            <a:r>
+              <a:rPr lang="pt-BR" dirty="0" smtClean="0"/>
+              <a:t>shift()</a:t>
+            </a:r>
+            <a:endParaRPr lang="en-US" dirty="0"/>
+          </a:p>
+        </p:txBody>
+      </p:sp>
+      <p:sp>
+        <p:nvSpPr>
+          <p:cNvPr id="10" name="TextBox 9"/>
+          <p:cNvSpPr txBox="1"/>
+          <p:nvPr/>
+        </p:nvSpPr>
+        <p:spPr>
+          <a:xfrm>
+            <a:off x="788894" y="3872805"/>
+            <a:ext cx="1156447" cy="369332"/>
+          </a:xfrm>
+          <a:prstGeom prst="rect">
+            <a:avLst/>
+          </a:prstGeom>
+          <a:noFill/>
+        </p:spPr>
+        <p:txBody>
+          <a:bodyPr wrap="square" rtlCol="0">
+            <a:spAutoFit/>
+          </a:bodyPr>
+          <a:lstStyle/>
+          <a:p>
+            <a:r>
+              <a:rPr lang="pt-BR" dirty="0" smtClean="0"/>
+              <a:t>unshift()</a:t>
+            </a:r>
+            <a:endParaRPr lang="en-US" dirty="0"/>
+          </a:p>
+        </p:txBody>
+      </p:sp>
+      <p:sp>
+        <p:nvSpPr>
+          <p:cNvPr id="11" name="TextBox 10"/>
+          <p:cNvSpPr txBox="1"/>
+          <p:nvPr/>
+        </p:nvSpPr>
+        <p:spPr>
+          <a:xfrm>
+            <a:off x="6866964" y="3523187"/>
+            <a:ext cx="1837765" cy="369332"/>
+          </a:xfrm>
+          <a:prstGeom prst="rect">
+            <a:avLst/>
+          </a:prstGeom>
+          <a:noFill/>
+        </p:spPr>
+        <p:txBody>
+          <a:bodyPr wrap="square" rtlCol="0">
+            <a:spAutoFit/>
+          </a:bodyPr>
+          <a:lstStyle/>
+          <a:p>
+            <a:r>
+              <a:rPr lang="pt-BR" dirty="0" smtClean="0"/>
+              <a:t>push()</a:t>
+            </a:r>
+            <a:endParaRPr lang="en-US" dirty="0"/>
+          </a:p>
+        </p:txBody>
+      </p:sp>
+      <p:sp>
+        <p:nvSpPr>
+          <p:cNvPr id="12" name="TextBox 11"/>
+          <p:cNvSpPr txBox="1"/>
+          <p:nvPr/>
+        </p:nvSpPr>
+        <p:spPr>
+          <a:xfrm>
+            <a:off x="6866964" y="3872805"/>
+            <a:ext cx="878541" cy="369332"/>
+          </a:xfrm>
+          <a:prstGeom prst="rect">
+            <a:avLst/>
+          </a:prstGeom>
+          <a:noFill/>
+        </p:spPr>
+        <p:txBody>
+          <a:bodyPr wrap="square" rtlCol="0">
+            <a:spAutoFit/>
+          </a:bodyPr>
+          <a:lstStyle/>
+          <a:p>
+            <a:r>
+              <a:rPr lang="pt-BR" dirty="0" smtClean="0"/>
+              <a:t>pop()</a:t>
+            </a:r>
+            <a:endParaRPr lang="en-US" dirty="0"/>
+          </a:p>
+        </p:txBody>
+      </p:sp>
+    </p:spTree>
+  </p:cSld>
+  <p:clrMapOvr>
+    <a:masterClrMapping/>
+  </p:clrMapOvr>
+</p:sld>
+</file>
+
+<file path=ppt/slides/slide19.xml><?xml version="1.0" encoding="utf-8"?>
+<p:sld xmlns:a="http://schemas.openxmlformats.org/drawingml/2006/main" xmlns:r="http://schemas.openxmlformats.org/officeDocument/2006/relationships" xmlns:p="http://schemas.openxmlformats.org/presentationml/2006/main">
+  <p:cSld>
+    <p:spTree>
+      <p:nvGrpSpPr>
+        <p:cNvPr id="1" name=""/>
+        <p:cNvGrpSpPr/>
+        <p:nvPr/>
+      </p:nvGrpSpPr>
+      <p:grpSpPr>
+        <a:xfrm>
+          <a:off x="0" y="0"/>
+          <a:ext cx="0" cy="0"/>
+          <a:chOff x="0" y="0"/>
+          <a:chExt cx="0" cy="0"/>
+        </a:xfrm>
+      </p:grpSpPr>
+      <p:pic>
+        <p:nvPicPr>
+          <p:cNvPr id="1026" name="Picture 2"/>
+          <p:cNvPicPr>
+            <a:picLocks noChangeAspect="1" noChangeArrowheads="1"/>
+          </p:cNvPicPr>
+          <p:nvPr/>
+        </p:nvPicPr>
+        <p:blipFill>
+          <a:blip r:embed="rId2" cstate="print"/>
+          <a:srcRect/>
+          <a:stretch>
+            <a:fillRect/>
+          </a:stretch>
+        </p:blipFill>
+        <p:spPr bwMode="auto">
+          <a:xfrm>
+            <a:off x="188260" y="377359"/>
+            <a:ext cx="8498541" cy="2683321"/>
+          </a:xfrm>
+          <a:prstGeom prst="rect">
+            <a:avLst/>
+          </a:prstGeom>
+          <a:noFill/>
+          <a:ln w="9525">
+            <a:noFill/>
+            <a:miter lim="800000"/>
+            <a:headEnd/>
+            <a:tailEnd/>
+          </a:ln>
+        </p:spPr>
+      </p:pic>
+      <p:pic>
+        <p:nvPicPr>
+          <p:cNvPr id="1027" name="Picture 3"/>
+          <p:cNvPicPr>
+            <a:picLocks noChangeAspect="1" noChangeArrowheads="1"/>
+          </p:cNvPicPr>
+          <p:nvPr/>
+        </p:nvPicPr>
+        <p:blipFill>
+          <a:blip r:embed="rId3" cstate="print"/>
+          <a:srcRect/>
+          <a:stretch>
+            <a:fillRect/>
+          </a:stretch>
+        </p:blipFill>
+        <p:spPr bwMode="auto">
+          <a:xfrm>
+            <a:off x="4636156" y="3045758"/>
+            <a:ext cx="4122363" cy="1049890"/>
+          </a:xfrm>
+          <a:prstGeom prst="rect">
+            <a:avLst/>
+          </a:prstGeom>
+          <a:noFill/>
+          <a:ln w="9525">
+            <a:noFill/>
+            <a:miter lim="800000"/>
+            <a:headEnd/>
+            <a:tailEnd/>
+          </a:ln>
+        </p:spPr>
+      </p:pic>
+      <p:pic>
+        <p:nvPicPr>
+          <p:cNvPr id="1028" name="Picture 4"/>
+          <p:cNvPicPr>
+            <a:picLocks noChangeAspect="1" noChangeArrowheads="1"/>
+          </p:cNvPicPr>
+          <p:nvPr/>
+        </p:nvPicPr>
+        <p:blipFill>
+          <a:blip r:embed="rId4" cstate="print"/>
+          <a:srcRect/>
+          <a:stretch>
+            <a:fillRect/>
+          </a:stretch>
+        </p:blipFill>
+        <p:spPr bwMode="auto">
+          <a:xfrm>
+            <a:off x="171731" y="4435568"/>
+            <a:ext cx="3978928" cy="388003"/>
+          </a:xfrm>
+          <a:prstGeom prst="rect">
+            <a:avLst/>
+          </a:prstGeom>
+          <a:noFill/>
+          <a:ln w="9525">
+            <a:noFill/>
+            <a:miter lim="800000"/>
+            <a:headEnd/>
+            <a:tailEnd/>
+          </a:ln>
+        </p:spPr>
+      </p:pic>
     </p:spTree>
   </p:cSld>
   <p:clrMapOvr>
@@ -5799,6 +7242,1234 @@
           </a:p>
         </p:txBody>
       </p:sp>
+      <p:pic>
+        <p:nvPicPr>
+          <p:cNvPr id="4" name="Picture 2"/>
+          <p:cNvPicPr>
+            <a:picLocks noChangeAspect="1" noChangeArrowheads="1"/>
+          </p:cNvPicPr>
+          <p:nvPr/>
+        </p:nvPicPr>
+        <p:blipFill>
+          <a:blip r:embed="rId2" cstate="print"/>
+          <a:srcRect/>
+          <a:stretch>
+            <a:fillRect/>
+          </a:stretch>
+        </p:blipFill>
+        <p:spPr bwMode="auto">
+          <a:xfrm>
+            <a:off x="5029780" y="1212767"/>
+            <a:ext cx="4105255" cy="3921772"/>
+          </a:xfrm>
+          <a:prstGeom prst="rect">
+            <a:avLst/>
+          </a:prstGeom>
+          <a:noFill/>
+          <a:ln w="9525">
+            <a:noFill/>
+            <a:miter lim="800000"/>
+            <a:headEnd/>
+            <a:tailEnd/>
+          </a:ln>
+        </p:spPr>
+      </p:pic>
+    </p:spTree>
+  </p:cSld>
+  <p:clrMapOvr>
+    <a:masterClrMapping/>
+  </p:clrMapOvr>
+</p:sld>
+</file>
+
+<file path=ppt/slides/slide20.xml><?xml version="1.0" encoding="utf-8"?>
+<p:sld xmlns:a="http://schemas.openxmlformats.org/drawingml/2006/main" xmlns:r="http://schemas.openxmlformats.org/officeDocument/2006/relationships" xmlns:p="http://schemas.openxmlformats.org/presentationml/2006/main">
+  <p:cSld>
+    <p:spTree>
+      <p:nvGrpSpPr>
+        <p:cNvPr id="1" name=""/>
+        <p:cNvGrpSpPr/>
+        <p:nvPr/>
+      </p:nvGrpSpPr>
+      <p:grpSpPr>
+        <a:xfrm>
+          <a:off x="0" y="0"/>
+          <a:ext cx="0" cy="0"/>
+          <a:chOff x="0" y="0"/>
+          <a:chExt cx="0" cy="0"/>
+        </a:xfrm>
+      </p:grpSpPr>
+      <p:pic>
+        <p:nvPicPr>
+          <p:cNvPr id="2052" name="Picture 4"/>
+          <p:cNvPicPr>
+            <a:picLocks noChangeAspect="1" noChangeArrowheads="1"/>
+          </p:cNvPicPr>
+          <p:nvPr/>
+        </p:nvPicPr>
+        <p:blipFill>
+          <a:blip r:embed="rId2" cstate="print"/>
+          <a:srcRect/>
+          <a:stretch>
+            <a:fillRect/>
+          </a:stretch>
+        </p:blipFill>
+        <p:spPr bwMode="auto">
+          <a:xfrm>
+            <a:off x="166968" y="478212"/>
+            <a:ext cx="8648700" cy="2752725"/>
+          </a:xfrm>
+          <a:prstGeom prst="rect">
+            <a:avLst/>
+          </a:prstGeom>
+          <a:noFill/>
+          <a:ln w="9525">
+            <a:noFill/>
+            <a:miter lim="800000"/>
+            <a:headEnd/>
+            <a:tailEnd/>
+          </a:ln>
+        </p:spPr>
+      </p:pic>
+      <p:pic>
+        <p:nvPicPr>
+          <p:cNvPr id="2053" name="Picture 5"/>
+          <p:cNvPicPr>
+            <a:picLocks noChangeAspect="1" noChangeArrowheads="1"/>
+          </p:cNvPicPr>
+          <p:nvPr/>
+        </p:nvPicPr>
+        <p:blipFill>
+          <a:blip r:embed="rId3" cstate="print"/>
+          <a:srcRect/>
+          <a:stretch>
+            <a:fillRect/>
+          </a:stretch>
+        </p:blipFill>
+        <p:spPr bwMode="auto">
+          <a:xfrm>
+            <a:off x="5080187" y="3281642"/>
+            <a:ext cx="2746001" cy="1469918"/>
+          </a:xfrm>
+          <a:prstGeom prst="rect">
+            <a:avLst/>
+          </a:prstGeom>
+          <a:noFill/>
+          <a:ln w="9525">
+            <a:noFill/>
+            <a:miter lim="800000"/>
+            <a:headEnd/>
+            <a:tailEnd/>
+          </a:ln>
+        </p:spPr>
+      </p:pic>
+    </p:spTree>
+  </p:cSld>
+  <p:clrMapOvr>
+    <a:masterClrMapping/>
+  </p:clrMapOvr>
+</p:sld>
+</file>
+
+<file path=ppt/slides/slide21.xml><?xml version="1.0" encoding="utf-8"?>
+<p:sld xmlns:a="http://schemas.openxmlformats.org/drawingml/2006/main" xmlns:r="http://schemas.openxmlformats.org/officeDocument/2006/relationships" xmlns:p="http://schemas.openxmlformats.org/presentationml/2006/main">
+  <p:cSld>
+    <p:spTree>
+      <p:nvGrpSpPr>
+        <p:cNvPr id="1" name=""/>
+        <p:cNvGrpSpPr/>
+        <p:nvPr/>
+      </p:nvGrpSpPr>
+      <p:grpSpPr>
+        <a:xfrm>
+          <a:off x="0" y="0"/>
+          <a:ext cx="0" cy="0"/>
+          <a:chOff x="0" y="0"/>
+          <a:chExt cx="0" cy="0"/>
+        </a:xfrm>
+      </p:grpSpPr>
+      <p:pic>
+        <p:nvPicPr>
+          <p:cNvPr id="3076" name="Picture 4"/>
+          <p:cNvPicPr>
+            <a:picLocks noChangeAspect="1" noChangeArrowheads="1"/>
+          </p:cNvPicPr>
+          <p:nvPr/>
+        </p:nvPicPr>
+        <p:blipFill>
+          <a:blip r:embed="rId2" cstate="print"/>
+          <a:srcRect/>
+          <a:stretch>
+            <a:fillRect/>
+          </a:stretch>
+        </p:blipFill>
+        <p:spPr bwMode="auto">
+          <a:xfrm>
+            <a:off x="107576" y="616606"/>
+            <a:ext cx="8552329" cy="2536778"/>
+          </a:xfrm>
+          <a:prstGeom prst="rect">
+            <a:avLst/>
+          </a:prstGeom>
+          <a:noFill/>
+          <a:ln w="9525">
+            <a:noFill/>
+            <a:miter lim="800000"/>
+            <a:headEnd/>
+            <a:tailEnd/>
+          </a:ln>
+        </p:spPr>
+      </p:pic>
+      <p:pic>
+        <p:nvPicPr>
+          <p:cNvPr id="3077" name="Picture 5"/>
+          <p:cNvPicPr>
+            <a:picLocks noChangeAspect="1" noChangeArrowheads="1"/>
+          </p:cNvPicPr>
+          <p:nvPr/>
+        </p:nvPicPr>
+        <p:blipFill>
+          <a:blip r:embed="rId3" cstate="print"/>
+          <a:srcRect/>
+          <a:stretch>
+            <a:fillRect/>
+          </a:stretch>
+        </p:blipFill>
+        <p:spPr bwMode="auto">
+          <a:xfrm>
+            <a:off x="3375771" y="2889997"/>
+            <a:ext cx="5346859" cy="2076450"/>
+          </a:xfrm>
+          <a:prstGeom prst="rect">
+            <a:avLst/>
+          </a:prstGeom>
+          <a:noFill/>
+          <a:ln w="9525">
+            <a:noFill/>
+            <a:miter lim="800000"/>
+            <a:headEnd/>
+            <a:tailEnd/>
+          </a:ln>
+        </p:spPr>
+      </p:pic>
+    </p:spTree>
+  </p:cSld>
+  <p:clrMapOvr>
+    <a:masterClrMapping/>
+  </p:clrMapOvr>
+</p:sld>
+</file>
+
+<file path=ppt/slides/slide22.xml><?xml version="1.0" encoding="utf-8"?>
+<p:sld xmlns:a="http://schemas.openxmlformats.org/drawingml/2006/main" xmlns:r="http://schemas.openxmlformats.org/officeDocument/2006/relationships" xmlns:p="http://schemas.openxmlformats.org/presentationml/2006/main">
+  <p:cSld>
+    <p:spTree>
+      <p:nvGrpSpPr>
+        <p:cNvPr id="1" name=""/>
+        <p:cNvGrpSpPr/>
+        <p:nvPr/>
+      </p:nvGrpSpPr>
+      <p:grpSpPr>
+        <a:xfrm>
+          <a:off x="0" y="0"/>
+          <a:ext cx="0" cy="0"/>
+          <a:chOff x="0" y="0"/>
+          <a:chExt cx="0" cy="0"/>
+        </a:xfrm>
+      </p:grpSpPr>
+      <p:pic>
+        <p:nvPicPr>
+          <p:cNvPr id="4098" name="Picture 2"/>
+          <p:cNvPicPr>
+            <a:picLocks noChangeAspect="1" noChangeArrowheads="1"/>
+          </p:cNvPicPr>
+          <p:nvPr/>
+        </p:nvPicPr>
+        <p:blipFill>
+          <a:blip r:embed="rId2" cstate="print"/>
+          <a:srcRect/>
+          <a:stretch>
+            <a:fillRect/>
+          </a:stretch>
+        </p:blipFill>
+        <p:spPr bwMode="auto">
+          <a:xfrm>
+            <a:off x="0" y="587469"/>
+            <a:ext cx="8740588" cy="2107481"/>
+          </a:xfrm>
+          <a:prstGeom prst="rect">
+            <a:avLst/>
+          </a:prstGeom>
+          <a:noFill/>
+          <a:ln w="9525">
+            <a:noFill/>
+            <a:miter lim="800000"/>
+            <a:headEnd/>
+            <a:tailEnd/>
+          </a:ln>
+        </p:spPr>
+      </p:pic>
+      <p:pic>
+        <p:nvPicPr>
+          <p:cNvPr id="4099" name="Picture 3"/>
+          <p:cNvPicPr>
+            <a:picLocks noChangeAspect="1" noChangeArrowheads="1"/>
+          </p:cNvPicPr>
+          <p:nvPr/>
+        </p:nvPicPr>
+        <p:blipFill>
+          <a:blip r:embed="rId3" cstate="print"/>
+          <a:srcRect/>
+          <a:stretch>
+            <a:fillRect/>
+          </a:stretch>
+        </p:blipFill>
+        <p:spPr bwMode="auto">
+          <a:xfrm>
+            <a:off x="3368209" y="2840692"/>
+            <a:ext cx="5236104" cy="1345826"/>
+          </a:xfrm>
+          <a:prstGeom prst="rect">
+            <a:avLst/>
+          </a:prstGeom>
+          <a:noFill/>
+          <a:ln w="9525">
+            <a:noFill/>
+            <a:miter lim="800000"/>
+            <a:headEnd/>
+            <a:tailEnd/>
+          </a:ln>
+        </p:spPr>
+      </p:pic>
+    </p:spTree>
+  </p:cSld>
+  <p:clrMapOvr>
+    <a:masterClrMapping/>
+  </p:clrMapOvr>
+</p:sld>
+</file>
+
+<file path=ppt/slides/slide23.xml><?xml version="1.0" encoding="utf-8"?>
+<p:sld xmlns:a="http://schemas.openxmlformats.org/drawingml/2006/main" xmlns:r="http://schemas.openxmlformats.org/officeDocument/2006/relationships" xmlns:p="http://schemas.openxmlformats.org/presentationml/2006/main">
+  <p:cSld>
+    <p:spTree>
+      <p:nvGrpSpPr>
+        <p:cNvPr id="1" name=""/>
+        <p:cNvGrpSpPr/>
+        <p:nvPr/>
+      </p:nvGrpSpPr>
+      <p:grpSpPr>
+        <a:xfrm>
+          <a:off x="0" y="0"/>
+          <a:ext cx="0" cy="0"/>
+          <a:chOff x="0" y="0"/>
+          <a:chExt cx="0" cy="0"/>
+        </a:xfrm>
+      </p:grpSpPr>
+      <p:sp>
+        <p:nvSpPr>
+          <p:cNvPr id="2" name="Title 1"/>
+          <p:cNvSpPr>
+            <a:spLocks noGrp="1"/>
+          </p:cNvSpPr>
+          <p:nvPr>
+            <p:ph type="title"/>
+          </p:nvPr>
+        </p:nvSpPr>
+        <p:spPr/>
+        <p:txBody>
+          <a:bodyPr/>
+          <a:lstStyle/>
+          <a:p>
+            <a:r>
+              <a:rPr lang="pt-BR" dirty="0" smtClean="0"/>
+              <a:t>sort()</a:t>
+            </a:r>
+            <a:endParaRPr lang="en-US" dirty="0"/>
+          </a:p>
+        </p:txBody>
+      </p:sp>
+      <p:sp>
+        <p:nvSpPr>
+          <p:cNvPr id="3" name="Content Placeholder 2"/>
+          <p:cNvSpPr>
+            <a:spLocks noGrp="1"/>
+          </p:cNvSpPr>
+          <p:nvPr>
+            <p:ph idx="1"/>
+          </p:nvPr>
+        </p:nvSpPr>
+        <p:spPr/>
+        <p:txBody>
+          <a:bodyPr/>
+          <a:lstStyle/>
+          <a:p>
+            <a:r>
+              <a:rPr lang="pt-BR" dirty="0" smtClean="0"/>
+              <a:t>Syntax: sort ARRAY</a:t>
+            </a:r>
+          </a:p>
+          <a:p>
+            <a:r>
+              <a:rPr lang="en-US" dirty="0" smtClean="0"/>
+              <a:t>Sorts the LIST and returns the sorted array value.</a:t>
+            </a:r>
+          </a:p>
+          <a:p>
+            <a:r>
+              <a:rPr lang="pt-BR" dirty="0" smtClean="0"/>
+              <a:t>Sorting </a:t>
+            </a:r>
+          </a:p>
+          <a:p>
+            <a:pPr lvl="1"/>
+            <a:r>
+              <a:rPr lang="pt-BR" dirty="0" smtClean="0"/>
+              <a:t>Alphanumeric (111, 11, 100, 10, 1)</a:t>
+            </a:r>
+          </a:p>
+          <a:p>
+            <a:pPr lvl="1"/>
+            <a:r>
+              <a:rPr lang="pt-BR" dirty="0" smtClean="0"/>
+              <a:t>Numeric (111, 100, 11, 10, 1)</a:t>
+            </a:r>
+          </a:p>
+          <a:p>
+            <a:r>
+              <a:rPr lang="en-US" dirty="0" smtClean="0"/>
+              <a:t>extremely useful : </a:t>
+            </a:r>
+          </a:p>
+          <a:p>
+            <a:pPr lvl="1"/>
+            <a:r>
+              <a:rPr lang="en-US" dirty="0" smtClean="0"/>
+              <a:t>&lt;=&gt; for numeric</a:t>
+            </a:r>
+          </a:p>
+          <a:p>
+            <a:pPr lvl="1"/>
+            <a:r>
+              <a:rPr lang="en-US" dirty="0" err="1" smtClean="0"/>
+              <a:t>Cmp</a:t>
+            </a:r>
+            <a:r>
+              <a:rPr lang="en-US" dirty="0" smtClean="0"/>
+              <a:t> : for alphanumeric</a:t>
+            </a:r>
+            <a:endParaRPr lang="en-US" dirty="0"/>
+          </a:p>
+        </p:txBody>
+      </p:sp>
+    </p:spTree>
+  </p:cSld>
+  <p:clrMapOvr>
+    <a:masterClrMapping/>
+  </p:clrMapOvr>
+</p:sld>
+</file>
+
+<file path=ppt/slides/slide24.xml><?xml version="1.0" encoding="utf-8"?>
+<p:sld xmlns:a="http://schemas.openxmlformats.org/drawingml/2006/main" xmlns:r="http://schemas.openxmlformats.org/officeDocument/2006/relationships" xmlns:p="http://schemas.openxmlformats.org/presentationml/2006/main">
+  <p:cSld>
+    <p:spTree>
+      <p:nvGrpSpPr>
+        <p:cNvPr id="1" name=""/>
+        <p:cNvGrpSpPr/>
+        <p:nvPr/>
+      </p:nvGrpSpPr>
+      <p:grpSpPr>
+        <a:xfrm>
+          <a:off x="0" y="0"/>
+          <a:ext cx="0" cy="0"/>
+          <a:chOff x="0" y="0"/>
+          <a:chExt cx="0" cy="0"/>
+        </a:xfrm>
+      </p:grpSpPr>
+      <p:pic>
+        <p:nvPicPr>
+          <p:cNvPr id="1026" name="Picture 2"/>
+          <p:cNvPicPr>
+            <a:picLocks noChangeAspect="1" noChangeArrowheads="1"/>
+          </p:cNvPicPr>
+          <p:nvPr/>
+        </p:nvPicPr>
+        <p:blipFill>
+          <a:blip r:embed="rId2" cstate="print"/>
+          <a:srcRect/>
+          <a:stretch>
+            <a:fillRect/>
+          </a:stretch>
+        </p:blipFill>
+        <p:spPr bwMode="auto">
+          <a:xfrm>
+            <a:off x="564775" y="500490"/>
+            <a:ext cx="7225554" cy="4643010"/>
+          </a:xfrm>
+          <a:prstGeom prst="rect">
+            <a:avLst/>
+          </a:prstGeom>
+          <a:noFill/>
+          <a:ln w="9525">
+            <a:noFill/>
+            <a:miter lim="800000"/>
+            <a:headEnd/>
+            <a:tailEnd/>
+          </a:ln>
+        </p:spPr>
+      </p:pic>
+      <p:pic>
+        <p:nvPicPr>
+          <p:cNvPr id="1028" name="Picture 4"/>
+          <p:cNvPicPr>
+            <a:picLocks noChangeAspect="1" noChangeArrowheads="1"/>
+          </p:cNvPicPr>
+          <p:nvPr/>
+        </p:nvPicPr>
+        <p:blipFill>
+          <a:blip r:embed="rId3" cstate="print"/>
+          <a:srcRect/>
+          <a:stretch>
+            <a:fillRect/>
+          </a:stretch>
+        </p:blipFill>
+        <p:spPr bwMode="auto">
+          <a:xfrm>
+            <a:off x="4979996" y="2944906"/>
+            <a:ext cx="4164004" cy="2198594"/>
+          </a:xfrm>
+          <a:prstGeom prst="rect">
+            <a:avLst/>
+          </a:prstGeom>
+          <a:noFill/>
+          <a:ln w="9525">
+            <a:noFill/>
+            <a:miter lim="800000"/>
+            <a:headEnd/>
+            <a:tailEnd/>
+          </a:ln>
+        </p:spPr>
+      </p:pic>
+    </p:spTree>
+  </p:cSld>
+  <p:clrMapOvr>
+    <a:masterClrMapping/>
+  </p:clrMapOvr>
+</p:sld>
+</file>
+
+<file path=ppt/slides/slide25.xml><?xml version="1.0" encoding="utf-8"?>
+<p:sld xmlns:a="http://schemas.openxmlformats.org/drawingml/2006/main" xmlns:r="http://schemas.openxmlformats.org/officeDocument/2006/relationships" xmlns:p="http://schemas.openxmlformats.org/presentationml/2006/main">
+  <p:cSld>
+    <p:spTree>
+      <p:nvGrpSpPr>
+        <p:cNvPr id="1" name=""/>
+        <p:cNvGrpSpPr/>
+        <p:nvPr/>
+      </p:nvGrpSpPr>
+      <p:grpSpPr>
+        <a:xfrm>
+          <a:off x="0" y="0"/>
+          <a:ext cx="0" cy="0"/>
+          <a:chOff x="0" y="0"/>
+          <a:chExt cx="0" cy="0"/>
+        </a:xfrm>
+      </p:grpSpPr>
+      <p:sp>
+        <p:nvSpPr>
+          <p:cNvPr id="2" name="Title 1"/>
+          <p:cNvSpPr>
+            <a:spLocks noGrp="1"/>
+          </p:cNvSpPr>
+          <p:nvPr>
+            <p:ph type="title"/>
+          </p:nvPr>
+        </p:nvSpPr>
+        <p:spPr/>
+        <p:txBody>
+          <a:bodyPr/>
+          <a:lstStyle/>
+          <a:p>
+            <a:r>
+              <a:rPr lang="pt-BR" dirty="0" smtClean="0"/>
+              <a:t>keys()</a:t>
+            </a:r>
+            <a:endParaRPr lang="en-US" dirty="0"/>
+          </a:p>
+        </p:txBody>
+      </p:sp>
+      <p:sp>
+        <p:nvSpPr>
+          <p:cNvPr id="3" name="Content Placeholder 2"/>
+          <p:cNvSpPr>
+            <a:spLocks noGrp="1"/>
+          </p:cNvSpPr>
+          <p:nvPr>
+            <p:ph idx="1"/>
+          </p:nvPr>
+        </p:nvSpPr>
+        <p:spPr/>
+        <p:txBody>
+          <a:bodyPr/>
+          <a:lstStyle/>
+          <a:p>
+            <a:r>
+              <a:rPr lang="pt-BR" dirty="0" smtClean="0"/>
+              <a:t>Syntax: keys HASH</a:t>
+            </a:r>
+          </a:p>
+          <a:p>
+            <a:r>
+              <a:rPr lang="en-US" dirty="0" smtClean="0"/>
+              <a:t>returns a list consisting of all the keys of the named hash</a:t>
+            </a:r>
+            <a:endParaRPr lang="en-US" dirty="0"/>
+          </a:p>
+        </p:txBody>
+      </p:sp>
+      <p:pic>
+        <p:nvPicPr>
+          <p:cNvPr id="2050" name="Picture 2"/>
+          <p:cNvPicPr>
+            <a:picLocks noChangeAspect="1" noChangeArrowheads="1"/>
+          </p:cNvPicPr>
+          <p:nvPr/>
+        </p:nvPicPr>
+        <p:blipFill>
+          <a:blip r:embed="rId2" cstate="print"/>
+          <a:srcRect/>
+          <a:stretch>
+            <a:fillRect/>
+          </a:stretch>
+        </p:blipFill>
+        <p:spPr bwMode="auto">
+          <a:xfrm>
+            <a:off x="1222001" y="2045556"/>
+            <a:ext cx="4578163" cy="3097944"/>
+          </a:xfrm>
+          <a:prstGeom prst="rect">
+            <a:avLst/>
+          </a:prstGeom>
+          <a:noFill/>
+          <a:ln w="9525">
+            <a:noFill/>
+            <a:miter lim="800000"/>
+            <a:headEnd/>
+            <a:tailEnd/>
+          </a:ln>
+        </p:spPr>
+      </p:pic>
+    </p:spTree>
+  </p:cSld>
+  <p:clrMapOvr>
+    <a:masterClrMapping/>
+  </p:clrMapOvr>
+</p:sld>
+</file>
+
+<file path=ppt/slides/slide26.xml><?xml version="1.0" encoding="utf-8"?>
+<p:sld xmlns:a="http://schemas.openxmlformats.org/drawingml/2006/main" xmlns:r="http://schemas.openxmlformats.org/officeDocument/2006/relationships" xmlns:p="http://schemas.openxmlformats.org/presentationml/2006/main">
+  <p:cSld>
+    <p:spTree>
+      <p:nvGrpSpPr>
+        <p:cNvPr id="1" name=""/>
+        <p:cNvGrpSpPr/>
+        <p:nvPr/>
+      </p:nvGrpSpPr>
+      <p:grpSpPr>
+        <a:xfrm>
+          <a:off x="0" y="0"/>
+          <a:ext cx="0" cy="0"/>
+          <a:chOff x="0" y="0"/>
+          <a:chExt cx="0" cy="0"/>
+        </a:xfrm>
+      </p:grpSpPr>
+      <p:sp>
+        <p:nvSpPr>
+          <p:cNvPr id="2" name="Title 1"/>
+          <p:cNvSpPr>
+            <a:spLocks noGrp="1"/>
+          </p:cNvSpPr>
+          <p:nvPr>
+            <p:ph type="title"/>
+          </p:nvPr>
+        </p:nvSpPr>
+        <p:spPr/>
+        <p:txBody>
+          <a:bodyPr/>
+          <a:lstStyle/>
+          <a:p>
+            <a:r>
+              <a:rPr lang="pt-BR" dirty="0" smtClean="0"/>
+              <a:t>values()</a:t>
+            </a:r>
+            <a:endParaRPr lang="en-US" dirty="0"/>
+          </a:p>
+        </p:txBody>
+      </p:sp>
+      <p:sp>
+        <p:nvSpPr>
+          <p:cNvPr id="3" name="Content Placeholder 2"/>
+          <p:cNvSpPr>
+            <a:spLocks noGrp="1"/>
+          </p:cNvSpPr>
+          <p:nvPr>
+            <p:ph idx="1"/>
+          </p:nvPr>
+        </p:nvSpPr>
+        <p:spPr/>
+        <p:txBody>
+          <a:bodyPr/>
+          <a:lstStyle/>
+          <a:p>
+            <a:r>
+              <a:rPr lang="pt-BR" dirty="0" smtClean="0"/>
+              <a:t>Syntax: values HASH</a:t>
+            </a:r>
+          </a:p>
+          <a:p>
+            <a:r>
+              <a:rPr lang="en-US" dirty="0" smtClean="0"/>
+              <a:t>returns a list consisting of all the values of the named hash</a:t>
+            </a:r>
+          </a:p>
+          <a:p>
+            <a:endParaRPr lang="pt-BR" dirty="0" smtClean="0"/>
+          </a:p>
+          <a:p>
+            <a:endParaRPr lang="en-US" dirty="0"/>
+          </a:p>
+        </p:txBody>
+      </p:sp>
+      <p:pic>
+        <p:nvPicPr>
+          <p:cNvPr id="3074" name="Picture 2"/>
+          <p:cNvPicPr>
+            <a:picLocks noChangeAspect="1" noChangeArrowheads="1"/>
+          </p:cNvPicPr>
+          <p:nvPr/>
+        </p:nvPicPr>
+        <p:blipFill>
+          <a:blip r:embed="rId2" cstate="print"/>
+          <a:srcRect/>
+          <a:stretch>
+            <a:fillRect/>
+          </a:stretch>
+        </p:blipFill>
+        <p:spPr bwMode="auto">
+          <a:xfrm>
+            <a:off x="913279" y="2951350"/>
+            <a:ext cx="6134100" cy="962025"/>
+          </a:xfrm>
+          <a:prstGeom prst="rect">
+            <a:avLst/>
+          </a:prstGeom>
+          <a:noFill/>
+          <a:ln w="9525">
+            <a:noFill/>
+            <a:miter lim="800000"/>
+            <a:headEnd/>
+            <a:tailEnd/>
+          </a:ln>
+        </p:spPr>
+      </p:pic>
+    </p:spTree>
+  </p:cSld>
+  <p:clrMapOvr>
+    <a:masterClrMapping/>
+  </p:clrMapOvr>
+</p:sld>
+</file>
+
+<file path=ppt/slides/slide27.xml><?xml version="1.0" encoding="utf-8"?>
+<p:sld xmlns:a="http://schemas.openxmlformats.org/drawingml/2006/main" xmlns:r="http://schemas.openxmlformats.org/officeDocument/2006/relationships" xmlns:p="http://schemas.openxmlformats.org/presentationml/2006/main">
+  <p:cSld>
+    <p:spTree>
+      <p:nvGrpSpPr>
+        <p:cNvPr id="1" name=""/>
+        <p:cNvGrpSpPr/>
+        <p:nvPr/>
+      </p:nvGrpSpPr>
+      <p:grpSpPr>
+        <a:xfrm>
+          <a:off x="0" y="0"/>
+          <a:ext cx="0" cy="0"/>
+          <a:chOff x="0" y="0"/>
+          <a:chExt cx="0" cy="0"/>
+        </a:xfrm>
+      </p:grpSpPr>
+      <p:sp>
+        <p:nvSpPr>
+          <p:cNvPr id="2" name="Title 1"/>
+          <p:cNvSpPr>
+            <a:spLocks noGrp="1"/>
+          </p:cNvSpPr>
+          <p:nvPr>
+            <p:ph type="title"/>
+          </p:nvPr>
+        </p:nvSpPr>
+        <p:spPr/>
+        <p:txBody>
+          <a:bodyPr/>
+          <a:lstStyle/>
+          <a:p>
+            <a:r>
+              <a:rPr lang="pt-BR" dirty="0" smtClean="0"/>
+              <a:t>each()	</a:t>
+            </a:r>
+            <a:endParaRPr lang="en-US" dirty="0"/>
+          </a:p>
+        </p:txBody>
+      </p:sp>
+      <p:sp>
+        <p:nvSpPr>
+          <p:cNvPr id="3" name="Content Placeholder 2"/>
+          <p:cNvSpPr>
+            <a:spLocks noGrp="1"/>
+          </p:cNvSpPr>
+          <p:nvPr>
+            <p:ph idx="1"/>
+          </p:nvPr>
+        </p:nvSpPr>
+        <p:spPr/>
+        <p:txBody>
+          <a:bodyPr/>
+          <a:lstStyle/>
+          <a:p>
+            <a:r>
+              <a:rPr lang="pt-BR" dirty="0" smtClean="0"/>
+              <a:t>Syntax: each HASH</a:t>
+            </a:r>
+          </a:p>
+          <a:p>
+            <a:r>
+              <a:rPr lang="en-US" dirty="0" smtClean="0"/>
+              <a:t>returns a 2-element list consisting of the </a:t>
+            </a:r>
+            <a:r>
+              <a:rPr lang="en-US" b="1" dirty="0" smtClean="0"/>
+              <a:t>key</a:t>
+            </a:r>
+            <a:r>
+              <a:rPr lang="en-US" dirty="0" smtClean="0"/>
+              <a:t> and </a:t>
+            </a:r>
+            <a:r>
+              <a:rPr lang="en-US" b="1" dirty="0" smtClean="0"/>
+              <a:t>value</a:t>
+            </a:r>
+            <a:r>
+              <a:rPr lang="en-US" dirty="0" smtClean="0"/>
+              <a:t> for the </a:t>
+            </a:r>
+            <a:r>
+              <a:rPr lang="en-US" b="1" dirty="0" smtClean="0"/>
+              <a:t>next element </a:t>
+            </a:r>
+            <a:r>
+              <a:rPr lang="en-US" dirty="0" smtClean="0"/>
+              <a:t>of a hash</a:t>
+            </a:r>
+            <a:endParaRPr lang="en-US" dirty="0"/>
+          </a:p>
+        </p:txBody>
+      </p:sp>
+      <p:pic>
+        <p:nvPicPr>
+          <p:cNvPr id="4098" name="Picture 2"/>
+          <p:cNvPicPr>
+            <a:picLocks noChangeAspect="1" noChangeArrowheads="1"/>
+          </p:cNvPicPr>
+          <p:nvPr/>
+        </p:nvPicPr>
+        <p:blipFill>
+          <a:blip r:embed="rId2" cstate="print"/>
+          <a:srcRect/>
+          <a:stretch>
+            <a:fillRect/>
+          </a:stretch>
+        </p:blipFill>
+        <p:spPr bwMode="auto">
+          <a:xfrm>
+            <a:off x="532562" y="2623319"/>
+            <a:ext cx="4326310" cy="2520181"/>
+          </a:xfrm>
+          <a:prstGeom prst="rect">
+            <a:avLst/>
+          </a:prstGeom>
+          <a:noFill/>
+          <a:ln w="9525">
+            <a:noFill/>
+            <a:miter lim="800000"/>
+            <a:headEnd/>
+            <a:tailEnd/>
+          </a:ln>
+        </p:spPr>
+      </p:pic>
+      <p:pic>
+        <p:nvPicPr>
+          <p:cNvPr id="4099" name="Picture 3"/>
+          <p:cNvPicPr>
+            <a:picLocks noChangeAspect="1" noChangeArrowheads="1"/>
+          </p:cNvPicPr>
+          <p:nvPr/>
+        </p:nvPicPr>
+        <p:blipFill>
+          <a:blip r:embed="rId3" cstate="print"/>
+          <a:srcRect/>
+          <a:stretch>
+            <a:fillRect/>
+          </a:stretch>
+        </p:blipFill>
+        <p:spPr bwMode="auto">
+          <a:xfrm>
+            <a:off x="5369299" y="3046318"/>
+            <a:ext cx="3750830" cy="1095375"/>
+          </a:xfrm>
+          <a:prstGeom prst="rect">
+            <a:avLst/>
+          </a:prstGeom>
+          <a:noFill/>
+          <a:ln w="9525">
+            <a:noFill/>
+            <a:miter lim="800000"/>
+            <a:headEnd/>
+            <a:tailEnd/>
+          </a:ln>
+        </p:spPr>
+      </p:pic>
+    </p:spTree>
+  </p:cSld>
+  <p:clrMapOvr>
+    <a:masterClrMapping/>
+  </p:clrMapOvr>
+</p:sld>
+</file>
+
+<file path=ppt/slides/slide28.xml><?xml version="1.0" encoding="utf-8"?>
+<p:sld xmlns:a="http://schemas.openxmlformats.org/drawingml/2006/main" xmlns:r="http://schemas.openxmlformats.org/officeDocument/2006/relationships" xmlns:p="http://schemas.openxmlformats.org/presentationml/2006/main">
+  <p:cSld>
+    <p:spTree>
+      <p:nvGrpSpPr>
+        <p:cNvPr id="1" name=""/>
+        <p:cNvGrpSpPr/>
+        <p:nvPr/>
+      </p:nvGrpSpPr>
+      <p:grpSpPr>
+        <a:xfrm>
+          <a:off x="0" y="0"/>
+          <a:ext cx="0" cy="0"/>
+          <a:chOff x="0" y="0"/>
+          <a:chExt cx="0" cy="0"/>
+        </a:xfrm>
+      </p:grpSpPr>
+      <p:sp>
+        <p:nvSpPr>
+          <p:cNvPr id="2" name="Title 1"/>
+          <p:cNvSpPr>
+            <a:spLocks noGrp="1"/>
+          </p:cNvSpPr>
+          <p:nvPr>
+            <p:ph type="title"/>
+          </p:nvPr>
+        </p:nvSpPr>
+        <p:spPr/>
+        <p:txBody>
+          <a:bodyPr/>
+          <a:lstStyle/>
+          <a:p>
+            <a:r>
+              <a:rPr lang="pt-BR" dirty="0" smtClean="0"/>
+              <a:t>exists()</a:t>
+            </a:r>
+            <a:endParaRPr lang="en-US" dirty="0"/>
+          </a:p>
+        </p:txBody>
+      </p:sp>
+      <p:sp>
+        <p:nvSpPr>
+          <p:cNvPr id="3" name="Content Placeholder 2"/>
+          <p:cNvSpPr>
+            <a:spLocks noGrp="1"/>
+          </p:cNvSpPr>
+          <p:nvPr>
+            <p:ph idx="1"/>
+          </p:nvPr>
+        </p:nvSpPr>
+        <p:spPr/>
+        <p:txBody>
+          <a:bodyPr/>
+          <a:lstStyle/>
+          <a:p>
+            <a:r>
+              <a:rPr lang="en-US" dirty="0" smtClean="0"/>
+              <a:t>Syntax: exists $HASH{key}</a:t>
+            </a:r>
+          </a:p>
+          <a:p>
+            <a:r>
+              <a:rPr lang="en-US" dirty="0" smtClean="0"/>
+              <a:t>returns </a:t>
+            </a:r>
+            <a:r>
+              <a:rPr lang="en-US" b="1" dirty="0" smtClean="0"/>
+              <a:t>true</a:t>
+            </a:r>
+            <a:r>
+              <a:rPr lang="en-US" dirty="0" smtClean="0"/>
+              <a:t> if the specified element in the hash has ever been initialized, even if the corresponding value is undefined</a:t>
+            </a:r>
+          </a:p>
+        </p:txBody>
+      </p:sp>
+      <p:pic>
+        <p:nvPicPr>
+          <p:cNvPr id="7170" name="Picture 2"/>
+          <p:cNvPicPr>
+            <a:picLocks noChangeAspect="1" noChangeArrowheads="1"/>
+          </p:cNvPicPr>
+          <p:nvPr/>
+        </p:nvPicPr>
+        <p:blipFill>
+          <a:blip r:embed="rId3" cstate="print"/>
+          <a:srcRect/>
+          <a:stretch>
+            <a:fillRect/>
+          </a:stretch>
+        </p:blipFill>
+        <p:spPr bwMode="auto">
+          <a:xfrm>
+            <a:off x="-1" y="2790824"/>
+            <a:ext cx="9017421" cy="714375"/>
+          </a:xfrm>
+          <a:prstGeom prst="rect">
+            <a:avLst/>
+          </a:prstGeom>
+          <a:noFill/>
+          <a:ln w="9525">
+            <a:noFill/>
+            <a:miter lim="800000"/>
+            <a:headEnd/>
+            <a:tailEnd/>
+          </a:ln>
+        </p:spPr>
+      </p:pic>
+      <p:pic>
+        <p:nvPicPr>
+          <p:cNvPr id="7171" name="Picture 3"/>
+          <p:cNvPicPr>
+            <a:picLocks noChangeAspect="1" noChangeArrowheads="1"/>
+          </p:cNvPicPr>
+          <p:nvPr/>
+        </p:nvPicPr>
+        <p:blipFill>
+          <a:blip r:embed="rId4" cstate="print"/>
+          <a:srcRect/>
+          <a:stretch>
+            <a:fillRect/>
+          </a:stretch>
+        </p:blipFill>
+        <p:spPr bwMode="auto">
+          <a:xfrm>
+            <a:off x="3778622" y="3637990"/>
+            <a:ext cx="4243971" cy="1167092"/>
+          </a:xfrm>
+          <a:prstGeom prst="rect">
+            <a:avLst/>
+          </a:prstGeom>
+          <a:noFill/>
+          <a:ln w="9525">
+            <a:noFill/>
+            <a:miter lim="800000"/>
+            <a:headEnd/>
+            <a:tailEnd/>
+          </a:ln>
+        </p:spPr>
+      </p:pic>
+      <p:pic>
+        <p:nvPicPr>
+          <p:cNvPr id="6" name="Picture 3"/>
+          <p:cNvPicPr>
+            <a:picLocks noChangeAspect="1" noChangeArrowheads="1"/>
+          </p:cNvPicPr>
+          <p:nvPr/>
+        </p:nvPicPr>
+        <p:blipFill>
+          <a:blip r:embed="rId5" cstate="print"/>
+          <a:srcRect/>
+          <a:stretch>
+            <a:fillRect/>
+          </a:stretch>
+        </p:blipFill>
+        <p:spPr bwMode="auto">
+          <a:xfrm>
+            <a:off x="404533" y="3400296"/>
+            <a:ext cx="1657350" cy="1743204"/>
+          </a:xfrm>
+          <a:prstGeom prst="rect">
+            <a:avLst/>
+          </a:prstGeom>
+          <a:noFill/>
+          <a:ln w="9525">
+            <a:noFill/>
+            <a:miter lim="800000"/>
+            <a:headEnd/>
+            <a:tailEnd/>
+          </a:ln>
+        </p:spPr>
+      </p:pic>
+    </p:spTree>
+  </p:cSld>
+  <p:clrMapOvr>
+    <a:masterClrMapping/>
+  </p:clrMapOvr>
+</p:sld>
+</file>
+
+<file path=ppt/slides/slide29.xml><?xml version="1.0" encoding="utf-8"?>
+<p:sld xmlns:a="http://schemas.openxmlformats.org/drawingml/2006/main" xmlns:r="http://schemas.openxmlformats.org/officeDocument/2006/relationships" xmlns:p="http://schemas.openxmlformats.org/presentationml/2006/main">
+  <p:cSld>
+    <p:spTree>
+      <p:nvGrpSpPr>
+        <p:cNvPr id="1" name=""/>
+        <p:cNvGrpSpPr/>
+        <p:nvPr/>
+      </p:nvGrpSpPr>
+      <p:grpSpPr>
+        <a:xfrm>
+          <a:off x="0" y="0"/>
+          <a:ext cx="0" cy="0"/>
+          <a:chOff x="0" y="0"/>
+          <a:chExt cx="0" cy="0"/>
+        </a:xfrm>
+      </p:grpSpPr>
+      <p:sp>
+        <p:nvSpPr>
+          <p:cNvPr id="2" name="Title 1"/>
+          <p:cNvSpPr>
+            <a:spLocks noGrp="1"/>
+          </p:cNvSpPr>
+          <p:nvPr>
+            <p:ph type="title"/>
+          </p:nvPr>
+        </p:nvSpPr>
+        <p:spPr/>
+        <p:txBody>
+          <a:bodyPr/>
+          <a:lstStyle/>
+          <a:p>
+            <a:r>
+              <a:rPr lang="pt-BR" dirty="0" smtClean="0"/>
+              <a:t>sort() on HASH</a:t>
+            </a:r>
+            <a:endParaRPr lang="en-US" dirty="0"/>
+          </a:p>
+        </p:txBody>
+      </p:sp>
+      <p:sp>
+        <p:nvSpPr>
+          <p:cNvPr id="3" name="Content Placeholder 2"/>
+          <p:cNvSpPr>
+            <a:spLocks noGrp="1"/>
+          </p:cNvSpPr>
+          <p:nvPr>
+            <p:ph idx="1"/>
+          </p:nvPr>
+        </p:nvSpPr>
+        <p:spPr/>
+        <p:txBody>
+          <a:bodyPr/>
+          <a:lstStyle/>
+          <a:p>
+            <a:r>
+              <a:rPr lang="pt-BR" dirty="0" smtClean="0"/>
+              <a:t>Syntax: sort keys HASH</a:t>
+            </a:r>
+          </a:p>
+          <a:p>
+            <a:r>
+              <a:rPr lang="pt-BR" dirty="0" smtClean="0"/>
+              <a:t>Applying sort on </a:t>
+            </a:r>
+            <a:r>
+              <a:rPr lang="pt-BR" i="1" dirty="0" smtClean="0"/>
+              <a:t>keys</a:t>
+            </a:r>
+            <a:r>
+              <a:rPr lang="pt-BR" dirty="0" smtClean="0"/>
+              <a:t>  output on the hash.</a:t>
+            </a:r>
+          </a:p>
+          <a:p>
+            <a:endParaRPr lang="en-US" dirty="0"/>
+          </a:p>
+        </p:txBody>
+      </p:sp>
+      <p:pic>
+        <p:nvPicPr>
+          <p:cNvPr id="5122" name="Picture 2"/>
+          <p:cNvPicPr>
+            <a:picLocks noChangeAspect="1" noChangeArrowheads="1"/>
+          </p:cNvPicPr>
+          <p:nvPr/>
+        </p:nvPicPr>
+        <p:blipFill>
+          <a:blip r:embed="rId2" cstate="print"/>
+          <a:srcRect/>
+          <a:stretch>
+            <a:fillRect/>
+          </a:stretch>
+        </p:blipFill>
+        <p:spPr bwMode="auto">
+          <a:xfrm>
+            <a:off x="313764" y="3673862"/>
+            <a:ext cx="8384554" cy="1382246"/>
+          </a:xfrm>
+          <a:prstGeom prst="rect">
+            <a:avLst/>
+          </a:prstGeom>
+          <a:noFill/>
+          <a:ln w="9525">
+            <a:noFill/>
+            <a:miter lim="800000"/>
+            <a:headEnd/>
+            <a:tailEnd/>
+          </a:ln>
+        </p:spPr>
+      </p:pic>
+      <p:pic>
+        <p:nvPicPr>
+          <p:cNvPr id="5123" name="Picture 3"/>
+          <p:cNvPicPr>
+            <a:picLocks noChangeAspect="1" noChangeArrowheads="1"/>
+          </p:cNvPicPr>
+          <p:nvPr/>
+        </p:nvPicPr>
+        <p:blipFill>
+          <a:blip r:embed="rId3" cstate="print"/>
+          <a:srcRect/>
+          <a:stretch>
+            <a:fillRect/>
+          </a:stretch>
+        </p:blipFill>
+        <p:spPr bwMode="auto">
+          <a:xfrm>
+            <a:off x="6536391" y="921405"/>
+            <a:ext cx="2607609" cy="2742688"/>
+          </a:xfrm>
+          <a:prstGeom prst="rect">
+            <a:avLst/>
+          </a:prstGeom>
+          <a:noFill/>
+          <a:ln w="9525">
+            <a:noFill/>
+            <a:miter lim="800000"/>
+            <a:headEnd/>
+            <a:tailEnd/>
+          </a:ln>
+        </p:spPr>
+      </p:pic>
     </p:spTree>
   </p:cSld>
   <p:clrMapOvr>
@@ -5950,6 +8621,397 @@
 </p:sld>
 </file>
 
+<file path=ppt/slides/slide30.xml><?xml version="1.0" encoding="utf-8"?>
+<p:sld xmlns:a="http://schemas.openxmlformats.org/drawingml/2006/main" xmlns:r="http://schemas.openxmlformats.org/officeDocument/2006/relationships" xmlns:p="http://schemas.openxmlformats.org/presentationml/2006/main">
+  <p:cSld>
+    <p:spTree>
+      <p:nvGrpSpPr>
+        <p:cNvPr id="1" name=""/>
+        <p:cNvGrpSpPr/>
+        <p:nvPr/>
+      </p:nvGrpSpPr>
+      <p:grpSpPr>
+        <a:xfrm>
+          <a:off x="0" y="0"/>
+          <a:ext cx="0" cy="0"/>
+          <a:chOff x="0" y="0"/>
+          <a:chExt cx="0" cy="0"/>
+        </a:xfrm>
+      </p:grpSpPr>
+      <p:sp>
+        <p:nvSpPr>
+          <p:cNvPr id="2" name="Title 1"/>
+          <p:cNvSpPr>
+            <a:spLocks noGrp="1"/>
+          </p:cNvSpPr>
+          <p:nvPr>
+            <p:ph type="title"/>
+          </p:nvPr>
+        </p:nvSpPr>
+        <p:spPr/>
+        <p:txBody>
+          <a:bodyPr/>
+          <a:lstStyle/>
+          <a:p>
+            <a:r>
+              <a:rPr lang="pt-BR" dirty="0" smtClean="0"/>
+              <a:t>delete()</a:t>
+            </a:r>
+            <a:endParaRPr lang="en-US" dirty="0"/>
+          </a:p>
+        </p:txBody>
+      </p:sp>
+      <p:sp>
+        <p:nvSpPr>
+          <p:cNvPr id="3" name="Content Placeholder 2"/>
+          <p:cNvSpPr>
+            <a:spLocks noGrp="1"/>
+          </p:cNvSpPr>
+          <p:nvPr>
+            <p:ph idx="1"/>
+          </p:nvPr>
+        </p:nvSpPr>
+        <p:spPr/>
+        <p:txBody>
+          <a:bodyPr/>
+          <a:lstStyle/>
+          <a:p>
+            <a:r>
+              <a:rPr lang="pt-BR" dirty="0" smtClean="0"/>
+              <a:t>Syntax: delete ARRAY / HASH{key}</a:t>
+            </a:r>
+          </a:p>
+          <a:p>
+            <a:r>
+              <a:rPr lang="pt-BR" dirty="0" smtClean="0"/>
+              <a:t>Assigns that index with NULL value</a:t>
+            </a:r>
+          </a:p>
+          <a:p>
+            <a:pPr lvl="1"/>
+            <a:r>
+              <a:rPr lang="pt-BR" dirty="0" smtClean="0"/>
+              <a:t>If index is last element, removes</a:t>
+            </a:r>
+          </a:p>
+          <a:p>
+            <a:r>
+              <a:rPr lang="en-US" dirty="0" smtClean="0"/>
+              <a:t>deletes the specified elements from that hash</a:t>
+            </a:r>
+            <a:endParaRPr lang="en-US" dirty="0"/>
+          </a:p>
+        </p:txBody>
+      </p:sp>
+      <p:pic>
+        <p:nvPicPr>
+          <p:cNvPr id="6146" name="Picture 2"/>
+          <p:cNvPicPr>
+            <a:picLocks noChangeAspect="1" noChangeArrowheads="1"/>
+          </p:cNvPicPr>
+          <p:nvPr/>
+        </p:nvPicPr>
+        <p:blipFill>
+          <a:blip r:embed="rId2" cstate="print"/>
+          <a:srcRect/>
+          <a:stretch>
+            <a:fillRect/>
+          </a:stretch>
+        </p:blipFill>
+        <p:spPr bwMode="auto">
+          <a:xfrm>
+            <a:off x="152401" y="2920534"/>
+            <a:ext cx="7099724" cy="2081772"/>
+          </a:xfrm>
+          <a:prstGeom prst="rect">
+            <a:avLst/>
+          </a:prstGeom>
+          <a:noFill/>
+          <a:ln w="9525">
+            <a:noFill/>
+            <a:miter lim="800000"/>
+            <a:headEnd/>
+            <a:tailEnd/>
+          </a:ln>
+        </p:spPr>
+      </p:pic>
+    </p:spTree>
+  </p:cSld>
+  <p:clrMapOvr>
+    <a:masterClrMapping/>
+  </p:clrMapOvr>
+</p:sld>
+</file>
+
+<file path=ppt/slides/slide31.xml><?xml version="1.0" encoding="utf-8"?>
+<p:sld xmlns:a="http://schemas.openxmlformats.org/drawingml/2006/main" xmlns:r="http://schemas.openxmlformats.org/officeDocument/2006/relationships" xmlns:p="http://schemas.openxmlformats.org/presentationml/2006/main">
+  <p:cSld>
+    <p:spTree>
+      <p:nvGrpSpPr>
+        <p:cNvPr id="1" name=""/>
+        <p:cNvGrpSpPr/>
+        <p:nvPr/>
+      </p:nvGrpSpPr>
+      <p:grpSpPr>
+        <a:xfrm>
+          <a:off x="0" y="0"/>
+          <a:ext cx="0" cy="0"/>
+          <a:chOff x="0" y="0"/>
+          <a:chExt cx="0" cy="0"/>
+        </a:xfrm>
+      </p:grpSpPr>
+      <p:sp>
+        <p:nvSpPr>
+          <p:cNvPr id="2" name="Title 1"/>
+          <p:cNvSpPr>
+            <a:spLocks noGrp="1"/>
+          </p:cNvSpPr>
+          <p:nvPr>
+            <p:ph type="title"/>
+          </p:nvPr>
+        </p:nvSpPr>
+        <p:spPr/>
+        <p:txBody>
+          <a:bodyPr/>
+          <a:lstStyle/>
+          <a:p>
+            <a:r>
+              <a:rPr lang="pt-BR" dirty="0" smtClean="0"/>
+              <a:t>undef()</a:t>
+            </a:r>
+            <a:endParaRPr lang="en-US" dirty="0"/>
+          </a:p>
+        </p:txBody>
+      </p:sp>
+      <p:sp>
+        <p:nvSpPr>
+          <p:cNvPr id="3" name="Content Placeholder 2"/>
+          <p:cNvSpPr>
+            <a:spLocks noGrp="1"/>
+          </p:cNvSpPr>
+          <p:nvPr>
+            <p:ph idx="1"/>
+          </p:nvPr>
+        </p:nvSpPr>
+        <p:spPr/>
+        <p:txBody>
+          <a:bodyPr/>
+          <a:lstStyle/>
+          <a:p>
+            <a:r>
+              <a:rPr lang="en-US" dirty="0" smtClean="0"/>
+              <a:t>Syntax: </a:t>
+            </a:r>
+            <a:r>
+              <a:rPr lang="en-US" dirty="0" err="1" smtClean="0"/>
+              <a:t>undef</a:t>
+            </a:r>
+            <a:r>
+              <a:rPr lang="en-US" dirty="0" smtClean="0"/>
+              <a:t> EXPR</a:t>
+            </a:r>
+          </a:p>
+          <a:p>
+            <a:r>
+              <a:rPr lang="en-US" dirty="0" err="1" smtClean="0"/>
+              <a:t>Undefines</a:t>
+            </a:r>
+            <a:r>
+              <a:rPr lang="en-US" dirty="0" smtClean="0"/>
+              <a:t> the value of EXPR</a:t>
+            </a:r>
+            <a:endParaRPr lang="en-US" dirty="0"/>
+          </a:p>
+        </p:txBody>
+      </p:sp>
+      <p:pic>
+        <p:nvPicPr>
+          <p:cNvPr id="5122" name="Picture 2"/>
+          <p:cNvPicPr>
+            <a:picLocks noChangeAspect="1" noChangeArrowheads="1"/>
+          </p:cNvPicPr>
+          <p:nvPr/>
+        </p:nvPicPr>
+        <p:blipFill>
+          <a:blip r:embed="rId2" cstate="print"/>
+          <a:srcRect/>
+          <a:stretch>
+            <a:fillRect/>
+          </a:stretch>
+        </p:blipFill>
+        <p:spPr bwMode="auto">
+          <a:xfrm>
+            <a:off x="1635219" y="2307852"/>
+            <a:ext cx="5210175" cy="1962150"/>
+          </a:xfrm>
+          <a:prstGeom prst="rect">
+            <a:avLst/>
+          </a:prstGeom>
+          <a:noFill/>
+          <a:ln w="9525">
+            <a:noFill/>
+            <a:miter lim="800000"/>
+            <a:headEnd/>
+            <a:tailEnd/>
+          </a:ln>
+        </p:spPr>
+      </p:pic>
+    </p:spTree>
+  </p:cSld>
+  <p:clrMapOvr>
+    <a:masterClrMapping/>
+  </p:clrMapOvr>
+</p:sld>
+</file>
+
+<file path=ppt/slides/slide32.xml><?xml version="1.0" encoding="utf-8"?>
+<p:sld xmlns:a="http://schemas.openxmlformats.org/drawingml/2006/main" xmlns:r="http://schemas.openxmlformats.org/officeDocument/2006/relationships" xmlns:p="http://schemas.openxmlformats.org/presentationml/2006/main">
+  <p:cSld>
+    <p:spTree>
+      <p:nvGrpSpPr>
+        <p:cNvPr id="1" name=""/>
+        <p:cNvGrpSpPr/>
+        <p:nvPr/>
+      </p:nvGrpSpPr>
+      <p:grpSpPr>
+        <a:xfrm>
+          <a:off x="0" y="0"/>
+          <a:ext cx="0" cy="0"/>
+          <a:chOff x="0" y="0"/>
+          <a:chExt cx="0" cy="0"/>
+        </a:xfrm>
+      </p:grpSpPr>
+      <p:sp>
+        <p:nvSpPr>
+          <p:cNvPr id="4" name="Rectangle 3"/>
+          <p:cNvSpPr/>
+          <p:nvPr/>
+        </p:nvSpPr>
+        <p:spPr>
+          <a:xfrm>
+            <a:off x="2748426" y="2110085"/>
+            <a:ext cx="3647152" cy="923330"/>
+          </a:xfrm>
+          <a:prstGeom prst="rect">
+            <a:avLst/>
+          </a:prstGeom>
+          <a:noFill/>
+        </p:spPr>
+        <p:txBody>
+          <a:bodyPr wrap="none" lIns="91440" tIns="45720" rIns="91440" bIns="45720">
+            <a:spAutoFit/>
+          </a:bodyPr>
+          <a:lstStyle/>
+          <a:p>
+            <a:pPr algn="ctr"/>
+            <a:r>
+              <a:rPr lang="en-US" sz="5400" b="1" cap="none" spc="0" dirty="0" smtClean="0">
+                <a:ln w="10541" cmpd="sng">
+                  <a:solidFill>
+                    <a:schemeClr val="accent1">
+                      <a:shade val="88000"/>
+                      <a:satMod val="110000"/>
+                    </a:schemeClr>
+                  </a:solidFill>
+                  <a:prstDash val="solid"/>
+                </a:ln>
+                <a:gradFill>
+                  <a:gsLst>
+                    <a:gs pos="0">
+                      <a:schemeClr val="accent1">
+                        <a:tint val="40000"/>
+                        <a:satMod val="250000"/>
+                      </a:schemeClr>
+                    </a:gs>
+                    <a:gs pos="9000">
+                      <a:schemeClr val="accent1">
+                        <a:tint val="52000"/>
+                        <a:satMod val="300000"/>
+                      </a:schemeClr>
+                    </a:gs>
+                    <a:gs pos="50000">
+                      <a:schemeClr val="accent1">
+                        <a:shade val="20000"/>
+                        <a:satMod val="300000"/>
+                      </a:schemeClr>
+                    </a:gs>
+                    <a:gs pos="79000">
+                      <a:schemeClr val="accent1">
+                        <a:tint val="52000"/>
+                        <a:satMod val="300000"/>
+                      </a:schemeClr>
+                    </a:gs>
+                    <a:gs pos="100000">
+                      <a:schemeClr val="accent1">
+                        <a:tint val="40000"/>
+                        <a:satMod val="250000"/>
+                      </a:schemeClr>
+                    </a:gs>
+                  </a:gsLst>
+                  <a:lin ang="5400000"/>
+                </a:gradFill>
+                <a:effectLst/>
+              </a:rPr>
+              <a:t>Thank you</a:t>
+            </a:r>
+            <a:endParaRPr lang="en-US" sz="5400" b="1" cap="none" spc="0" dirty="0">
+              <a:ln w="10541" cmpd="sng">
+                <a:solidFill>
+                  <a:schemeClr val="accent1">
+                    <a:shade val="88000"/>
+                    <a:satMod val="110000"/>
+                  </a:schemeClr>
+                </a:solidFill>
+                <a:prstDash val="solid"/>
+              </a:ln>
+              <a:gradFill>
+                <a:gsLst>
+                  <a:gs pos="0">
+                    <a:schemeClr val="accent1">
+                      <a:tint val="40000"/>
+                      <a:satMod val="250000"/>
+                    </a:schemeClr>
+                  </a:gs>
+                  <a:gs pos="9000">
+                    <a:schemeClr val="accent1">
+                      <a:tint val="52000"/>
+                      <a:satMod val="300000"/>
+                    </a:schemeClr>
+                  </a:gs>
+                  <a:gs pos="50000">
+                    <a:schemeClr val="accent1">
+                      <a:shade val="20000"/>
+                      <a:satMod val="300000"/>
+                    </a:schemeClr>
+                  </a:gs>
+                  <a:gs pos="79000">
+                    <a:schemeClr val="accent1">
+                      <a:tint val="52000"/>
+                      <a:satMod val="300000"/>
+                    </a:schemeClr>
+                  </a:gs>
+                  <a:gs pos="100000">
+                    <a:schemeClr val="accent1">
+                      <a:tint val="40000"/>
+                      <a:satMod val="250000"/>
+                    </a:schemeClr>
+                  </a:gs>
+                </a:gsLst>
+                <a:lin ang="5400000"/>
+              </a:gradFill>
+              <a:effectLst/>
+            </a:endParaRPr>
+          </a:p>
+        </p:txBody>
+      </p:sp>
+    </p:spTree>
+  </p:cSld>
+  <p:clrMapOvr>
+    <a:masterClrMapping/>
+  </p:clrMapOvr>
+</p:sld>
+</file>
+
 <file path=ppt/slides/slide4.xml><?xml version="1.0" encoding="utf-8"?>
 <p:sld xmlns:a="http://schemas.openxmlformats.org/drawingml/2006/main" xmlns:r="http://schemas.openxmlformats.org/officeDocument/2006/relationships" xmlns:p="http://schemas.openxmlformats.org/presentationml/2006/main">
   <p:cSld>
@@ -5984,15 +9046,7 @@
           <a:p>
             <a:r>
               <a:rPr lang="pt-BR" dirty="0" smtClean="0"/>
-              <a:t>c</a:t>
-            </a:r>
-            <a:r>
-              <a:rPr lang="pt-BR" dirty="0" smtClean="0"/>
-              <a:t>homp</a:t>
-            </a:r>
-            <a:r>
-              <a:rPr lang="pt-BR" dirty="0" smtClean="0"/>
-              <a:t>() : remove trailing spaces</a:t>
+              <a:t>chomp() : remove trailing spaces</a:t>
             </a:r>
             <a:endParaRPr lang="en-US" dirty="0"/>
           </a:p>
@@ -6047,7 +9101,7 @@
         </p:blipFill>
         <p:spPr bwMode="auto">
           <a:xfrm>
-            <a:off x="5930074" y="1350321"/>
+            <a:off x="5903179" y="1350321"/>
             <a:ext cx="3213926" cy="1106007"/>
           </a:xfrm>
           <a:prstGeom prst="rect">
@@ -6111,7 +9165,7 @@
         </p:blipFill>
         <p:spPr bwMode="auto">
           <a:xfrm>
-            <a:off x="5356413" y="3204882"/>
+            <a:off x="5168148" y="3204882"/>
             <a:ext cx="3930314" cy="1098176"/>
           </a:xfrm>
           <a:prstGeom prst="rect">
@@ -6168,19 +9222,7 @@
           <a:p>
             <a:r>
               <a:rPr lang="en-US" dirty="0" smtClean="0"/>
-              <a:t>Numerical </a:t>
-            </a:r>
-            <a:r>
-              <a:rPr lang="en-US" dirty="0" smtClean="0"/>
-              <a:t>built-in </a:t>
-            </a:r>
-            <a:r>
-              <a:rPr lang="en-US" dirty="0" smtClean="0"/>
-              <a:t>f</a:t>
-            </a:r>
-            <a:r>
-              <a:rPr lang="en-US" dirty="0" smtClean="0"/>
-              <a:t>unctions</a:t>
+              <a:t>Numerical built-in functions</a:t>
             </a:r>
             <a:endParaRPr lang="en-US" dirty="0"/>
           </a:p>
@@ -6496,19 +9538,7 @@
           <a:p>
             <a:r>
               <a:rPr lang="en-US" dirty="0" smtClean="0"/>
-              <a:t>String </a:t>
-            </a:r>
-            <a:r>
-              <a:rPr lang="en-US" dirty="0" smtClean="0"/>
-              <a:t>built-in </a:t>
-            </a:r>
-            <a:r>
-              <a:rPr lang="en-US" dirty="0" smtClean="0"/>
-              <a:t>f</a:t>
-            </a:r>
-            <a:r>
-              <a:rPr lang="en-US" dirty="0" smtClean="0"/>
-              <a:t>unctions</a:t>
+              <a:t>String built-in functions</a:t>
             </a:r>
             <a:endParaRPr lang="en-US" dirty="0"/>
           </a:p>
@@ -7334,4 +10364,287 @@
   <a:objectDefaults/>
   <a:extraClrSchemeLst/>
 </a:theme>
+</file>
+
+<file path=ppt/theme/theme2.xml><?xml version="1.0" encoding="utf-8"?>
+<a:theme xmlns:a="http://schemas.openxmlformats.org/drawingml/2006/main" name="Office Theme">
+  <a:themeElements>
+    <a:clrScheme name="Office">
+      <a:dk1>
+        <a:sysClr val="windowText" lastClr="000000"/>
+      </a:dk1>
+      <a:lt1>
+        <a:sysClr val="window" lastClr="FFFFFF"/>
+      </a:lt1>
+      <a:dk2>
+        <a:srgbClr val="1F497D"/>
+      </a:dk2>
+      <a:lt2>
+        <a:srgbClr val="EEECE1"/>
+      </a:lt2>
+      <a:accent1>
+        <a:srgbClr val="4F81BD"/>
+      </a:accent1>
+      <a:accent2>
+        <a:srgbClr val="C0504D"/>
+      </a:accent2>
+      <a:accent3>
+        <a:srgbClr val="9BBB59"/>
+      </a:accent3>
+      <a:accent4>
+        <a:srgbClr val="8064A2"/>
+      </a:accent4>
+      <a:accent5>
+        <a:srgbClr val="4BACC6"/>
+      </a:accent5>
+      <a:accent6>
+        <a:srgbClr val="F79646"/>
+      </a:accent6>
+      <a:hlink>
+        <a:srgbClr val="0000FF"/>
+      </a:hlink>
+      <a:folHlink>
+        <a:srgbClr val="800080"/>
+      </a:folHlink>
+    </a:clrScheme>
+    <a:fontScheme name="Office">
+      <a:majorFont>
+        <a:latin typeface="Calibri"/>
+        <a:ea typeface=""/>
+        <a:cs typeface=""/>
+        <a:font script="Jpan" typeface="ＭＳ Ｐゴシック"/>
+        <a:font script="Hang" typeface="맑은 고딕"/>
+        <a:font script="Hans" typeface="宋体"/>
+        <a:font script="Hant" typeface="新細明體"/>
+        <a:font script="Arab" typeface="Times New Roman"/>
+        <a:font script="Hebr" typeface="Times New Roman"/>
+        <a:font script="Thai" typeface="Angsana New"/>
+        <a:font script="Ethi" typeface="Nyala"/>
+        <a:font script="Beng" typeface="Vrinda"/>
+        <a:font script="Gujr" typeface="Shruti"/>
+        <a:font script="Khmr" typeface="MoolBoran"/>
+        <a:font script="Knda" typeface="Tunga"/>
+        <a:font script="Guru" typeface="Raavi"/>
+        <a:font script="Cans" typeface="Euphemia"/>
+        <a:font script="Cher" typeface="Plantagenet Cherokee"/>
+        <a:font script="Yiii" typeface="Microsoft Yi Baiti"/>
+        <a:font script="Tibt" typeface="Microsoft Himalaya"/>
+        <a:font script="Thaa" typeface="MV Boli"/>
+        <a:font script="Deva" typeface="Mangal"/>
+        <a:font script="Telu" typeface="Gautami"/>
+        <a:font script="Taml" typeface="Latha"/>
+        <a:font script="Syrc" typeface="Estrangelo Edessa"/>
+        <a:font script="Orya" typeface="Kalinga"/>
+        <a:font script="Mlym" typeface="Kartika"/>
+        <a:font script="Laoo" typeface="DokChampa"/>
+        <a:font script="Sinh" typeface="Iskoola Pota"/>
+        <a:font script="Mong" typeface="Mongolian Baiti"/>
+        <a:font script="Viet" typeface="Times New Roman"/>
+        <a:font script="Uigh" typeface="Microsoft Uighur"/>
+      </a:majorFont>
+      <a:minorFont>
+        <a:latin typeface="Calibri"/>
+        <a:ea typeface=""/>
+        <a:cs typeface=""/>
+        <a:font script="Jpan" typeface="ＭＳ Ｐゴシック"/>
+        <a:font script="Hang" typeface="맑은 고딕"/>
+        <a:font script="Hans" typeface="宋体"/>
+        <a:font script="Hant" typeface="新細明體"/>
+        <a:font script="Arab" typeface="Arial"/>
+        <a:font script="Hebr" typeface="Arial"/>
+        <a:font script="Thai" typeface="Cordia New"/>
+        <a:font script="Ethi" typeface="Nyala"/>
+        <a:font script="Beng" typeface="Vrinda"/>
+        <a:font script="Gujr" typeface="Shruti"/>
+        <a:font script="Khmr" typeface="DaunPenh"/>
+        <a:font script="Knda" typeface="Tunga"/>
+        <a:font script="Guru" typeface="Raavi"/>
+        <a:font script="Cans" typeface="Euphemia"/>
+        <a:font script="Cher" typeface="Plantagenet Cherokee"/>
+        <a:font script="Yiii" typeface="Microsoft Yi Baiti"/>
+        <a:font script="Tibt" typeface="Microsoft Himalaya"/>
+        <a:font script="Thaa" typeface="MV Boli"/>
+        <a:font script="Deva" typeface="Mangal"/>
+        <a:font script="Telu" typeface="Gautami"/>
+        <a:font script="Taml" typeface="Latha"/>
+        <a:font script="Syrc" typeface="Estrangelo Edessa"/>
+        <a:font script="Orya" typeface="Kalinga"/>
+        <a:font script="Mlym" typeface="Kartika"/>
+        <a:font script="Laoo" typeface="DokChampa"/>
+        <a:font script="Sinh" typeface="Iskoola Pota"/>
+        <a:font script="Mong" typeface="Mongolian Baiti"/>
+        <a:font script="Viet" typeface="Arial"/>
+        <a:font script="Uigh" typeface="Microsoft Uighur"/>
+      </a:minorFont>
+    </a:fontScheme>
+    <a:fmtScheme name="Office">
+      <a:fillStyleLst>
+        <a:solidFill>
+          <a:schemeClr val="phClr"/>
+        </a:solidFill>
+        <a:gradFill rotWithShape="1">
+          <a:gsLst>
+            <a:gs pos="0">
+              <a:schemeClr val="phClr">
+                <a:tint val="50000"/>
+                <a:satMod val="300000"/>
+              </a:schemeClr>
+            </a:gs>
+            <a:gs pos="35000">
+              <a:schemeClr val="phClr">
+                <a:tint val="37000"/>
+                <a:satMod val="300000"/>
+              </a:schemeClr>
+            </a:gs>
+            <a:gs pos="100000">
+              <a:schemeClr val="phClr">
+                <a:tint val="15000"/>
+                <a:satMod val="350000"/>
+              </a:schemeClr>
+            </a:gs>
+          </a:gsLst>
+          <a:lin ang="16200000" scaled="1"/>
+        </a:gradFill>
+        <a:gradFill rotWithShape="1">
+          <a:gsLst>
+            <a:gs pos="0">
+              <a:schemeClr val="phClr">
+                <a:shade val="51000"/>
+                <a:satMod val="130000"/>
+              </a:schemeClr>
+            </a:gs>
+            <a:gs pos="80000">
+              <a:schemeClr val="phClr">
+                <a:shade val="93000"/>
+                <a:satMod val="130000"/>
+              </a:schemeClr>
+            </a:gs>
+            <a:gs pos="100000">
+              <a:schemeClr val="phClr">
+                <a:shade val="94000"/>
+                <a:satMod val="135000"/>
+              </a:schemeClr>
+            </a:gs>
+          </a:gsLst>
+          <a:lin ang="16200000" scaled="0"/>
+        </a:gradFill>
+      </a:fillStyleLst>
+      <a:lnStyleLst>
+        <a:ln w="9525" cap="flat" cmpd="sng" algn="ctr">
+          <a:solidFill>
+            <a:schemeClr val="phClr">
+              <a:shade val="95000"/>
+              <a:satMod val="105000"/>
+            </a:schemeClr>
+          </a:solidFill>
+          <a:prstDash val="solid"/>
+        </a:ln>
+        <a:ln w="25400" cap="flat" cmpd="sng" algn="ctr">
+          <a:solidFill>
+            <a:schemeClr val="phClr"/>
+          </a:solidFill>
+          <a:prstDash val="solid"/>
+        </a:ln>
+        <a:ln w="38100" cap="flat" cmpd="sng" algn="ctr">
+          <a:solidFill>
+            <a:schemeClr val="phClr"/>
+          </a:solidFill>
+          <a:prstDash val="solid"/>
+        </a:ln>
+      </a:lnStyleLst>
+      <a:effectStyleLst>
+        <a:effectStyle>
+          <a:effectLst>
+            <a:outerShdw blurRad="40000" dist="20000" dir="5400000" rotWithShape="0">
+              <a:srgbClr val="000000">
+                <a:alpha val="38000"/>
+              </a:srgbClr>
+            </a:outerShdw>
+          </a:effectLst>
+        </a:effectStyle>
+        <a:effectStyle>
+          <a:effectLst>
+            <a:outerShdw blurRad="40000" dist="23000" dir="5400000" rotWithShape="0">
+              <a:srgbClr val="000000">
+                <a:alpha val="35000"/>
+              </a:srgbClr>
+            </a:outerShdw>
+          </a:effectLst>
+        </a:effectStyle>
+        <a:effectStyle>
+          <a:effectLst>
+            <a:outerShdw blurRad="40000" dist="23000" dir="5400000" rotWithShape="0">
+              <a:srgbClr val="000000">
+                <a:alpha val="35000"/>
+              </a:srgbClr>
+            </a:outerShdw>
+          </a:effectLst>
+          <a:scene3d>
+            <a:camera prst="orthographicFront">
+              <a:rot lat="0" lon="0" rev="0"/>
+            </a:camera>
+            <a:lightRig rig="threePt" dir="t">
+              <a:rot lat="0" lon="0" rev="1200000"/>
+            </a:lightRig>
+          </a:scene3d>
+          <a:sp3d>
+            <a:bevelT w="63500" h="25400"/>
+          </a:sp3d>
+        </a:effectStyle>
+      </a:effectStyleLst>
+      <a:bgFillStyleLst>
+        <a:solidFill>
+          <a:schemeClr val="phClr"/>
+        </a:solidFill>
+        <a:gradFill rotWithShape="1">
+          <a:gsLst>
+            <a:gs pos="0">
+              <a:schemeClr val="phClr">
+                <a:tint val="40000"/>
+                <a:satMod val="350000"/>
+              </a:schemeClr>
+            </a:gs>
+            <a:gs pos="40000">
+              <a:schemeClr val="phClr">
+                <a:tint val="45000"/>
+                <a:shade val="99000"/>
+                <a:satMod val="350000"/>
+              </a:schemeClr>
+            </a:gs>
+            <a:gs pos="100000">
+              <a:schemeClr val="phClr">
+                <a:shade val="20000"/>
+                <a:satMod val="255000"/>
+              </a:schemeClr>
+            </a:gs>
+          </a:gsLst>
+          <a:path path="circle">
+            <a:fillToRect l="50000" t="-80000" r="50000" b="180000"/>
+          </a:path>
+        </a:gradFill>
+        <a:gradFill rotWithShape="1">
+          <a:gsLst>
+            <a:gs pos="0">
+              <a:schemeClr val="phClr">
+                <a:tint val="80000"/>
+                <a:satMod val="300000"/>
+              </a:schemeClr>
+            </a:gs>
+            <a:gs pos="100000">
+              <a:schemeClr val="phClr">
+                <a:shade val="30000"/>
+                <a:satMod val="200000"/>
+              </a:schemeClr>
+            </a:gs>
+          </a:gsLst>
+          <a:path path="circle">
+            <a:fillToRect l="50000" t="50000" r="50000" b="50000"/>
+          </a:path>
+        </a:gradFill>
+      </a:bgFillStyleLst>
+    </a:fmtScheme>
+  </a:themeElements>
+  <a:objectDefaults/>
+  <a:extraClrSchemeLst/>
+</a:theme>
 </file>
--- a/PPTs/Operations_on_variables.pptx
+++ b/PPTs/Operations_on_variables.pptx
@@ -224,7 +224,7 @@
             <a:fld id="{90D64477-0C3E-4420-995B-36F007B91856}" type="datetimeFigureOut">
               <a:rPr lang="en-US" smtClean="0"/>
               <a:pPr/>
-              <a:t>5/29/2017</a:t>
+              <a:t>5/30/2017</a:t>
             </a:fld>
             <a:endParaRPr lang="en-US"/>
           </a:p>
@@ -866,7 +866,7 @@
             <a:fld id="{C8A432C8-69A7-458B-9684-2BFA64B31948}" type="datetime2">
               <a:rPr lang="en-US" smtClean="0"/>
               <a:pPr/>
-              <a:t>Monday, May 29, 2017</a:t>
+              <a:t>Tuesday, May 30, 2017</a:t>
             </a:fld>
             <a:endParaRPr lang="en-US"/>
           </a:p>
@@ -1069,7 +1069,7 @@
             <a:fld id="{8CC057FC-95B6-4D89-AFDA-ABA33EE921E5}" type="datetime2">
               <a:rPr lang="en-US" smtClean="0"/>
               <a:pPr/>
-              <a:t>Monday, May 29, 2017</a:t>
+              <a:t>Tuesday, May 30, 2017</a:t>
             </a:fld>
             <a:endParaRPr lang="en-US"/>
           </a:p>
@@ -1247,7 +1247,7 @@
             <a:fld id="{EC4549AC-EB31-477F-92A9-B1988E232878}" type="datetime2">
               <a:rPr lang="en-US" smtClean="0"/>
               <a:pPr/>
-              <a:t>Monday, May 29, 2017</a:t>
+              <a:t>Tuesday, May 30, 2017</a:t>
             </a:fld>
             <a:endParaRPr lang="en-US"/>
           </a:p>
@@ -1415,7 +1415,7 @@
             <a:fld id="{6396A3A3-94A6-4E5B-AF39-173ACA3E61CC}" type="datetime2">
               <a:rPr lang="en-US" smtClean="0"/>
               <a:pPr/>
-              <a:t>Monday, May 29, 2017</a:t>
+              <a:t>Tuesday, May 30, 2017</a:t>
             </a:fld>
             <a:endParaRPr lang="en-US"/>
           </a:p>
@@ -1666,7 +1666,7 @@
             <a:fld id="{9933D019-A32C-4EAD-B8E6-DBDA699692FD}" type="datetime2">
               <a:rPr lang="en-US" smtClean="0"/>
               <a:pPr/>
-              <a:t>Monday, May 29, 2017</a:t>
+              <a:t>Tuesday, May 30, 2017</a:t>
             </a:fld>
             <a:endParaRPr lang="en-US"/>
           </a:p>
@@ -1987,7 +1987,7 @@
             <a:fld id="{CCEBA98F-560C-4997-81C4-81D4D9187EAB}" type="datetime2">
               <a:rPr lang="en-US" smtClean="0"/>
               <a:pPr/>
-              <a:t>Monday, May 29, 2017</a:t>
+              <a:t>Tuesday, May 30, 2017</a:t>
             </a:fld>
             <a:endParaRPr lang="en-US"/>
           </a:p>
@@ -2456,7 +2456,7 @@
             <a:fld id="{150972B2-CA5C-437D-87D0-8081271A9E4B}" type="datetime2">
               <a:rPr lang="en-US" smtClean="0"/>
               <a:pPr/>
-              <a:t>Monday, May 29, 2017</a:t>
+              <a:t>Tuesday, May 30, 2017</a:t>
             </a:fld>
             <a:endParaRPr lang="en-US"/>
           </a:p>
@@ -2607,7 +2607,7 @@
             <a:fld id="{79CD4847-11EF-4466-A8AD-85CDB7B49118}" type="datetime2">
               <a:rPr lang="en-US" smtClean="0"/>
               <a:pPr/>
-              <a:t>Monday, May 29, 2017</a:t>
+              <a:t>Tuesday, May 30, 2017</a:t>
             </a:fld>
             <a:endParaRPr lang="en-US"/>
           </a:p>
@@ -2700,7 +2700,7 @@
             <a:fld id="{F168457A-3AB9-4880-8A0C-9F8524491207}" type="datetime2">
               <a:rPr lang="en-US" smtClean="0"/>
               <a:pPr/>
-              <a:t>Monday, May 29, 2017</a:t>
+              <a:t>Tuesday, May 30, 2017</a:t>
             </a:fld>
             <a:endParaRPr lang="en-US"/>
           </a:p>
@@ -2977,7 +2977,7 @@
             <a:fld id="{3FE976D3-5B7F-4300-ABED-C91F1B2AE209}" type="datetime2">
               <a:rPr lang="en-US" smtClean="0"/>
               <a:pPr/>
-              <a:t>Monday, May 29, 2017</a:t>
+              <a:t>Tuesday, May 30, 2017</a:t>
             </a:fld>
             <a:endParaRPr lang="en-US"/>
           </a:p>
@@ -3285,7 +3285,7 @@
             <a:fld id="{EBDC1E59-17DD-41CE-97CA-624A472382D4}" type="datetime2">
               <a:rPr lang="en-US" smtClean="0"/>
               <a:pPr/>
-              <a:t>Monday, May 29, 2017</a:t>
+              <a:t>Tuesday, May 30, 2017</a:t>
             </a:fld>
             <a:endParaRPr lang="en-US"/>
           </a:p>
@@ -3586,7 +3586,7 @@
             <a:fld id="{A80CB818-7379-467D-8E76-EF9D9074A26C}" type="datetime2">
               <a:rPr lang="en-US" smtClean="0"/>
               <a:pPr/>
-              <a:t>Monday, May 29, 2017</a:t>
+              <a:t>Tuesday, May 30, 2017</a:t>
             </a:fld>
             <a:endParaRPr lang="en-US" dirty="0"/>
           </a:p>
@@ -4031,7 +4031,7 @@
     </p:spTree>
     <p:extLst>
       <p:ext uri="{BB962C8B-B14F-4D97-AF65-F5344CB8AC3E}">
-        <p14:creationId xmlns:p14="http://schemas.microsoft.com/office/powerpoint/2010/main" xmlns="" val="182139768"/>
+        <p14:creationId xmlns="" xmlns:p14="http://schemas.microsoft.com/office/powerpoint/2010/main" val="182139768"/>
       </p:ext>
     </p:extLst>
   </p:cSld>
@@ -8841,8 +8841,40 @@
         </p:blipFill>
         <p:spPr bwMode="auto">
           <a:xfrm>
-            <a:off x="1635219" y="2307852"/>
+            <a:off x="0" y="2003052"/>
             <a:ext cx="5210175" cy="1962150"/>
+          </a:xfrm>
+          <a:prstGeom prst="rect">
+            <a:avLst/>
+          </a:prstGeom>
+          <a:noFill/>
+          <a:ln w="9525">
+            <a:noFill/>
+            <a:miter lim="800000"/>
+            <a:headEnd/>
+            <a:tailEnd/>
+          </a:ln>
+        </p:spPr>
+      </p:pic>
+      <p:pic>
+        <p:nvPicPr>
+          <p:cNvPr id="1026" name="Picture 2"/>
+          <p:cNvPicPr>
+            <a:picLocks noChangeAspect="1" noChangeArrowheads="1"/>
+          </p:cNvPicPr>
+          <p:nvPr/>
+        </p:nvPicPr>
+        <p:blipFill>
+          <a:blip r:embed="rId3" cstate="print"/>
+          <a:srcRect/>
+          <a:stretch>
+            <a:fillRect/>
+          </a:stretch>
+        </p:blipFill>
+        <p:spPr bwMode="auto">
+          <a:xfrm>
+            <a:off x="3134845" y="3351961"/>
+            <a:ext cx="5838825" cy="1362075"/>
           </a:xfrm>
           <a:prstGeom prst="rect">
             <a:avLst/>

--- a/PPTs/Operations_on_variables.pptx
+++ b/PPTs/Operations_on_variables.pptx
@@ -5,41 +5,46 @@
     <p:sldMasterId id="2147483960" r:id="rId1"/>
   </p:sldMasterIdLst>
   <p:notesMasterIdLst>
-    <p:notesMasterId r:id="rId34"/>
+    <p:notesMasterId r:id="rId39"/>
   </p:notesMasterIdLst>
   <p:sldIdLst>
     <p:sldId id="256" r:id="rId2"/>
     <p:sldId id="257" r:id="rId3"/>
-    <p:sldId id="258" r:id="rId4"/>
-    <p:sldId id="259" r:id="rId5"/>
-    <p:sldId id="262" r:id="rId6"/>
-    <p:sldId id="264" r:id="rId7"/>
-    <p:sldId id="260" r:id="rId8"/>
-    <p:sldId id="265" r:id="rId9"/>
-    <p:sldId id="266" r:id="rId10"/>
-    <p:sldId id="272" r:id="rId11"/>
-    <p:sldId id="261" r:id="rId12"/>
-    <p:sldId id="267" r:id="rId13"/>
-    <p:sldId id="268" r:id="rId14"/>
-    <p:sldId id="271" r:id="rId15"/>
-    <p:sldId id="273" r:id="rId16"/>
-    <p:sldId id="274" r:id="rId17"/>
-    <p:sldId id="275" r:id="rId18"/>
-    <p:sldId id="281" r:id="rId19"/>
-    <p:sldId id="289" r:id="rId20"/>
-    <p:sldId id="290" r:id="rId21"/>
-    <p:sldId id="291" r:id="rId22"/>
-    <p:sldId id="292" r:id="rId23"/>
-    <p:sldId id="280" r:id="rId24"/>
-    <p:sldId id="283" r:id="rId25"/>
-    <p:sldId id="284" r:id="rId26"/>
-    <p:sldId id="285" r:id="rId27"/>
-    <p:sldId id="286" r:id="rId28"/>
-    <p:sldId id="295" r:id="rId29"/>
-    <p:sldId id="287" r:id="rId30"/>
-    <p:sldId id="294" r:id="rId31"/>
-    <p:sldId id="293" r:id="rId32"/>
-    <p:sldId id="288" r:id="rId33"/>
+    <p:sldId id="296" r:id="rId4"/>
+    <p:sldId id="258" r:id="rId5"/>
+    <p:sldId id="259" r:id="rId6"/>
+    <p:sldId id="262" r:id="rId7"/>
+    <p:sldId id="264" r:id="rId8"/>
+    <p:sldId id="260" r:id="rId9"/>
+    <p:sldId id="265" r:id="rId10"/>
+    <p:sldId id="297" r:id="rId11"/>
+    <p:sldId id="266" r:id="rId12"/>
+    <p:sldId id="272" r:id="rId13"/>
+    <p:sldId id="261" r:id="rId14"/>
+    <p:sldId id="267" r:id="rId15"/>
+    <p:sldId id="268" r:id="rId16"/>
+    <p:sldId id="271" r:id="rId17"/>
+    <p:sldId id="273" r:id="rId18"/>
+    <p:sldId id="274" r:id="rId19"/>
+    <p:sldId id="275" r:id="rId20"/>
+    <p:sldId id="281" r:id="rId21"/>
+    <p:sldId id="289" r:id="rId22"/>
+    <p:sldId id="290" r:id="rId23"/>
+    <p:sldId id="291" r:id="rId24"/>
+    <p:sldId id="292" r:id="rId25"/>
+    <p:sldId id="280" r:id="rId26"/>
+    <p:sldId id="283" r:id="rId27"/>
+    <p:sldId id="298" r:id="rId28"/>
+    <p:sldId id="284" r:id="rId29"/>
+    <p:sldId id="285" r:id="rId30"/>
+    <p:sldId id="286" r:id="rId31"/>
+    <p:sldId id="295" r:id="rId32"/>
+    <p:sldId id="287" r:id="rId33"/>
+    <p:sldId id="294" r:id="rId34"/>
+    <p:sldId id="293" r:id="rId35"/>
+    <p:sldId id="299" r:id="rId36"/>
+    <p:sldId id="300" r:id="rId37"/>
+    <p:sldId id="288" r:id="rId38"/>
   </p:sldIdLst>
   <p:sldSz cx="9144000" cy="5143500" type="screen16x9"/>
   <p:notesSz cx="6858000" cy="9144000"/>
@@ -224,7 +229,7 @@
             <a:fld id="{90D64477-0C3E-4420-995B-36F007B91856}" type="datetimeFigureOut">
               <a:rPr lang="en-US" smtClean="0"/>
               <a:pPr/>
-              <a:t>5/30/2017</a:t>
+              <a:t>6/6/2017</a:t>
             </a:fld>
             <a:endParaRPr lang="en-US"/>
           </a:p>
@@ -581,7 +586,7 @@
             <a:fld id="{D4D0234F-0CC8-4B8B-A79A-B8AABE316B3A}" type="slidenum">
               <a:rPr lang="en-US" smtClean="0"/>
               <a:pPr/>
-              <a:t>18</a:t>
+              <a:t>20</a:t>
             </a:fld>
             <a:endParaRPr lang="en-US"/>
           </a:p>
@@ -663,7 +668,7 @@
             <a:fld id="{D4D0234F-0CC8-4B8B-A79A-B8AABE316B3A}" type="slidenum">
               <a:rPr lang="en-US" smtClean="0"/>
               <a:pPr/>
-              <a:t>28</a:t>
+              <a:t>31</a:t>
             </a:fld>
             <a:endParaRPr lang="en-US"/>
           </a:p>
@@ -866,7 +871,7 @@
             <a:fld id="{C8A432C8-69A7-458B-9684-2BFA64B31948}" type="datetime2">
               <a:rPr lang="en-US" smtClean="0"/>
               <a:pPr/>
-              <a:t>Tuesday, May 30, 2017</a:t>
+              <a:t>Tuesday, June 06, 2017</a:t>
             </a:fld>
             <a:endParaRPr lang="en-US"/>
           </a:p>
@@ -1069,7 +1074,7 @@
             <a:fld id="{8CC057FC-95B6-4D89-AFDA-ABA33EE921E5}" type="datetime2">
               <a:rPr lang="en-US" smtClean="0"/>
               <a:pPr/>
-              <a:t>Tuesday, May 30, 2017</a:t>
+              <a:t>Tuesday, June 06, 2017</a:t>
             </a:fld>
             <a:endParaRPr lang="en-US"/>
           </a:p>
@@ -1247,7 +1252,7 @@
             <a:fld id="{EC4549AC-EB31-477F-92A9-B1988E232878}" type="datetime2">
               <a:rPr lang="en-US" smtClean="0"/>
               <a:pPr/>
-              <a:t>Tuesday, May 30, 2017</a:t>
+              <a:t>Tuesday, June 06, 2017</a:t>
             </a:fld>
             <a:endParaRPr lang="en-US"/>
           </a:p>
@@ -1415,7 +1420,7 @@
             <a:fld id="{6396A3A3-94A6-4E5B-AF39-173ACA3E61CC}" type="datetime2">
               <a:rPr lang="en-US" smtClean="0"/>
               <a:pPr/>
-              <a:t>Tuesday, May 30, 2017</a:t>
+              <a:t>Tuesday, June 06, 2017</a:t>
             </a:fld>
             <a:endParaRPr lang="en-US"/>
           </a:p>
@@ -1666,7 +1671,7 @@
             <a:fld id="{9933D019-A32C-4EAD-B8E6-DBDA699692FD}" type="datetime2">
               <a:rPr lang="en-US" smtClean="0"/>
               <a:pPr/>
-              <a:t>Tuesday, May 30, 2017</a:t>
+              <a:t>Tuesday, June 06, 2017</a:t>
             </a:fld>
             <a:endParaRPr lang="en-US"/>
           </a:p>
@@ -1987,7 +1992,7 @@
             <a:fld id="{CCEBA98F-560C-4997-81C4-81D4D9187EAB}" type="datetime2">
               <a:rPr lang="en-US" smtClean="0"/>
               <a:pPr/>
-              <a:t>Tuesday, May 30, 2017</a:t>
+              <a:t>Tuesday, June 06, 2017</a:t>
             </a:fld>
             <a:endParaRPr lang="en-US"/>
           </a:p>
@@ -2456,7 +2461,7 @@
             <a:fld id="{150972B2-CA5C-437D-87D0-8081271A9E4B}" type="datetime2">
               <a:rPr lang="en-US" smtClean="0"/>
               <a:pPr/>
-              <a:t>Tuesday, May 30, 2017</a:t>
+              <a:t>Tuesday, June 06, 2017</a:t>
             </a:fld>
             <a:endParaRPr lang="en-US"/>
           </a:p>
@@ -2607,7 +2612,7 @@
             <a:fld id="{79CD4847-11EF-4466-A8AD-85CDB7B49118}" type="datetime2">
               <a:rPr lang="en-US" smtClean="0"/>
               <a:pPr/>
-              <a:t>Tuesday, May 30, 2017</a:t>
+              <a:t>Tuesday, June 06, 2017</a:t>
             </a:fld>
             <a:endParaRPr lang="en-US"/>
           </a:p>
@@ -2700,7 +2705,7 @@
             <a:fld id="{F168457A-3AB9-4880-8A0C-9F8524491207}" type="datetime2">
               <a:rPr lang="en-US" smtClean="0"/>
               <a:pPr/>
-              <a:t>Tuesday, May 30, 2017</a:t>
+              <a:t>Tuesday, June 06, 2017</a:t>
             </a:fld>
             <a:endParaRPr lang="en-US"/>
           </a:p>
@@ -2977,7 +2982,7 @@
             <a:fld id="{3FE976D3-5B7F-4300-ABED-C91F1B2AE209}" type="datetime2">
               <a:rPr lang="en-US" smtClean="0"/>
               <a:pPr/>
-              <a:t>Tuesday, May 30, 2017</a:t>
+              <a:t>Tuesday, June 06, 2017</a:t>
             </a:fld>
             <a:endParaRPr lang="en-US"/>
           </a:p>
@@ -3285,7 +3290,7 @@
             <a:fld id="{EBDC1E59-17DD-41CE-97CA-624A472382D4}" type="datetime2">
               <a:rPr lang="en-US" smtClean="0"/>
               <a:pPr/>
-              <a:t>Tuesday, May 30, 2017</a:t>
+              <a:t>Tuesday, June 06, 2017</a:t>
             </a:fld>
             <a:endParaRPr lang="en-US"/>
           </a:p>
@@ -3586,7 +3591,7 @@
             <a:fld id="{A80CB818-7379-467D-8E76-EF9D9074A26C}" type="datetime2">
               <a:rPr lang="en-US" smtClean="0"/>
               <a:pPr/>
-              <a:t>Tuesday, May 30, 2017</a:t>
+              <a:t>Tuesday, June 06, 2017</a:t>
             </a:fld>
             <a:endParaRPr lang="en-US" dirty="0"/>
           </a:p>
@@ -4031,7 +4036,7 @@
     </p:spTree>
     <p:extLst>
       <p:ext uri="{BB962C8B-B14F-4D97-AF65-F5344CB8AC3E}">
-        <p14:creationId xmlns="" xmlns:p14="http://schemas.microsoft.com/office/powerpoint/2010/main" val="182139768"/>
+        <p14:creationId xmlns:p14="http://schemas.microsoft.com/office/powerpoint/2010/main" xmlns="" val="182139768"/>
       </p:ext>
     </p:extLst>
   </p:cSld>
@@ -4074,6 +4079,478 @@
           <a:lstStyle/>
           <a:p>
             <a:r>
+              <a:rPr lang="en-US" dirty="0" err="1" smtClean="0"/>
+              <a:t>substr</a:t>
+            </a:r>
+            <a:r>
+              <a:rPr lang="en-US" dirty="0" smtClean="0"/>
+              <a:t>()</a:t>
+            </a:r>
+            <a:endParaRPr lang="en-US" dirty="0"/>
+          </a:p>
+        </p:txBody>
+      </p:sp>
+      <p:sp>
+        <p:nvSpPr>
+          <p:cNvPr id="3" name="Content Placeholder 2"/>
+          <p:cNvSpPr>
+            <a:spLocks noGrp="1"/>
+          </p:cNvSpPr>
+          <p:nvPr>
+            <p:ph idx="1"/>
+          </p:nvPr>
+        </p:nvSpPr>
+        <p:spPr/>
+        <p:txBody>
+          <a:bodyPr>
+            <a:normAutofit lnSpcReduction="10000"/>
+          </a:bodyPr>
+          <a:lstStyle/>
+          <a:p>
+            <a:r>
+              <a:rPr lang="pt-BR" dirty="0" smtClean="0"/>
+              <a:t>Syntax: </a:t>
+            </a:r>
+            <a:r>
+              <a:rPr lang="pt-BR" i="1" dirty="0" smtClean="0"/>
+              <a:t>substr </a:t>
+            </a:r>
+            <a:r>
+              <a:rPr lang="pt-BR" i="1" u="sng" dirty="0" smtClean="0">
+                <a:solidFill>
+                  <a:schemeClr val="tx2">
+                    <a:lumMod val="75000"/>
+                  </a:schemeClr>
+                </a:solidFill>
+              </a:rPr>
+              <a:t>EXPR</a:t>
+            </a:r>
+            <a:r>
+              <a:rPr lang="pt-BR" i="1" u="sng" dirty="0" smtClean="0"/>
+              <a:t>,</a:t>
+            </a:r>
+            <a:r>
+              <a:rPr lang="pt-BR" i="1" u="sng" dirty="0" smtClean="0">
+                <a:solidFill>
+                  <a:schemeClr val="bg2">
+                    <a:lumMod val="25000"/>
+                  </a:schemeClr>
+                </a:solidFill>
+              </a:rPr>
+              <a:t>OFFSET</a:t>
+            </a:r>
+            <a:r>
+              <a:rPr lang="pt-BR" i="1" u="sng" dirty="0" smtClean="0"/>
+              <a:t>,LENGTH</a:t>
+            </a:r>
+            <a:r>
+              <a:rPr lang="pt-BR" i="1" dirty="0" smtClean="0"/>
+              <a:t>,</a:t>
+            </a:r>
+            <a:r>
+              <a:rPr lang="pt-BR" i="1" dirty="0" smtClean="0">
+                <a:solidFill>
+                  <a:srgbClr val="7030A0"/>
+                </a:solidFill>
+              </a:rPr>
+              <a:t>REPLACEMENT</a:t>
+            </a:r>
+          </a:p>
+          <a:p>
+            <a:r>
+              <a:rPr lang="en-US" dirty="0" smtClean="0"/>
+              <a:t>Extracts a substring out of EXPR</a:t>
+            </a:r>
+          </a:p>
+          <a:p>
+            <a:r>
+              <a:rPr lang="pt-BR" u="sng" dirty="0" smtClean="0">
+                <a:solidFill>
+                  <a:schemeClr val="bg2">
+                    <a:lumMod val="25000"/>
+                  </a:schemeClr>
+                </a:solidFill>
+              </a:rPr>
+              <a:t>OFFSET </a:t>
+            </a:r>
+            <a:r>
+              <a:rPr lang="pt-BR" dirty="0" smtClean="0">
+                <a:solidFill>
+                  <a:schemeClr val="bg2">
+                    <a:lumMod val="25000"/>
+                  </a:schemeClr>
+                </a:solidFill>
+              </a:rPr>
+              <a:t>: </a:t>
+            </a:r>
+            <a:r>
+              <a:rPr lang="pt-BR" dirty="0" smtClean="0"/>
+              <a:t>0-index based start poition</a:t>
+            </a:r>
+            <a:r>
+              <a:rPr lang="pt-BR" u="sng" dirty="0" smtClean="0">
+                <a:solidFill>
+                  <a:schemeClr val="bg2">
+                    <a:lumMod val="25000"/>
+                  </a:schemeClr>
+                </a:solidFill>
+              </a:rPr>
+              <a:t> </a:t>
+            </a:r>
+          </a:p>
+          <a:p>
+            <a:pPr lvl="1"/>
+            <a:r>
+              <a:rPr lang="en-US" dirty="0" smtClean="0"/>
+              <a:t>If negative, starts that far back from the end</a:t>
+            </a:r>
+          </a:p>
+          <a:p>
+            <a:r>
+              <a:rPr lang="pt-BR" u="sng" dirty="0" smtClean="0"/>
+              <a:t>LENGTH</a:t>
+            </a:r>
+            <a:r>
+              <a:rPr lang="pt-BR" dirty="0" smtClean="0"/>
+              <a:t> : from OFFSET how much length to return</a:t>
+            </a:r>
+          </a:p>
+          <a:p>
+            <a:pPr lvl="1"/>
+            <a:r>
+              <a:rPr lang="en-US" dirty="0" smtClean="0"/>
+              <a:t>If omitted, returns everything through the end</a:t>
+            </a:r>
+          </a:p>
+          <a:p>
+            <a:pPr lvl="1"/>
+            <a:r>
+              <a:rPr lang="pt-BR" dirty="0" smtClean="0"/>
+              <a:t>If negative, </a:t>
+            </a:r>
+            <a:r>
+              <a:rPr lang="en-US" dirty="0" smtClean="0"/>
+              <a:t>leaves that many characters off the end.</a:t>
+            </a:r>
+          </a:p>
+          <a:p>
+            <a:r>
+              <a:rPr lang="pt-BR" dirty="0" smtClean="0">
+                <a:solidFill>
+                  <a:srgbClr val="7030A0"/>
+                </a:solidFill>
+              </a:rPr>
+              <a:t>REPLACEMENT : </a:t>
+            </a:r>
+            <a:r>
+              <a:rPr lang="pt-BR" dirty="0" smtClean="0"/>
+              <a:t>optionally replace with PROVIDED string</a:t>
+            </a:r>
+            <a:endParaRPr lang="en-US" dirty="0" smtClean="0"/>
+          </a:p>
+          <a:p>
+            <a:endParaRPr lang="en-US" dirty="0"/>
+          </a:p>
+        </p:txBody>
+      </p:sp>
+      <p:pic>
+        <p:nvPicPr>
+          <p:cNvPr id="1027" name="Picture 3"/>
+          <p:cNvPicPr>
+            <a:picLocks noChangeAspect="1" noChangeArrowheads="1"/>
+          </p:cNvPicPr>
+          <p:nvPr/>
+        </p:nvPicPr>
+        <p:blipFill>
+          <a:blip r:embed="rId2" cstate="print"/>
+          <a:srcRect/>
+          <a:stretch>
+            <a:fillRect/>
+          </a:stretch>
+        </p:blipFill>
+        <p:spPr bwMode="auto">
+          <a:xfrm>
+            <a:off x="6505575" y="1838885"/>
+            <a:ext cx="2638425" cy="838200"/>
+          </a:xfrm>
+          <a:prstGeom prst="rect">
+            <a:avLst/>
+          </a:prstGeom>
+          <a:noFill/>
+          <a:ln w="9525">
+            <a:noFill/>
+            <a:miter lim="800000"/>
+            <a:headEnd/>
+            <a:tailEnd/>
+          </a:ln>
+        </p:spPr>
+      </p:pic>
+      <p:cxnSp>
+        <p:nvCxnSpPr>
+          <p:cNvPr id="7" name="Straight Connector 6"/>
+          <p:cNvCxnSpPr/>
+          <p:nvPr/>
+        </p:nvCxnSpPr>
+        <p:spPr>
+          <a:xfrm>
+            <a:off x="7055224" y="1873624"/>
+            <a:ext cx="1021976" cy="0"/>
+          </a:xfrm>
+          <a:prstGeom prst="line">
+            <a:avLst/>
+          </a:prstGeom>
+        </p:spPr>
+        <p:style>
+          <a:lnRef idx="3">
+            <a:schemeClr val="accent6"/>
+          </a:lnRef>
+          <a:fillRef idx="0">
+            <a:schemeClr val="accent6"/>
+          </a:fillRef>
+          <a:effectRef idx="2">
+            <a:schemeClr val="accent6"/>
+          </a:effectRef>
+          <a:fontRef idx="minor">
+            <a:schemeClr val="tx1"/>
+          </a:fontRef>
+        </p:style>
+      </p:cxnSp>
+      <p:cxnSp>
+        <p:nvCxnSpPr>
+          <p:cNvPr id="9" name="Straight Arrow Connector 8"/>
+          <p:cNvCxnSpPr/>
+          <p:nvPr/>
+        </p:nvCxnSpPr>
+        <p:spPr>
+          <a:xfrm>
+            <a:off x="7046260" y="1658474"/>
+            <a:ext cx="0" cy="322729"/>
+          </a:xfrm>
+          <a:prstGeom prst="straightConnector1">
+            <a:avLst/>
+          </a:prstGeom>
+          <a:ln>
+            <a:tailEnd type="arrow"/>
+          </a:ln>
+        </p:spPr>
+        <p:style>
+          <a:lnRef idx="2">
+            <a:schemeClr val="accent5"/>
+          </a:lnRef>
+          <a:fillRef idx="0">
+            <a:schemeClr val="accent5"/>
+          </a:fillRef>
+          <a:effectRef idx="1">
+            <a:schemeClr val="accent5"/>
+          </a:effectRef>
+          <a:fontRef idx="minor">
+            <a:schemeClr val="tx1"/>
+          </a:fontRef>
+        </p:style>
+      </p:cxnSp>
+      <p:cxnSp>
+        <p:nvCxnSpPr>
+          <p:cNvPr id="11" name="Straight Arrow Connector 10"/>
+          <p:cNvCxnSpPr/>
+          <p:nvPr/>
+        </p:nvCxnSpPr>
+        <p:spPr>
+          <a:xfrm flipV="1">
+            <a:off x="5755341" y="1712260"/>
+            <a:ext cx="1290918" cy="457199"/>
+          </a:xfrm>
+          <a:prstGeom prst="straightConnector1">
+            <a:avLst/>
+          </a:prstGeom>
+          <a:ln>
+            <a:tailEnd type="arrow"/>
+          </a:ln>
+        </p:spPr>
+        <p:style>
+          <a:lnRef idx="1">
+            <a:schemeClr val="accent1"/>
+          </a:lnRef>
+          <a:fillRef idx="0">
+            <a:schemeClr val="accent1"/>
+          </a:fillRef>
+          <a:effectRef idx="0">
+            <a:schemeClr val="accent1"/>
+          </a:effectRef>
+          <a:fontRef idx="minor">
+            <a:schemeClr val="tx1"/>
+          </a:fontRef>
+        </p:style>
+      </p:cxnSp>
+      <p:cxnSp>
+        <p:nvCxnSpPr>
+          <p:cNvPr id="15" name="Straight Arrow Connector 14"/>
+          <p:cNvCxnSpPr/>
+          <p:nvPr/>
+        </p:nvCxnSpPr>
+        <p:spPr>
+          <a:xfrm flipH="1" flipV="1">
+            <a:off x="7602071" y="1927412"/>
+            <a:ext cx="107576" cy="1066802"/>
+          </a:xfrm>
+          <a:prstGeom prst="straightConnector1">
+            <a:avLst/>
+          </a:prstGeom>
+          <a:ln>
+            <a:tailEnd type="arrow"/>
+          </a:ln>
+        </p:spPr>
+        <p:style>
+          <a:lnRef idx="1">
+            <a:schemeClr val="accent1"/>
+          </a:lnRef>
+          <a:fillRef idx="0">
+            <a:schemeClr val="accent1"/>
+          </a:fillRef>
+          <a:effectRef idx="0">
+            <a:schemeClr val="accent1"/>
+          </a:effectRef>
+          <a:fontRef idx="minor">
+            <a:schemeClr val="tx1"/>
+          </a:fontRef>
+        </p:style>
+      </p:cxnSp>
+    </p:spTree>
+  </p:cSld>
+  <p:clrMapOvr>
+    <a:masterClrMapping/>
+  </p:clrMapOvr>
+</p:sld>
+</file>
+
+<file path=ppt/slides/slide11.xml><?xml version="1.0" encoding="utf-8"?>
+<p:sld xmlns:a="http://schemas.openxmlformats.org/drawingml/2006/main" xmlns:r="http://schemas.openxmlformats.org/officeDocument/2006/relationships" xmlns:p="http://schemas.openxmlformats.org/presentationml/2006/main">
+  <p:cSld>
+    <p:spTree>
+      <p:nvGrpSpPr>
+        <p:cNvPr id="1" name=""/>
+        <p:cNvGrpSpPr/>
+        <p:nvPr/>
+      </p:nvGrpSpPr>
+      <p:grpSpPr>
+        <a:xfrm>
+          <a:off x="0" y="0"/>
+          <a:ext cx="0" cy="0"/>
+          <a:chOff x="0" y="0"/>
+          <a:chExt cx="0" cy="0"/>
+        </a:xfrm>
+      </p:grpSpPr>
+      <p:pic>
+        <p:nvPicPr>
+          <p:cNvPr id="3074" name="Picture 2"/>
+          <p:cNvPicPr>
+            <a:picLocks noChangeAspect="1" noChangeArrowheads="1"/>
+          </p:cNvPicPr>
+          <p:nvPr/>
+        </p:nvPicPr>
+        <p:blipFill>
+          <a:blip r:embed="rId2" cstate="print"/>
+          <a:srcRect/>
+          <a:stretch>
+            <a:fillRect/>
+          </a:stretch>
+        </p:blipFill>
+        <p:spPr bwMode="auto">
+          <a:xfrm>
+            <a:off x="1" y="957265"/>
+            <a:ext cx="9144000" cy="2402958"/>
+          </a:xfrm>
+          <a:prstGeom prst="rect">
+            <a:avLst/>
+          </a:prstGeom>
+          <a:noFill/>
+          <a:ln w="9525">
+            <a:noFill/>
+            <a:miter lim="800000"/>
+            <a:headEnd/>
+            <a:tailEnd/>
+          </a:ln>
+        </p:spPr>
+      </p:pic>
+      <p:pic>
+        <p:nvPicPr>
+          <p:cNvPr id="3076" name="Picture 4"/>
+          <p:cNvPicPr>
+            <a:picLocks noChangeAspect="1" noChangeArrowheads="1"/>
+          </p:cNvPicPr>
+          <p:nvPr/>
+        </p:nvPicPr>
+        <p:blipFill>
+          <a:blip r:embed="rId3" cstate="print"/>
+          <a:srcRect/>
+          <a:stretch>
+            <a:fillRect/>
+          </a:stretch>
+        </p:blipFill>
+        <p:spPr bwMode="auto">
+          <a:xfrm>
+            <a:off x="1" y="3728748"/>
+            <a:ext cx="9144000" cy="629697"/>
+          </a:xfrm>
+          <a:prstGeom prst="rect">
+            <a:avLst/>
+          </a:prstGeom>
+          <a:noFill/>
+          <a:ln w="9525">
+            <a:noFill/>
+            <a:miter lim="800000"/>
+            <a:headEnd/>
+            <a:tailEnd/>
+          </a:ln>
+        </p:spPr>
+      </p:pic>
+    </p:spTree>
+  </p:cSld>
+  <p:clrMapOvr>
+    <a:masterClrMapping/>
+  </p:clrMapOvr>
+  <p:timing>
+    <p:tnLst>
+      <p:par>
+        <p:cTn id="1" dur="indefinite" restart="never" nodeType="tmRoot"/>
+      </p:par>
+    </p:tnLst>
+  </p:timing>
+</p:sld>
+</file>
+
+<file path=ppt/slides/slide12.xml><?xml version="1.0" encoding="utf-8"?>
+<p:sld xmlns:a="http://schemas.openxmlformats.org/drawingml/2006/main" xmlns:r="http://schemas.openxmlformats.org/officeDocument/2006/relationships" xmlns:p="http://schemas.openxmlformats.org/presentationml/2006/main">
+  <p:cSld>
+    <p:spTree>
+      <p:nvGrpSpPr>
+        <p:cNvPr id="1" name=""/>
+        <p:cNvGrpSpPr/>
+        <p:nvPr/>
+      </p:nvGrpSpPr>
+      <p:grpSpPr>
+        <a:xfrm>
+          <a:off x="0" y="0"/>
+          <a:ext cx="0" cy="0"/>
+          <a:chOff x="0" y="0"/>
+          <a:chExt cx="0" cy="0"/>
+        </a:xfrm>
+      </p:grpSpPr>
+      <p:sp>
+        <p:nvSpPr>
+          <p:cNvPr id="2" name="Title 1"/>
+          <p:cNvSpPr>
+            <a:spLocks noGrp="1"/>
+          </p:cNvSpPr>
+          <p:nvPr>
+            <p:ph type="title"/>
+          </p:nvPr>
+        </p:nvSpPr>
+        <p:spPr/>
+        <p:txBody>
+          <a:bodyPr/>
+          <a:lstStyle/>
+          <a:p>
+            <a:r>
               <a:rPr lang="pt-BR" dirty="0" smtClean="0"/>
               <a:t>length()</a:t>
             </a:r>
@@ -4102,7 +4579,7 @@
             </a:r>
             <a:r>
               <a:rPr lang="pt-BR" i="1" dirty="0" smtClean="0"/>
-              <a:t>length EXPR</a:t>
+              <a:t>length SCALAR</a:t>
             </a:r>
           </a:p>
           <a:p>
@@ -4154,7 +4631,7 @@
 </p:sld>
 </file>
 
-<file path=ppt/slides/slide11.xml><?xml version="1.0" encoding="utf-8"?>
+<file path=ppt/slides/slide13.xml><?xml version="1.0" encoding="utf-8"?>
 <p:sld xmlns:a="http://schemas.openxmlformats.org/drawingml/2006/main" xmlns:r="http://schemas.openxmlformats.org/officeDocument/2006/relationships" xmlns:p="http://schemas.openxmlformats.org/presentationml/2006/main">
   <p:cSld>
     <p:spTree>
@@ -4221,7 +4698,7 @@
           <a:p>
             <a:r>
               <a:rPr lang="en-US" dirty="0" smtClean="0"/>
-              <a:t>returns the position of the first occurrence of SUBSTR in STR</a:t>
+              <a:t>returns the position of the first occurrence of sub-string (SUBSTR) in string (STR)</a:t>
             </a:r>
           </a:p>
           <a:p>
@@ -4280,7 +4757,7 @@
 </p:sld>
 </file>
 
-<file path=ppt/slides/slide12.xml><?xml version="1.0" encoding="utf-8"?>
+<file path=ppt/slides/slide14.xml><?xml version="1.0" encoding="utf-8"?>
 <p:sld xmlns:a="http://schemas.openxmlformats.org/drawingml/2006/main" xmlns:r="http://schemas.openxmlformats.org/officeDocument/2006/relationships" xmlns:p="http://schemas.openxmlformats.org/presentationml/2006/main">
   <p:cSld>
     <p:spTree>
@@ -4393,164 +4870,6 @@
 </p:sld>
 </file>
 
-<file path=ppt/slides/slide13.xml><?xml version="1.0" encoding="utf-8"?>
-<p:sld xmlns:a="http://schemas.openxmlformats.org/drawingml/2006/main" xmlns:r="http://schemas.openxmlformats.org/officeDocument/2006/relationships" xmlns:p="http://schemas.openxmlformats.org/presentationml/2006/main">
-  <p:cSld>
-    <p:spTree>
-      <p:nvGrpSpPr>
-        <p:cNvPr id="1" name=""/>
-        <p:cNvGrpSpPr/>
-        <p:nvPr/>
-      </p:nvGrpSpPr>
-      <p:grpSpPr>
-        <a:xfrm>
-          <a:off x="0" y="0"/>
-          <a:ext cx="0" cy="0"/>
-          <a:chOff x="0" y="0"/>
-          <a:chExt cx="0" cy="0"/>
-        </a:xfrm>
-      </p:grpSpPr>
-      <p:sp>
-        <p:nvSpPr>
-          <p:cNvPr id="2" name="Title 1"/>
-          <p:cNvSpPr>
-            <a:spLocks noGrp="1"/>
-          </p:cNvSpPr>
-          <p:nvPr>
-            <p:ph type="title"/>
-          </p:nvPr>
-        </p:nvSpPr>
-        <p:spPr/>
-        <p:txBody>
-          <a:bodyPr/>
-          <a:lstStyle/>
-          <a:p>
-            <a:r>
-              <a:rPr lang="pt-BR" dirty="0" smtClean="0"/>
-              <a:t>uc() AND lc()</a:t>
-            </a:r>
-            <a:endParaRPr lang="en-US" dirty="0"/>
-          </a:p>
-        </p:txBody>
-      </p:sp>
-      <p:sp>
-        <p:nvSpPr>
-          <p:cNvPr id="3" name="Content Placeholder 2"/>
-          <p:cNvSpPr>
-            <a:spLocks noGrp="1"/>
-          </p:cNvSpPr>
-          <p:nvPr>
-            <p:ph idx="1"/>
-          </p:nvPr>
-        </p:nvSpPr>
-        <p:spPr/>
-        <p:txBody>
-          <a:bodyPr/>
-          <a:lstStyle/>
-          <a:p>
-            <a:r>
-              <a:rPr lang="pt-BR" dirty="0" smtClean="0"/>
-              <a:t>Syntax: </a:t>
-            </a:r>
-            <a:r>
-              <a:rPr lang="pt-BR" i="1" dirty="0" smtClean="0"/>
-              <a:t>uc EXPRS</a:t>
-            </a:r>
-          </a:p>
-          <a:p>
-            <a:pPr lvl="1"/>
-            <a:r>
-              <a:rPr lang="pt-BR" dirty="0" smtClean="0"/>
-              <a:t>Returns the string as UPPER CASE string</a:t>
-            </a:r>
-          </a:p>
-          <a:p>
-            <a:r>
-              <a:rPr lang="pt-BR" dirty="0" smtClean="0"/>
-              <a:t>Syntax</a:t>
-            </a:r>
-            <a:r>
-              <a:rPr lang="pt-BR" i="1" dirty="0" smtClean="0"/>
-              <a:t>: lc EXPRS</a:t>
-            </a:r>
-          </a:p>
-          <a:p>
-            <a:pPr lvl="1"/>
-            <a:r>
-              <a:rPr lang="pt-BR" dirty="0" smtClean="0"/>
-              <a:t>Returns the string as </a:t>
-            </a:r>
-            <a:r>
-              <a:rPr lang="pt-BR" i="1" dirty="0" smtClean="0"/>
-              <a:t>LOWER CASE </a:t>
-            </a:r>
-            <a:r>
-              <a:rPr lang="pt-BR" dirty="0" smtClean="0"/>
-              <a:t>string</a:t>
-            </a:r>
-          </a:p>
-          <a:p>
-            <a:pPr lvl="1"/>
-            <a:endParaRPr lang="en-US" dirty="0"/>
-          </a:p>
-        </p:txBody>
-      </p:sp>
-    </p:spTree>
-  </p:cSld>
-  <p:clrMapOvr>
-    <a:masterClrMapping/>
-  </p:clrMapOvr>
-</p:sld>
-</file>
-
-<file path=ppt/slides/slide14.xml><?xml version="1.0" encoding="utf-8"?>
-<p:sld xmlns:a="http://schemas.openxmlformats.org/drawingml/2006/main" xmlns:r="http://schemas.openxmlformats.org/officeDocument/2006/relationships" xmlns:p="http://schemas.openxmlformats.org/presentationml/2006/main">
-  <p:cSld>
-    <p:spTree>
-      <p:nvGrpSpPr>
-        <p:cNvPr id="1" name=""/>
-        <p:cNvGrpSpPr/>
-        <p:nvPr/>
-      </p:nvGrpSpPr>
-      <p:grpSpPr>
-        <a:xfrm>
-          <a:off x="0" y="0"/>
-          <a:ext cx="0" cy="0"/>
-          <a:chOff x="0" y="0"/>
-          <a:chExt cx="0" cy="0"/>
-        </a:xfrm>
-      </p:grpSpPr>
-      <p:sp>
-        <p:nvSpPr>
-          <p:cNvPr id="4" name="Title 3"/>
-          <p:cNvSpPr>
-            <a:spLocks noGrp="1"/>
-          </p:cNvSpPr>
-          <p:nvPr>
-            <p:ph type="title"/>
-          </p:nvPr>
-        </p:nvSpPr>
-        <p:spPr/>
-        <p:txBody>
-          <a:bodyPr/>
-          <a:lstStyle/>
-          <a:p>
-            <a:r>
-              <a:rPr lang="pt-BR" dirty="0" smtClean="0"/>
-              <a:t>Write a program to mutate a DNA</a:t>
-            </a:r>
-            <a:endParaRPr lang="en-US" dirty="0"/>
-          </a:p>
-        </p:txBody>
-      </p:sp>
-    </p:spTree>
-  </p:cSld>
-  <p:clrMapOvr>
-    <a:masterClrMapping/>
-  </p:clrMapOvr>
-</p:sld>
-</file>
-
 <file path=ppt/slides/slide15.xml><?xml version="1.0" encoding="utf-8"?>
 <p:sld xmlns:a="http://schemas.openxmlformats.org/drawingml/2006/main" xmlns:r="http://schemas.openxmlformats.org/officeDocument/2006/relationships" xmlns:p="http://schemas.openxmlformats.org/presentationml/2006/main">
   <p:cSld>
@@ -4584,6 +4903,193 @@
           <a:lstStyle/>
           <a:p>
             <a:r>
+              <a:rPr lang="pt-BR" dirty="0" smtClean="0"/>
+              <a:t>uc() AND lc()</a:t>
+            </a:r>
+            <a:endParaRPr lang="en-US" dirty="0"/>
+          </a:p>
+        </p:txBody>
+      </p:sp>
+      <p:sp>
+        <p:nvSpPr>
+          <p:cNvPr id="3" name="Content Placeholder 2"/>
+          <p:cNvSpPr>
+            <a:spLocks noGrp="1"/>
+          </p:cNvSpPr>
+          <p:nvPr>
+            <p:ph idx="1"/>
+          </p:nvPr>
+        </p:nvSpPr>
+        <p:spPr/>
+        <p:txBody>
+          <a:bodyPr/>
+          <a:lstStyle/>
+          <a:p>
+            <a:r>
+              <a:rPr lang="pt-BR" dirty="0" smtClean="0"/>
+              <a:t>Syntax: </a:t>
+            </a:r>
+            <a:r>
+              <a:rPr lang="pt-BR" i="1" dirty="0" smtClean="0"/>
+              <a:t>uc EXPRS</a:t>
+            </a:r>
+          </a:p>
+          <a:p>
+            <a:pPr lvl="1"/>
+            <a:r>
+              <a:rPr lang="pt-BR" dirty="0" smtClean="0"/>
+              <a:t>Returns the string as UPPER CASE string</a:t>
+            </a:r>
+          </a:p>
+          <a:p>
+            <a:r>
+              <a:rPr lang="pt-BR" dirty="0" smtClean="0"/>
+              <a:t>Syntax</a:t>
+            </a:r>
+            <a:r>
+              <a:rPr lang="pt-BR" i="1" dirty="0" smtClean="0"/>
+              <a:t>: lc EXPRS</a:t>
+            </a:r>
+          </a:p>
+          <a:p>
+            <a:pPr lvl="1"/>
+            <a:r>
+              <a:rPr lang="pt-BR" dirty="0" smtClean="0"/>
+              <a:t>Returns the string as </a:t>
+            </a:r>
+            <a:r>
+              <a:rPr lang="pt-BR" i="1" dirty="0" smtClean="0"/>
+              <a:t>LOWER CASE </a:t>
+            </a:r>
+            <a:r>
+              <a:rPr lang="pt-BR" dirty="0" smtClean="0"/>
+              <a:t>string</a:t>
+            </a:r>
+          </a:p>
+          <a:p>
+            <a:pPr lvl="1"/>
+            <a:endParaRPr lang="en-US" dirty="0"/>
+          </a:p>
+        </p:txBody>
+      </p:sp>
+    </p:spTree>
+  </p:cSld>
+  <p:clrMapOvr>
+    <a:masterClrMapping/>
+  </p:clrMapOvr>
+</p:sld>
+</file>
+
+<file path=ppt/slides/slide16.xml><?xml version="1.0" encoding="utf-8"?>
+<p:sld xmlns:a="http://schemas.openxmlformats.org/drawingml/2006/main" xmlns:r="http://schemas.openxmlformats.org/officeDocument/2006/relationships" xmlns:p="http://schemas.openxmlformats.org/presentationml/2006/main">
+  <p:cSld>
+    <p:spTree>
+      <p:nvGrpSpPr>
+        <p:cNvPr id="1" name=""/>
+        <p:cNvGrpSpPr/>
+        <p:nvPr/>
+      </p:nvGrpSpPr>
+      <p:grpSpPr>
+        <a:xfrm>
+          <a:off x="0" y="0"/>
+          <a:ext cx="0" cy="0"/>
+          <a:chOff x="0" y="0"/>
+          <a:chExt cx="0" cy="0"/>
+        </a:xfrm>
+      </p:grpSpPr>
+      <p:sp>
+        <p:nvSpPr>
+          <p:cNvPr id="4" name="Title 3"/>
+          <p:cNvSpPr>
+            <a:spLocks noGrp="1"/>
+          </p:cNvSpPr>
+          <p:nvPr>
+            <p:ph type="title"/>
+          </p:nvPr>
+        </p:nvSpPr>
+        <p:spPr/>
+        <p:txBody>
+          <a:bodyPr/>
+          <a:lstStyle/>
+          <a:p>
+            <a:r>
+              <a:rPr lang="pt-BR" dirty="0" smtClean="0"/>
+              <a:t>Write a program to mutate a DNA</a:t>
+            </a:r>
+            <a:endParaRPr lang="en-US" dirty="0"/>
+          </a:p>
+        </p:txBody>
+      </p:sp>
+      <p:sp>
+        <p:nvSpPr>
+          <p:cNvPr id="3" name="Content Placeholder 2"/>
+          <p:cNvSpPr>
+            <a:spLocks noGrp="1"/>
+          </p:cNvSpPr>
+          <p:nvPr>
+            <p:ph idx="1"/>
+          </p:nvPr>
+        </p:nvSpPr>
+        <p:spPr/>
+        <p:txBody>
+          <a:bodyPr/>
+          <a:lstStyle/>
+          <a:p>
+            <a:r>
+              <a:rPr lang="pt-BR" dirty="0" smtClean="0"/>
+              <a:t>Open </a:t>
+            </a:r>
+            <a:r>
+              <a:rPr lang="pt-BR" dirty="0" smtClean="0">
+                <a:hlinkClick r:id="rId2" action="ppaction://hlinkfile"/>
+              </a:rPr>
+              <a:t>mutate_DNAv1.pl</a:t>
+            </a:r>
+            <a:endParaRPr lang="en-US" dirty="0"/>
+          </a:p>
+        </p:txBody>
+      </p:sp>
+    </p:spTree>
+  </p:cSld>
+  <p:clrMapOvr>
+    <a:masterClrMapping/>
+  </p:clrMapOvr>
+</p:sld>
+</file>
+
+<file path=ppt/slides/slide17.xml><?xml version="1.0" encoding="utf-8"?>
+<p:sld xmlns:a="http://schemas.openxmlformats.org/drawingml/2006/main" xmlns:r="http://schemas.openxmlformats.org/officeDocument/2006/relationships" xmlns:p="http://schemas.openxmlformats.org/presentationml/2006/main">
+  <p:cSld>
+    <p:spTree>
+      <p:nvGrpSpPr>
+        <p:cNvPr id="1" name=""/>
+        <p:cNvGrpSpPr/>
+        <p:nvPr/>
+      </p:nvGrpSpPr>
+      <p:grpSpPr>
+        <a:xfrm>
+          <a:off x="0" y="0"/>
+          <a:ext cx="0" cy="0"/>
+          <a:chOff x="0" y="0"/>
+          <a:chExt cx="0" cy="0"/>
+        </a:xfrm>
+      </p:grpSpPr>
+      <p:sp>
+        <p:nvSpPr>
+          <p:cNvPr id="2" name="Title 1"/>
+          <p:cNvSpPr>
+            <a:spLocks noGrp="1"/>
+          </p:cNvSpPr>
+          <p:nvPr>
+            <p:ph type="title"/>
+          </p:nvPr>
+        </p:nvSpPr>
+        <p:spPr/>
+        <p:txBody>
+          <a:bodyPr/>
+          <a:lstStyle/>
+          <a:p>
+            <a:r>
               <a:rPr lang="en-IN" dirty="0" smtClean="0"/>
               <a:t>split()</a:t>
             </a:r>
@@ -4662,34 +5168,84 @@
           </a:p>
           <a:p>
             <a:r>
-              <a:rPr lang="en-IN" dirty="0" smtClean="0"/>
+              <a:rPr lang="en-IN" dirty="0" smtClean="0">
+                <a:solidFill>
+                  <a:srgbClr val="7030A0"/>
+                </a:solidFill>
+                <a:latin typeface="Courier New" pitchFamily="49" charset="0"/>
+                <a:cs typeface="Courier New" pitchFamily="49" charset="0"/>
+              </a:rPr>
               <a:t>@</a:t>
             </a:r>
             <a:r>
-              <a:rPr lang="en-IN" dirty="0" err="1" smtClean="0"/>
+              <a:rPr lang="en-IN" dirty="0" err="1" smtClean="0">
+                <a:solidFill>
+                  <a:srgbClr val="7030A0"/>
+                </a:solidFill>
+                <a:latin typeface="Courier New" pitchFamily="49" charset="0"/>
+                <a:cs typeface="Courier New" pitchFamily="49" charset="0"/>
+              </a:rPr>
               <a:t>arr</a:t>
             </a:r>
             <a:r>
-              <a:rPr lang="en-IN" dirty="0" smtClean="0"/>
-              <a:t> = </a:t>
-            </a:r>
-            <a:r>
-              <a:rPr lang="en-IN" b="1" dirty="0" smtClean="0"/>
-              <a:t>split /</a:t>
-            </a:r>
-            <a:r>
-              <a:rPr lang="en-IN" dirty="0" smtClean="0"/>
+              <a:rPr lang="en-IN" dirty="0" smtClean="0">
+                <a:solidFill>
+                  <a:srgbClr val="7030A0"/>
+                </a:solidFill>
+                <a:latin typeface="Courier New" pitchFamily="49" charset="0"/>
+                <a:cs typeface="Courier New" pitchFamily="49" charset="0"/>
+              </a:rPr>
+              <a:t> </a:t>
+            </a:r>
+            <a:r>
+              <a:rPr lang="en-IN" dirty="0" smtClean="0">
+                <a:latin typeface="Courier New" pitchFamily="49" charset="0"/>
+                <a:cs typeface="Courier New" pitchFamily="49" charset="0"/>
+              </a:rPr>
+              <a:t>= </a:t>
+            </a:r>
+            <a:r>
+              <a:rPr lang="en-IN" b="1" dirty="0" smtClean="0">
+                <a:solidFill>
+                  <a:srgbClr val="0070C0"/>
+                </a:solidFill>
+                <a:latin typeface="Courier New" pitchFamily="49" charset="0"/>
+                <a:cs typeface="Courier New" pitchFamily="49" charset="0"/>
+              </a:rPr>
+              <a:t>split</a:t>
+            </a:r>
+            <a:r>
+              <a:rPr lang="en-IN" b="1" dirty="0" smtClean="0">
+                <a:latin typeface="Courier New" pitchFamily="49" charset="0"/>
+                <a:cs typeface="Courier New" pitchFamily="49" charset="0"/>
+              </a:rPr>
+              <a:t> /</a:t>
+            </a:r>
+            <a:r>
+              <a:rPr lang="en-IN" dirty="0" smtClean="0">
+                <a:latin typeface="Courier New" pitchFamily="49" charset="0"/>
+                <a:cs typeface="Courier New" pitchFamily="49" charset="0"/>
+              </a:rPr>
               <a:t>ATG</a:t>
             </a:r>
             <a:r>
-              <a:rPr lang="en-IN" b="1" dirty="0" smtClean="0"/>
+              <a:rPr lang="en-IN" b="1" dirty="0" smtClean="0">
+                <a:latin typeface="Courier New" pitchFamily="49" charset="0"/>
+                <a:cs typeface="Courier New" pitchFamily="49" charset="0"/>
+              </a:rPr>
               <a:t>/,</a:t>
             </a:r>
             <a:r>
-              <a:rPr lang="en-IN" dirty="0" smtClean="0"/>
+              <a:rPr lang="en-IN" dirty="0" smtClean="0">
+                <a:latin typeface="Courier New" pitchFamily="49" charset="0"/>
+                <a:cs typeface="Courier New" pitchFamily="49" charset="0"/>
+              </a:rPr>
               <a:t>’TGATGCCAATGCCAGATGCAG’</a:t>
             </a:r>
-            <a:endParaRPr lang="en-US" dirty="0"/>
+            <a:endParaRPr lang="en-US" dirty="0">
+              <a:latin typeface="Courier New" pitchFamily="49" charset="0"/>
+              <a:cs typeface="Courier New" pitchFamily="49" charset="0"/>
+            </a:endParaRPr>
           </a:p>
         </p:txBody>
       </p:sp>
@@ -5113,7 +5669,7 @@
 </p:sld>
 </file>
 
-<file path=ppt/slides/slide16.xml><?xml version="1.0" encoding="utf-8"?>
+<file path=ppt/slides/slide18.xml><?xml version="1.0" encoding="utf-8"?>
 <p:sld xmlns:a="http://schemas.openxmlformats.org/drawingml/2006/main" xmlns:r="http://schemas.openxmlformats.org/officeDocument/2006/relationships" xmlns:p="http://schemas.openxmlformats.org/presentationml/2006/main">
   <p:cSld>
     <p:spTree>
@@ -5188,30 +5744,71 @@
             <a:pPr lvl="1"/>
             <a:r>
               <a:rPr lang="en-GB" dirty="0" smtClean="0"/>
-              <a:t>Commonly used to get length of an array</a:t>
-            </a:r>
+              <a:t>Commonly used to get </a:t>
+            </a:r>
+            <a:r>
+              <a:rPr lang="en-GB" dirty="0" smtClean="0"/>
+              <a:t>number of elements an array contains</a:t>
+            </a:r>
+            <a:endParaRPr lang="en-GB" dirty="0" smtClean="0"/>
           </a:p>
           <a:p>
             <a:pPr lvl="2"/>
             <a:r>
+              <a:rPr lang="en-GB" dirty="0" smtClean="0">
+                <a:latin typeface="Courier New" pitchFamily="49" charset="0"/>
+                <a:cs typeface="Courier New" pitchFamily="49" charset="0"/>
+              </a:rPr>
+              <a:t>$</a:t>
+            </a:r>
+            <a:r>
+              <a:rPr lang="en-GB" dirty="0" err="1" smtClean="0">
+                <a:latin typeface="Courier New" pitchFamily="49" charset="0"/>
+                <a:cs typeface="Courier New" pitchFamily="49" charset="0"/>
+              </a:rPr>
+              <a:t>len</a:t>
+            </a:r>
+            <a:r>
+              <a:rPr lang="en-GB" dirty="0" smtClean="0">
+                <a:latin typeface="Courier New" pitchFamily="49" charset="0"/>
+                <a:cs typeface="Courier New" pitchFamily="49" charset="0"/>
+              </a:rPr>
+              <a:t> = </a:t>
+            </a:r>
+            <a:r>
+              <a:rPr lang="en-GB" dirty="0" smtClean="0">
+                <a:solidFill>
+                  <a:srgbClr val="0070C0"/>
+                </a:solidFill>
+                <a:latin typeface="Courier New" pitchFamily="49" charset="0"/>
+                <a:cs typeface="Courier New" pitchFamily="49" charset="0"/>
+              </a:rPr>
+              <a:t>scalar</a:t>
+            </a:r>
+            <a:r>
+              <a:rPr lang="en-GB" dirty="0" smtClean="0">
+                <a:latin typeface="Courier New" pitchFamily="49" charset="0"/>
+                <a:cs typeface="Courier New" pitchFamily="49" charset="0"/>
+              </a:rPr>
+              <a:t> @</a:t>
+            </a:r>
+            <a:r>
+              <a:rPr lang="en-GB" dirty="0" err="1" smtClean="0">
+                <a:latin typeface="Courier New" pitchFamily="49" charset="0"/>
+                <a:cs typeface="Courier New" pitchFamily="49" charset="0"/>
+              </a:rPr>
+              <a:t>arr</a:t>
+            </a:r>
+            <a:r>
+              <a:rPr lang="en-GB" dirty="0" smtClean="0">
+                <a:latin typeface="Courier New" pitchFamily="49" charset="0"/>
+                <a:cs typeface="Courier New" pitchFamily="49" charset="0"/>
+              </a:rPr>
+              <a:t>;</a:t>
+            </a:r>
+            <a:r>
               <a:rPr lang="en-GB" dirty="0" smtClean="0"/>
-              <a:t>$</a:t>
-            </a:r>
-            <a:r>
-              <a:rPr lang="en-GB" dirty="0" err="1" smtClean="0"/>
-              <a:t>len</a:t>
-            </a:r>
-            <a:r>
-              <a:rPr lang="en-GB" dirty="0" smtClean="0"/>
-              <a:t> = scalar @</a:t>
-            </a:r>
-            <a:r>
-              <a:rPr lang="en-GB" dirty="0" err="1" smtClean="0"/>
-              <a:t>arr</a:t>
-            </a:r>
-            <a:r>
-              <a:rPr lang="en-GB" dirty="0" smtClean="0"/>
-              <a:t>;  # 4</a:t>
+              <a:t>  # 4</a:t>
             </a:r>
           </a:p>
           <a:p>
@@ -5642,7 +6239,7 @@
 </p:sld>
 </file>
 
-<file path=ppt/slides/slide17.xml><?xml version="1.0" encoding="utf-8"?>
+<file path=ppt/slides/slide19.xml><?xml version="1.0" encoding="utf-8"?>
 <p:sld xmlns:a="http://schemas.openxmlformats.org/drawingml/2006/main" xmlns:r="http://schemas.openxmlformats.org/officeDocument/2006/relationships" xmlns:p="http://schemas.openxmlformats.org/presentationml/2006/main">
   <p:cSld>
     <p:spTree>
@@ -5724,26 +6321,44 @@
           <a:p>
             <a:pPr lvl="1"/>
             <a:r>
-              <a:rPr lang="en-GB" dirty="0" smtClean="0"/>
+              <a:rPr lang="en-GB" dirty="0" smtClean="0">
+                <a:latin typeface="Courier New" pitchFamily="49" charset="0"/>
+                <a:cs typeface="Courier New" pitchFamily="49" charset="0"/>
+              </a:rPr>
               <a:t>$</a:t>
             </a:r>
             <a:r>
-              <a:rPr lang="en-GB" dirty="0" err="1" smtClean="0"/>
+              <a:rPr lang="en-GB" dirty="0" err="1" smtClean="0">
+                <a:latin typeface="Courier New" pitchFamily="49" charset="0"/>
+                <a:cs typeface="Courier New" pitchFamily="49" charset="0"/>
+              </a:rPr>
               <a:t>dna</a:t>
             </a:r>
             <a:r>
-              <a:rPr lang="en-GB" dirty="0" smtClean="0"/>
-              <a:t> = join `|`,@</a:t>
-            </a:r>
-            <a:r>
-              <a:rPr lang="en-GB" dirty="0" err="1" smtClean="0"/>
+              <a:rPr lang="en-GB" dirty="0" smtClean="0">
+                <a:latin typeface="Courier New" pitchFamily="49" charset="0"/>
+                <a:cs typeface="Courier New" pitchFamily="49" charset="0"/>
+              </a:rPr>
+              <a:t> = join ‘|’,@</a:t>
+            </a:r>
+            <a:r>
+              <a:rPr lang="en-GB" dirty="0" err="1" smtClean="0">
+                <a:latin typeface="Courier New" pitchFamily="49" charset="0"/>
+                <a:cs typeface="Courier New" pitchFamily="49" charset="0"/>
+              </a:rPr>
               <a:t>arr</a:t>
             </a:r>
             <a:r>
-              <a:rPr lang="en-GB" dirty="0" smtClean="0"/>
+              <a:rPr lang="en-GB" dirty="0" smtClean="0">
+                <a:latin typeface="Courier New" pitchFamily="49" charset="0"/>
+                <a:cs typeface="Courier New" pitchFamily="49" charset="0"/>
+              </a:rPr>
               <a:t>;</a:t>
             </a:r>
-            <a:endParaRPr lang="en-US" dirty="0"/>
+            <a:endParaRPr lang="en-US" dirty="0">
+              <a:latin typeface="Courier New" pitchFamily="49" charset="0"/>
+              <a:cs typeface="Courier New" pitchFamily="49" charset="0"/>
+            </a:endParaRPr>
           </a:p>
         </p:txBody>
       </p:sp>
@@ -6208,7 +6823,7 @@
         <p:spPr>
           <a:xfrm>
             <a:off x="5558120" y="3738279"/>
-            <a:ext cx="2294965" cy="369332"/>
+            <a:ext cx="2581833" cy="369332"/>
           </a:xfrm>
           <a:prstGeom prst="rect">
             <a:avLst/>
@@ -6222,10 +6837,16 @@
           <a:lstStyle/>
           <a:p>
             <a:r>
-              <a:rPr lang="en-IN" dirty="0" smtClean="0"/>
-              <a:t>`TGCCACCAGCAG`</a:t>
-            </a:r>
-            <a:endParaRPr lang="en-US" dirty="0"/>
+              <a:rPr lang="en-IN" dirty="0" smtClean="0">
+                <a:latin typeface="Courier New" pitchFamily="49" charset="0"/>
+                <a:cs typeface="Courier New" pitchFamily="49" charset="0"/>
+              </a:rPr>
+              <a:t>‘TG|CCA|CCAG|CAG’</a:t>
+            </a:r>
+            <a:endParaRPr lang="en-US" dirty="0">
+              <a:latin typeface="Courier New" pitchFamily="49" charset="0"/>
+              <a:cs typeface="Courier New" pitchFamily="49" charset="0"/>
+            </a:endParaRPr>
           </a:p>
         </p:txBody>
       </p:sp>
@@ -6237,7 +6858,137 @@
 </p:sld>
 </file>
 
-<file path=ppt/slides/slide18.xml><?xml version="1.0" encoding="utf-8"?>
+<file path=ppt/slides/slide2.xml><?xml version="1.0" encoding="utf-8"?>
+<p:sld xmlns:a="http://schemas.openxmlformats.org/drawingml/2006/main" xmlns:r="http://schemas.openxmlformats.org/officeDocument/2006/relationships" xmlns:p="http://schemas.openxmlformats.org/presentationml/2006/main">
+  <p:cSld>
+    <p:spTree>
+      <p:nvGrpSpPr>
+        <p:cNvPr id="1" name=""/>
+        <p:cNvGrpSpPr/>
+        <p:nvPr/>
+      </p:nvGrpSpPr>
+      <p:grpSpPr>
+        <a:xfrm>
+          <a:off x="0" y="0"/>
+          <a:ext cx="0" cy="0"/>
+          <a:chOff x="0" y="0"/>
+          <a:chExt cx="0" cy="0"/>
+        </a:xfrm>
+      </p:grpSpPr>
+      <p:sp>
+        <p:nvSpPr>
+          <p:cNvPr id="2" name="Title 1"/>
+          <p:cNvSpPr>
+            <a:spLocks noGrp="1"/>
+          </p:cNvSpPr>
+          <p:nvPr>
+            <p:ph type="title"/>
+          </p:nvPr>
+        </p:nvSpPr>
+        <p:spPr/>
+        <p:txBody>
+          <a:bodyPr/>
+          <a:lstStyle/>
+          <a:p>
+            <a:r>
+              <a:rPr lang="pt-BR" dirty="0" smtClean="0"/>
+              <a:t>Learning objectives</a:t>
+            </a:r>
+            <a:endParaRPr lang="en-US" dirty="0"/>
+          </a:p>
+        </p:txBody>
+      </p:sp>
+      <p:sp>
+        <p:nvSpPr>
+          <p:cNvPr id="3" name="Content Placeholder 2"/>
+          <p:cNvSpPr>
+            <a:spLocks noGrp="1"/>
+          </p:cNvSpPr>
+          <p:nvPr>
+            <p:ph idx="1"/>
+          </p:nvPr>
+        </p:nvSpPr>
+        <p:spPr/>
+        <p:txBody>
+          <a:bodyPr/>
+          <a:lstStyle/>
+          <a:p>
+            <a:r>
+              <a:rPr lang="pt-BR" dirty="0" smtClean="0"/>
+              <a:t>Perl built-in functions</a:t>
+            </a:r>
+          </a:p>
+          <a:p>
+            <a:pPr lvl="1"/>
+            <a:r>
+              <a:rPr lang="pt-BR" dirty="0" smtClean="0"/>
+              <a:t>Functions for scalar variables</a:t>
+            </a:r>
+          </a:p>
+          <a:p>
+            <a:pPr lvl="1"/>
+            <a:r>
+              <a:rPr lang="pt-BR" dirty="0" smtClean="0"/>
+              <a:t>Functions for arrays</a:t>
+            </a:r>
+          </a:p>
+          <a:p>
+            <a:pPr lvl="1"/>
+            <a:r>
+              <a:rPr lang="pt-BR" dirty="0" smtClean="0"/>
+              <a:t>Functions for hash</a:t>
+            </a:r>
+          </a:p>
+          <a:p>
+            <a:r>
+              <a:rPr lang="pt-BR" dirty="0" smtClean="0"/>
+              <a:t>More bioinformatics examples</a:t>
+            </a:r>
+            <a:endParaRPr lang="en-US" dirty="0"/>
+          </a:p>
+        </p:txBody>
+      </p:sp>
+      <p:pic>
+        <p:nvPicPr>
+          <p:cNvPr id="4" name="Picture 2"/>
+          <p:cNvPicPr>
+            <a:picLocks noChangeAspect="1" noChangeArrowheads="1"/>
+          </p:cNvPicPr>
+          <p:nvPr/>
+        </p:nvPicPr>
+        <p:blipFill>
+          <a:blip r:embed="rId2" cstate="print"/>
+          <a:srcRect/>
+          <a:stretch>
+            <a:fillRect/>
+          </a:stretch>
+        </p:blipFill>
+        <p:spPr bwMode="auto">
+          <a:xfrm>
+            <a:off x="5029780" y="1212767"/>
+            <a:ext cx="4105255" cy="3921772"/>
+          </a:xfrm>
+          <a:prstGeom prst="rect">
+            <a:avLst/>
+          </a:prstGeom>
+          <a:noFill/>
+          <a:ln w="9525">
+            <a:noFill/>
+            <a:miter lim="800000"/>
+            <a:headEnd/>
+            <a:tailEnd/>
+          </a:ln>
+        </p:spPr>
+      </p:pic>
+    </p:spTree>
+  </p:cSld>
+  <p:clrMapOvr>
+    <a:masterClrMapping/>
+  </p:clrMapOvr>
+</p:sld>
+</file>
+
+<file path=ppt/slides/slide20.xml><?xml version="1.0" encoding="utf-8"?>
 <p:sld xmlns:a="http://schemas.openxmlformats.org/drawingml/2006/main" xmlns:r="http://schemas.openxmlformats.org/officeDocument/2006/relationships" xmlns:p="http://schemas.openxmlformats.org/presentationml/2006/main">
   <p:cSld>
     <p:spTree>
@@ -7031,7 +7782,7 @@
 </p:sld>
 </file>
 
-<file path=ppt/slides/slide19.xml><?xml version="1.0" encoding="utf-8"?>
+<file path=ppt/slides/slide21.xml><?xml version="1.0" encoding="utf-8"?>
 <p:sld xmlns:a="http://schemas.openxmlformats.org/drawingml/2006/main" xmlns:r="http://schemas.openxmlformats.org/officeDocument/2006/relationships" xmlns:p="http://schemas.openxmlformats.org/presentationml/2006/main">
   <p:cSld>
     <p:spTree>
@@ -7152,137 +7903,7 @@
 </p:sld>
 </file>
 
-<file path=ppt/slides/slide2.xml><?xml version="1.0" encoding="utf-8"?>
-<p:sld xmlns:a="http://schemas.openxmlformats.org/drawingml/2006/main" xmlns:r="http://schemas.openxmlformats.org/officeDocument/2006/relationships" xmlns:p="http://schemas.openxmlformats.org/presentationml/2006/main">
-  <p:cSld>
-    <p:spTree>
-      <p:nvGrpSpPr>
-        <p:cNvPr id="1" name=""/>
-        <p:cNvGrpSpPr/>
-        <p:nvPr/>
-      </p:nvGrpSpPr>
-      <p:grpSpPr>
-        <a:xfrm>
-          <a:off x="0" y="0"/>
-          <a:ext cx="0" cy="0"/>
-          <a:chOff x="0" y="0"/>
-          <a:chExt cx="0" cy="0"/>
-        </a:xfrm>
-      </p:grpSpPr>
-      <p:sp>
-        <p:nvSpPr>
-          <p:cNvPr id="2" name="Title 1"/>
-          <p:cNvSpPr>
-            <a:spLocks noGrp="1"/>
-          </p:cNvSpPr>
-          <p:nvPr>
-            <p:ph type="title"/>
-          </p:nvPr>
-        </p:nvSpPr>
-        <p:spPr/>
-        <p:txBody>
-          <a:bodyPr/>
-          <a:lstStyle/>
-          <a:p>
-            <a:r>
-              <a:rPr lang="pt-BR" dirty="0" smtClean="0"/>
-              <a:t>Learning objectives</a:t>
-            </a:r>
-            <a:endParaRPr lang="en-US" dirty="0"/>
-          </a:p>
-        </p:txBody>
-      </p:sp>
-      <p:sp>
-        <p:nvSpPr>
-          <p:cNvPr id="3" name="Content Placeholder 2"/>
-          <p:cNvSpPr>
-            <a:spLocks noGrp="1"/>
-          </p:cNvSpPr>
-          <p:nvPr>
-            <p:ph idx="1"/>
-          </p:nvPr>
-        </p:nvSpPr>
-        <p:spPr/>
-        <p:txBody>
-          <a:bodyPr/>
-          <a:lstStyle/>
-          <a:p>
-            <a:r>
-              <a:rPr lang="pt-BR" dirty="0" smtClean="0"/>
-              <a:t>Perl built-in functions</a:t>
-            </a:r>
-          </a:p>
-          <a:p>
-            <a:pPr lvl="1"/>
-            <a:r>
-              <a:rPr lang="pt-BR" dirty="0" smtClean="0"/>
-              <a:t>Functions for scalar variables</a:t>
-            </a:r>
-          </a:p>
-          <a:p>
-            <a:pPr lvl="1"/>
-            <a:r>
-              <a:rPr lang="pt-BR" dirty="0" smtClean="0"/>
-              <a:t>Functions for arrays</a:t>
-            </a:r>
-          </a:p>
-          <a:p>
-            <a:pPr lvl="1"/>
-            <a:r>
-              <a:rPr lang="pt-BR" dirty="0" smtClean="0"/>
-              <a:t>Functions for hash</a:t>
-            </a:r>
-          </a:p>
-          <a:p>
-            <a:r>
-              <a:rPr lang="pt-BR" dirty="0" smtClean="0"/>
-              <a:t>More bioinformatics examples</a:t>
-            </a:r>
-            <a:endParaRPr lang="en-US" dirty="0"/>
-          </a:p>
-        </p:txBody>
-      </p:sp>
-      <p:pic>
-        <p:nvPicPr>
-          <p:cNvPr id="4" name="Picture 2"/>
-          <p:cNvPicPr>
-            <a:picLocks noChangeAspect="1" noChangeArrowheads="1"/>
-          </p:cNvPicPr>
-          <p:nvPr/>
-        </p:nvPicPr>
-        <p:blipFill>
-          <a:blip r:embed="rId2" cstate="print"/>
-          <a:srcRect/>
-          <a:stretch>
-            <a:fillRect/>
-          </a:stretch>
-        </p:blipFill>
-        <p:spPr bwMode="auto">
-          <a:xfrm>
-            <a:off x="5029780" y="1212767"/>
-            <a:ext cx="4105255" cy="3921772"/>
-          </a:xfrm>
-          <a:prstGeom prst="rect">
-            <a:avLst/>
-          </a:prstGeom>
-          <a:noFill/>
-          <a:ln w="9525">
-            <a:noFill/>
-            <a:miter lim="800000"/>
-            <a:headEnd/>
-            <a:tailEnd/>
-          </a:ln>
-        </p:spPr>
-      </p:pic>
-    </p:spTree>
-  </p:cSld>
-  <p:clrMapOvr>
-    <a:masterClrMapping/>
-  </p:clrMapOvr>
-</p:sld>
-</file>
-
-<file path=ppt/slides/slide20.xml><?xml version="1.0" encoding="utf-8"?>
+<file path=ppt/slides/slide22.xml><?xml version="1.0" encoding="utf-8"?>
 <p:sld xmlns:a="http://schemas.openxmlformats.org/drawingml/2006/main" xmlns:r="http://schemas.openxmlformats.org/officeDocument/2006/relationships" xmlns:p="http://schemas.openxmlformats.org/presentationml/2006/main">
   <p:cSld>
     <p:spTree>
@@ -7371,7 +7992,7 @@
 </p:sld>
 </file>
 
-<file path=ppt/slides/slide21.xml><?xml version="1.0" encoding="utf-8"?>
+<file path=ppt/slides/slide23.xml><?xml version="1.0" encoding="utf-8"?>
 <p:sld xmlns:a="http://schemas.openxmlformats.org/drawingml/2006/main" xmlns:r="http://schemas.openxmlformats.org/officeDocument/2006/relationships" xmlns:p="http://schemas.openxmlformats.org/presentationml/2006/main">
   <p:cSld>
     <p:spTree>
@@ -7460,7 +8081,7 @@
 </p:sld>
 </file>
 
-<file path=ppt/slides/slide22.xml><?xml version="1.0" encoding="utf-8"?>
+<file path=ppt/slides/slide24.xml><?xml version="1.0" encoding="utf-8"?>
 <p:sld xmlns:a="http://schemas.openxmlformats.org/drawingml/2006/main" xmlns:r="http://schemas.openxmlformats.org/officeDocument/2006/relationships" xmlns:p="http://schemas.openxmlformats.org/presentationml/2006/main">
   <p:cSld>
     <p:spTree>
@@ -7549,7 +8170,7 @@
 </p:sld>
 </file>
 
-<file path=ppt/slides/slide23.xml><?xml version="1.0" encoding="utf-8"?>
+<file path=ppt/slides/slide25.xml><?xml version="1.0" encoding="utf-8"?>
 <p:sld xmlns:a="http://schemas.openxmlformats.org/drawingml/2006/main" xmlns:r="http://schemas.openxmlformats.org/officeDocument/2006/relationships" xmlns:p="http://schemas.openxmlformats.org/presentationml/2006/main">
   <p:cSld>
     <p:spTree>
@@ -7670,7 +8291,64 @@
 </p:sld>
 </file>
 
-<file path=ppt/slides/slide24.xml><?xml version="1.0" encoding="utf-8"?>
+<file path=ppt/slides/slide26.xml><?xml version="1.0" encoding="utf-8"?>
+<p:sld xmlns:a="http://schemas.openxmlformats.org/drawingml/2006/main" xmlns:r="http://schemas.openxmlformats.org/officeDocument/2006/relationships" xmlns:p="http://schemas.openxmlformats.org/presentationml/2006/main">
+  <p:cSld>
+    <p:spTree>
+      <p:nvGrpSpPr>
+        <p:cNvPr id="1" name=""/>
+        <p:cNvGrpSpPr/>
+        <p:nvPr/>
+      </p:nvGrpSpPr>
+      <p:grpSpPr>
+        <a:xfrm>
+          <a:off x="0" y="0"/>
+          <a:ext cx="0" cy="0"/>
+          <a:chOff x="0" y="0"/>
+          <a:chExt cx="0" cy="0"/>
+        </a:xfrm>
+      </p:grpSpPr>
+      <p:pic>
+        <p:nvPicPr>
+          <p:cNvPr id="1026" name="Picture 2"/>
+          <p:cNvPicPr>
+            <a:picLocks noChangeAspect="1" noChangeArrowheads="1"/>
+          </p:cNvPicPr>
+          <p:nvPr/>
+        </p:nvPicPr>
+        <p:blipFill>
+          <a:blip r:embed="rId2" cstate="print"/>
+          <a:srcRect/>
+          <a:stretch>
+            <a:fillRect/>
+          </a:stretch>
+        </p:blipFill>
+        <p:spPr bwMode="auto">
+          <a:xfrm>
+            <a:off x="564775" y="500490"/>
+            <a:ext cx="7225554" cy="4643010"/>
+          </a:xfrm>
+          <a:prstGeom prst="rect">
+            <a:avLst/>
+          </a:prstGeom>
+          <a:noFill/>
+          <a:ln w="9525">
+            <a:noFill/>
+            <a:miter lim="800000"/>
+            <a:headEnd/>
+            <a:tailEnd/>
+          </a:ln>
+        </p:spPr>
+      </p:pic>
+    </p:spTree>
+  </p:cSld>
+  <p:clrMapOvr>
+    <a:masterClrMapping/>
+  </p:clrMapOvr>
+</p:sld>
+</file>
+
+<file path=ppt/slides/slide27.xml><?xml version="1.0" encoding="utf-8"?>
 <p:sld xmlns:a="http://schemas.openxmlformats.org/drawingml/2006/main" xmlns:r="http://schemas.openxmlformats.org/officeDocument/2006/relationships" xmlns:p="http://schemas.openxmlformats.org/presentationml/2006/main">
   <p:cSld>
     <p:spTree>
@@ -7759,7 +8437,7 @@
 </p:sld>
 </file>
 
-<file path=ppt/slides/slide25.xml><?xml version="1.0" encoding="utf-8"?>
+<file path=ppt/slides/slide28.xml><?xml version="1.0" encoding="utf-8"?>
 <p:sld xmlns:a="http://schemas.openxmlformats.org/drawingml/2006/main" xmlns:r="http://schemas.openxmlformats.org/officeDocument/2006/relationships" xmlns:p="http://schemas.openxmlformats.org/presentationml/2006/main">
   <p:cSld>
     <p:spTree>
@@ -7868,7 +8546,7 @@
 </p:sld>
 </file>
 
-<file path=ppt/slides/slide26.xml><?xml version="1.0" encoding="utf-8"?>
+<file path=ppt/slides/slide29.xml><?xml version="1.0" encoding="utf-8"?>
 <p:sld xmlns:a="http://schemas.openxmlformats.org/drawingml/2006/main" xmlns:r="http://schemas.openxmlformats.org/officeDocument/2006/relationships" xmlns:p="http://schemas.openxmlformats.org/presentationml/2006/main">
   <p:cSld>
     <p:spTree>
@@ -7982,7 +8660,225 @@
 </p:sld>
 </file>
 
-<file path=ppt/slides/slide27.xml><?xml version="1.0" encoding="utf-8"?>
+<file path=ppt/slides/slide3.xml><?xml version="1.0" encoding="utf-8"?>
+<p:sld xmlns:a="http://schemas.openxmlformats.org/drawingml/2006/main" xmlns:r="http://schemas.openxmlformats.org/officeDocument/2006/relationships" xmlns:p="http://schemas.openxmlformats.org/presentationml/2006/main">
+  <p:cSld>
+    <p:spTree>
+      <p:nvGrpSpPr>
+        <p:cNvPr id="1" name=""/>
+        <p:cNvGrpSpPr/>
+        <p:nvPr/>
+      </p:nvGrpSpPr>
+      <p:grpSpPr>
+        <a:xfrm>
+          <a:off x="0" y="0"/>
+          <a:ext cx="0" cy="0"/>
+          <a:chOff x="0" y="0"/>
+          <a:chExt cx="0" cy="0"/>
+        </a:xfrm>
+      </p:grpSpPr>
+      <p:sp>
+        <p:nvSpPr>
+          <p:cNvPr id="2" name="Title 1"/>
+          <p:cNvSpPr>
+            <a:spLocks noGrp="1"/>
+          </p:cNvSpPr>
+          <p:nvPr>
+            <p:ph type="title"/>
+          </p:nvPr>
+        </p:nvSpPr>
+        <p:spPr/>
+        <p:txBody>
+          <a:bodyPr/>
+          <a:lstStyle/>
+          <a:p>
+            <a:r>
+              <a:rPr lang="pt-BR" dirty="0" smtClean="0"/>
+              <a:t>Perl native functions</a:t>
+            </a:r>
+            <a:endParaRPr lang="en-US" dirty="0"/>
+          </a:p>
+        </p:txBody>
+      </p:sp>
+      <p:sp>
+        <p:nvSpPr>
+          <p:cNvPr id="3" name="Content Placeholder 2"/>
+          <p:cNvSpPr>
+            <a:spLocks noGrp="1"/>
+          </p:cNvSpPr>
+          <p:nvPr>
+            <p:ph idx="1"/>
+          </p:nvPr>
+        </p:nvSpPr>
+        <p:spPr/>
+        <p:txBody>
+          <a:bodyPr/>
+          <a:lstStyle/>
+          <a:p>
+            <a:r>
+              <a:rPr lang="pt-BR" dirty="0" smtClean="0"/>
+              <a:t>257 predefined literals, of which 242 are predefined functions.</a:t>
+            </a:r>
+          </a:p>
+          <a:p>
+            <a:r>
+              <a:rPr lang="pt-BR" dirty="0" smtClean="0"/>
+              <a:t>Functions take one or more variables as argument and return some output. </a:t>
+            </a:r>
+          </a:p>
+          <a:p>
+            <a:r>
+              <a:rPr lang="pt-BR" dirty="0" smtClean="0"/>
+              <a:t>Things to memorize:</a:t>
+            </a:r>
+          </a:p>
+          <a:p>
+            <a:pPr lvl="1"/>
+            <a:r>
+              <a:rPr lang="pt-BR" dirty="0" smtClean="0"/>
+              <a:t>Syntax</a:t>
+            </a:r>
+          </a:p>
+          <a:p>
+            <a:pPr lvl="1"/>
+            <a:r>
+              <a:rPr lang="pt-BR" dirty="0" smtClean="0"/>
+              <a:t>Return values</a:t>
+            </a:r>
+          </a:p>
+          <a:p>
+            <a:r>
+              <a:rPr lang="pt-BR" dirty="0" smtClean="0"/>
+              <a:t>May call functions recursivly. </a:t>
+            </a:r>
+            <a:endParaRPr lang="en-US" dirty="0"/>
+          </a:p>
+        </p:txBody>
+      </p:sp>
+      <p:sp>
+        <p:nvSpPr>
+          <p:cNvPr id="4" name="Rectangle 3"/>
+          <p:cNvSpPr/>
+          <p:nvPr/>
+        </p:nvSpPr>
+        <p:spPr>
+          <a:xfrm>
+            <a:off x="5307106" y="3270561"/>
+            <a:ext cx="3487270" cy="646331"/>
+          </a:xfrm>
+          <a:prstGeom prst="rect">
+            <a:avLst/>
+          </a:prstGeom>
+        </p:spPr>
+        <p:txBody>
+          <a:bodyPr wrap="square">
+            <a:spAutoFit/>
+          </a:bodyPr>
+          <a:lstStyle/>
+          <a:p>
+            <a:r>
+              <a:rPr lang="en-US" b="1" dirty="0" smtClean="0">
+                <a:solidFill>
+                  <a:srgbClr val="7030A0"/>
+                </a:solidFill>
+                <a:latin typeface="Courier New" pitchFamily="49" charset="0"/>
+                <a:cs typeface="Courier New" pitchFamily="49" charset="0"/>
+              </a:rPr>
+              <a:t>$variable </a:t>
+            </a:r>
+            <a:r>
+              <a:rPr lang="en-US" b="1" dirty="0" smtClean="0">
+                <a:latin typeface="Courier New" pitchFamily="49" charset="0"/>
+                <a:cs typeface="Courier New" pitchFamily="49" charset="0"/>
+              </a:rPr>
+              <a:t>= </a:t>
+            </a:r>
+            <a:r>
+              <a:rPr lang="en-US" b="1" dirty="0" smtClean="0">
+                <a:solidFill>
+                  <a:srgbClr val="FF0000"/>
+                </a:solidFill>
+                <a:latin typeface="Courier New" pitchFamily="49" charset="0"/>
+                <a:cs typeface="Courier New" pitchFamily="49" charset="0"/>
+              </a:rPr>
+              <a:t>100</a:t>
+            </a:r>
+            <a:r>
+              <a:rPr lang="en-US" b="1" dirty="0" smtClean="0">
+                <a:latin typeface="Courier New" pitchFamily="49" charset="0"/>
+                <a:cs typeface="Courier New" pitchFamily="49" charset="0"/>
+              </a:rPr>
+              <a:t>;</a:t>
+            </a:r>
+          </a:p>
+          <a:p>
+            <a:r>
+              <a:rPr lang="en-US" b="1" dirty="0" smtClean="0">
+                <a:solidFill>
+                  <a:srgbClr val="00B050"/>
+                </a:solidFill>
+                <a:latin typeface="Courier New" pitchFamily="49" charset="0"/>
+                <a:cs typeface="Courier New" pitchFamily="49" charset="0"/>
+              </a:rPr>
+              <a:t>print</a:t>
+            </a:r>
+            <a:r>
+              <a:rPr lang="en-US" b="1" dirty="0" smtClean="0">
+                <a:latin typeface="Courier New" pitchFamily="49" charset="0"/>
+                <a:cs typeface="Courier New" pitchFamily="49" charset="0"/>
+              </a:rPr>
+              <a:t> </a:t>
+            </a:r>
+            <a:r>
+              <a:rPr lang="en-US" b="1" dirty="0" err="1" smtClean="0">
+                <a:solidFill>
+                  <a:srgbClr val="0070C0"/>
+                </a:solidFill>
+                <a:latin typeface="Courier New" pitchFamily="49" charset="0"/>
+                <a:cs typeface="Courier New" pitchFamily="49" charset="0"/>
+              </a:rPr>
+              <a:t>sqrt</a:t>
+            </a:r>
+            <a:r>
+              <a:rPr lang="en-US" b="1" dirty="0" smtClean="0">
+                <a:latin typeface="Courier New" pitchFamily="49" charset="0"/>
+                <a:cs typeface="Courier New" pitchFamily="49" charset="0"/>
+              </a:rPr>
+              <a:t>(</a:t>
+            </a:r>
+            <a:r>
+              <a:rPr lang="en-US" b="1" dirty="0" smtClean="0">
+                <a:solidFill>
+                  <a:srgbClr val="7030A0"/>
+                </a:solidFill>
+                <a:latin typeface="Courier New" pitchFamily="49" charset="0"/>
+                <a:cs typeface="Courier New" pitchFamily="49" charset="0"/>
+              </a:rPr>
+              <a:t>$variable</a:t>
+            </a:r>
+            <a:r>
+              <a:rPr lang="en-US" b="1" dirty="0" smtClean="0">
+                <a:latin typeface="Courier New" pitchFamily="49" charset="0"/>
+                <a:cs typeface="Courier New" pitchFamily="49" charset="0"/>
+              </a:rPr>
+              <a:t>);</a:t>
+            </a:r>
+            <a:endParaRPr lang="en-US" b="1" dirty="0">
+              <a:latin typeface="Courier New" pitchFamily="49" charset="0"/>
+              <a:cs typeface="Courier New" pitchFamily="49" charset="0"/>
+            </a:endParaRPr>
+          </a:p>
+        </p:txBody>
+      </p:sp>
+    </p:spTree>
+  </p:cSld>
+  <p:clrMapOvr>
+    <a:masterClrMapping/>
+  </p:clrMapOvr>
+</p:sld>
+</file>
+
+<file path=ppt/slides/slide30.xml><?xml version="1.0" encoding="utf-8"?>
 <p:sld xmlns:a="http://schemas.openxmlformats.org/drawingml/2006/main" xmlns:r="http://schemas.openxmlformats.org/officeDocument/2006/relationships" xmlns:p="http://schemas.openxmlformats.org/presentationml/2006/main">
   <p:cSld>
     <p:spTree>
@@ -8147,7 +9043,7 @@
 </p:sld>
 </file>
 
-<file path=ppt/slides/slide28.xml><?xml version="1.0" encoding="utf-8"?>
+<file path=ppt/slides/slide31.xml><?xml version="1.0" encoding="utf-8"?>
 <p:sld xmlns:a="http://schemas.openxmlformats.org/drawingml/2006/main" xmlns:r="http://schemas.openxmlformats.org/officeDocument/2006/relationships" xmlns:p="http://schemas.openxmlformats.org/presentationml/2006/main">
   <p:cSld>
     <p:spTree>
@@ -8327,7 +9223,7 @@
 </p:sld>
 </file>
 
-<file path=ppt/slides/slide29.xml><?xml version="1.0" encoding="utf-8"?>
+<file path=ppt/slides/slide32.xml><?xml version="1.0" encoding="utf-8"?>
 <p:sld xmlns:a="http://schemas.openxmlformats.org/drawingml/2006/main" xmlns:r="http://schemas.openxmlformats.org/officeDocument/2006/relationships" xmlns:p="http://schemas.openxmlformats.org/presentationml/2006/main">
   <p:cSld>
     <p:spTree>
@@ -8478,150 +9374,7 @@
 </p:sld>
 </file>
 
-<file path=ppt/slides/slide3.xml><?xml version="1.0" encoding="utf-8"?>
-<p:sld xmlns:a="http://schemas.openxmlformats.org/drawingml/2006/main" xmlns:r="http://schemas.openxmlformats.org/officeDocument/2006/relationships" xmlns:p="http://schemas.openxmlformats.org/presentationml/2006/main">
-  <p:cSld>
-    <p:spTree>
-      <p:nvGrpSpPr>
-        <p:cNvPr id="1" name=""/>
-        <p:cNvGrpSpPr/>
-        <p:nvPr/>
-      </p:nvGrpSpPr>
-      <p:grpSpPr>
-        <a:xfrm>
-          <a:off x="0" y="0"/>
-          <a:ext cx="0" cy="0"/>
-          <a:chOff x="0" y="0"/>
-          <a:chExt cx="0" cy="0"/>
-        </a:xfrm>
-      </p:grpSpPr>
-      <p:sp>
-        <p:nvSpPr>
-          <p:cNvPr id="2" name="Title 1"/>
-          <p:cNvSpPr>
-            <a:spLocks noGrp="1"/>
-          </p:cNvSpPr>
-          <p:nvPr>
-            <p:ph type="title"/>
-          </p:nvPr>
-        </p:nvSpPr>
-        <p:spPr/>
-        <p:txBody>
-          <a:bodyPr/>
-          <a:lstStyle/>
-          <a:p>
-            <a:r>
-              <a:rPr lang="pt-BR" dirty="0" smtClean="0"/>
-              <a:t>Read input from user</a:t>
-            </a:r>
-            <a:endParaRPr lang="en-US" dirty="0"/>
-          </a:p>
-        </p:txBody>
-      </p:sp>
-      <p:sp>
-        <p:nvSpPr>
-          <p:cNvPr id="3" name="Content Placeholder 2"/>
-          <p:cNvSpPr>
-            <a:spLocks noGrp="1"/>
-          </p:cNvSpPr>
-          <p:nvPr>
-            <p:ph idx="1"/>
-          </p:nvPr>
-        </p:nvSpPr>
-        <p:spPr/>
-        <p:txBody>
-          <a:bodyPr/>
-          <a:lstStyle/>
-          <a:p>
-            <a:r>
-              <a:rPr lang="en-US" dirty="0" smtClean="0"/>
-              <a:t>To make the program do something, we need to input data.</a:t>
-            </a:r>
-          </a:p>
-          <a:p>
-            <a:pPr lvl="1"/>
-            <a:r>
-              <a:rPr lang="en-US" dirty="0" smtClean="0"/>
-              <a:t>The angle </a:t>
-            </a:r>
-            <a:r>
-              <a:rPr lang="en-US" i="1" dirty="0" smtClean="0"/>
-              <a:t>bracket operator </a:t>
-            </a:r>
-            <a:r>
-              <a:rPr lang="en-US" dirty="0" smtClean="0"/>
-              <a:t>(&lt;&gt;) or </a:t>
-            </a:r>
-            <a:r>
-              <a:rPr lang="en-US" i="1" dirty="0" err="1" smtClean="0"/>
-              <a:t>readline</a:t>
-            </a:r>
-            <a:r>
-              <a:rPr lang="en-US" dirty="0" smtClean="0"/>
-              <a:t> tells Perl to expect input, by default from the </a:t>
-            </a:r>
-            <a:r>
-              <a:rPr lang="en-US" b="1" dirty="0" smtClean="0"/>
-              <a:t>keyboard</a:t>
-            </a:r>
-            <a:r>
-              <a:rPr lang="en-US" dirty="0" smtClean="0"/>
-              <a:t>. ( STDIN )</a:t>
-            </a:r>
-          </a:p>
-          <a:p>
-            <a:pPr lvl="1"/>
-            <a:r>
-              <a:rPr lang="en-US" dirty="0" smtClean="0"/>
-              <a:t>Usually this is assigned to a variable</a:t>
-            </a:r>
-          </a:p>
-          <a:p>
-            <a:endParaRPr lang="en-US" dirty="0"/>
-          </a:p>
-        </p:txBody>
-      </p:sp>
-      <p:pic>
-        <p:nvPicPr>
-          <p:cNvPr id="1026" name="Picture 2"/>
-          <p:cNvPicPr>
-            <a:picLocks noChangeAspect="1" noChangeArrowheads="1"/>
-          </p:cNvPicPr>
-          <p:nvPr/>
-        </p:nvPicPr>
-        <p:blipFill>
-          <a:blip r:embed="rId2" cstate="print"/>
-          <a:srcRect/>
-          <a:stretch>
-            <a:fillRect/>
-          </a:stretch>
-        </p:blipFill>
-        <p:spPr bwMode="auto">
-          <a:xfrm>
-            <a:off x="502837" y="3084360"/>
-            <a:ext cx="6734991" cy="2059140"/>
-          </a:xfrm>
-          <a:prstGeom prst="rect">
-            <a:avLst/>
-          </a:prstGeom>
-          <a:noFill/>
-          <a:ln w="9525">
-            <a:noFill/>
-            <a:miter lim="800000"/>
-            <a:headEnd/>
-            <a:tailEnd/>
-          </a:ln>
-        </p:spPr>
-      </p:pic>
-    </p:spTree>
-  </p:cSld>
-  <p:clrMapOvr>
-    <a:masterClrMapping/>
-  </p:clrMapOvr>
-</p:sld>
-</file>
-
-<file path=ppt/slides/slide30.xml><?xml version="1.0" encoding="utf-8"?>
+<file path=ppt/slides/slide33.xml><?xml version="1.0" encoding="utf-8"?>
 <p:sld xmlns:a="http://schemas.openxmlformats.org/drawingml/2006/main" xmlns:r="http://schemas.openxmlformats.org/officeDocument/2006/relationships" xmlns:p="http://schemas.openxmlformats.org/presentationml/2006/main">
   <p:cSld>
     <p:spTree>
@@ -8743,7 +9496,7 @@
 </p:sld>
 </file>
 
-<file path=ppt/slides/slide31.xml><?xml version="1.0" encoding="utf-8"?>
+<file path=ppt/slides/slide34.xml><?xml version="1.0" encoding="utf-8"?>
 <p:sld xmlns:a="http://schemas.openxmlformats.org/drawingml/2006/main" xmlns:r="http://schemas.openxmlformats.org/officeDocument/2006/relationships" xmlns:p="http://schemas.openxmlformats.org/presentationml/2006/main">
   <p:cSld>
     <p:spTree>
@@ -8896,7 +9649,185 @@
 </p:sld>
 </file>
 
-<file path=ppt/slides/slide32.xml><?xml version="1.0" encoding="utf-8"?>
+<file path=ppt/slides/slide35.xml><?xml version="1.0" encoding="utf-8"?>
+<p:sld xmlns:a="http://schemas.openxmlformats.org/drawingml/2006/main" xmlns:r="http://schemas.openxmlformats.org/officeDocument/2006/relationships" xmlns:p="http://schemas.openxmlformats.org/presentationml/2006/main">
+  <p:cSld>
+    <p:spTree>
+      <p:nvGrpSpPr>
+        <p:cNvPr id="1" name=""/>
+        <p:cNvGrpSpPr/>
+        <p:nvPr/>
+      </p:nvGrpSpPr>
+      <p:grpSpPr>
+        <a:xfrm>
+          <a:off x="0" y="0"/>
+          <a:ext cx="0" cy="0"/>
+          <a:chOff x="0" y="0"/>
+          <a:chExt cx="0" cy="0"/>
+        </a:xfrm>
+      </p:grpSpPr>
+      <p:sp>
+        <p:nvSpPr>
+          <p:cNvPr id="2" name="Title 1"/>
+          <p:cNvSpPr>
+            <a:spLocks noGrp="1"/>
+          </p:cNvSpPr>
+          <p:nvPr>
+            <p:ph type="title"/>
+          </p:nvPr>
+        </p:nvSpPr>
+        <p:spPr/>
+        <p:txBody>
+          <a:bodyPr/>
+          <a:lstStyle/>
+          <a:p>
+            <a:r>
+              <a:rPr lang="pt-BR" dirty="0" smtClean="0"/>
+              <a:t>Exercises </a:t>
+            </a:r>
+            <a:endParaRPr lang="en-US" dirty="0"/>
+          </a:p>
+        </p:txBody>
+      </p:sp>
+      <p:sp>
+        <p:nvSpPr>
+          <p:cNvPr id="3" name="Content Placeholder 2"/>
+          <p:cNvSpPr>
+            <a:spLocks noGrp="1"/>
+          </p:cNvSpPr>
+          <p:nvPr>
+            <p:ph idx="1"/>
+          </p:nvPr>
+        </p:nvSpPr>
+        <p:spPr/>
+        <p:txBody>
+          <a:bodyPr/>
+          <a:lstStyle/>
+          <a:p>
+            <a:r>
+              <a:rPr lang="pt-BR" dirty="0" smtClean="0"/>
+              <a:t>Ask user to input a DNA sequence and print it in upper case letters</a:t>
+            </a:r>
+            <a:r>
+              <a:rPr lang="pt-BR" dirty="0" smtClean="0"/>
+              <a:t>.</a:t>
+            </a:r>
+          </a:p>
+          <a:p>
+            <a:r>
+              <a:rPr lang="pt-BR" dirty="0" smtClean="0"/>
+              <a:t>Ask user to input a DNA sequence and </a:t>
+            </a:r>
+            <a:r>
+              <a:rPr lang="pt-BR" dirty="0" smtClean="0"/>
+              <a:t>print its first 3 nucleotides and last 3 nucleotides.</a:t>
+            </a:r>
+            <a:endParaRPr lang="pt-BR" dirty="0" smtClean="0"/>
+          </a:p>
+          <a:p>
+            <a:r>
+              <a:rPr lang="pt-BR" dirty="0" smtClean="0"/>
+              <a:t>You were provided with an array @DNA=(‘a’,’t’,’g’,’c’); Write a program to generate and print a random amino acid combaining any 3 nucleotide bases.  (Hint: assume have stored genetic codes in an hash)</a:t>
+            </a:r>
+            <a:endParaRPr lang="en-US" dirty="0"/>
+          </a:p>
+        </p:txBody>
+      </p:sp>
+    </p:spTree>
+  </p:cSld>
+  <p:clrMapOvr>
+    <a:masterClrMapping/>
+  </p:clrMapOvr>
+</p:sld>
+</file>
+
+<file path=ppt/slides/slide36.xml><?xml version="1.0" encoding="utf-8"?>
+<p:sld xmlns:a="http://schemas.openxmlformats.org/drawingml/2006/main" xmlns:r="http://schemas.openxmlformats.org/officeDocument/2006/relationships" xmlns:p="http://schemas.openxmlformats.org/presentationml/2006/main">
+  <p:cSld>
+    <p:spTree>
+      <p:nvGrpSpPr>
+        <p:cNvPr id="1" name=""/>
+        <p:cNvGrpSpPr/>
+        <p:nvPr/>
+      </p:nvGrpSpPr>
+      <p:grpSpPr>
+        <a:xfrm>
+          <a:off x="0" y="0"/>
+          <a:ext cx="0" cy="0"/>
+          <a:chOff x="0" y="0"/>
+          <a:chExt cx="0" cy="0"/>
+        </a:xfrm>
+      </p:grpSpPr>
+      <p:sp>
+        <p:nvSpPr>
+          <p:cNvPr id="2" name="Title 1"/>
+          <p:cNvSpPr>
+            <a:spLocks noGrp="1"/>
+          </p:cNvSpPr>
+          <p:nvPr>
+            <p:ph type="title"/>
+          </p:nvPr>
+        </p:nvSpPr>
+        <p:spPr/>
+        <p:txBody>
+          <a:bodyPr/>
+          <a:lstStyle/>
+          <a:p>
+            <a:r>
+              <a:rPr lang="pt-BR" dirty="0" smtClean="0"/>
+              <a:t>Exercises</a:t>
+            </a:r>
+            <a:endParaRPr lang="en-US" dirty="0"/>
+          </a:p>
+        </p:txBody>
+      </p:sp>
+      <p:sp>
+        <p:nvSpPr>
+          <p:cNvPr id="3" name="Content Placeholder 2"/>
+          <p:cNvSpPr>
+            <a:spLocks noGrp="1"/>
+          </p:cNvSpPr>
+          <p:nvPr>
+            <p:ph idx="1"/>
+          </p:nvPr>
+        </p:nvSpPr>
+        <p:spPr/>
+        <p:txBody>
+          <a:bodyPr/>
+          <a:lstStyle/>
+          <a:p>
+            <a:r>
+              <a:rPr lang="pt-BR" dirty="0" smtClean="0"/>
+              <a:t>Create an hash of 5 genes. Gene name as key and their lengths as values. Print the list of genes with increasing order of gene length.</a:t>
+            </a:r>
+          </a:p>
+          <a:p>
+            <a:r>
+              <a:rPr lang="pt-BR" dirty="0" smtClean="0"/>
+              <a:t>Use the same gene hash to display the gene list to the user and ask to type a gene name. Write a program  to delete user defined gene from the hash. Print the updated gene list. </a:t>
+            </a:r>
+            <a:endParaRPr lang="pt-BR" smtClean="0"/>
+          </a:p>
+          <a:p>
+            <a:endParaRPr lang="pt-BR" dirty="0" smtClean="0"/>
+          </a:p>
+          <a:p>
+            <a:endParaRPr lang="pt-BR" dirty="0" smtClean="0"/>
+          </a:p>
+          <a:p>
+            <a:endParaRPr lang="en-US" dirty="0"/>
+          </a:p>
+        </p:txBody>
+      </p:sp>
+    </p:spTree>
+  </p:cSld>
+  <p:clrMapOvr>
+    <a:masterClrMapping/>
+  </p:clrMapOvr>
+</p:sld>
+</file>
+
+<file path=ppt/slides/slide37.xml><?xml version="1.0" encoding="utf-8"?>
 <p:sld xmlns:a="http://schemas.openxmlformats.org/drawingml/2006/main" xmlns:r="http://schemas.openxmlformats.org/officeDocument/2006/relationships" xmlns:p="http://schemas.openxmlformats.org/presentationml/2006/main">
   <p:cSld>
     <p:spTree>
@@ -9045,6 +9976,149 @@
 </file>
 
 <file path=ppt/slides/slide4.xml><?xml version="1.0" encoding="utf-8"?>
+<p:sld xmlns:a="http://schemas.openxmlformats.org/drawingml/2006/main" xmlns:r="http://schemas.openxmlformats.org/officeDocument/2006/relationships" xmlns:p="http://schemas.openxmlformats.org/presentationml/2006/main">
+  <p:cSld>
+    <p:spTree>
+      <p:nvGrpSpPr>
+        <p:cNvPr id="1" name=""/>
+        <p:cNvGrpSpPr/>
+        <p:nvPr/>
+      </p:nvGrpSpPr>
+      <p:grpSpPr>
+        <a:xfrm>
+          <a:off x="0" y="0"/>
+          <a:ext cx="0" cy="0"/>
+          <a:chOff x="0" y="0"/>
+          <a:chExt cx="0" cy="0"/>
+        </a:xfrm>
+      </p:grpSpPr>
+      <p:sp>
+        <p:nvSpPr>
+          <p:cNvPr id="2" name="Title 1"/>
+          <p:cNvSpPr>
+            <a:spLocks noGrp="1"/>
+          </p:cNvSpPr>
+          <p:nvPr>
+            <p:ph type="title"/>
+          </p:nvPr>
+        </p:nvSpPr>
+        <p:spPr/>
+        <p:txBody>
+          <a:bodyPr/>
+          <a:lstStyle/>
+          <a:p>
+            <a:r>
+              <a:rPr lang="pt-BR" dirty="0" smtClean="0"/>
+              <a:t>Read input from user</a:t>
+            </a:r>
+            <a:endParaRPr lang="en-US" dirty="0"/>
+          </a:p>
+        </p:txBody>
+      </p:sp>
+      <p:sp>
+        <p:nvSpPr>
+          <p:cNvPr id="3" name="Content Placeholder 2"/>
+          <p:cNvSpPr>
+            <a:spLocks noGrp="1"/>
+          </p:cNvSpPr>
+          <p:nvPr>
+            <p:ph idx="1"/>
+          </p:nvPr>
+        </p:nvSpPr>
+        <p:spPr/>
+        <p:txBody>
+          <a:bodyPr/>
+          <a:lstStyle/>
+          <a:p>
+            <a:r>
+              <a:rPr lang="en-US" dirty="0" smtClean="0"/>
+              <a:t>To make the program do something, we need to input data.</a:t>
+            </a:r>
+          </a:p>
+          <a:p>
+            <a:pPr lvl="1"/>
+            <a:r>
+              <a:rPr lang="en-US" dirty="0" smtClean="0"/>
+              <a:t>The angle </a:t>
+            </a:r>
+            <a:r>
+              <a:rPr lang="en-US" i="1" dirty="0" smtClean="0"/>
+              <a:t>bracket operator </a:t>
+            </a:r>
+            <a:r>
+              <a:rPr lang="en-US" dirty="0" smtClean="0"/>
+              <a:t>(&lt;&gt;) or </a:t>
+            </a:r>
+            <a:r>
+              <a:rPr lang="en-US" i="1" dirty="0" err="1" smtClean="0"/>
+              <a:t>readline</a:t>
+            </a:r>
+            <a:r>
+              <a:rPr lang="en-US" dirty="0" smtClean="0"/>
+              <a:t> tells Perl to expect input, by default from the </a:t>
+            </a:r>
+            <a:r>
+              <a:rPr lang="en-US" b="1" dirty="0" smtClean="0"/>
+              <a:t>keyboard</a:t>
+            </a:r>
+            <a:r>
+              <a:rPr lang="en-US" dirty="0" smtClean="0"/>
+              <a:t>. ( STDIN )</a:t>
+            </a:r>
+          </a:p>
+          <a:p>
+            <a:pPr lvl="1"/>
+            <a:r>
+              <a:rPr lang="en-US" dirty="0" smtClean="0"/>
+              <a:t>Usually this is assigned to a variable</a:t>
+            </a:r>
+          </a:p>
+          <a:p>
+            <a:endParaRPr lang="en-US" dirty="0"/>
+          </a:p>
+        </p:txBody>
+      </p:sp>
+      <p:pic>
+        <p:nvPicPr>
+          <p:cNvPr id="1026" name="Picture 2"/>
+          <p:cNvPicPr>
+            <a:picLocks noChangeAspect="1" noChangeArrowheads="1"/>
+          </p:cNvPicPr>
+          <p:nvPr/>
+        </p:nvPicPr>
+        <p:blipFill>
+          <a:blip r:embed="rId2" cstate="print"/>
+          <a:srcRect/>
+          <a:stretch>
+            <a:fillRect/>
+          </a:stretch>
+        </p:blipFill>
+        <p:spPr bwMode="auto">
+          <a:xfrm>
+            <a:off x="502837" y="3084360"/>
+            <a:ext cx="6734991" cy="2059140"/>
+          </a:xfrm>
+          <a:prstGeom prst="rect">
+            <a:avLst/>
+          </a:prstGeom>
+          <a:noFill/>
+          <a:ln w="9525">
+            <a:noFill/>
+            <a:miter lim="800000"/>
+            <a:headEnd/>
+            <a:tailEnd/>
+          </a:ln>
+        </p:spPr>
+      </p:pic>
+    </p:spTree>
+  </p:cSld>
+  <p:clrMapOvr>
+    <a:masterClrMapping/>
+  </p:clrMapOvr>
+</p:sld>
+</file>
+
+<file path=ppt/slides/slide5.xml><?xml version="1.0" encoding="utf-8"?>
 <p:sld xmlns:a="http://schemas.openxmlformats.org/drawingml/2006/main" xmlns:r="http://schemas.openxmlformats.org/officeDocument/2006/relationships" xmlns:p="http://schemas.openxmlformats.org/presentationml/2006/main">
   <p:cSld>
     <p:spTree>
@@ -9220,7 +10294,7 @@
 </p:sld>
 </file>
 
-<file path=ppt/slides/slide5.xml><?xml version="1.0" encoding="utf-8"?>
+<file path=ppt/slides/slide6.xml><?xml version="1.0" encoding="utf-8"?>
 <p:sld xmlns:a="http://schemas.openxmlformats.org/drawingml/2006/main" xmlns:r="http://schemas.openxmlformats.org/officeDocument/2006/relationships" xmlns:p="http://schemas.openxmlformats.org/presentationml/2006/main">
   <p:cSld>
     <p:spTree>
@@ -9283,7 +10357,7 @@
           <a:p>
             <a:r>
               <a:rPr lang="en-US" dirty="0" smtClean="0"/>
-              <a:t>sin </a:t>
+              <a:t>sin, </a:t>
             </a:r>
             <a:r>
               <a:rPr lang="en-US" dirty="0" err="1" smtClean="0"/>
@@ -9291,13 +10365,13 @@
             </a:r>
             <a:r>
               <a:rPr lang="en-US" dirty="0" smtClean="0"/>
-              <a:t> tan 			#trigonometry</a:t>
+              <a:t>			#trigonometry</a:t>
             </a:r>
           </a:p>
           <a:p>
             <a:r>
               <a:rPr lang="en-US" dirty="0" smtClean="0"/>
-              <a:t>exp log </a:t>
+              <a:t>exp, log, </a:t>
             </a:r>
             <a:r>
               <a:rPr lang="en-US" dirty="0" err="1" smtClean="0"/>
@@ -9327,49 +10401,6 @@
             <a:r>
               <a:rPr lang="en-US" dirty="0" smtClean="0"/>
               <a:t>rand 				#random numbers</a:t>
-            </a:r>
-            <a:endParaRPr lang="en-US" dirty="0"/>
-          </a:p>
-        </p:txBody>
-      </p:sp>
-      <p:sp>
-        <p:nvSpPr>
-          <p:cNvPr id="4" name="Rectangle 3"/>
-          <p:cNvSpPr/>
-          <p:nvPr/>
-        </p:nvSpPr>
-        <p:spPr>
-          <a:xfrm>
-            <a:off x="582707" y="3602256"/>
-            <a:ext cx="4912658" cy="646331"/>
-          </a:xfrm>
-          <a:prstGeom prst="rect">
-            <a:avLst/>
-          </a:prstGeom>
-        </p:spPr>
-        <p:txBody>
-          <a:bodyPr wrap="square">
-            <a:spAutoFit/>
-          </a:bodyPr>
-          <a:lstStyle/>
-          <a:p>
-            <a:r>
-              <a:rPr lang="en-US" dirty="0" smtClean="0"/>
-              <a:t>$variable=100;</a:t>
-            </a:r>
-          </a:p>
-          <a:p>
-            <a:r>
-              <a:rPr lang="en-US" dirty="0" smtClean="0"/>
-              <a:t>print </a:t>
-            </a:r>
-            <a:r>
-              <a:rPr lang="en-US" dirty="0" err="1" smtClean="0"/>
-              <a:t>sqrt</a:t>
-            </a:r>
-            <a:r>
-              <a:rPr lang="en-US" dirty="0" smtClean="0"/>
-              <a:t>($variable);</a:t>
             </a:r>
             <a:endParaRPr lang="en-US" dirty="0"/>
           </a:p>
@@ -9383,7 +10414,7 @@
 </p:sld>
 </file>
 
-<file path=ppt/slides/slide6.xml><?xml version="1.0" encoding="utf-8"?>
+<file path=ppt/slides/slide7.xml><?xml version="1.0" encoding="utf-8"?>
 <p:sld xmlns:a="http://schemas.openxmlformats.org/drawingml/2006/main" xmlns:r="http://schemas.openxmlformats.org/officeDocument/2006/relationships" xmlns:p="http://schemas.openxmlformats.org/presentationml/2006/main">
   <p:cSld>
     <p:spTree>
@@ -9536,269 +10567,6 @@
 </p:sld>
 </file>
 
-<file path=ppt/slides/slide7.xml><?xml version="1.0" encoding="utf-8"?>
-<p:sld xmlns:a="http://schemas.openxmlformats.org/drawingml/2006/main" xmlns:r="http://schemas.openxmlformats.org/officeDocument/2006/relationships" xmlns:p="http://schemas.openxmlformats.org/presentationml/2006/main">
-  <p:cSld>
-    <p:spTree>
-      <p:nvGrpSpPr>
-        <p:cNvPr id="1" name=""/>
-        <p:cNvGrpSpPr/>
-        <p:nvPr/>
-      </p:nvGrpSpPr>
-      <p:grpSpPr>
-        <a:xfrm>
-          <a:off x="0" y="0"/>
-          <a:ext cx="0" cy="0"/>
-          <a:chOff x="0" y="0"/>
-          <a:chExt cx="0" cy="0"/>
-        </a:xfrm>
-      </p:grpSpPr>
-      <p:sp>
-        <p:nvSpPr>
-          <p:cNvPr id="2" name="Title 1"/>
-          <p:cNvSpPr>
-            <a:spLocks noGrp="1"/>
-          </p:cNvSpPr>
-          <p:nvPr>
-            <p:ph type="title"/>
-          </p:nvPr>
-        </p:nvSpPr>
-        <p:spPr/>
-        <p:txBody>
-          <a:bodyPr/>
-          <a:lstStyle/>
-          <a:p>
-            <a:r>
-              <a:rPr lang="en-US" dirty="0" smtClean="0"/>
-              <a:t>String built-in functions</a:t>
-            </a:r>
-            <a:endParaRPr lang="en-US" dirty="0"/>
-          </a:p>
-        </p:txBody>
-      </p:sp>
-      <p:sp>
-        <p:nvSpPr>
-          <p:cNvPr id="3" name="Content Placeholder 2"/>
-          <p:cNvSpPr>
-            <a:spLocks noGrp="1"/>
-          </p:cNvSpPr>
-          <p:nvPr>
-            <p:ph idx="1"/>
-          </p:nvPr>
-        </p:nvSpPr>
-        <p:spPr/>
-        <p:txBody>
-          <a:bodyPr>
-            <a:normAutofit lnSpcReduction="10000"/>
-          </a:bodyPr>
-          <a:lstStyle/>
-          <a:p>
-            <a:r>
-              <a:rPr lang="en-US" dirty="0" err="1" smtClean="0"/>
-              <a:t>substr</a:t>
-            </a:r>
-            <a:r>
-              <a:rPr lang="en-US" dirty="0" smtClean="0"/>
-              <a:t>($</a:t>
-            </a:r>
-            <a:r>
-              <a:rPr lang="en-US" dirty="0" err="1" smtClean="0"/>
-              <a:t>var</a:t>
-            </a:r>
-            <a:r>
-              <a:rPr lang="en-US" dirty="0" smtClean="0"/>
-              <a:t>, $start, $length) 	#substring, 0-based</a:t>
-            </a:r>
-          </a:p>
-          <a:p>
-            <a:r>
-              <a:rPr lang="en-US" dirty="0" smtClean="0"/>
-              <a:t>length($</a:t>
-            </a:r>
-            <a:r>
-              <a:rPr lang="en-US" dirty="0" err="1" smtClean="0"/>
-              <a:t>var</a:t>
-            </a:r>
-            <a:r>
-              <a:rPr lang="en-US" dirty="0" smtClean="0"/>
-              <a:t>) 			#length if a string $</a:t>
-            </a:r>
-            <a:r>
-              <a:rPr lang="en-US" dirty="0" err="1" smtClean="0"/>
-              <a:t>var</a:t>
-            </a:r>
-            <a:endParaRPr lang="en-US" dirty="0" smtClean="0"/>
-          </a:p>
-          <a:p>
-            <a:r>
-              <a:rPr lang="en-US" dirty="0" smtClean="0"/>
-              <a:t>index($</a:t>
-            </a:r>
-            <a:r>
-              <a:rPr lang="en-US" dirty="0" err="1" smtClean="0"/>
-              <a:t>var</a:t>
-            </a:r>
-            <a:r>
-              <a:rPr lang="en-US" dirty="0" smtClean="0"/>
-              <a:t>, $</a:t>
-            </a:r>
-            <a:r>
-              <a:rPr lang="en-US" dirty="0" err="1" smtClean="0"/>
-              <a:t>str</a:t>
-            </a:r>
-            <a:r>
-              <a:rPr lang="en-US" dirty="0" smtClean="0"/>
-              <a:t>) 			#position of $</a:t>
-            </a:r>
-            <a:r>
-              <a:rPr lang="en-US" dirty="0" err="1" smtClean="0"/>
-              <a:t>str</a:t>
-            </a:r>
-            <a:r>
-              <a:rPr lang="en-US" dirty="0" smtClean="0"/>
-              <a:t> in $</a:t>
-            </a:r>
-            <a:r>
-              <a:rPr lang="en-US" dirty="0" err="1" smtClean="0"/>
-              <a:t>var</a:t>
-            </a:r>
-            <a:endParaRPr lang="en-US" dirty="0" smtClean="0"/>
-          </a:p>
-          <a:p>
-            <a:r>
-              <a:rPr lang="en-US" dirty="0" smtClean="0"/>
-              <a:t>reverse($</a:t>
-            </a:r>
-            <a:r>
-              <a:rPr lang="en-US" dirty="0" err="1" smtClean="0"/>
-              <a:t>var</a:t>
-            </a:r>
-            <a:r>
-              <a:rPr lang="en-US" dirty="0" smtClean="0"/>
-              <a:t>) 			#reverse string</a:t>
-            </a:r>
-          </a:p>
-          <a:p>
-            <a:r>
-              <a:rPr lang="en-US" dirty="0" err="1" smtClean="0"/>
-              <a:t>uc</a:t>
-            </a:r>
-            <a:r>
-              <a:rPr lang="en-US" dirty="0" smtClean="0"/>
-              <a:t>($</a:t>
-            </a:r>
-            <a:r>
-              <a:rPr lang="en-US" dirty="0" err="1" smtClean="0"/>
-              <a:t>var</a:t>
-            </a:r>
-            <a:r>
-              <a:rPr lang="en-US" dirty="0" smtClean="0"/>
-              <a:t>)  </a:t>
-            </a:r>
-            <a:r>
-              <a:rPr lang="en-US" dirty="0" err="1" smtClean="0"/>
-              <a:t>lc</a:t>
-            </a:r>
-            <a:r>
-              <a:rPr lang="en-US" dirty="0" smtClean="0"/>
-              <a:t>($</a:t>
-            </a:r>
-            <a:r>
-              <a:rPr lang="en-US" dirty="0" err="1" smtClean="0"/>
-              <a:t>var</a:t>
-            </a:r>
-            <a:r>
-              <a:rPr lang="en-US" dirty="0" smtClean="0"/>
-              <a:t>)			#uppercase, lowercase</a:t>
-            </a:r>
-          </a:p>
-          <a:p>
-            <a:r>
-              <a:rPr lang="en-US" dirty="0" err="1" smtClean="0"/>
-              <a:t>ord</a:t>
-            </a:r>
-            <a:r>
-              <a:rPr lang="en-US" dirty="0" smtClean="0"/>
-              <a:t>($</a:t>
-            </a:r>
-            <a:r>
-              <a:rPr lang="en-US" dirty="0" err="1" smtClean="0"/>
-              <a:t>var</a:t>
-            </a:r>
-            <a:r>
-              <a:rPr lang="en-US" dirty="0" smtClean="0"/>
-              <a:t>)		#converts character to its ASCII value</a:t>
-            </a:r>
-          </a:p>
-          <a:p>
-            <a:pPr lvl="1"/>
-            <a:r>
-              <a:rPr lang="en-US" dirty="0" smtClean="0"/>
-              <a:t>$num = </a:t>
-            </a:r>
-            <a:r>
-              <a:rPr lang="en-US" dirty="0" err="1" smtClean="0"/>
-              <a:t>ord</a:t>
-            </a:r>
-            <a:r>
-              <a:rPr lang="en-US" dirty="0" smtClean="0"/>
-              <a:t>("a") 	#$num is now 97</a:t>
-            </a:r>
-          </a:p>
-          <a:p>
-            <a:r>
-              <a:rPr lang="en-US" dirty="0" err="1" smtClean="0"/>
-              <a:t>chr</a:t>
-            </a:r>
-            <a:r>
-              <a:rPr lang="en-US" dirty="0" smtClean="0"/>
-              <a:t>($</a:t>
-            </a:r>
-            <a:r>
-              <a:rPr lang="en-US" dirty="0" err="1" smtClean="0"/>
-              <a:t>nvar</a:t>
-            </a:r>
-            <a:r>
-              <a:rPr lang="en-US" dirty="0" smtClean="0"/>
-              <a:t>)		#converts </a:t>
-            </a:r>
-            <a:r>
-              <a:rPr lang="en-US" dirty="0" err="1" smtClean="0"/>
-              <a:t>int</a:t>
-            </a:r>
-            <a:r>
-              <a:rPr lang="en-US" dirty="0" smtClean="0"/>
-              <a:t> into ASCII character</a:t>
-            </a:r>
-          </a:p>
-          <a:p>
-            <a:pPr lvl="1"/>
-            <a:r>
-              <a:rPr lang="en-US" dirty="0" smtClean="0"/>
-              <a:t>$char = </a:t>
-            </a:r>
-            <a:r>
-              <a:rPr lang="en-US" dirty="0" err="1" smtClean="0"/>
-              <a:t>chr</a:t>
-            </a:r>
-            <a:r>
-              <a:rPr lang="en-US" dirty="0" smtClean="0"/>
-              <a:t>(99) 	#$char is now</a:t>
-            </a:r>
-          </a:p>
-          <a:p>
-            <a:endParaRPr lang="en-US" dirty="0"/>
-          </a:p>
-        </p:txBody>
-      </p:sp>
-    </p:spTree>
-  </p:cSld>
-  <p:clrMapOvr>
-    <a:masterClrMapping/>
-  </p:clrMapOvr>
-</p:sld>
-</file>
-
 <file path=ppt/slides/slide8.xml><?xml version="1.0" encoding="utf-8"?>
 <p:sld xmlns:a="http://schemas.openxmlformats.org/drawingml/2006/main" xmlns:r="http://schemas.openxmlformats.org/officeDocument/2006/relationships" xmlns:p="http://schemas.openxmlformats.org/presentationml/2006/main">
   <p:cSld>
@@ -9832,12 +10600,8 @@
           <a:lstStyle/>
           <a:p>
             <a:r>
-              <a:rPr lang="en-US" dirty="0" err="1" smtClean="0"/>
-              <a:t>substr</a:t>
-            </a:r>
-            <a:r>
               <a:rPr lang="en-US" dirty="0" smtClean="0"/>
-              <a:t>()</a:t>
+              <a:t>String built-in functions</a:t>
             </a:r>
             <a:endParaRPr lang="en-US" dirty="0"/>
           </a:p>
@@ -9861,145 +10625,197 @@
           <a:lstStyle/>
           <a:p>
             <a:r>
-              <a:rPr lang="pt-BR" dirty="0" smtClean="0"/>
-              <a:t>Syntax: </a:t>
-            </a:r>
-            <a:r>
-              <a:rPr lang="pt-BR" i="1" dirty="0" smtClean="0"/>
-              <a:t>substr </a:t>
-            </a:r>
-            <a:r>
-              <a:rPr lang="pt-BR" i="1" u="sng" dirty="0" smtClean="0">
-                <a:solidFill>
-                  <a:schemeClr val="tx2">
-                    <a:lumMod val="75000"/>
-                  </a:schemeClr>
-                </a:solidFill>
-              </a:rPr>
-              <a:t>EXPR</a:t>
-            </a:r>
-            <a:r>
-              <a:rPr lang="pt-BR" i="1" u="sng" dirty="0" smtClean="0"/>
-              <a:t>,</a:t>
-            </a:r>
-            <a:r>
-              <a:rPr lang="pt-BR" i="1" u="sng" dirty="0" smtClean="0">
-                <a:solidFill>
-                  <a:schemeClr val="bg2">
-                    <a:lumMod val="25000"/>
-                  </a:schemeClr>
-                </a:solidFill>
-              </a:rPr>
-              <a:t>OFFSET</a:t>
-            </a:r>
-            <a:r>
-              <a:rPr lang="pt-BR" i="1" u="sng" dirty="0" smtClean="0"/>
-              <a:t>,LENGTH</a:t>
-            </a:r>
-            <a:r>
-              <a:rPr lang="pt-BR" i="1" dirty="0" smtClean="0"/>
-              <a:t>,</a:t>
-            </a:r>
-            <a:r>
-              <a:rPr lang="pt-BR" i="1" dirty="0" smtClean="0">
-                <a:solidFill>
-                  <a:srgbClr val="7030A0"/>
-                </a:solidFill>
-              </a:rPr>
-              <a:t>REPLACEMENT</a:t>
-            </a:r>
-          </a:p>
-          <a:p>
+              <a:rPr lang="en-US" dirty="0" err="1" smtClean="0"/>
+              <a:t>substr</a:t>
+            </a:r>
             <a:r>
               <a:rPr lang="en-US" dirty="0" smtClean="0"/>
-              <a:t>Extracts a substring out of EXPR</a:t>
-            </a:r>
-          </a:p>
-          <a:p>
-            <a:r>
-              <a:rPr lang="pt-BR" u="sng" dirty="0" smtClean="0">
-                <a:solidFill>
-                  <a:schemeClr val="bg2">
-                    <a:lumMod val="25000"/>
-                  </a:schemeClr>
-                </a:solidFill>
-              </a:rPr>
-              <a:t>OFFSET </a:t>
-            </a:r>
-            <a:r>
-              <a:rPr lang="pt-BR" dirty="0" smtClean="0">
-                <a:solidFill>
-                  <a:schemeClr val="bg2">
-                    <a:lumMod val="25000"/>
-                  </a:schemeClr>
-                </a:solidFill>
-              </a:rPr>
-              <a:t>: </a:t>
-            </a:r>
-            <a:r>
-              <a:rPr lang="pt-BR" dirty="0" smtClean="0"/>
-              <a:t>0-index based start poition</a:t>
-            </a:r>
-            <a:r>
-              <a:rPr lang="pt-BR" u="sng" dirty="0" smtClean="0">
-                <a:solidFill>
-                  <a:schemeClr val="bg2">
-                    <a:lumMod val="25000"/>
-                  </a:schemeClr>
-                </a:solidFill>
-              </a:rPr>
-              <a:t> </a:t>
+              <a:t>($</a:t>
+            </a:r>
+            <a:r>
+              <a:rPr lang="en-US" dirty="0" err="1" smtClean="0"/>
+              <a:t>var</a:t>
+            </a:r>
+            <a:r>
+              <a:rPr lang="en-US" dirty="0" smtClean="0"/>
+              <a:t>, $start, $length) 	#substring, 0-based</a:t>
+            </a:r>
+          </a:p>
+          <a:p>
+            <a:r>
+              <a:rPr lang="en-US" dirty="0" smtClean="0"/>
+              <a:t>length($</a:t>
+            </a:r>
+            <a:r>
+              <a:rPr lang="en-US" dirty="0" err="1" smtClean="0"/>
+              <a:t>var</a:t>
+            </a:r>
+            <a:r>
+              <a:rPr lang="en-US" dirty="0" smtClean="0"/>
+              <a:t>) 			#length if a string $</a:t>
+            </a:r>
+            <a:r>
+              <a:rPr lang="en-US" dirty="0" err="1" smtClean="0"/>
+              <a:t>var</a:t>
+            </a:r>
+            <a:endParaRPr lang="en-US" dirty="0" smtClean="0"/>
+          </a:p>
+          <a:p>
+            <a:r>
+              <a:rPr lang="en-US" dirty="0" smtClean="0"/>
+              <a:t>index($</a:t>
+            </a:r>
+            <a:r>
+              <a:rPr lang="en-US" dirty="0" err="1" smtClean="0"/>
+              <a:t>var</a:t>
+            </a:r>
+            <a:r>
+              <a:rPr lang="en-US" dirty="0" smtClean="0"/>
+              <a:t>, $</a:t>
+            </a:r>
+            <a:r>
+              <a:rPr lang="en-US" dirty="0" err="1" smtClean="0"/>
+              <a:t>str</a:t>
+            </a:r>
+            <a:r>
+              <a:rPr lang="en-US" dirty="0" smtClean="0"/>
+              <a:t>) 			#position of $</a:t>
+            </a:r>
+            <a:r>
+              <a:rPr lang="en-US" dirty="0" err="1" smtClean="0"/>
+              <a:t>str</a:t>
+            </a:r>
+            <a:r>
+              <a:rPr lang="en-US" dirty="0" smtClean="0"/>
+              <a:t> in $</a:t>
+            </a:r>
+            <a:r>
+              <a:rPr lang="en-US" dirty="0" err="1" smtClean="0"/>
+              <a:t>var</a:t>
+            </a:r>
+            <a:endParaRPr lang="en-US" dirty="0" smtClean="0"/>
+          </a:p>
+          <a:p>
+            <a:r>
+              <a:rPr lang="en-US" dirty="0" smtClean="0"/>
+              <a:t>reverse($</a:t>
+            </a:r>
+            <a:r>
+              <a:rPr lang="en-US" dirty="0" err="1" smtClean="0"/>
+              <a:t>var</a:t>
+            </a:r>
+            <a:r>
+              <a:rPr lang="en-US" dirty="0" smtClean="0"/>
+              <a:t>) 			#reverse string</a:t>
+            </a:r>
+          </a:p>
+          <a:p>
+            <a:r>
+              <a:rPr lang="en-US" dirty="0" err="1" smtClean="0"/>
+              <a:t>uc</a:t>
+            </a:r>
+            <a:r>
+              <a:rPr lang="en-US" dirty="0" smtClean="0"/>
+              <a:t>($</a:t>
+            </a:r>
+            <a:r>
+              <a:rPr lang="en-US" dirty="0" err="1" smtClean="0"/>
+              <a:t>var</a:t>
+            </a:r>
+            <a:r>
+              <a:rPr lang="en-US" dirty="0" smtClean="0"/>
+              <a:t>)  </a:t>
+            </a:r>
+            <a:r>
+              <a:rPr lang="en-US" dirty="0" err="1" smtClean="0"/>
+              <a:t>lc</a:t>
+            </a:r>
+            <a:r>
+              <a:rPr lang="en-US" dirty="0" smtClean="0"/>
+              <a:t>($</a:t>
+            </a:r>
+            <a:r>
+              <a:rPr lang="en-US" dirty="0" err="1" smtClean="0"/>
+              <a:t>var</a:t>
+            </a:r>
+            <a:r>
+              <a:rPr lang="en-US" dirty="0" smtClean="0"/>
+              <a:t>)			#uppercase, lowercase</a:t>
+            </a:r>
+          </a:p>
+          <a:p>
+            <a:r>
+              <a:rPr lang="en-US" dirty="0" err="1" smtClean="0"/>
+              <a:t>ord</a:t>
+            </a:r>
+            <a:r>
+              <a:rPr lang="en-US" dirty="0" smtClean="0"/>
+              <a:t>($</a:t>
+            </a:r>
+            <a:r>
+              <a:rPr lang="en-US" dirty="0" err="1" smtClean="0"/>
+              <a:t>var</a:t>
+            </a:r>
+            <a:r>
+              <a:rPr lang="en-US" dirty="0" smtClean="0"/>
+              <a:t>)		#converts character to its ASCII value</a:t>
             </a:r>
           </a:p>
           <a:p>
             <a:pPr lvl="1"/>
             <a:r>
               <a:rPr lang="en-US" dirty="0" smtClean="0"/>
-              <a:t>If negative, starts that far back from the end</a:t>
-            </a:r>
-          </a:p>
-          <a:p>
-            <a:r>
-              <a:rPr lang="pt-BR" u="sng" dirty="0" smtClean="0"/>
-              <a:t>LENGTH</a:t>
-            </a:r>
-            <a:r>
-              <a:rPr lang="pt-BR" dirty="0" smtClean="0"/>
-              <a:t> : from OFFSET how much length to return</a:t>
+              <a:t>$num = </a:t>
+            </a:r>
+            <a:r>
+              <a:rPr lang="en-US" dirty="0" err="1" smtClean="0"/>
+              <a:t>ord</a:t>
+            </a:r>
+            <a:r>
+              <a:rPr lang="en-US" dirty="0" smtClean="0"/>
+              <a:t>("a") 	#$num is now 97</a:t>
+            </a:r>
+          </a:p>
+          <a:p>
+            <a:r>
+              <a:rPr lang="en-US" dirty="0" err="1" smtClean="0"/>
+              <a:t>chr</a:t>
+            </a:r>
+            <a:r>
+              <a:rPr lang="en-US" dirty="0" smtClean="0"/>
+              <a:t>($</a:t>
+            </a:r>
+            <a:r>
+              <a:rPr lang="en-US" dirty="0" err="1" smtClean="0"/>
+              <a:t>nvar</a:t>
+            </a:r>
+            <a:r>
+              <a:rPr lang="en-US" dirty="0" smtClean="0"/>
+              <a:t>)		#converts </a:t>
+            </a:r>
+            <a:r>
+              <a:rPr lang="en-US" dirty="0" err="1" smtClean="0"/>
+              <a:t>int</a:t>
+            </a:r>
+            <a:r>
+              <a:rPr lang="en-US" dirty="0" smtClean="0"/>
+              <a:t> into ASCII character</a:t>
             </a:r>
           </a:p>
           <a:p>
             <a:pPr lvl="1"/>
             <a:r>
               <a:rPr lang="en-US" dirty="0" smtClean="0"/>
-              <a:t>If omitted, returns everything through the end</a:t>
-            </a:r>
-          </a:p>
-          <a:p>
-            <a:pPr lvl="1"/>
-            <a:r>
-              <a:rPr lang="pt-BR" dirty="0" smtClean="0"/>
-              <a:t>If negative, </a:t>
+              <a:t>$char = </a:t>
+            </a:r>
+            <a:r>
+              <a:rPr lang="en-US" dirty="0" err="1" smtClean="0"/>
+              <a:t>chr</a:t>
             </a:r>
             <a:r>
               <a:rPr lang="en-US" dirty="0" smtClean="0"/>
-              <a:t>leaves that many characters off the end.</a:t>
-            </a:r>
-          </a:p>
-          <a:p>
-            <a:r>
-              <a:rPr lang="pt-BR" dirty="0" smtClean="0">
-                <a:solidFill>
-                  <a:srgbClr val="7030A0"/>
-                </a:solidFill>
-              </a:rPr>
-              <a:t>REPLACEMENT : </a:t>
-            </a:r>
-            <a:r>
-              <a:rPr lang="pt-BR" dirty="0" smtClean="0"/>
-              <a:t>optionally replace with PROVIDED string</a:t>
-            </a:r>
-            <a:endParaRPr lang="en-US" dirty="0" smtClean="0"/>
+              <a:t>(99) 	#$char is now</a:t>
+            </a:r>
           </a:p>
           <a:p>
             <a:endParaRPr lang="en-US" dirty="0"/>
@@ -10031,82 +10847,201 @@
           <a:chExt cx="0" cy="0"/>
         </a:xfrm>
       </p:grpSpPr>
-      <p:pic>
-        <p:nvPicPr>
-          <p:cNvPr id="3074" name="Picture 2"/>
-          <p:cNvPicPr>
-            <a:picLocks noChangeAspect="1" noChangeArrowheads="1"/>
-          </p:cNvPicPr>
-          <p:nvPr/>
-        </p:nvPicPr>
-        <p:blipFill>
-          <a:blip r:embed="rId2" cstate="print"/>
-          <a:srcRect/>
-          <a:stretch>
-            <a:fillRect/>
-          </a:stretch>
-        </p:blipFill>
-        <p:spPr bwMode="auto">
-          <a:xfrm>
-            <a:off x="1" y="957265"/>
-            <a:ext cx="9144000" cy="2402958"/>
-          </a:xfrm>
-          <a:prstGeom prst="rect">
-            <a:avLst/>
-          </a:prstGeom>
-          <a:noFill/>
-          <a:ln w="9525">
-            <a:noFill/>
-            <a:miter lim="800000"/>
-            <a:headEnd/>
-            <a:tailEnd/>
-          </a:ln>
-        </p:spPr>
-      </p:pic>
-      <p:pic>
-        <p:nvPicPr>
-          <p:cNvPr id="3076" name="Picture 4"/>
-          <p:cNvPicPr>
-            <a:picLocks noChangeAspect="1" noChangeArrowheads="1"/>
-          </p:cNvPicPr>
-          <p:nvPr/>
-        </p:nvPicPr>
-        <p:blipFill>
-          <a:blip r:embed="rId3" cstate="print"/>
-          <a:srcRect/>
-          <a:stretch>
-            <a:fillRect/>
-          </a:stretch>
-        </p:blipFill>
-        <p:spPr bwMode="auto">
-          <a:xfrm>
-            <a:off x="1" y="3728748"/>
-            <a:ext cx="9144000" cy="629697"/>
-          </a:xfrm>
-          <a:prstGeom prst="rect">
-            <a:avLst/>
-          </a:prstGeom>
-          <a:noFill/>
-          <a:ln w="9525">
-            <a:noFill/>
-            <a:miter lim="800000"/>
-            <a:headEnd/>
-            <a:tailEnd/>
-          </a:ln>
-        </p:spPr>
-      </p:pic>
+      <p:sp>
+        <p:nvSpPr>
+          <p:cNvPr id="2" name="Title 1"/>
+          <p:cNvSpPr>
+            <a:spLocks noGrp="1"/>
+          </p:cNvSpPr>
+          <p:nvPr>
+            <p:ph type="title"/>
+          </p:nvPr>
+        </p:nvSpPr>
+        <p:spPr/>
+        <p:txBody>
+          <a:bodyPr/>
+          <a:lstStyle/>
+          <a:p>
+            <a:r>
+              <a:rPr lang="en-US" dirty="0" err="1" smtClean="0"/>
+              <a:t>substr</a:t>
+            </a:r>
+            <a:r>
+              <a:rPr lang="en-US" dirty="0" smtClean="0"/>
+              <a:t>()</a:t>
+            </a:r>
+            <a:endParaRPr lang="en-US" dirty="0"/>
+          </a:p>
+        </p:txBody>
+      </p:sp>
+      <p:sp>
+        <p:nvSpPr>
+          <p:cNvPr id="3" name="Content Placeholder 2"/>
+          <p:cNvSpPr>
+            <a:spLocks noGrp="1"/>
+          </p:cNvSpPr>
+          <p:nvPr>
+            <p:ph idx="1"/>
+          </p:nvPr>
+        </p:nvSpPr>
+        <p:spPr/>
+        <p:txBody>
+          <a:bodyPr>
+            <a:normAutofit lnSpcReduction="10000"/>
+          </a:bodyPr>
+          <a:lstStyle/>
+          <a:p>
+            <a:r>
+              <a:rPr lang="pt-BR" dirty="0" smtClean="0"/>
+              <a:t>Syntax: </a:t>
+            </a:r>
+            <a:r>
+              <a:rPr lang="pt-BR" i="1" dirty="0" smtClean="0"/>
+              <a:t>substr </a:t>
+            </a:r>
+            <a:r>
+              <a:rPr lang="pt-BR" i="1" u="sng" dirty="0" smtClean="0">
+                <a:solidFill>
+                  <a:schemeClr val="tx2">
+                    <a:lumMod val="75000"/>
+                  </a:schemeClr>
+                </a:solidFill>
+              </a:rPr>
+              <a:t>EXPR</a:t>
+            </a:r>
+            <a:r>
+              <a:rPr lang="pt-BR" i="1" u="sng" dirty="0" smtClean="0"/>
+              <a:t>,</a:t>
+            </a:r>
+            <a:r>
+              <a:rPr lang="pt-BR" i="1" u="sng" dirty="0" smtClean="0">
+                <a:solidFill>
+                  <a:schemeClr val="bg2">
+                    <a:lumMod val="25000"/>
+                  </a:schemeClr>
+                </a:solidFill>
+              </a:rPr>
+              <a:t>OFFSET</a:t>
+            </a:r>
+            <a:r>
+              <a:rPr lang="pt-BR" i="1" u="sng" dirty="0" smtClean="0"/>
+              <a:t>,LENGTH</a:t>
+            </a:r>
+            <a:r>
+              <a:rPr lang="pt-BR" i="1" dirty="0" smtClean="0"/>
+              <a:t>,</a:t>
+            </a:r>
+            <a:r>
+              <a:rPr lang="pt-BR" i="1" dirty="0" smtClean="0">
+                <a:solidFill>
+                  <a:srgbClr val="7030A0"/>
+                </a:solidFill>
+              </a:rPr>
+              <a:t>REPLACEMENT</a:t>
+            </a:r>
+          </a:p>
+          <a:p>
+            <a:r>
+              <a:rPr lang="en-US" dirty="0" smtClean="0"/>
+              <a:t>Extracts a substring out of EXPR</a:t>
+            </a:r>
+          </a:p>
+          <a:p>
+            <a:r>
+              <a:rPr lang="pt-BR" u="sng" dirty="0" smtClean="0">
+                <a:solidFill>
+                  <a:schemeClr val="bg2">
+                    <a:lumMod val="25000"/>
+                  </a:schemeClr>
+                </a:solidFill>
+              </a:rPr>
+              <a:t>OFFSET </a:t>
+            </a:r>
+            <a:r>
+              <a:rPr lang="pt-BR" dirty="0" smtClean="0">
+                <a:solidFill>
+                  <a:schemeClr val="bg2">
+                    <a:lumMod val="25000"/>
+                  </a:schemeClr>
+                </a:solidFill>
+              </a:rPr>
+              <a:t>: </a:t>
+            </a:r>
+            <a:r>
+              <a:rPr lang="pt-BR" dirty="0" smtClean="0"/>
+              <a:t>0-index based start poition</a:t>
+            </a:r>
+            <a:r>
+              <a:rPr lang="pt-BR" u="sng" dirty="0" smtClean="0">
+                <a:solidFill>
+                  <a:schemeClr val="bg2">
+                    <a:lumMod val="25000"/>
+                  </a:schemeClr>
+                </a:solidFill>
+              </a:rPr>
+              <a:t> </a:t>
+            </a:r>
+          </a:p>
+          <a:p>
+            <a:pPr lvl="1"/>
+            <a:r>
+              <a:rPr lang="en-US" dirty="0" smtClean="0"/>
+              <a:t>If negative, starts that far back from the end</a:t>
+            </a:r>
+          </a:p>
+          <a:p>
+            <a:r>
+              <a:rPr lang="pt-BR" u="sng" dirty="0" smtClean="0"/>
+              <a:t>LENGTH</a:t>
+            </a:r>
+            <a:r>
+              <a:rPr lang="pt-BR" dirty="0" smtClean="0"/>
+              <a:t> : from OFFSET how much length to return</a:t>
+            </a:r>
+          </a:p>
+          <a:p>
+            <a:pPr lvl="1"/>
+            <a:r>
+              <a:rPr lang="en-US" dirty="0" smtClean="0"/>
+              <a:t>If omitted, returns everything through the end</a:t>
+            </a:r>
+          </a:p>
+          <a:p>
+            <a:pPr lvl="1"/>
+            <a:r>
+              <a:rPr lang="pt-BR" dirty="0" smtClean="0"/>
+              <a:t>If negative, </a:t>
+            </a:r>
+            <a:r>
+              <a:rPr lang="en-US" dirty="0" smtClean="0"/>
+              <a:t>leaves that many characters off the end.</a:t>
+            </a:r>
+          </a:p>
+          <a:p>
+            <a:r>
+              <a:rPr lang="pt-BR" dirty="0" smtClean="0">
+                <a:solidFill>
+                  <a:srgbClr val="7030A0"/>
+                </a:solidFill>
+              </a:rPr>
+              <a:t>REPLACEMENT : </a:t>
+            </a:r>
+            <a:r>
+              <a:rPr lang="pt-BR" dirty="0" smtClean="0"/>
+              <a:t>optionally replace with PROVIDED string</a:t>
+            </a:r>
+            <a:endParaRPr lang="en-US" dirty="0" smtClean="0"/>
+          </a:p>
+          <a:p>
+            <a:endParaRPr lang="en-US" dirty="0"/>
+          </a:p>
+        </p:txBody>
+      </p:sp>
     </p:spTree>
   </p:cSld>
   <p:clrMapOvr>
     <a:masterClrMapping/>
   </p:clrMapOvr>
-  <p:timing>
-    <p:tnLst>
-      <p:par>
-        <p:cTn id="1" dur="indefinite" restart="never" nodeType="tmRoot"/>
-      </p:par>
-    </p:tnLst>
-  </p:timing>
 </p:sld>
 </file>
 
